--- a/Presentation.pptx
+++ b/Presentation.pptx
@@ -7,6 +7,14 @@
   <p:sldIdLst>
     <p:sldId id="256" r:id="rId2"/>
     <p:sldId id="257" r:id="rId3"/>
+    <p:sldId id="258" r:id="rId4"/>
+    <p:sldId id="259" r:id="rId5"/>
+    <p:sldId id="263" r:id="rId6"/>
+    <p:sldId id="264" r:id="rId7"/>
+    <p:sldId id="265" r:id="rId8"/>
+    <p:sldId id="260" r:id="rId9"/>
+    <p:sldId id="261" r:id="rId10"/>
+    <p:sldId id="262" r:id="rId11"/>
   </p:sldIdLst>
   <p:sldSz cx="12192000" cy="6858000"/>
   <p:notesSz cx="6858000" cy="9144000"/>
@@ -105,6 +113,11 @@
       </a:defRPr>
     </a:lvl9pPr>
   </p:defaultTextStyle>
+  <p:extLst>
+    <p:ext uri="{EFAFB233-063F-42B5-8137-9DF3F51BA10A}">
+      <p15:sldGuideLst xmlns:p15="http://schemas.microsoft.com/office/powerpoint/2012/main"/>
+    </p:ext>
+  </p:extLst>
 </p:presentation>
 </file>
 
@@ -304,7 +317,7 @@
             <a:fld id="{5586B75A-687E-405C-8A0B-8D00578BA2C3}" type="datetimeFigureOut">
               <a:rPr lang="en-US" dirty="0"/>
               <a:pPr/>
-              <a:t>4/7/19</a:t>
+              <a:t>4/10/19</a:t>
             </a:fld>
             <a:endParaRPr lang="en-US" dirty="0"/>
           </a:p>
@@ -471,7 +484,7 @@
             <a:fld id="{5586B75A-687E-405C-8A0B-8D00578BA2C3}" type="datetimeFigureOut">
               <a:rPr lang="en-US" dirty="0"/>
               <a:pPr/>
-              <a:t>4/7/19</a:t>
+              <a:t>4/10/19</a:t>
             </a:fld>
             <a:endParaRPr lang="en-US" dirty="0"/>
           </a:p>
@@ -648,7 +661,7 @@
             <a:fld id="{5586B75A-687E-405C-8A0B-8D00578BA2C3}" type="datetimeFigureOut">
               <a:rPr lang="en-US" dirty="0"/>
               <a:pPr/>
-              <a:t>4/7/19</a:t>
+              <a:t>4/10/19</a:t>
             </a:fld>
             <a:endParaRPr lang="en-US" dirty="0"/>
           </a:p>
@@ -742,14 +755,19 @@
         </p:nvSpPr>
         <p:spPr/>
         <p:txBody>
-          <a:bodyPr/>
-          <a:lstStyle/>
-          <a:p>
-            <a:r>
-              <a:rPr lang="en-US"/>
+          <a:bodyPr>
+            <a:normAutofit/>
+          </a:bodyPr>
+          <a:lstStyle>
+            <a:lvl1pPr>
+              <a:defRPr sz="4600"/>
+            </a:lvl1pPr>
+          </a:lstStyle>
+          <a:p>
+            <a:r>
+              <a:rPr lang="en-US" dirty="0"/>
               <a:t>Click to edit Master title style</a:t>
             </a:r>
-            <a:endParaRPr lang="en-US" dirty="0"/>
           </a:p>
         </p:txBody>
       </p:sp>
@@ -766,42 +784,45 @@
         <p:spPr/>
         <p:txBody>
           <a:bodyPr/>
-          <a:lstStyle/>
+          <a:lstStyle>
+            <a:lvl1pPr>
+              <a:defRPr sz="3000"/>
+            </a:lvl1pPr>
+          </a:lstStyle>
           <a:p>
             <a:pPr lvl="0"/>
             <a:r>
-              <a:rPr lang="en-US"/>
+              <a:rPr lang="en-US" dirty="0"/>
               <a:t>Click to edit Master text styles</a:t>
             </a:r>
           </a:p>
           <a:p>
             <a:pPr lvl="1"/>
             <a:r>
-              <a:rPr lang="en-US"/>
+              <a:rPr lang="en-US" dirty="0"/>
               <a:t>Second level</a:t>
             </a:r>
           </a:p>
           <a:p>
             <a:pPr lvl="2"/>
             <a:r>
-              <a:rPr lang="en-US"/>
+              <a:rPr lang="en-US" dirty="0"/>
               <a:t>Third level</a:t>
             </a:r>
           </a:p>
           <a:p>
             <a:pPr lvl="3"/>
             <a:r>
-              <a:rPr lang="en-US"/>
+              <a:rPr lang="en-US" dirty="0"/>
               <a:t>Fourth level</a:t>
             </a:r>
           </a:p>
           <a:p>
             <a:pPr lvl="4"/>
             <a:r>
-              <a:rPr lang="en-US"/>
+              <a:rPr lang="en-US" dirty="0"/>
               <a:t>Fifth level</a:t>
             </a:r>
-            <a:endParaRPr lang="en-US" dirty="0"/>
           </a:p>
         </p:txBody>
       </p:sp>
@@ -823,7 +844,7 @@
             <a:fld id="{5586B75A-687E-405C-8A0B-8D00578BA2C3}" type="datetimeFigureOut">
               <a:rPr lang="en-US" dirty="0"/>
               <a:pPr/>
-              <a:t>4/7/19</a:t>
+              <a:t>4/10/19</a:t>
             </a:fld>
             <a:endParaRPr lang="en-US" dirty="0"/>
           </a:p>
@@ -1071,7 +1092,7 @@
             <a:fld id="{5586B75A-687E-405C-8A0B-8D00578BA2C3}" type="datetimeFigureOut">
               <a:rPr lang="en-US" dirty="0"/>
               <a:pPr/>
-              <a:t>4/7/19</a:t>
+              <a:t>4/10/19</a:t>
             </a:fld>
             <a:endParaRPr lang="en-US" dirty="0"/>
           </a:p>
@@ -1356,7 +1377,7 @@
             <a:fld id="{5586B75A-687E-405C-8A0B-8D00578BA2C3}" type="datetimeFigureOut">
               <a:rPr lang="en-US" dirty="0"/>
               <a:pPr/>
-              <a:t>4/7/19</a:t>
+              <a:t>4/10/19</a:t>
             </a:fld>
             <a:endParaRPr lang="en-US" dirty="0"/>
           </a:p>
@@ -1795,7 +1816,7 @@
             <a:fld id="{5586B75A-687E-405C-8A0B-8D00578BA2C3}" type="datetimeFigureOut">
               <a:rPr lang="en-US" dirty="0"/>
               <a:pPr/>
-              <a:t>4/7/19</a:t>
+              <a:t>4/10/19</a:t>
             </a:fld>
             <a:endParaRPr lang="en-US" dirty="0"/>
           </a:p>
@@ -1910,7 +1931,7 @@
             <a:fld id="{5586B75A-687E-405C-8A0B-8D00578BA2C3}" type="datetimeFigureOut">
               <a:rPr lang="en-US" dirty="0"/>
               <a:pPr/>
-              <a:t>4/7/19</a:t>
+              <a:t>4/10/19</a:t>
             </a:fld>
             <a:endParaRPr lang="en-US" dirty="0"/>
           </a:p>
@@ -2002,7 +2023,7 @@
             <a:fld id="{5586B75A-687E-405C-8A0B-8D00578BA2C3}" type="datetimeFigureOut">
               <a:rPr lang="en-US" dirty="0"/>
               <a:pPr/>
-              <a:t>4/7/19</a:t>
+              <a:t>4/10/19</a:t>
             </a:fld>
             <a:endParaRPr lang="en-US" dirty="0"/>
           </a:p>
@@ -2287,7 +2308,7 @@
             <a:fld id="{5586B75A-687E-405C-8A0B-8D00578BA2C3}" type="datetimeFigureOut">
               <a:rPr lang="en-US" dirty="0"/>
               <a:pPr/>
-              <a:t>4/7/19</a:t>
+              <a:t>4/10/19</a:t>
             </a:fld>
             <a:endParaRPr lang="en-US" dirty="0"/>
           </a:p>
@@ -2557,7 +2578,7 @@
             <a:fld id="{5586B75A-687E-405C-8A0B-8D00578BA2C3}" type="datetimeFigureOut">
               <a:rPr lang="en-US" dirty="0"/>
               <a:pPr/>
-              <a:t>4/7/19</a:t>
+              <a:t>4/10/19</a:t>
             </a:fld>
             <a:endParaRPr lang="en-US" dirty="0"/>
           </a:p>
@@ -2853,7 +2874,7 @@
             <a:fld id="{5586B75A-687E-405C-8A0B-8D00578BA2C3}" type="datetimeFigureOut">
               <a:rPr lang="en-US" dirty="0"/>
               <a:pPr/>
-              <a:t>4/7/19</a:t>
+              <a:t>4/10/19</a:t>
             </a:fld>
             <a:endParaRPr lang="en-US" dirty="0"/>
           </a:p>
@@ -3498,6 +3519,64 @@
 </p:sld>
 </file>
 
+<file path=ppt/slides/slide10.xml><?xml version="1.0" encoding="utf-8"?>
+<p:sld xmlns:a="http://schemas.openxmlformats.org/drawingml/2006/main" xmlns:r="http://schemas.openxmlformats.org/officeDocument/2006/relationships" xmlns:p="http://schemas.openxmlformats.org/presentationml/2006/main">
+  <p:cSld>
+    <p:spTree>
+      <p:nvGrpSpPr>
+        <p:cNvPr id="1" name=""/>
+        <p:cNvGrpSpPr/>
+        <p:nvPr/>
+      </p:nvGrpSpPr>
+      <p:grpSpPr>
+        <a:xfrm>
+          <a:off x="0" y="0"/>
+          <a:ext cx="0" cy="0"/>
+          <a:chOff x="0" y="0"/>
+          <a:chExt cx="0" cy="0"/>
+        </a:xfrm>
+      </p:grpSpPr>
+      <p:sp>
+        <p:nvSpPr>
+          <p:cNvPr id="2" name="Title 1">
+            <a:extLst>
+              <a:ext uri="{FF2B5EF4-FFF2-40B4-BE49-F238E27FC236}">
+                <a16:creationId xmlns:a16="http://schemas.microsoft.com/office/drawing/2014/main" id="{73A3347C-D2F7-0C4C-9F5B-5F88F5BB9464}"/>
+              </a:ext>
+            </a:extLst>
+          </p:cNvPr>
+          <p:cNvSpPr>
+            <a:spLocks noGrp="1"/>
+          </p:cNvSpPr>
+          <p:nvPr>
+            <p:ph type="title"/>
+          </p:nvPr>
+        </p:nvSpPr>
+        <p:spPr/>
+        <p:txBody>
+          <a:bodyPr/>
+          <a:lstStyle/>
+          <a:p>
+            <a:r>
+              <a:rPr lang="en-US" dirty="0"/>
+              <a:t>Any Questions?...</a:t>
+            </a:r>
+          </a:p>
+        </p:txBody>
+      </p:sp>
+    </p:spTree>
+    <p:extLst>
+      <p:ext uri="{BB962C8B-B14F-4D97-AF65-F5344CB8AC3E}">
+        <p14:creationId xmlns:p14="http://schemas.microsoft.com/office/powerpoint/2010/main" val="3914106210"/>
+      </p:ext>
+    </p:extLst>
+  </p:cSld>
+  <p:clrMapOvr>
+    <a:masterClrMapping/>
+  </p:clrMapOvr>
+</p:sld>
+</file>
+
 <file path=ppt/slides/slide2.xml><?xml version="1.0" encoding="utf-8"?>
 <p:sld xmlns:a="http://schemas.openxmlformats.org/drawingml/2006/main" xmlns:r="http://schemas.openxmlformats.org/officeDocument/2006/relationships" xmlns:p="http://schemas.openxmlformats.org/presentationml/2006/main">
   <p:cSld>
@@ -3533,10 +3612,22 @@
         </p:nvSpPr>
         <p:spPr/>
         <p:txBody>
-          <a:bodyPr/>
-          <a:lstStyle/>
-          <a:p>
-            <a:endParaRPr lang="en-US" dirty="0"/>
+          <a:bodyPr>
+            <a:normAutofit/>
+          </a:bodyPr>
+          <a:lstStyle/>
+          <a:p>
+            <a:r>
+              <a:rPr lang="en-US" sz="4500" dirty="0"/>
+              <a:t>What </a:t>
+            </a:r>
+            <a:br>
+              <a:rPr lang="en-US" sz="4500" dirty="0"/>
+            </a:br>
+            <a:r>
+              <a:rPr lang="en-US" sz="4500" dirty="0"/>
+              <a:t>we will uncover…</a:t>
+            </a:r>
           </a:p>
         </p:txBody>
       </p:sp>
@@ -3561,6 +3652,24 @@
           <a:bodyPr/>
           <a:lstStyle/>
           <a:p>
+            <a:r>
+              <a:rPr lang="en-US" sz="3000" dirty="0"/>
+              <a:t>Are free throw attempts/free throws made correlated to wins?</a:t>
+            </a:r>
+          </a:p>
+          <a:p>
+            <a:pPr marL="0" indent="0">
+              <a:buNone/>
+            </a:pPr>
+            <a:endParaRPr lang="en-US" sz="3000" dirty="0"/>
+          </a:p>
+          <a:p>
+            <a:r>
+              <a:rPr lang="en-US" sz="3000" dirty="0"/>
+              <a:t>Are referees actually biased towards home teams in calling fouls and does it lead to more wins?</a:t>
+            </a:r>
+          </a:p>
+          <a:p>
             <a:endParaRPr lang="en-US" dirty="0"/>
           </a:p>
         </p:txBody>
@@ -3569,6 +3678,625 @@
     <p:extLst>
       <p:ext uri="{BB962C8B-B14F-4D97-AF65-F5344CB8AC3E}">
         <p14:creationId xmlns:p14="http://schemas.microsoft.com/office/powerpoint/2010/main" val="628399208"/>
+      </p:ext>
+    </p:extLst>
+  </p:cSld>
+  <p:clrMapOvr>
+    <a:masterClrMapping/>
+  </p:clrMapOvr>
+</p:sld>
+</file>
+
+<file path=ppt/slides/slide3.xml><?xml version="1.0" encoding="utf-8"?>
+<p:sld xmlns:a="http://schemas.openxmlformats.org/drawingml/2006/main" xmlns:r="http://schemas.openxmlformats.org/officeDocument/2006/relationships" xmlns:p="http://schemas.openxmlformats.org/presentationml/2006/main">
+  <p:cSld>
+    <p:spTree>
+      <p:nvGrpSpPr>
+        <p:cNvPr id="1" name=""/>
+        <p:cNvGrpSpPr/>
+        <p:nvPr/>
+      </p:nvGrpSpPr>
+      <p:grpSpPr>
+        <a:xfrm>
+          <a:off x="0" y="0"/>
+          <a:ext cx="0" cy="0"/>
+          <a:chOff x="0" y="0"/>
+          <a:chExt cx="0" cy="0"/>
+        </a:xfrm>
+      </p:grpSpPr>
+      <p:sp>
+        <p:nvSpPr>
+          <p:cNvPr id="2" name="Title 1">
+            <a:extLst>
+              <a:ext uri="{FF2B5EF4-FFF2-40B4-BE49-F238E27FC236}">
+                <a16:creationId xmlns:a16="http://schemas.microsoft.com/office/drawing/2014/main" id="{BBABA5E6-DB50-CD47-8729-DA59F1AF025E}"/>
+              </a:ext>
+            </a:extLst>
+          </p:cNvPr>
+          <p:cNvSpPr>
+            <a:spLocks noGrp="1"/>
+          </p:cNvSpPr>
+          <p:nvPr>
+            <p:ph type="title"/>
+          </p:nvPr>
+        </p:nvSpPr>
+        <p:spPr/>
+        <p:txBody>
+          <a:bodyPr/>
+          <a:lstStyle/>
+          <a:p>
+            <a:r>
+              <a:rPr lang="en-US" dirty="0"/>
+              <a:t>The Data… </a:t>
+            </a:r>
+          </a:p>
+        </p:txBody>
+      </p:sp>
+      <p:sp>
+        <p:nvSpPr>
+          <p:cNvPr id="3" name="Content Placeholder 2">
+            <a:extLst>
+              <a:ext uri="{FF2B5EF4-FFF2-40B4-BE49-F238E27FC236}">
+                <a16:creationId xmlns:a16="http://schemas.microsoft.com/office/drawing/2014/main" id="{3981BBE6-41B6-3B42-8ADA-9BFB3AAADBD0}"/>
+              </a:ext>
+            </a:extLst>
+          </p:cNvPr>
+          <p:cNvSpPr>
+            <a:spLocks noGrp="1"/>
+          </p:cNvSpPr>
+          <p:nvPr>
+            <p:ph idx="1"/>
+          </p:nvPr>
+        </p:nvSpPr>
+        <p:spPr/>
+        <p:txBody>
+          <a:bodyPr/>
+          <a:lstStyle/>
+          <a:p>
+            <a:r>
+              <a:rPr lang="en-US" dirty="0"/>
+              <a:t>Primary source: </a:t>
+            </a:r>
+            <a:r>
+              <a:rPr lang="en-US" dirty="0">
+                <a:hlinkClick r:id="rId2"/>
+              </a:rPr>
+              <a:t>nba.com</a:t>
+            </a:r>
+            <a:endParaRPr lang="en-US" dirty="0"/>
+          </a:p>
+          <a:p>
+            <a:endParaRPr lang="en-US" dirty="0"/>
+          </a:p>
+          <a:p>
+            <a:r>
+              <a:rPr lang="en-US" dirty="0"/>
+              <a:t>Consolidated stats on team by team basis over seven seasons starting in 2012</a:t>
+            </a:r>
+          </a:p>
+          <a:p>
+            <a:endParaRPr lang="en-US" dirty="0"/>
+          </a:p>
+          <a:p>
+            <a:r>
+              <a:rPr lang="en-US" dirty="0"/>
+              <a:t>Data used for analysis</a:t>
+            </a:r>
+          </a:p>
+          <a:p>
+            <a:pPr lvl="1"/>
+            <a:r>
+              <a:rPr lang="en-US" dirty="0"/>
+              <a:t>Home/</a:t>
+            </a:r>
+            <a:r>
+              <a:rPr lang="en-US"/>
+              <a:t>Away, Wins</a:t>
+            </a:r>
+            <a:r>
+              <a:rPr lang="en-US" dirty="0"/>
+              <a:t>, Loss,  Win%, FT Made, FT Attempted, FT%, Win Rank, Loss Rank,  Win % Rank, FT Made Rank, FT Attempted Rank,  FT % Rank, Total Points</a:t>
+            </a:r>
+          </a:p>
+        </p:txBody>
+      </p:sp>
+    </p:spTree>
+    <p:extLst>
+      <p:ext uri="{BB962C8B-B14F-4D97-AF65-F5344CB8AC3E}">
+        <p14:creationId xmlns:p14="http://schemas.microsoft.com/office/powerpoint/2010/main" val="3049008599"/>
+      </p:ext>
+    </p:extLst>
+  </p:cSld>
+  <p:clrMapOvr>
+    <a:masterClrMapping/>
+  </p:clrMapOvr>
+</p:sld>
+</file>
+
+<file path=ppt/slides/slide4.xml><?xml version="1.0" encoding="utf-8"?>
+<p:sld xmlns:a="http://schemas.openxmlformats.org/drawingml/2006/main" xmlns:r="http://schemas.openxmlformats.org/officeDocument/2006/relationships" xmlns:p="http://schemas.openxmlformats.org/presentationml/2006/main">
+  <p:cSld>
+    <p:spTree>
+      <p:nvGrpSpPr>
+        <p:cNvPr id="1" name=""/>
+        <p:cNvGrpSpPr/>
+        <p:nvPr/>
+      </p:nvGrpSpPr>
+      <p:grpSpPr>
+        <a:xfrm>
+          <a:off x="0" y="0"/>
+          <a:ext cx="0" cy="0"/>
+          <a:chOff x="0" y="0"/>
+          <a:chExt cx="0" cy="0"/>
+        </a:xfrm>
+      </p:grpSpPr>
+      <p:sp>
+        <p:nvSpPr>
+          <p:cNvPr id="2" name="Title 1">
+            <a:extLst>
+              <a:ext uri="{FF2B5EF4-FFF2-40B4-BE49-F238E27FC236}">
+                <a16:creationId xmlns:a16="http://schemas.microsoft.com/office/drawing/2014/main" id="{5F957B45-5647-6247-B187-C1506778E6B8}"/>
+              </a:ext>
+            </a:extLst>
+          </p:cNvPr>
+          <p:cNvSpPr>
+            <a:spLocks noGrp="1"/>
+          </p:cNvSpPr>
+          <p:nvPr>
+            <p:ph type="title"/>
+          </p:nvPr>
+        </p:nvSpPr>
+        <p:spPr/>
+        <p:txBody>
+          <a:bodyPr/>
+          <a:lstStyle/>
+          <a:p>
+            <a:endParaRPr lang="en-US" dirty="0"/>
+          </a:p>
+        </p:txBody>
+      </p:sp>
+      <p:sp>
+        <p:nvSpPr>
+          <p:cNvPr id="3" name="Content Placeholder 2">
+            <a:extLst>
+              <a:ext uri="{FF2B5EF4-FFF2-40B4-BE49-F238E27FC236}">
+                <a16:creationId xmlns:a16="http://schemas.microsoft.com/office/drawing/2014/main" id="{3B433C74-BAA4-0D44-97FD-A249D1D8BC60}"/>
+              </a:ext>
+            </a:extLst>
+          </p:cNvPr>
+          <p:cNvSpPr>
+            <a:spLocks noGrp="1"/>
+          </p:cNvSpPr>
+          <p:nvPr>
+            <p:ph idx="1"/>
+          </p:nvPr>
+        </p:nvSpPr>
+        <p:spPr/>
+        <p:txBody>
+          <a:bodyPr/>
+          <a:lstStyle/>
+          <a:p>
+            <a:endParaRPr lang="en-US"/>
+          </a:p>
+        </p:txBody>
+      </p:sp>
+    </p:spTree>
+    <p:extLst>
+      <p:ext uri="{BB962C8B-B14F-4D97-AF65-F5344CB8AC3E}">
+        <p14:creationId xmlns:p14="http://schemas.microsoft.com/office/powerpoint/2010/main" val="2198986134"/>
+      </p:ext>
+    </p:extLst>
+  </p:cSld>
+  <p:clrMapOvr>
+    <a:masterClrMapping/>
+  </p:clrMapOvr>
+</p:sld>
+</file>
+
+<file path=ppt/slides/slide5.xml><?xml version="1.0" encoding="utf-8"?>
+<p:sld xmlns:a="http://schemas.openxmlformats.org/drawingml/2006/main" xmlns:r="http://schemas.openxmlformats.org/officeDocument/2006/relationships" xmlns:p="http://schemas.openxmlformats.org/presentationml/2006/main">
+  <p:cSld>
+    <p:spTree>
+      <p:nvGrpSpPr>
+        <p:cNvPr id="1" name=""/>
+        <p:cNvGrpSpPr/>
+        <p:nvPr/>
+      </p:nvGrpSpPr>
+      <p:grpSpPr>
+        <a:xfrm>
+          <a:off x="0" y="0"/>
+          <a:ext cx="0" cy="0"/>
+          <a:chOff x="0" y="0"/>
+          <a:chExt cx="0" cy="0"/>
+        </a:xfrm>
+      </p:grpSpPr>
+      <p:sp>
+        <p:nvSpPr>
+          <p:cNvPr id="2" name="Title 1">
+            <a:extLst>
+              <a:ext uri="{FF2B5EF4-FFF2-40B4-BE49-F238E27FC236}">
+                <a16:creationId xmlns:a16="http://schemas.microsoft.com/office/drawing/2014/main" id="{38926A09-A7B9-7747-9BCE-289084CBA68D}"/>
+              </a:ext>
+            </a:extLst>
+          </p:cNvPr>
+          <p:cNvSpPr>
+            <a:spLocks noGrp="1"/>
+          </p:cNvSpPr>
+          <p:nvPr>
+            <p:ph type="title"/>
+          </p:nvPr>
+        </p:nvSpPr>
+        <p:spPr/>
+        <p:txBody>
+          <a:bodyPr/>
+          <a:lstStyle/>
+          <a:p>
+            <a:endParaRPr lang="en-US"/>
+          </a:p>
+        </p:txBody>
+      </p:sp>
+      <p:sp>
+        <p:nvSpPr>
+          <p:cNvPr id="3" name="Content Placeholder 2">
+            <a:extLst>
+              <a:ext uri="{FF2B5EF4-FFF2-40B4-BE49-F238E27FC236}">
+                <a16:creationId xmlns:a16="http://schemas.microsoft.com/office/drawing/2014/main" id="{5C41555B-4DC6-4B49-8D99-76AEEC568B87}"/>
+              </a:ext>
+            </a:extLst>
+          </p:cNvPr>
+          <p:cNvSpPr>
+            <a:spLocks noGrp="1"/>
+          </p:cNvSpPr>
+          <p:nvPr>
+            <p:ph idx="1"/>
+          </p:nvPr>
+        </p:nvSpPr>
+        <p:spPr/>
+        <p:txBody>
+          <a:bodyPr/>
+          <a:lstStyle/>
+          <a:p>
+            <a:endParaRPr lang="en-US"/>
+          </a:p>
+        </p:txBody>
+      </p:sp>
+    </p:spTree>
+    <p:extLst>
+      <p:ext uri="{BB962C8B-B14F-4D97-AF65-F5344CB8AC3E}">
+        <p14:creationId xmlns:p14="http://schemas.microsoft.com/office/powerpoint/2010/main" val="3670275036"/>
+      </p:ext>
+    </p:extLst>
+  </p:cSld>
+  <p:clrMapOvr>
+    <a:masterClrMapping/>
+  </p:clrMapOvr>
+</p:sld>
+</file>
+
+<file path=ppt/slides/slide6.xml><?xml version="1.0" encoding="utf-8"?>
+<p:sld xmlns:a="http://schemas.openxmlformats.org/drawingml/2006/main" xmlns:r="http://schemas.openxmlformats.org/officeDocument/2006/relationships" xmlns:p="http://schemas.openxmlformats.org/presentationml/2006/main">
+  <p:cSld>
+    <p:spTree>
+      <p:nvGrpSpPr>
+        <p:cNvPr id="1" name=""/>
+        <p:cNvGrpSpPr/>
+        <p:nvPr/>
+      </p:nvGrpSpPr>
+      <p:grpSpPr>
+        <a:xfrm>
+          <a:off x="0" y="0"/>
+          <a:ext cx="0" cy="0"/>
+          <a:chOff x="0" y="0"/>
+          <a:chExt cx="0" cy="0"/>
+        </a:xfrm>
+      </p:grpSpPr>
+      <p:sp>
+        <p:nvSpPr>
+          <p:cNvPr id="2" name="Title 1">
+            <a:extLst>
+              <a:ext uri="{FF2B5EF4-FFF2-40B4-BE49-F238E27FC236}">
+                <a16:creationId xmlns:a16="http://schemas.microsoft.com/office/drawing/2014/main" id="{3E1BBF25-7904-424B-8FE9-A38DCDBFD323}"/>
+              </a:ext>
+            </a:extLst>
+          </p:cNvPr>
+          <p:cNvSpPr>
+            <a:spLocks noGrp="1"/>
+          </p:cNvSpPr>
+          <p:nvPr>
+            <p:ph type="title"/>
+          </p:nvPr>
+        </p:nvSpPr>
+        <p:spPr/>
+        <p:txBody>
+          <a:bodyPr/>
+          <a:lstStyle/>
+          <a:p>
+            <a:endParaRPr lang="en-US"/>
+          </a:p>
+        </p:txBody>
+      </p:sp>
+      <p:sp>
+        <p:nvSpPr>
+          <p:cNvPr id="3" name="Content Placeholder 2">
+            <a:extLst>
+              <a:ext uri="{FF2B5EF4-FFF2-40B4-BE49-F238E27FC236}">
+                <a16:creationId xmlns:a16="http://schemas.microsoft.com/office/drawing/2014/main" id="{572AF83B-6506-E84B-983A-869AB4FCC7AE}"/>
+              </a:ext>
+            </a:extLst>
+          </p:cNvPr>
+          <p:cNvSpPr>
+            <a:spLocks noGrp="1"/>
+          </p:cNvSpPr>
+          <p:nvPr>
+            <p:ph idx="1"/>
+          </p:nvPr>
+        </p:nvSpPr>
+        <p:spPr/>
+        <p:txBody>
+          <a:bodyPr/>
+          <a:lstStyle/>
+          <a:p>
+            <a:endParaRPr lang="en-US"/>
+          </a:p>
+        </p:txBody>
+      </p:sp>
+    </p:spTree>
+    <p:extLst>
+      <p:ext uri="{BB962C8B-B14F-4D97-AF65-F5344CB8AC3E}">
+        <p14:creationId xmlns:p14="http://schemas.microsoft.com/office/powerpoint/2010/main" val="3397641344"/>
+      </p:ext>
+    </p:extLst>
+  </p:cSld>
+  <p:clrMapOvr>
+    <a:masterClrMapping/>
+  </p:clrMapOvr>
+</p:sld>
+</file>
+
+<file path=ppt/slides/slide7.xml><?xml version="1.0" encoding="utf-8"?>
+<p:sld xmlns:a="http://schemas.openxmlformats.org/drawingml/2006/main" xmlns:r="http://schemas.openxmlformats.org/officeDocument/2006/relationships" xmlns:p="http://schemas.openxmlformats.org/presentationml/2006/main">
+  <p:cSld>
+    <p:spTree>
+      <p:nvGrpSpPr>
+        <p:cNvPr id="1" name=""/>
+        <p:cNvGrpSpPr/>
+        <p:nvPr/>
+      </p:nvGrpSpPr>
+      <p:grpSpPr>
+        <a:xfrm>
+          <a:off x="0" y="0"/>
+          <a:ext cx="0" cy="0"/>
+          <a:chOff x="0" y="0"/>
+          <a:chExt cx="0" cy="0"/>
+        </a:xfrm>
+      </p:grpSpPr>
+      <p:sp>
+        <p:nvSpPr>
+          <p:cNvPr id="2" name="Title 1">
+            <a:extLst>
+              <a:ext uri="{FF2B5EF4-FFF2-40B4-BE49-F238E27FC236}">
+                <a16:creationId xmlns:a16="http://schemas.microsoft.com/office/drawing/2014/main" id="{EA637E85-D367-3F4A-B3C8-38699F9B7802}"/>
+              </a:ext>
+            </a:extLst>
+          </p:cNvPr>
+          <p:cNvSpPr>
+            <a:spLocks noGrp="1"/>
+          </p:cNvSpPr>
+          <p:nvPr>
+            <p:ph type="title"/>
+          </p:nvPr>
+        </p:nvSpPr>
+        <p:spPr/>
+        <p:txBody>
+          <a:bodyPr/>
+          <a:lstStyle/>
+          <a:p>
+            <a:endParaRPr lang="en-US"/>
+          </a:p>
+        </p:txBody>
+      </p:sp>
+      <p:sp>
+        <p:nvSpPr>
+          <p:cNvPr id="3" name="Content Placeholder 2">
+            <a:extLst>
+              <a:ext uri="{FF2B5EF4-FFF2-40B4-BE49-F238E27FC236}">
+                <a16:creationId xmlns:a16="http://schemas.microsoft.com/office/drawing/2014/main" id="{BCEFE50D-8AF1-1046-8D66-9C2E9FBF73A9}"/>
+              </a:ext>
+            </a:extLst>
+          </p:cNvPr>
+          <p:cNvSpPr>
+            <a:spLocks noGrp="1"/>
+          </p:cNvSpPr>
+          <p:nvPr>
+            <p:ph idx="1"/>
+          </p:nvPr>
+        </p:nvSpPr>
+        <p:spPr/>
+        <p:txBody>
+          <a:bodyPr/>
+          <a:lstStyle/>
+          <a:p>
+            <a:endParaRPr lang="en-US"/>
+          </a:p>
+        </p:txBody>
+      </p:sp>
+    </p:spTree>
+    <p:extLst>
+      <p:ext uri="{BB962C8B-B14F-4D97-AF65-F5344CB8AC3E}">
+        <p14:creationId xmlns:p14="http://schemas.microsoft.com/office/powerpoint/2010/main" val="3194318131"/>
+      </p:ext>
+    </p:extLst>
+  </p:cSld>
+  <p:clrMapOvr>
+    <a:masterClrMapping/>
+  </p:clrMapOvr>
+</p:sld>
+</file>
+
+<file path=ppt/slides/slide8.xml><?xml version="1.0" encoding="utf-8"?>
+<p:sld xmlns:a="http://schemas.openxmlformats.org/drawingml/2006/main" xmlns:r="http://schemas.openxmlformats.org/officeDocument/2006/relationships" xmlns:p="http://schemas.openxmlformats.org/presentationml/2006/main">
+  <p:cSld>
+    <p:spTree>
+      <p:nvGrpSpPr>
+        <p:cNvPr id="1" name=""/>
+        <p:cNvGrpSpPr/>
+        <p:nvPr/>
+      </p:nvGrpSpPr>
+      <p:grpSpPr>
+        <a:xfrm>
+          <a:off x="0" y="0"/>
+          <a:ext cx="0" cy="0"/>
+          <a:chOff x="0" y="0"/>
+          <a:chExt cx="0" cy="0"/>
+        </a:xfrm>
+      </p:grpSpPr>
+      <p:sp>
+        <p:nvSpPr>
+          <p:cNvPr id="2" name="Title 1">
+            <a:extLst>
+              <a:ext uri="{FF2B5EF4-FFF2-40B4-BE49-F238E27FC236}">
+                <a16:creationId xmlns:a16="http://schemas.microsoft.com/office/drawing/2014/main" id="{FA880076-72C5-8944-94D8-C159BB8FF273}"/>
+              </a:ext>
+            </a:extLst>
+          </p:cNvPr>
+          <p:cNvSpPr>
+            <a:spLocks noGrp="1"/>
+          </p:cNvSpPr>
+          <p:nvPr>
+            <p:ph type="title"/>
+          </p:nvPr>
+        </p:nvSpPr>
+        <p:spPr/>
+        <p:txBody>
+          <a:bodyPr/>
+          <a:lstStyle/>
+          <a:p>
+            <a:endParaRPr lang="en-US"/>
+          </a:p>
+        </p:txBody>
+      </p:sp>
+      <p:sp>
+        <p:nvSpPr>
+          <p:cNvPr id="3" name="Content Placeholder 2">
+            <a:extLst>
+              <a:ext uri="{FF2B5EF4-FFF2-40B4-BE49-F238E27FC236}">
+                <a16:creationId xmlns:a16="http://schemas.microsoft.com/office/drawing/2014/main" id="{CC11E19A-6BC1-014C-96B2-FBB0CEE2CC57}"/>
+              </a:ext>
+            </a:extLst>
+          </p:cNvPr>
+          <p:cNvSpPr>
+            <a:spLocks noGrp="1"/>
+          </p:cNvSpPr>
+          <p:nvPr>
+            <p:ph idx="1"/>
+          </p:nvPr>
+        </p:nvSpPr>
+        <p:spPr/>
+        <p:txBody>
+          <a:bodyPr/>
+          <a:lstStyle/>
+          <a:p>
+            <a:endParaRPr lang="en-US"/>
+          </a:p>
+        </p:txBody>
+      </p:sp>
+    </p:spTree>
+    <p:extLst>
+      <p:ext uri="{BB962C8B-B14F-4D97-AF65-F5344CB8AC3E}">
+        <p14:creationId xmlns:p14="http://schemas.microsoft.com/office/powerpoint/2010/main" val="392246826"/>
+      </p:ext>
+    </p:extLst>
+  </p:cSld>
+  <p:clrMapOvr>
+    <a:masterClrMapping/>
+  </p:clrMapOvr>
+</p:sld>
+</file>
+
+<file path=ppt/slides/slide9.xml><?xml version="1.0" encoding="utf-8"?>
+<p:sld xmlns:a="http://schemas.openxmlformats.org/drawingml/2006/main" xmlns:r="http://schemas.openxmlformats.org/officeDocument/2006/relationships" xmlns:p="http://schemas.openxmlformats.org/presentationml/2006/main">
+  <p:cSld>
+    <p:spTree>
+      <p:nvGrpSpPr>
+        <p:cNvPr id="1" name=""/>
+        <p:cNvGrpSpPr/>
+        <p:nvPr/>
+      </p:nvGrpSpPr>
+      <p:grpSpPr>
+        <a:xfrm>
+          <a:off x="0" y="0"/>
+          <a:ext cx="0" cy="0"/>
+          <a:chOff x="0" y="0"/>
+          <a:chExt cx="0" cy="0"/>
+        </a:xfrm>
+      </p:grpSpPr>
+      <p:sp>
+        <p:nvSpPr>
+          <p:cNvPr id="2" name="Title 1">
+            <a:extLst>
+              <a:ext uri="{FF2B5EF4-FFF2-40B4-BE49-F238E27FC236}">
+                <a16:creationId xmlns:a16="http://schemas.microsoft.com/office/drawing/2014/main" id="{F0EC7778-C3B4-7C47-8810-7F6B9EF3AAB1}"/>
+              </a:ext>
+            </a:extLst>
+          </p:cNvPr>
+          <p:cNvSpPr>
+            <a:spLocks noGrp="1"/>
+          </p:cNvSpPr>
+          <p:nvPr>
+            <p:ph type="title"/>
+          </p:nvPr>
+        </p:nvSpPr>
+        <p:spPr>
+          <a:xfrm>
+            <a:off x="415001" y="956411"/>
+            <a:ext cx="3108784" cy="4601183"/>
+          </a:xfrm>
+        </p:spPr>
+        <p:txBody>
+          <a:bodyPr>
+            <a:normAutofit/>
+          </a:bodyPr>
+          <a:lstStyle/>
+          <a:p>
+            <a:r>
+              <a:rPr lang="en-US" dirty="0"/>
+              <a:t>Optimal Strategy…</a:t>
+            </a:r>
+          </a:p>
+        </p:txBody>
+      </p:sp>
+      <p:sp>
+        <p:nvSpPr>
+          <p:cNvPr id="3" name="Content Placeholder 2">
+            <a:extLst>
+              <a:ext uri="{FF2B5EF4-FFF2-40B4-BE49-F238E27FC236}">
+                <a16:creationId xmlns:a16="http://schemas.microsoft.com/office/drawing/2014/main" id="{4D0AA046-4A97-7143-92ED-6474CADC10C1}"/>
+              </a:ext>
+            </a:extLst>
+          </p:cNvPr>
+          <p:cNvSpPr>
+            <a:spLocks noGrp="1"/>
+          </p:cNvSpPr>
+          <p:nvPr>
+            <p:ph idx="1"/>
+          </p:nvPr>
+        </p:nvSpPr>
+        <p:spPr/>
+        <p:txBody>
+          <a:bodyPr/>
+          <a:lstStyle/>
+          <a:p>
+            <a:r>
+              <a:rPr lang="en-US" dirty="0"/>
+              <a:t>(at end of presentation, insert the strategy we recommend)</a:t>
+            </a:r>
+          </a:p>
+        </p:txBody>
+      </p:sp>
+    </p:spTree>
+    <p:extLst>
+      <p:ext uri="{BB962C8B-B14F-4D97-AF65-F5344CB8AC3E}">
+        <p14:creationId xmlns:p14="http://schemas.microsoft.com/office/powerpoint/2010/main" val="3061932847"/>
       </p:ext>
     </p:extLst>
   </p:cSld>

--- a/Presentation.pptx
+++ b/Presentation.pptx
@@ -317,7 +317,7 @@
             <a:fld id="{5586B75A-687E-405C-8A0B-8D00578BA2C3}" type="datetimeFigureOut">
               <a:rPr lang="en-US" dirty="0"/>
               <a:pPr/>
-              <a:t>4/10/19</a:t>
+              <a:t>4/11/2019</a:t>
             </a:fld>
             <a:endParaRPr lang="en-US" dirty="0"/>
           </a:p>
@@ -484,7 +484,7 @@
             <a:fld id="{5586B75A-687E-405C-8A0B-8D00578BA2C3}" type="datetimeFigureOut">
               <a:rPr lang="en-US" dirty="0"/>
               <a:pPr/>
-              <a:t>4/10/19</a:t>
+              <a:t>4/11/2019</a:t>
             </a:fld>
             <a:endParaRPr lang="en-US" dirty="0"/>
           </a:p>
@@ -661,7 +661,7 @@
             <a:fld id="{5586B75A-687E-405C-8A0B-8D00578BA2C3}" type="datetimeFigureOut">
               <a:rPr lang="en-US" dirty="0"/>
               <a:pPr/>
-              <a:t>4/10/19</a:t>
+              <a:t>4/11/2019</a:t>
             </a:fld>
             <a:endParaRPr lang="en-US" dirty="0"/>
           </a:p>
@@ -844,7 +844,7 @@
             <a:fld id="{5586B75A-687E-405C-8A0B-8D00578BA2C3}" type="datetimeFigureOut">
               <a:rPr lang="en-US" dirty="0"/>
               <a:pPr/>
-              <a:t>4/10/19</a:t>
+              <a:t>4/11/2019</a:t>
             </a:fld>
             <a:endParaRPr lang="en-US" dirty="0"/>
           </a:p>
@@ -1092,7 +1092,7 @@
             <a:fld id="{5586B75A-687E-405C-8A0B-8D00578BA2C3}" type="datetimeFigureOut">
               <a:rPr lang="en-US" dirty="0"/>
               <a:pPr/>
-              <a:t>4/10/19</a:t>
+              <a:t>4/11/2019</a:t>
             </a:fld>
             <a:endParaRPr lang="en-US" dirty="0"/>
           </a:p>
@@ -1377,7 +1377,7 @@
             <a:fld id="{5586B75A-687E-405C-8A0B-8D00578BA2C3}" type="datetimeFigureOut">
               <a:rPr lang="en-US" dirty="0"/>
               <a:pPr/>
-              <a:t>4/10/19</a:t>
+              <a:t>4/11/2019</a:t>
             </a:fld>
             <a:endParaRPr lang="en-US" dirty="0"/>
           </a:p>
@@ -1816,7 +1816,7 @@
             <a:fld id="{5586B75A-687E-405C-8A0B-8D00578BA2C3}" type="datetimeFigureOut">
               <a:rPr lang="en-US" dirty="0"/>
               <a:pPr/>
-              <a:t>4/10/19</a:t>
+              <a:t>4/11/2019</a:t>
             </a:fld>
             <a:endParaRPr lang="en-US" dirty="0"/>
           </a:p>
@@ -1931,7 +1931,7 @@
             <a:fld id="{5586B75A-687E-405C-8A0B-8D00578BA2C3}" type="datetimeFigureOut">
               <a:rPr lang="en-US" dirty="0"/>
               <a:pPr/>
-              <a:t>4/10/19</a:t>
+              <a:t>4/11/2019</a:t>
             </a:fld>
             <a:endParaRPr lang="en-US" dirty="0"/>
           </a:p>
@@ -2023,7 +2023,7 @@
             <a:fld id="{5586B75A-687E-405C-8A0B-8D00578BA2C3}" type="datetimeFigureOut">
               <a:rPr lang="en-US" dirty="0"/>
               <a:pPr/>
-              <a:t>4/10/19</a:t>
+              <a:t>4/11/2019</a:t>
             </a:fld>
             <a:endParaRPr lang="en-US" dirty="0"/>
           </a:p>
@@ -2308,7 +2308,7 @@
             <a:fld id="{5586B75A-687E-405C-8A0B-8D00578BA2C3}" type="datetimeFigureOut">
               <a:rPr lang="en-US" dirty="0"/>
               <a:pPr/>
-              <a:t>4/10/19</a:t>
+              <a:t>4/11/2019</a:t>
             </a:fld>
             <a:endParaRPr lang="en-US" dirty="0"/>
           </a:p>
@@ -2578,7 +2578,7 @@
             <a:fld id="{5586B75A-687E-405C-8A0B-8D00578BA2C3}" type="datetimeFigureOut">
               <a:rPr lang="en-US" dirty="0"/>
               <a:pPr/>
-              <a:t>4/10/19</a:t>
+              <a:t>4/11/2019</a:t>
             </a:fld>
             <a:endParaRPr lang="en-US" dirty="0"/>
           </a:p>
@@ -2874,7 +2874,7 @@
             <a:fld id="{5586B75A-687E-405C-8A0B-8D00578BA2C3}" type="datetimeFigureOut">
               <a:rPr lang="en-US" dirty="0"/>
               <a:pPr/>
-              <a:t>4/10/19</a:t>
+              <a:t>4/11/2019</a:t>
             </a:fld>
             <a:endParaRPr lang="en-US" dirty="0"/>
           </a:p>
@@ -3564,6 +3564,36 @@
           </a:p>
         </p:txBody>
       </p:sp>
+      <p:pic>
+        <p:nvPicPr>
+          <p:cNvPr id="3" name="Picture 2">
+            <a:extLst>
+              <a:ext uri="{FF2B5EF4-FFF2-40B4-BE49-F238E27FC236}">
+                <a16:creationId xmlns:a16="http://schemas.microsoft.com/office/drawing/2014/main" id="{C067EA03-ADB4-450D-B682-F12A90AA0FA8}"/>
+              </a:ext>
+            </a:extLst>
+          </p:cNvPr>
+          <p:cNvPicPr>
+            <a:picLocks noChangeAspect="1"/>
+          </p:cNvPicPr>
+          <p:nvPr/>
+        </p:nvPicPr>
+        <p:blipFill>
+          <a:blip r:embed="rId2"/>
+          <a:stretch>
+            <a:fillRect/>
+          </a:stretch>
+        </p:blipFill>
+        <p:spPr>
+          <a:xfrm>
+            <a:off x="11802043" y="6037518"/>
+            <a:ext cx="363019" cy="820482"/>
+          </a:xfrm>
+          <a:prstGeom prst="rect">
+            <a:avLst/>
+          </a:prstGeom>
+        </p:spPr>
+      </p:pic>
     </p:spTree>
     <p:extLst>
       <p:ext uri="{BB962C8B-B14F-4D97-AF65-F5344CB8AC3E}">
@@ -3674,6 +3704,36 @@
           </a:p>
         </p:txBody>
       </p:sp>
+      <p:pic>
+        <p:nvPicPr>
+          <p:cNvPr id="5" name="Picture 4">
+            <a:extLst>
+              <a:ext uri="{FF2B5EF4-FFF2-40B4-BE49-F238E27FC236}">
+                <a16:creationId xmlns:a16="http://schemas.microsoft.com/office/drawing/2014/main" id="{12C6ADED-825C-4A3C-85FC-D80F5487839A}"/>
+              </a:ext>
+            </a:extLst>
+          </p:cNvPr>
+          <p:cNvPicPr>
+            <a:picLocks noChangeAspect="1"/>
+          </p:cNvPicPr>
+          <p:nvPr/>
+        </p:nvPicPr>
+        <p:blipFill>
+          <a:blip r:embed="rId2"/>
+          <a:stretch>
+            <a:fillRect/>
+          </a:stretch>
+        </p:blipFill>
+        <p:spPr>
+          <a:xfrm>
+            <a:off x="11802043" y="6037518"/>
+            <a:ext cx="363019" cy="820482"/>
+          </a:xfrm>
+          <a:prstGeom prst="rect">
+            <a:avLst/>
+          </a:prstGeom>
+        </p:spPr>
+      </p:pic>
     </p:spTree>
     <p:extLst>
       <p:ext uri="{BB962C8B-B14F-4D97-AF65-F5344CB8AC3E}">
@@ -3800,6 +3860,36 @@
           </a:p>
         </p:txBody>
       </p:sp>
+      <p:pic>
+        <p:nvPicPr>
+          <p:cNvPr id="4" name="Picture 3">
+            <a:extLst>
+              <a:ext uri="{FF2B5EF4-FFF2-40B4-BE49-F238E27FC236}">
+                <a16:creationId xmlns:a16="http://schemas.microsoft.com/office/drawing/2014/main" id="{B4025A72-5DB8-4975-9D13-82E70F77AD5C}"/>
+              </a:ext>
+            </a:extLst>
+          </p:cNvPr>
+          <p:cNvPicPr>
+            <a:picLocks noChangeAspect="1"/>
+          </p:cNvPicPr>
+          <p:nvPr/>
+        </p:nvPicPr>
+        <p:blipFill>
+          <a:blip r:embed="rId3"/>
+          <a:stretch>
+            <a:fillRect/>
+          </a:stretch>
+        </p:blipFill>
+        <p:spPr>
+          <a:xfrm>
+            <a:off x="11802043" y="6037518"/>
+            <a:ext cx="363019" cy="820482"/>
+          </a:xfrm>
+          <a:prstGeom prst="rect">
+            <a:avLst/>
+          </a:prstGeom>
+        </p:spPr>
+      </p:pic>
     </p:spTree>
     <p:extLst>
       <p:ext uri="{BB962C8B-B14F-4D97-AF65-F5344CB8AC3E}">
@@ -3880,6 +3970,36 @@
           </a:p>
         </p:txBody>
       </p:sp>
+      <p:pic>
+        <p:nvPicPr>
+          <p:cNvPr id="4" name="Picture 3">
+            <a:extLst>
+              <a:ext uri="{FF2B5EF4-FFF2-40B4-BE49-F238E27FC236}">
+                <a16:creationId xmlns:a16="http://schemas.microsoft.com/office/drawing/2014/main" id="{A816EB9F-D387-453A-855C-207DD987A227}"/>
+              </a:ext>
+            </a:extLst>
+          </p:cNvPr>
+          <p:cNvPicPr>
+            <a:picLocks noChangeAspect="1"/>
+          </p:cNvPicPr>
+          <p:nvPr/>
+        </p:nvPicPr>
+        <p:blipFill>
+          <a:blip r:embed="rId2"/>
+          <a:stretch>
+            <a:fillRect/>
+          </a:stretch>
+        </p:blipFill>
+        <p:spPr>
+          <a:xfrm>
+            <a:off x="11802043" y="6037518"/>
+            <a:ext cx="363019" cy="820482"/>
+          </a:xfrm>
+          <a:prstGeom prst="rect">
+            <a:avLst/>
+          </a:prstGeom>
+        </p:spPr>
+      </p:pic>
     </p:spTree>
     <p:extLst>
       <p:ext uri="{BB962C8B-B14F-4D97-AF65-F5344CB8AC3E}">
@@ -3960,6 +4080,36 @@
           </a:p>
         </p:txBody>
       </p:sp>
+      <p:pic>
+        <p:nvPicPr>
+          <p:cNvPr id="4" name="Picture 3">
+            <a:extLst>
+              <a:ext uri="{FF2B5EF4-FFF2-40B4-BE49-F238E27FC236}">
+                <a16:creationId xmlns:a16="http://schemas.microsoft.com/office/drawing/2014/main" id="{3F2E176A-46F5-4A08-807C-AAE62D0C647D}"/>
+              </a:ext>
+            </a:extLst>
+          </p:cNvPr>
+          <p:cNvPicPr>
+            <a:picLocks noChangeAspect="1"/>
+          </p:cNvPicPr>
+          <p:nvPr/>
+        </p:nvPicPr>
+        <p:blipFill>
+          <a:blip r:embed="rId2"/>
+          <a:stretch>
+            <a:fillRect/>
+          </a:stretch>
+        </p:blipFill>
+        <p:spPr>
+          <a:xfrm>
+            <a:off x="11802043" y="6037518"/>
+            <a:ext cx="363019" cy="820482"/>
+          </a:xfrm>
+          <a:prstGeom prst="rect">
+            <a:avLst/>
+          </a:prstGeom>
+        </p:spPr>
+      </p:pic>
     </p:spTree>
     <p:extLst>
       <p:ext uri="{BB962C8B-B14F-4D97-AF65-F5344CB8AC3E}">
@@ -4040,6 +4190,36 @@
           </a:p>
         </p:txBody>
       </p:sp>
+      <p:pic>
+        <p:nvPicPr>
+          <p:cNvPr id="4" name="Picture 3">
+            <a:extLst>
+              <a:ext uri="{FF2B5EF4-FFF2-40B4-BE49-F238E27FC236}">
+                <a16:creationId xmlns:a16="http://schemas.microsoft.com/office/drawing/2014/main" id="{D2C98F3F-6E18-4B0F-B118-651C8CFB7C38}"/>
+              </a:ext>
+            </a:extLst>
+          </p:cNvPr>
+          <p:cNvPicPr>
+            <a:picLocks noChangeAspect="1"/>
+          </p:cNvPicPr>
+          <p:nvPr/>
+        </p:nvPicPr>
+        <p:blipFill>
+          <a:blip r:embed="rId2"/>
+          <a:stretch>
+            <a:fillRect/>
+          </a:stretch>
+        </p:blipFill>
+        <p:spPr>
+          <a:xfrm>
+            <a:off x="11802043" y="6037518"/>
+            <a:ext cx="363019" cy="820482"/>
+          </a:xfrm>
+          <a:prstGeom prst="rect">
+            <a:avLst/>
+          </a:prstGeom>
+        </p:spPr>
+      </p:pic>
     </p:spTree>
     <p:extLst>
       <p:ext uri="{BB962C8B-B14F-4D97-AF65-F5344CB8AC3E}">
@@ -4120,6 +4300,36 @@
           </a:p>
         </p:txBody>
       </p:sp>
+      <p:pic>
+        <p:nvPicPr>
+          <p:cNvPr id="4" name="Picture 3">
+            <a:extLst>
+              <a:ext uri="{FF2B5EF4-FFF2-40B4-BE49-F238E27FC236}">
+                <a16:creationId xmlns:a16="http://schemas.microsoft.com/office/drawing/2014/main" id="{E305C4CB-F3F5-4D54-9ACF-05B1875F1C2B}"/>
+              </a:ext>
+            </a:extLst>
+          </p:cNvPr>
+          <p:cNvPicPr>
+            <a:picLocks noChangeAspect="1"/>
+          </p:cNvPicPr>
+          <p:nvPr/>
+        </p:nvPicPr>
+        <p:blipFill>
+          <a:blip r:embed="rId2"/>
+          <a:stretch>
+            <a:fillRect/>
+          </a:stretch>
+        </p:blipFill>
+        <p:spPr>
+          <a:xfrm>
+            <a:off x="11802043" y="6037518"/>
+            <a:ext cx="363019" cy="820482"/>
+          </a:xfrm>
+          <a:prstGeom prst="rect">
+            <a:avLst/>
+          </a:prstGeom>
+        </p:spPr>
+      </p:pic>
     </p:spTree>
     <p:extLst>
       <p:ext uri="{BB962C8B-B14F-4D97-AF65-F5344CB8AC3E}">
@@ -4200,6 +4410,36 @@
           </a:p>
         </p:txBody>
       </p:sp>
+      <p:pic>
+        <p:nvPicPr>
+          <p:cNvPr id="4" name="Picture 3">
+            <a:extLst>
+              <a:ext uri="{FF2B5EF4-FFF2-40B4-BE49-F238E27FC236}">
+                <a16:creationId xmlns:a16="http://schemas.microsoft.com/office/drawing/2014/main" id="{39C88CED-85D0-4273-A6EE-900C8C1F4913}"/>
+              </a:ext>
+            </a:extLst>
+          </p:cNvPr>
+          <p:cNvPicPr>
+            <a:picLocks noChangeAspect="1"/>
+          </p:cNvPicPr>
+          <p:nvPr/>
+        </p:nvPicPr>
+        <p:blipFill>
+          <a:blip r:embed="rId2"/>
+          <a:stretch>
+            <a:fillRect/>
+          </a:stretch>
+        </p:blipFill>
+        <p:spPr>
+          <a:xfrm>
+            <a:off x="11802043" y="6037518"/>
+            <a:ext cx="363019" cy="820482"/>
+          </a:xfrm>
+          <a:prstGeom prst="rect">
+            <a:avLst/>
+          </a:prstGeom>
+        </p:spPr>
+      </p:pic>
     </p:spTree>
     <p:extLst>
       <p:ext uri="{BB962C8B-B14F-4D97-AF65-F5344CB8AC3E}">
@@ -4293,6 +4533,36 @@
           </a:p>
         </p:txBody>
       </p:sp>
+      <p:pic>
+        <p:nvPicPr>
+          <p:cNvPr id="4" name="Picture 3">
+            <a:extLst>
+              <a:ext uri="{FF2B5EF4-FFF2-40B4-BE49-F238E27FC236}">
+                <a16:creationId xmlns:a16="http://schemas.microsoft.com/office/drawing/2014/main" id="{86509FF5-0249-4777-8B99-A5DEABF90851}"/>
+              </a:ext>
+            </a:extLst>
+          </p:cNvPr>
+          <p:cNvPicPr>
+            <a:picLocks noChangeAspect="1"/>
+          </p:cNvPicPr>
+          <p:nvPr/>
+        </p:nvPicPr>
+        <p:blipFill>
+          <a:blip r:embed="rId2"/>
+          <a:stretch>
+            <a:fillRect/>
+          </a:stretch>
+        </p:blipFill>
+        <p:spPr>
+          <a:xfrm>
+            <a:off x="11802043" y="6037518"/>
+            <a:ext cx="363019" cy="820482"/>
+          </a:xfrm>
+          <a:prstGeom prst="rect">
+            <a:avLst/>
+          </a:prstGeom>
+        </p:spPr>
+      </p:pic>
     </p:spTree>
     <p:extLst>
       <p:ext uri="{BB962C8B-B14F-4D97-AF65-F5344CB8AC3E}">

--- a/Presentation.pptx
+++ b/Presentation.pptx
@@ -11,10 +11,13 @@
     <p:sldId id="259" r:id="rId5"/>
     <p:sldId id="263" r:id="rId6"/>
     <p:sldId id="264" r:id="rId7"/>
-    <p:sldId id="265" r:id="rId8"/>
-    <p:sldId id="260" r:id="rId9"/>
-    <p:sldId id="261" r:id="rId10"/>
-    <p:sldId id="262" r:id="rId11"/>
+    <p:sldId id="267" r:id="rId8"/>
+    <p:sldId id="268" r:id="rId9"/>
+    <p:sldId id="265" r:id="rId10"/>
+    <p:sldId id="266" r:id="rId11"/>
+    <p:sldId id="260" r:id="rId12"/>
+    <p:sldId id="261" r:id="rId13"/>
+    <p:sldId id="262" r:id="rId14"/>
   </p:sldIdLst>
   <p:sldSz cx="12192000" cy="6858000"/>
   <p:notesSz cx="6858000" cy="9144000"/>
@@ -3541,6 +3544,359 @@
           <p:cNvPr id="2" name="Title 1">
             <a:extLst>
               <a:ext uri="{FF2B5EF4-FFF2-40B4-BE49-F238E27FC236}">
+                <a16:creationId xmlns:a16="http://schemas.microsoft.com/office/drawing/2014/main" id="{EA637E85-D367-3F4A-B3C8-38699F9B7802}"/>
+              </a:ext>
+            </a:extLst>
+          </p:cNvPr>
+          <p:cNvSpPr>
+            <a:spLocks noGrp="1"/>
+          </p:cNvSpPr>
+          <p:nvPr>
+            <p:ph type="title"/>
+          </p:nvPr>
+        </p:nvSpPr>
+        <p:spPr/>
+        <p:txBody>
+          <a:bodyPr/>
+          <a:lstStyle/>
+          <a:p>
+            <a:r>
+              <a:rPr lang="en-US" dirty="0"/>
+              <a:t>Post </a:t>
+            </a:r>
+            <a:br>
+              <a:rPr lang="en-US" dirty="0"/>
+            </a:br>
+            <a:r>
+              <a:rPr lang="en-US" dirty="0"/>
+              <a:t>Mortem </a:t>
+            </a:r>
+          </a:p>
+        </p:txBody>
+      </p:sp>
+      <p:sp>
+        <p:nvSpPr>
+          <p:cNvPr id="3" name="Content Placeholder 2">
+            <a:extLst>
+              <a:ext uri="{FF2B5EF4-FFF2-40B4-BE49-F238E27FC236}">
+                <a16:creationId xmlns:a16="http://schemas.microsoft.com/office/drawing/2014/main" id="{BCEFE50D-8AF1-1046-8D66-9C2E9FBF73A9}"/>
+              </a:ext>
+            </a:extLst>
+          </p:cNvPr>
+          <p:cNvSpPr>
+            <a:spLocks noGrp="1"/>
+          </p:cNvSpPr>
+          <p:nvPr>
+            <p:ph idx="1"/>
+          </p:nvPr>
+        </p:nvSpPr>
+        <p:spPr/>
+        <p:txBody>
+          <a:bodyPr/>
+          <a:lstStyle/>
+          <a:p>
+            <a:endParaRPr lang="en-US"/>
+          </a:p>
+        </p:txBody>
+      </p:sp>
+      <p:pic>
+        <p:nvPicPr>
+          <p:cNvPr id="4" name="Picture 3">
+            <a:extLst>
+              <a:ext uri="{FF2B5EF4-FFF2-40B4-BE49-F238E27FC236}">
+                <a16:creationId xmlns:a16="http://schemas.microsoft.com/office/drawing/2014/main" id="{E305C4CB-F3F5-4D54-9ACF-05B1875F1C2B}"/>
+              </a:ext>
+            </a:extLst>
+          </p:cNvPr>
+          <p:cNvPicPr>
+            <a:picLocks noChangeAspect="1"/>
+          </p:cNvPicPr>
+          <p:nvPr/>
+        </p:nvPicPr>
+        <p:blipFill>
+          <a:blip r:embed="rId2"/>
+          <a:stretch>
+            <a:fillRect/>
+          </a:stretch>
+        </p:blipFill>
+        <p:spPr>
+          <a:xfrm>
+            <a:off x="11802043" y="6037518"/>
+            <a:ext cx="363019" cy="820482"/>
+          </a:xfrm>
+          <a:prstGeom prst="rect">
+            <a:avLst/>
+          </a:prstGeom>
+        </p:spPr>
+      </p:pic>
+    </p:spTree>
+    <p:extLst>
+      <p:ext uri="{BB962C8B-B14F-4D97-AF65-F5344CB8AC3E}">
+        <p14:creationId xmlns:p14="http://schemas.microsoft.com/office/powerpoint/2010/main" val="1557852485"/>
+      </p:ext>
+    </p:extLst>
+  </p:cSld>
+  <p:clrMapOvr>
+    <a:masterClrMapping/>
+  </p:clrMapOvr>
+</p:sld>
+</file>
+
+<file path=ppt/slides/slide11.xml><?xml version="1.0" encoding="utf-8"?>
+<p:sld xmlns:a="http://schemas.openxmlformats.org/drawingml/2006/main" xmlns:r="http://schemas.openxmlformats.org/officeDocument/2006/relationships" xmlns:p="http://schemas.openxmlformats.org/presentationml/2006/main">
+  <p:cSld>
+    <p:spTree>
+      <p:nvGrpSpPr>
+        <p:cNvPr id="1" name=""/>
+        <p:cNvGrpSpPr/>
+        <p:nvPr/>
+      </p:nvGrpSpPr>
+      <p:grpSpPr>
+        <a:xfrm>
+          <a:off x="0" y="0"/>
+          <a:ext cx="0" cy="0"/>
+          <a:chOff x="0" y="0"/>
+          <a:chExt cx="0" cy="0"/>
+        </a:xfrm>
+      </p:grpSpPr>
+      <p:sp>
+        <p:nvSpPr>
+          <p:cNvPr id="2" name="Title 1">
+            <a:extLst>
+              <a:ext uri="{FF2B5EF4-FFF2-40B4-BE49-F238E27FC236}">
+                <a16:creationId xmlns:a16="http://schemas.microsoft.com/office/drawing/2014/main" id="{FA880076-72C5-8944-94D8-C159BB8FF273}"/>
+              </a:ext>
+            </a:extLst>
+          </p:cNvPr>
+          <p:cNvSpPr>
+            <a:spLocks noGrp="1"/>
+          </p:cNvSpPr>
+          <p:nvPr>
+            <p:ph type="title"/>
+          </p:nvPr>
+        </p:nvSpPr>
+        <p:spPr/>
+        <p:txBody>
+          <a:bodyPr/>
+          <a:lstStyle/>
+          <a:p>
+            <a:endParaRPr lang="en-US" dirty="0"/>
+          </a:p>
+        </p:txBody>
+      </p:sp>
+      <p:sp>
+        <p:nvSpPr>
+          <p:cNvPr id="3" name="Content Placeholder 2">
+            <a:extLst>
+              <a:ext uri="{FF2B5EF4-FFF2-40B4-BE49-F238E27FC236}">
+                <a16:creationId xmlns:a16="http://schemas.microsoft.com/office/drawing/2014/main" id="{CC11E19A-6BC1-014C-96B2-FBB0CEE2CC57}"/>
+              </a:ext>
+            </a:extLst>
+          </p:cNvPr>
+          <p:cNvSpPr>
+            <a:spLocks noGrp="1"/>
+          </p:cNvSpPr>
+          <p:nvPr>
+            <p:ph idx="1"/>
+          </p:nvPr>
+        </p:nvSpPr>
+        <p:spPr/>
+        <p:txBody>
+          <a:bodyPr/>
+          <a:lstStyle/>
+          <a:p>
+            <a:endParaRPr lang="en-US" dirty="0"/>
+          </a:p>
+        </p:txBody>
+      </p:sp>
+      <p:pic>
+        <p:nvPicPr>
+          <p:cNvPr id="4" name="Picture 3">
+            <a:extLst>
+              <a:ext uri="{FF2B5EF4-FFF2-40B4-BE49-F238E27FC236}">
+                <a16:creationId xmlns:a16="http://schemas.microsoft.com/office/drawing/2014/main" id="{39C88CED-85D0-4273-A6EE-900C8C1F4913}"/>
+              </a:ext>
+            </a:extLst>
+          </p:cNvPr>
+          <p:cNvPicPr>
+            <a:picLocks noChangeAspect="1"/>
+          </p:cNvPicPr>
+          <p:nvPr/>
+        </p:nvPicPr>
+        <p:blipFill>
+          <a:blip r:embed="rId2"/>
+          <a:stretch>
+            <a:fillRect/>
+          </a:stretch>
+        </p:blipFill>
+        <p:spPr>
+          <a:xfrm>
+            <a:off x="11802043" y="6037518"/>
+            <a:ext cx="363019" cy="820482"/>
+          </a:xfrm>
+          <a:prstGeom prst="rect">
+            <a:avLst/>
+          </a:prstGeom>
+        </p:spPr>
+      </p:pic>
+    </p:spTree>
+    <p:extLst>
+      <p:ext uri="{BB962C8B-B14F-4D97-AF65-F5344CB8AC3E}">
+        <p14:creationId xmlns:p14="http://schemas.microsoft.com/office/powerpoint/2010/main" val="392246826"/>
+      </p:ext>
+    </p:extLst>
+  </p:cSld>
+  <p:clrMapOvr>
+    <a:masterClrMapping/>
+  </p:clrMapOvr>
+</p:sld>
+</file>
+
+<file path=ppt/slides/slide12.xml><?xml version="1.0" encoding="utf-8"?>
+<p:sld xmlns:a="http://schemas.openxmlformats.org/drawingml/2006/main" xmlns:r="http://schemas.openxmlformats.org/officeDocument/2006/relationships" xmlns:p="http://schemas.openxmlformats.org/presentationml/2006/main">
+  <p:cSld>
+    <p:spTree>
+      <p:nvGrpSpPr>
+        <p:cNvPr id="1" name=""/>
+        <p:cNvGrpSpPr/>
+        <p:nvPr/>
+      </p:nvGrpSpPr>
+      <p:grpSpPr>
+        <a:xfrm>
+          <a:off x="0" y="0"/>
+          <a:ext cx="0" cy="0"/>
+          <a:chOff x="0" y="0"/>
+          <a:chExt cx="0" cy="0"/>
+        </a:xfrm>
+      </p:grpSpPr>
+      <p:sp>
+        <p:nvSpPr>
+          <p:cNvPr id="2" name="Title 1">
+            <a:extLst>
+              <a:ext uri="{FF2B5EF4-FFF2-40B4-BE49-F238E27FC236}">
+                <a16:creationId xmlns:a16="http://schemas.microsoft.com/office/drawing/2014/main" id="{F0EC7778-C3B4-7C47-8810-7F6B9EF3AAB1}"/>
+              </a:ext>
+            </a:extLst>
+          </p:cNvPr>
+          <p:cNvSpPr>
+            <a:spLocks noGrp="1"/>
+          </p:cNvSpPr>
+          <p:nvPr>
+            <p:ph type="title"/>
+          </p:nvPr>
+        </p:nvSpPr>
+        <p:spPr>
+          <a:xfrm>
+            <a:off x="415001" y="956411"/>
+            <a:ext cx="3108784" cy="4601183"/>
+          </a:xfrm>
+        </p:spPr>
+        <p:txBody>
+          <a:bodyPr>
+            <a:normAutofit/>
+          </a:bodyPr>
+          <a:lstStyle/>
+          <a:p>
+            <a:r>
+              <a:rPr lang="en-US" dirty="0"/>
+              <a:t>Optimal Strategy…</a:t>
+            </a:r>
+          </a:p>
+        </p:txBody>
+      </p:sp>
+      <p:sp>
+        <p:nvSpPr>
+          <p:cNvPr id="3" name="Content Placeholder 2">
+            <a:extLst>
+              <a:ext uri="{FF2B5EF4-FFF2-40B4-BE49-F238E27FC236}">
+                <a16:creationId xmlns:a16="http://schemas.microsoft.com/office/drawing/2014/main" id="{4D0AA046-4A97-7143-92ED-6474CADC10C1}"/>
+              </a:ext>
+            </a:extLst>
+          </p:cNvPr>
+          <p:cNvSpPr>
+            <a:spLocks noGrp="1"/>
+          </p:cNvSpPr>
+          <p:nvPr>
+            <p:ph idx="1"/>
+          </p:nvPr>
+        </p:nvSpPr>
+        <p:spPr/>
+        <p:txBody>
+          <a:bodyPr/>
+          <a:lstStyle/>
+          <a:p>
+            <a:r>
+              <a:rPr lang="en-US" dirty="0"/>
+              <a:t>(at end of presentation, insert the strategy we recommend)</a:t>
+            </a:r>
+          </a:p>
+        </p:txBody>
+      </p:sp>
+      <p:pic>
+        <p:nvPicPr>
+          <p:cNvPr id="4" name="Picture 3">
+            <a:extLst>
+              <a:ext uri="{FF2B5EF4-FFF2-40B4-BE49-F238E27FC236}">
+                <a16:creationId xmlns:a16="http://schemas.microsoft.com/office/drawing/2014/main" id="{86509FF5-0249-4777-8B99-A5DEABF90851}"/>
+              </a:ext>
+            </a:extLst>
+          </p:cNvPr>
+          <p:cNvPicPr>
+            <a:picLocks noChangeAspect="1"/>
+          </p:cNvPicPr>
+          <p:nvPr/>
+        </p:nvPicPr>
+        <p:blipFill>
+          <a:blip r:embed="rId2"/>
+          <a:stretch>
+            <a:fillRect/>
+          </a:stretch>
+        </p:blipFill>
+        <p:spPr>
+          <a:xfrm>
+            <a:off x="11802043" y="6037518"/>
+            <a:ext cx="363019" cy="820482"/>
+          </a:xfrm>
+          <a:prstGeom prst="rect">
+            <a:avLst/>
+          </a:prstGeom>
+        </p:spPr>
+      </p:pic>
+    </p:spTree>
+    <p:extLst>
+      <p:ext uri="{BB962C8B-B14F-4D97-AF65-F5344CB8AC3E}">
+        <p14:creationId xmlns:p14="http://schemas.microsoft.com/office/powerpoint/2010/main" val="3061932847"/>
+      </p:ext>
+    </p:extLst>
+  </p:cSld>
+  <p:clrMapOvr>
+    <a:masterClrMapping/>
+  </p:clrMapOvr>
+</p:sld>
+</file>
+
+<file path=ppt/slides/slide13.xml><?xml version="1.0" encoding="utf-8"?>
+<p:sld xmlns:a="http://schemas.openxmlformats.org/drawingml/2006/main" xmlns:r="http://schemas.openxmlformats.org/officeDocument/2006/relationships" xmlns:p="http://schemas.openxmlformats.org/presentationml/2006/main">
+  <p:cSld>
+    <p:spTree>
+      <p:nvGrpSpPr>
+        <p:cNvPr id="1" name=""/>
+        <p:cNvGrpSpPr/>
+        <p:nvPr/>
+      </p:nvGrpSpPr>
+      <p:grpSpPr>
+        <a:xfrm>
+          <a:off x="0" y="0"/>
+          <a:ext cx="0" cy="0"/>
+          <a:chOff x="0" y="0"/>
+          <a:chExt cx="0" cy="0"/>
+        </a:xfrm>
+      </p:grpSpPr>
+      <p:sp>
+        <p:nvSpPr>
+          <p:cNvPr id="2" name="Title 1">
+            <a:extLst>
+              <a:ext uri="{FF2B5EF4-FFF2-40B4-BE49-F238E27FC236}">
                 <a16:creationId xmlns:a16="http://schemas.microsoft.com/office/drawing/2014/main" id="{73A3347C-D2F7-0C4C-9F5B-5F88F5BB9464}"/>
               </a:ext>
             </a:extLst>
@@ -3554,13 +3910,32 @@
         </p:nvSpPr>
         <p:spPr/>
         <p:txBody>
-          <a:bodyPr/>
-          <a:lstStyle/>
-          <a:p>
+          <a:bodyPr>
+            <a:normAutofit fontScale="90000"/>
+          </a:bodyPr>
+          <a:lstStyle/>
+          <a:p>
+            <a:r>
+              <a:rPr lang="en-US" dirty="0"/>
+              <a:t>Audience Q&amp;A</a:t>
+            </a:r>
+            <a:br>
+              <a:rPr lang="en-US" dirty="0"/>
+            </a:br>
+            <a:br>
+              <a:rPr lang="en-US" dirty="0"/>
+            </a:br>
+            <a:br>
+              <a:rPr lang="en-US" dirty="0"/>
+            </a:br>
             <a:r>
               <a:rPr lang="en-US" dirty="0"/>
               <a:t>Any Questions?...</a:t>
             </a:r>
+            <a:br>
+              <a:rPr lang="en-US" dirty="0"/>
+            </a:br>
+            <a:endParaRPr lang="en-US" dirty="0"/>
           </a:p>
         </p:txBody>
       </p:sp>
@@ -3649,14 +4024,21 @@
           <a:p>
             <a:r>
               <a:rPr lang="en-US" sz="4500" dirty="0"/>
-              <a:t>What </a:t>
+              <a:t>Motivation</a:t>
             </a:r>
             <a:br>
               <a:rPr lang="en-US" sz="4500" dirty="0"/>
             </a:br>
             <a:r>
               <a:rPr lang="en-US" sz="4500" dirty="0"/>
-              <a:t>we will uncover…</a:t>
+              <a:t>	&amp;</a:t>
+            </a:r>
+            <a:br>
+              <a:rPr lang="en-US" sz="4500" dirty="0"/>
+            </a:br>
+            <a:r>
+              <a:rPr lang="en-US" sz="4500" dirty="0"/>
+              <a:t>Summary</a:t>
             </a:r>
           </a:p>
         </p:txBody>
@@ -3677,27 +4059,37 @@
             <p:ph idx="1"/>
           </p:nvPr>
         </p:nvSpPr>
-        <p:spPr/>
-        <p:txBody>
-          <a:bodyPr/>
-          <a:lstStyle/>
-          <a:p>
-            <a:r>
-              <a:rPr lang="en-US" sz="3000" dirty="0"/>
-              <a:t>Are free throw attempts/free throws made correlated to wins?</a:t>
-            </a:r>
-          </a:p>
-          <a:p>
-            <a:pPr marL="0" indent="0">
-              <a:buNone/>
-            </a:pPr>
-            <a:endParaRPr lang="en-US" sz="3000" dirty="0"/>
-          </a:p>
-          <a:p>
-            <a:r>
-              <a:rPr lang="en-US" sz="3000" dirty="0"/>
-              <a:t>Are referees actually biased towards home teams in calling fouls and does it lead to more wins?</a:t>
-            </a:r>
+        <p:spPr>
+          <a:xfrm>
+            <a:off x="4084398" y="758952"/>
+            <a:ext cx="8080664" cy="5330952"/>
+          </a:xfrm>
+        </p:spPr>
+        <p:txBody>
+          <a:bodyPr>
+            <a:normAutofit/>
+          </a:bodyPr>
+          <a:lstStyle/>
+          <a:p>
+            <a:r>
+              <a:rPr lang="en-US" dirty="0"/>
+              <a:t>If then</a:t>
+            </a:r>
+          </a:p>
+          <a:p>
+            <a:endParaRPr lang="en-US" dirty="0"/>
+          </a:p>
+          <a:p>
+            <a:endParaRPr lang="en-US" dirty="0"/>
+          </a:p>
+          <a:p>
+            <a:endParaRPr lang="en-US" dirty="0"/>
+          </a:p>
+          <a:p>
+            <a:endParaRPr lang="en-US" dirty="0"/>
+          </a:p>
+          <a:p>
+            <a:endParaRPr lang="en-US" dirty="0"/>
           </a:p>
           <a:p>
             <a:endParaRPr lang="en-US" dirty="0"/>
@@ -3734,6 +4126,47 @@
           </a:prstGeom>
         </p:spPr>
       </p:pic>
+      <p:sp>
+        <p:nvSpPr>
+          <p:cNvPr id="4" name="TextBox 3">
+            <a:extLst>
+              <a:ext uri="{FF2B5EF4-FFF2-40B4-BE49-F238E27FC236}">
+                <a16:creationId xmlns:a16="http://schemas.microsoft.com/office/drawing/2014/main" id="{A2B131BE-0364-4278-B328-B8502AB6AF00}"/>
+              </a:ext>
+            </a:extLst>
+          </p:cNvPr>
+          <p:cNvSpPr txBox="1"/>
+          <p:nvPr/>
+        </p:nvSpPr>
+        <p:spPr>
+          <a:xfrm>
+            <a:off x="5831175" y="768096"/>
+            <a:ext cx="4317166" cy="707886"/>
+          </a:xfrm>
+          <a:prstGeom prst="rect">
+            <a:avLst/>
+          </a:prstGeom>
+          <a:noFill/>
+        </p:spPr>
+        <p:txBody>
+          <a:bodyPr wrap="square" rtlCol="0">
+            <a:spAutoFit/>
+          </a:bodyPr>
+          <a:lstStyle/>
+          <a:p>
+            <a:pPr algn="ctr"/>
+            <a:r>
+              <a:rPr lang="en-US" sz="4000" b="1" u="sng" dirty="0">
+                <a:solidFill>
+                  <a:schemeClr val="bg1"/>
+                </a:solidFill>
+                <a:latin typeface="+mj-lt"/>
+              </a:rPr>
+              <a:t>   Hypothesis </a:t>
+            </a:r>
+          </a:p>
+        </p:txBody>
+      </p:sp>
     </p:spTree>
     <p:extLst>
       <p:ext uri="{BB962C8B-B14F-4D97-AF65-F5344CB8AC3E}">
@@ -3941,7 +4374,13 @@
           <a:bodyPr/>
           <a:lstStyle/>
           <a:p>
-            <a:endParaRPr lang="en-US" dirty="0"/>
+            <a:br>
+              <a:rPr lang="en-US" dirty="0"/>
+            </a:br>
+            <a:r>
+              <a:rPr lang="en-US" dirty="0"/>
+              <a:t>Questions</a:t>
+            </a:r>
           </a:p>
         </p:txBody>
       </p:sp>
@@ -3966,7 +4405,67 @@
           <a:bodyPr/>
           <a:lstStyle/>
           <a:p>
-            <a:endParaRPr lang="en-US"/>
+            <a:pPr>
+              <a:buFont typeface="Arial" panose="020B0604020202020204" pitchFamily="34" charset="0"/>
+              <a:buChar char="•"/>
+            </a:pPr>
+            <a:r>
+              <a:rPr lang="en-US" dirty="0"/>
+              <a:t>???</a:t>
+            </a:r>
+            <a:br>
+              <a:rPr lang="en-US" dirty="0"/>
+            </a:br>
+            <a:endParaRPr lang="en-US" dirty="0"/>
+          </a:p>
+          <a:p>
+            <a:pPr>
+              <a:buFont typeface="Arial" panose="020B0604020202020204" pitchFamily="34" charset="0"/>
+              <a:buChar char="•"/>
+            </a:pPr>
+            <a:endParaRPr lang="en-US" dirty="0"/>
+          </a:p>
+          <a:p>
+            <a:pPr>
+              <a:buFont typeface="Arial" panose="020B0604020202020204" pitchFamily="34" charset="0"/>
+              <a:buChar char="•"/>
+            </a:pPr>
+            <a:endParaRPr lang="en-US" dirty="0"/>
+          </a:p>
+          <a:p>
+            <a:pPr>
+              <a:buFont typeface="Arial" panose="020B0604020202020204" pitchFamily="34" charset="0"/>
+              <a:buChar char="•"/>
+            </a:pPr>
+            <a:endParaRPr lang="en-US" dirty="0"/>
+          </a:p>
+          <a:p>
+            <a:pPr>
+              <a:buFont typeface="Arial" panose="020B0604020202020204" pitchFamily="34" charset="0"/>
+              <a:buChar char="•"/>
+            </a:pPr>
+            <a:endParaRPr lang="en-US" dirty="0"/>
+          </a:p>
+          <a:p>
+            <a:pPr>
+              <a:buFont typeface="Arial" panose="020B0604020202020204" pitchFamily="34" charset="0"/>
+              <a:buChar char="•"/>
+            </a:pPr>
+            <a:endParaRPr lang="en-US" dirty="0"/>
+          </a:p>
+          <a:p>
+            <a:pPr>
+              <a:buFont typeface="Arial" panose="020B0604020202020204" pitchFamily="34" charset="0"/>
+              <a:buChar char="•"/>
+            </a:pPr>
+            <a:endParaRPr lang="en-US" dirty="0"/>
+          </a:p>
+          <a:p>
+            <a:pPr>
+              <a:buFont typeface="Arial" panose="020B0604020202020204" pitchFamily="34" charset="0"/>
+              <a:buChar char="•"/>
+            </a:pPr>
+            <a:endParaRPr lang="en-US" dirty="0"/>
           </a:p>
         </p:txBody>
       </p:sp>
@@ -4051,7 +4550,17 @@
           <a:bodyPr/>
           <a:lstStyle/>
           <a:p>
-            <a:endParaRPr lang="en-US"/>
+            <a:r>
+              <a:rPr lang="en-US" dirty="0"/>
+              <a:t>Data</a:t>
+            </a:r>
+            <a:br>
+              <a:rPr lang="en-US" dirty="0"/>
+            </a:br>
+            <a:r>
+              <a:rPr lang="en-US" dirty="0"/>
+              <a:t> Clean-Up &amp; Exploration</a:t>
+            </a:r>
           </a:p>
         </p:txBody>
       </p:sp>
@@ -4076,7 +4585,10 @@
           <a:bodyPr/>
           <a:lstStyle/>
           <a:p>
-            <a:endParaRPr lang="en-US"/>
+            <a:r>
+              <a:rPr lang="en-US" dirty="0"/>
+              <a:t>Due to franchise name </a:t>
+            </a:r>
           </a:p>
         </p:txBody>
       </p:sp>
@@ -4161,7 +4673,17 @@
           <a:bodyPr/>
           <a:lstStyle/>
           <a:p>
-            <a:endParaRPr lang="en-US"/>
+            <a:r>
+              <a:rPr lang="en-US" dirty="0"/>
+              <a:t>Data</a:t>
+            </a:r>
+            <a:br>
+              <a:rPr lang="en-US" dirty="0"/>
+            </a:br>
+            <a:r>
+              <a:rPr lang="en-US" dirty="0"/>
+              <a:t>Analysis </a:t>
+            </a:r>
           </a:p>
         </p:txBody>
       </p:sp>
@@ -4255,6 +4777,260 @@
           <p:cNvPr id="2" name="Title 1">
             <a:extLst>
               <a:ext uri="{FF2B5EF4-FFF2-40B4-BE49-F238E27FC236}">
+                <a16:creationId xmlns:a16="http://schemas.microsoft.com/office/drawing/2014/main" id="{3E1BBF25-7904-424B-8FE9-A38DCDBFD323}"/>
+              </a:ext>
+            </a:extLst>
+          </p:cNvPr>
+          <p:cNvSpPr>
+            <a:spLocks noGrp="1"/>
+          </p:cNvSpPr>
+          <p:nvPr>
+            <p:ph type="title"/>
+          </p:nvPr>
+        </p:nvSpPr>
+        <p:spPr/>
+        <p:txBody>
+          <a:bodyPr/>
+          <a:lstStyle/>
+          <a:p>
+            <a:r>
+              <a:rPr lang="en-US" dirty="0"/>
+              <a:t>Data</a:t>
+            </a:r>
+            <a:br>
+              <a:rPr lang="en-US" dirty="0"/>
+            </a:br>
+            <a:r>
+              <a:rPr lang="en-US" dirty="0"/>
+              <a:t>Analysis </a:t>
+            </a:r>
+            <a:br>
+              <a:rPr lang="en-US" dirty="0"/>
+            </a:br>
+            <a:r>
+              <a:rPr lang="en-US" dirty="0"/>
+              <a:t>(Cont.)</a:t>
+            </a:r>
+          </a:p>
+        </p:txBody>
+      </p:sp>
+      <p:sp>
+        <p:nvSpPr>
+          <p:cNvPr id="3" name="Content Placeholder 2">
+            <a:extLst>
+              <a:ext uri="{FF2B5EF4-FFF2-40B4-BE49-F238E27FC236}">
+                <a16:creationId xmlns:a16="http://schemas.microsoft.com/office/drawing/2014/main" id="{572AF83B-6506-E84B-983A-869AB4FCC7AE}"/>
+              </a:ext>
+            </a:extLst>
+          </p:cNvPr>
+          <p:cNvSpPr>
+            <a:spLocks noGrp="1"/>
+          </p:cNvSpPr>
+          <p:nvPr>
+            <p:ph idx="1"/>
+          </p:nvPr>
+        </p:nvSpPr>
+        <p:spPr/>
+        <p:txBody>
+          <a:bodyPr/>
+          <a:lstStyle/>
+          <a:p>
+            <a:endParaRPr lang="en-US"/>
+          </a:p>
+        </p:txBody>
+      </p:sp>
+      <p:pic>
+        <p:nvPicPr>
+          <p:cNvPr id="4" name="Picture 3">
+            <a:extLst>
+              <a:ext uri="{FF2B5EF4-FFF2-40B4-BE49-F238E27FC236}">
+                <a16:creationId xmlns:a16="http://schemas.microsoft.com/office/drawing/2014/main" id="{D2C98F3F-6E18-4B0F-B118-651C8CFB7C38}"/>
+              </a:ext>
+            </a:extLst>
+          </p:cNvPr>
+          <p:cNvPicPr>
+            <a:picLocks noChangeAspect="1"/>
+          </p:cNvPicPr>
+          <p:nvPr/>
+        </p:nvPicPr>
+        <p:blipFill>
+          <a:blip r:embed="rId2"/>
+          <a:stretch>
+            <a:fillRect/>
+          </a:stretch>
+        </p:blipFill>
+        <p:spPr>
+          <a:xfrm>
+            <a:off x="11802043" y="6037518"/>
+            <a:ext cx="363019" cy="820482"/>
+          </a:xfrm>
+          <a:prstGeom prst="rect">
+            <a:avLst/>
+          </a:prstGeom>
+        </p:spPr>
+      </p:pic>
+    </p:spTree>
+    <p:extLst>
+      <p:ext uri="{BB962C8B-B14F-4D97-AF65-F5344CB8AC3E}">
+        <p14:creationId xmlns:p14="http://schemas.microsoft.com/office/powerpoint/2010/main" val="3797123176"/>
+      </p:ext>
+    </p:extLst>
+  </p:cSld>
+  <p:clrMapOvr>
+    <a:masterClrMapping/>
+  </p:clrMapOvr>
+</p:sld>
+</file>
+
+<file path=ppt/slides/slide8.xml><?xml version="1.0" encoding="utf-8"?>
+<p:sld xmlns:a="http://schemas.openxmlformats.org/drawingml/2006/main" xmlns:r="http://schemas.openxmlformats.org/officeDocument/2006/relationships" xmlns:p="http://schemas.openxmlformats.org/presentationml/2006/main">
+  <p:cSld>
+    <p:spTree>
+      <p:nvGrpSpPr>
+        <p:cNvPr id="1" name=""/>
+        <p:cNvGrpSpPr/>
+        <p:nvPr/>
+      </p:nvGrpSpPr>
+      <p:grpSpPr>
+        <a:xfrm>
+          <a:off x="0" y="0"/>
+          <a:ext cx="0" cy="0"/>
+          <a:chOff x="0" y="0"/>
+          <a:chExt cx="0" cy="0"/>
+        </a:xfrm>
+      </p:grpSpPr>
+      <p:sp>
+        <p:nvSpPr>
+          <p:cNvPr id="2" name="Title 1">
+            <a:extLst>
+              <a:ext uri="{FF2B5EF4-FFF2-40B4-BE49-F238E27FC236}">
+                <a16:creationId xmlns:a16="http://schemas.microsoft.com/office/drawing/2014/main" id="{3E1BBF25-7904-424B-8FE9-A38DCDBFD323}"/>
+              </a:ext>
+            </a:extLst>
+          </p:cNvPr>
+          <p:cNvSpPr>
+            <a:spLocks noGrp="1"/>
+          </p:cNvSpPr>
+          <p:nvPr>
+            <p:ph type="title"/>
+          </p:nvPr>
+        </p:nvSpPr>
+        <p:spPr/>
+        <p:txBody>
+          <a:bodyPr/>
+          <a:lstStyle/>
+          <a:p>
+            <a:r>
+              <a:rPr lang="en-US" dirty="0"/>
+              <a:t>Data</a:t>
+            </a:r>
+            <a:br>
+              <a:rPr lang="en-US" dirty="0"/>
+            </a:br>
+            <a:r>
+              <a:rPr lang="en-US" dirty="0"/>
+              <a:t>Analysis </a:t>
+            </a:r>
+            <a:br>
+              <a:rPr lang="en-US" dirty="0"/>
+            </a:br>
+            <a:r>
+              <a:rPr lang="en-US" dirty="0"/>
+              <a:t>(Cont.)</a:t>
+            </a:r>
+          </a:p>
+        </p:txBody>
+      </p:sp>
+      <p:sp>
+        <p:nvSpPr>
+          <p:cNvPr id="3" name="Content Placeholder 2">
+            <a:extLst>
+              <a:ext uri="{FF2B5EF4-FFF2-40B4-BE49-F238E27FC236}">
+                <a16:creationId xmlns:a16="http://schemas.microsoft.com/office/drawing/2014/main" id="{572AF83B-6506-E84B-983A-869AB4FCC7AE}"/>
+              </a:ext>
+            </a:extLst>
+          </p:cNvPr>
+          <p:cNvSpPr>
+            <a:spLocks noGrp="1"/>
+          </p:cNvSpPr>
+          <p:nvPr>
+            <p:ph idx="1"/>
+          </p:nvPr>
+        </p:nvSpPr>
+        <p:spPr/>
+        <p:txBody>
+          <a:bodyPr/>
+          <a:lstStyle/>
+          <a:p>
+            <a:endParaRPr lang="en-US"/>
+          </a:p>
+        </p:txBody>
+      </p:sp>
+      <p:pic>
+        <p:nvPicPr>
+          <p:cNvPr id="4" name="Picture 3">
+            <a:extLst>
+              <a:ext uri="{FF2B5EF4-FFF2-40B4-BE49-F238E27FC236}">
+                <a16:creationId xmlns:a16="http://schemas.microsoft.com/office/drawing/2014/main" id="{D2C98F3F-6E18-4B0F-B118-651C8CFB7C38}"/>
+              </a:ext>
+            </a:extLst>
+          </p:cNvPr>
+          <p:cNvPicPr>
+            <a:picLocks noChangeAspect="1"/>
+          </p:cNvPicPr>
+          <p:nvPr/>
+        </p:nvPicPr>
+        <p:blipFill>
+          <a:blip r:embed="rId2"/>
+          <a:stretch>
+            <a:fillRect/>
+          </a:stretch>
+        </p:blipFill>
+        <p:spPr>
+          <a:xfrm>
+            <a:off x="11802043" y="6037518"/>
+            <a:ext cx="363019" cy="820482"/>
+          </a:xfrm>
+          <a:prstGeom prst="rect">
+            <a:avLst/>
+          </a:prstGeom>
+        </p:spPr>
+      </p:pic>
+    </p:spTree>
+    <p:extLst>
+      <p:ext uri="{BB962C8B-B14F-4D97-AF65-F5344CB8AC3E}">
+        <p14:creationId xmlns:p14="http://schemas.microsoft.com/office/powerpoint/2010/main" val="3634492531"/>
+      </p:ext>
+    </p:extLst>
+  </p:cSld>
+  <p:clrMapOvr>
+    <a:masterClrMapping/>
+  </p:clrMapOvr>
+</p:sld>
+</file>
+
+<file path=ppt/slides/slide9.xml><?xml version="1.0" encoding="utf-8"?>
+<p:sld xmlns:a="http://schemas.openxmlformats.org/drawingml/2006/main" xmlns:r="http://schemas.openxmlformats.org/officeDocument/2006/relationships" xmlns:p="http://schemas.openxmlformats.org/presentationml/2006/main">
+  <p:cSld>
+    <p:spTree>
+      <p:nvGrpSpPr>
+        <p:cNvPr id="1" name=""/>
+        <p:cNvGrpSpPr/>
+        <p:nvPr/>
+      </p:nvGrpSpPr>
+      <p:grpSpPr>
+        <a:xfrm>
+          <a:off x="0" y="0"/>
+          <a:ext cx="0" cy="0"/>
+          <a:chOff x="0" y="0"/>
+          <a:chExt cx="0" cy="0"/>
+        </a:xfrm>
+      </p:grpSpPr>
+      <p:sp>
+        <p:nvSpPr>
+          <p:cNvPr id="2" name="Title 1">
+            <a:extLst>
+              <a:ext uri="{FF2B5EF4-FFF2-40B4-BE49-F238E27FC236}">
                 <a16:creationId xmlns:a16="http://schemas.microsoft.com/office/drawing/2014/main" id="{EA637E85-D367-3F4A-B3C8-38699F9B7802}"/>
               </a:ext>
             </a:extLst>
@@ -4271,7 +5047,10 @@
           <a:bodyPr/>
           <a:lstStyle/>
           <a:p>
-            <a:endParaRPr lang="en-US"/>
+            <a:r>
+              <a:rPr lang="en-US" dirty="0"/>
+              <a:t>Findings</a:t>
+            </a:r>
           </a:p>
         </p:txBody>
       </p:sp>
@@ -4334,239 +5113,6 @@
     <p:extLst>
       <p:ext uri="{BB962C8B-B14F-4D97-AF65-F5344CB8AC3E}">
         <p14:creationId xmlns:p14="http://schemas.microsoft.com/office/powerpoint/2010/main" val="3194318131"/>
-      </p:ext>
-    </p:extLst>
-  </p:cSld>
-  <p:clrMapOvr>
-    <a:masterClrMapping/>
-  </p:clrMapOvr>
-</p:sld>
-</file>
-
-<file path=ppt/slides/slide8.xml><?xml version="1.0" encoding="utf-8"?>
-<p:sld xmlns:a="http://schemas.openxmlformats.org/drawingml/2006/main" xmlns:r="http://schemas.openxmlformats.org/officeDocument/2006/relationships" xmlns:p="http://schemas.openxmlformats.org/presentationml/2006/main">
-  <p:cSld>
-    <p:spTree>
-      <p:nvGrpSpPr>
-        <p:cNvPr id="1" name=""/>
-        <p:cNvGrpSpPr/>
-        <p:nvPr/>
-      </p:nvGrpSpPr>
-      <p:grpSpPr>
-        <a:xfrm>
-          <a:off x="0" y="0"/>
-          <a:ext cx="0" cy="0"/>
-          <a:chOff x="0" y="0"/>
-          <a:chExt cx="0" cy="0"/>
-        </a:xfrm>
-      </p:grpSpPr>
-      <p:sp>
-        <p:nvSpPr>
-          <p:cNvPr id="2" name="Title 1">
-            <a:extLst>
-              <a:ext uri="{FF2B5EF4-FFF2-40B4-BE49-F238E27FC236}">
-                <a16:creationId xmlns:a16="http://schemas.microsoft.com/office/drawing/2014/main" id="{FA880076-72C5-8944-94D8-C159BB8FF273}"/>
-              </a:ext>
-            </a:extLst>
-          </p:cNvPr>
-          <p:cNvSpPr>
-            <a:spLocks noGrp="1"/>
-          </p:cNvSpPr>
-          <p:nvPr>
-            <p:ph type="title"/>
-          </p:nvPr>
-        </p:nvSpPr>
-        <p:spPr/>
-        <p:txBody>
-          <a:bodyPr/>
-          <a:lstStyle/>
-          <a:p>
-            <a:endParaRPr lang="en-US"/>
-          </a:p>
-        </p:txBody>
-      </p:sp>
-      <p:sp>
-        <p:nvSpPr>
-          <p:cNvPr id="3" name="Content Placeholder 2">
-            <a:extLst>
-              <a:ext uri="{FF2B5EF4-FFF2-40B4-BE49-F238E27FC236}">
-                <a16:creationId xmlns:a16="http://schemas.microsoft.com/office/drawing/2014/main" id="{CC11E19A-6BC1-014C-96B2-FBB0CEE2CC57}"/>
-              </a:ext>
-            </a:extLst>
-          </p:cNvPr>
-          <p:cNvSpPr>
-            <a:spLocks noGrp="1"/>
-          </p:cNvSpPr>
-          <p:nvPr>
-            <p:ph idx="1"/>
-          </p:nvPr>
-        </p:nvSpPr>
-        <p:spPr/>
-        <p:txBody>
-          <a:bodyPr/>
-          <a:lstStyle/>
-          <a:p>
-            <a:endParaRPr lang="en-US"/>
-          </a:p>
-        </p:txBody>
-      </p:sp>
-      <p:pic>
-        <p:nvPicPr>
-          <p:cNvPr id="4" name="Picture 3">
-            <a:extLst>
-              <a:ext uri="{FF2B5EF4-FFF2-40B4-BE49-F238E27FC236}">
-                <a16:creationId xmlns:a16="http://schemas.microsoft.com/office/drawing/2014/main" id="{39C88CED-85D0-4273-A6EE-900C8C1F4913}"/>
-              </a:ext>
-            </a:extLst>
-          </p:cNvPr>
-          <p:cNvPicPr>
-            <a:picLocks noChangeAspect="1"/>
-          </p:cNvPicPr>
-          <p:nvPr/>
-        </p:nvPicPr>
-        <p:blipFill>
-          <a:blip r:embed="rId2"/>
-          <a:stretch>
-            <a:fillRect/>
-          </a:stretch>
-        </p:blipFill>
-        <p:spPr>
-          <a:xfrm>
-            <a:off x="11802043" y="6037518"/>
-            <a:ext cx="363019" cy="820482"/>
-          </a:xfrm>
-          <a:prstGeom prst="rect">
-            <a:avLst/>
-          </a:prstGeom>
-        </p:spPr>
-      </p:pic>
-    </p:spTree>
-    <p:extLst>
-      <p:ext uri="{BB962C8B-B14F-4D97-AF65-F5344CB8AC3E}">
-        <p14:creationId xmlns:p14="http://schemas.microsoft.com/office/powerpoint/2010/main" val="392246826"/>
-      </p:ext>
-    </p:extLst>
-  </p:cSld>
-  <p:clrMapOvr>
-    <a:masterClrMapping/>
-  </p:clrMapOvr>
-</p:sld>
-</file>
-
-<file path=ppt/slides/slide9.xml><?xml version="1.0" encoding="utf-8"?>
-<p:sld xmlns:a="http://schemas.openxmlformats.org/drawingml/2006/main" xmlns:r="http://schemas.openxmlformats.org/officeDocument/2006/relationships" xmlns:p="http://schemas.openxmlformats.org/presentationml/2006/main">
-  <p:cSld>
-    <p:spTree>
-      <p:nvGrpSpPr>
-        <p:cNvPr id="1" name=""/>
-        <p:cNvGrpSpPr/>
-        <p:nvPr/>
-      </p:nvGrpSpPr>
-      <p:grpSpPr>
-        <a:xfrm>
-          <a:off x="0" y="0"/>
-          <a:ext cx="0" cy="0"/>
-          <a:chOff x="0" y="0"/>
-          <a:chExt cx="0" cy="0"/>
-        </a:xfrm>
-      </p:grpSpPr>
-      <p:sp>
-        <p:nvSpPr>
-          <p:cNvPr id="2" name="Title 1">
-            <a:extLst>
-              <a:ext uri="{FF2B5EF4-FFF2-40B4-BE49-F238E27FC236}">
-                <a16:creationId xmlns:a16="http://schemas.microsoft.com/office/drawing/2014/main" id="{F0EC7778-C3B4-7C47-8810-7F6B9EF3AAB1}"/>
-              </a:ext>
-            </a:extLst>
-          </p:cNvPr>
-          <p:cNvSpPr>
-            <a:spLocks noGrp="1"/>
-          </p:cNvSpPr>
-          <p:nvPr>
-            <p:ph type="title"/>
-          </p:nvPr>
-        </p:nvSpPr>
-        <p:spPr>
-          <a:xfrm>
-            <a:off x="415001" y="956411"/>
-            <a:ext cx="3108784" cy="4601183"/>
-          </a:xfrm>
-        </p:spPr>
-        <p:txBody>
-          <a:bodyPr>
-            <a:normAutofit/>
-          </a:bodyPr>
-          <a:lstStyle/>
-          <a:p>
-            <a:r>
-              <a:rPr lang="en-US" dirty="0"/>
-              <a:t>Optimal Strategy…</a:t>
-            </a:r>
-          </a:p>
-        </p:txBody>
-      </p:sp>
-      <p:sp>
-        <p:nvSpPr>
-          <p:cNvPr id="3" name="Content Placeholder 2">
-            <a:extLst>
-              <a:ext uri="{FF2B5EF4-FFF2-40B4-BE49-F238E27FC236}">
-                <a16:creationId xmlns:a16="http://schemas.microsoft.com/office/drawing/2014/main" id="{4D0AA046-4A97-7143-92ED-6474CADC10C1}"/>
-              </a:ext>
-            </a:extLst>
-          </p:cNvPr>
-          <p:cNvSpPr>
-            <a:spLocks noGrp="1"/>
-          </p:cNvSpPr>
-          <p:nvPr>
-            <p:ph idx="1"/>
-          </p:nvPr>
-        </p:nvSpPr>
-        <p:spPr/>
-        <p:txBody>
-          <a:bodyPr/>
-          <a:lstStyle/>
-          <a:p>
-            <a:r>
-              <a:rPr lang="en-US" dirty="0"/>
-              <a:t>(at end of presentation, insert the strategy we recommend)</a:t>
-            </a:r>
-          </a:p>
-        </p:txBody>
-      </p:sp>
-      <p:pic>
-        <p:nvPicPr>
-          <p:cNvPr id="4" name="Picture 3">
-            <a:extLst>
-              <a:ext uri="{FF2B5EF4-FFF2-40B4-BE49-F238E27FC236}">
-                <a16:creationId xmlns:a16="http://schemas.microsoft.com/office/drawing/2014/main" id="{86509FF5-0249-4777-8B99-A5DEABF90851}"/>
-              </a:ext>
-            </a:extLst>
-          </p:cNvPr>
-          <p:cNvPicPr>
-            <a:picLocks noChangeAspect="1"/>
-          </p:cNvPicPr>
-          <p:nvPr/>
-        </p:nvPicPr>
-        <p:blipFill>
-          <a:blip r:embed="rId2"/>
-          <a:stretch>
-            <a:fillRect/>
-          </a:stretch>
-        </p:blipFill>
-        <p:spPr>
-          <a:xfrm>
-            <a:off x="11802043" y="6037518"/>
-            <a:ext cx="363019" cy="820482"/>
-          </a:xfrm>
-          <a:prstGeom prst="rect">
-            <a:avLst/>
-          </a:prstGeom>
-        </p:spPr>
-      </p:pic>
-    </p:spTree>
-    <p:extLst>
-      <p:ext uri="{BB962C8B-B14F-4D97-AF65-F5344CB8AC3E}">
-        <p14:creationId xmlns:p14="http://schemas.microsoft.com/office/powerpoint/2010/main" val="3061932847"/>
       </p:ext>
     </p:extLst>
   </p:cSld>

--- a/Presentation.pptx
+++ b/Presentation.pptx
@@ -2,22 +2,25 @@
 <file path=ppt/presentation.xml><?xml version="1.0" encoding="utf-8"?>
 <p:presentation xmlns:a="http://schemas.openxmlformats.org/drawingml/2006/main" xmlns:r="http://schemas.openxmlformats.org/officeDocument/2006/relationships" xmlns:p="http://schemas.openxmlformats.org/presentationml/2006/main" autoCompressPictures="0">
   <p:sldMasterIdLst>
-    <p:sldMasterId id="2147483840" r:id="rId1"/>
+    <p:sldMasterId id="2147483882" r:id="rId1"/>
   </p:sldMasterIdLst>
   <p:sldIdLst>
     <p:sldId id="256" r:id="rId2"/>
     <p:sldId id="257" r:id="rId3"/>
-    <p:sldId id="258" r:id="rId4"/>
-    <p:sldId id="259" r:id="rId5"/>
+    <p:sldId id="259" r:id="rId4"/>
+    <p:sldId id="258" r:id="rId5"/>
     <p:sldId id="263" r:id="rId6"/>
-    <p:sldId id="264" r:id="rId7"/>
-    <p:sldId id="267" r:id="rId8"/>
-    <p:sldId id="268" r:id="rId9"/>
-    <p:sldId id="265" r:id="rId10"/>
-    <p:sldId id="266" r:id="rId11"/>
-    <p:sldId id="260" r:id="rId12"/>
-    <p:sldId id="261" r:id="rId13"/>
-    <p:sldId id="262" r:id="rId14"/>
+    <p:sldId id="267" r:id="rId7"/>
+    <p:sldId id="268" r:id="rId8"/>
+    <p:sldId id="270" r:id="rId9"/>
+    <p:sldId id="271" r:id="rId10"/>
+    <p:sldId id="272" r:id="rId11"/>
+    <p:sldId id="273" r:id="rId12"/>
+    <p:sldId id="274" r:id="rId13"/>
+    <p:sldId id="275" r:id="rId14"/>
+    <p:sldId id="266" r:id="rId15"/>
+    <p:sldId id="269" r:id="rId16"/>
+    <p:sldId id="260" r:id="rId17"/>
   </p:sldIdLst>
   <p:sldSz cx="12192000" cy="6858000"/>
   <p:notesSz cx="6858000" cy="9144000"/>
@@ -124,17 +127,2875 @@
 </p:presentation>
 </file>
 
+<file path=ppt/diagrams/colors1.xml><?xml version="1.0" encoding="utf-8"?>
+<dgm:colorsDef xmlns:dgm="http://schemas.openxmlformats.org/drawingml/2006/diagram" xmlns:a="http://schemas.openxmlformats.org/drawingml/2006/main" uniqueId="urn:microsoft.com/office/officeart/2018/5/colors/Iconchunking_neutralicontext_accent0_3">
+  <dgm:title val=""/>
+  <dgm:desc val=""/>
+  <dgm:catLst>
+    <dgm:cat type="mainScheme" pri="10300"/>
+  </dgm:catLst>
+  <dgm:styleLbl name="node0">
+    <dgm:fillClrLst meth="repeat">
+      <a:schemeClr val="dk2"/>
+    </dgm:fillClrLst>
+    <dgm:linClrLst meth="repeat">
+      <a:schemeClr val="lt2"/>
+    </dgm:linClrLst>
+    <dgm:effectClrLst/>
+    <dgm:txLinClrLst/>
+    <dgm:txFillClrLst/>
+    <dgm:txEffectClrLst/>
+  </dgm:styleLbl>
+  <dgm:styleLbl name="alignNode1">
+    <dgm:fillClrLst meth="repeat">
+      <a:schemeClr val="dk2"/>
+    </dgm:fillClrLst>
+    <dgm:linClrLst meth="repeat">
+      <a:schemeClr val="dk2"/>
+    </dgm:linClrLst>
+    <dgm:effectClrLst/>
+    <dgm:txLinClrLst/>
+    <dgm:txFillClrLst/>
+    <dgm:txEffectClrLst/>
+  </dgm:styleLbl>
+  <dgm:styleLbl name="node1">
+    <dgm:fillClrLst meth="repeat">
+      <a:schemeClr val="bg1"/>
+    </dgm:fillClrLst>
+    <dgm:linClrLst meth="repeat">
+      <a:schemeClr val="lt2">
+        <a:alpha val="0"/>
+      </a:schemeClr>
+    </dgm:linClrLst>
+    <dgm:effectClrLst/>
+    <dgm:txLinClrLst/>
+    <dgm:txFillClrLst meth="repeat">
+      <a:schemeClr val="dk1"/>
+    </dgm:txFillClrLst>
+    <dgm:txEffectClrLst/>
+  </dgm:styleLbl>
+  <dgm:styleLbl name="lnNode1">
+    <dgm:fillClrLst meth="repeat">
+      <a:schemeClr val="dk2"/>
+    </dgm:fillClrLst>
+    <dgm:linClrLst meth="repeat">
+      <a:schemeClr val="lt2"/>
+    </dgm:linClrLst>
+    <dgm:effectClrLst/>
+    <dgm:txLinClrLst/>
+    <dgm:txFillClrLst/>
+    <dgm:txEffectClrLst/>
+  </dgm:styleLbl>
+  <dgm:styleLbl name="vennNode1">
+    <dgm:fillClrLst meth="repeat">
+      <a:schemeClr val="dk2">
+        <a:alpha val="50000"/>
+      </a:schemeClr>
+    </dgm:fillClrLst>
+    <dgm:linClrLst meth="repeat">
+      <a:schemeClr val="lt2"/>
+    </dgm:linClrLst>
+    <dgm:effectClrLst/>
+    <dgm:txLinClrLst/>
+    <dgm:txFillClrLst/>
+    <dgm:txEffectClrLst/>
+  </dgm:styleLbl>
+  <dgm:styleLbl name="node2">
+    <dgm:fillClrLst meth="repeat">
+      <a:schemeClr val="dk2"/>
+    </dgm:fillClrLst>
+    <dgm:linClrLst meth="repeat">
+      <a:schemeClr val="lt2"/>
+    </dgm:linClrLst>
+    <dgm:effectClrLst/>
+    <dgm:txLinClrLst/>
+    <dgm:txFillClrLst/>
+    <dgm:txEffectClrLst/>
+  </dgm:styleLbl>
+  <dgm:styleLbl name="node3">
+    <dgm:fillClrLst meth="repeat">
+      <a:schemeClr val="dk2"/>
+    </dgm:fillClrLst>
+    <dgm:linClrLst meth="repeat">
+      <a:schemeClr val="lt2"/>
+    </dgm:linClrLst>
+    <dgm:effectClrLst/>
+    <dgm:txLinClrLst/>
+    <dgm:txFillClrLst/>
+    <dgm:txEffectClrLst/>
+  </dgm:styleLbl>
+  <dgm:styleLbl name="node4">
+    <dgm:fillClrLst meth="repeat">
+      <a:schemeClr val="dk2"/>
+    </dgm:fillClrLst>
+    <dgm:linClrLst meth="repeat">
+      <a:schemeClr val="lt2"/>
+    </dgm:linClrLst>
+    <dgm:effectClrLst/>
+    <dgm:txLinClrLst/>
+    <dgm:txFillClrLst/>
+    <dgm:txEffectClrLst/>
+  </dgm:styleLbl>
+  <dgm:styleLbl name="fgImgPlace1">
+    <dgm:fillClrLst meth="repeat">
+      <a:schemeClr val="dk2">
+        <a:tint val="50000"/>
+      </a:schemeClr>
+    </dgm:fillClrLst>
+    <dgm:linClrLst meth="repeat">
+      <a:schemeClr val="lt2"/>
+    </dgm:linClrLst>
+    <dgm:effectClrLst/>
+    <dgm:txLinClrLst/>
+    <dgm:txFillClrLst meth="repeat">
+      <a:schemeClr val="lt2"/>
+    </dgm:txFillClrLst>
+    <dgm:txEffectClrLst/>
+  </dgm:styleLbl>
+  <dgm:styleLbl name="alignImgPlace1">
+    <dgm:fillClrLst meth="repeat">
+      <a:schemeClr val="dk2">
+        <a:tint val="50000"/>
+      </a:schemeClr>
+    </dgm:fillClrLst>
+    <dgm:linClrLst meth="repeat">
+      <a:schemeClr val="dk2">
+        <a:shade val="80000"/>
+      </a:schemeClr>
+    </dgm:linClrLst>
+    <dgm:effectClrLst/>
+    <dgm:txLinClrLst/>
+    <dgm:txFillClrLst meth="repeat">
+      <a:schemeClr val="lt2"/>
+    </dgm:txFillClrLst>
+    <dgm:txEffectClrLst/>
+  </dgm:styleLbl>
+  <dgm:styleLbl name="bgImgPlace1">
+    <dgm:fillClrLst meth="repeat">
+      <a:schemeClr val="dk2">
+        <a:tint val="50000"/>
+      </a:schemeClr>
+    </dgm:fillClrLst>
+    <dgm:linClrLst meth="repeat">
+      <a:schemeClr val="dk2">
+        <a:shade val="80000"/>
+      </a:schemeClr>
+    </dgm:linClrLst>
+    <dgm:effectClrLst/>
+    <dgm:txLinClrLst/>
+    <dgm:txFillClrLst meth="repeat">
+      <a:schemeClr val="lt2"/>
+    </dgm:txFillClrLst>
+    <dgm:txEffectClrLst/>
+  </dgm:styleLbl>
+  <dgm:styleLbl name="sibTrans2D1">
+    <dgm:fillClrLst meth="repeat">
+      <a:schemeClr val="dk2">
+        <a:tint val="60000"/>
+      </a:schemeClr>
+    </dgm:fillClrLst>
+    <dgm:linClrLst meth="repeat">
+      <a:schemeClr val="dk2">
+        <a:tint val="60000"/>
+      </a:schemeClr>
+    </dgm:linClrLst>
+    <dgm:effectClrLst/>
+    <dgm:txLinClrLst/>
+    <dgm:txFillClrLst/>
+    <dgm:txEffectClrLst/>
+  </dgm:styleLbl>
+  <dgm:styleLbl name="fgSibTrans2D1">
+    <dgm:fillClrLst meth="repeat">
+      <a:schemeClr val="dk2">
+        <a:tint val="60000"/>
+      </a:schemeClr>
+    </dgm:fillClrLst>
+    <dgm:linClrLst meth="repeat">
+      <a:schemeClr val="dk2">
+        <a:tint val="60000"/>
+      </a:schemeClr>
+    </dgm:linClrLst>
+    <dgm:effectClrLst/>
+    <dgm:txLinClrLst/>
+    <dgm:txFillClrLst/>
+    <dgm:txEffectClrLst/>
+  </dgm:styleLbl>
+  <dgm:styleLbl name="bgSibTrans2D1">
+    <dgm:fillClrLst meth="repeat">
+      <a:schemeClr val="dk2">
+        <a:tint val="60000"/>
+      </a:schemeClr>
+    </dgm:fillClrLst>
+    <dgm:linClrLst meth="repeat">
+      <a:schemeClr val="dk2">
+        <a:tint val="60000"/>
+      </a:schemeClr>
+    </dgm:linClrLst>
+    <dgm:effectClrLst/>
+    <dgm:txLinClrLst/>
+    <dgm:txFillClrLst/>
+    <dgm:txEffectClrLst/>
+  </dgm:styleLbl>
+  <dgm:styleLbl name="sibTrans1D1">
+    <dgm:fillClrLst meth="repeat">
+      <a:schemeClr val="dk2"/>
+    </dgm:fillClrLst>
+    <dgm:linClrLst meth="repeat">
+      <a:schemeClr val="dk2"/>
+    </dgm:linClrLst>
+    <dgm:effectClrLst/>
+    <dgm:txLinClrLst/>
+    <dgm:txFillClrLst meth="repeat">
+      <a:schemeClr val="lt2"/>
+    </dgm:txFillClrLst>
+    <dgm:txEffectClrLst/>
+  </dgm:styleLbl>
+  <dgm:styleLbl name="callout">
+    <dgm:fillClrLst meth="repeat">
+      <a:schemeClr val="dk2"/>
+    </dgm:fillClrLst>
+    <dgm:linClrLst meth="repeat">
+      <a:schemeClr val="dk2">
+        <a:tint val="50000"/>
+      </a:schemeClr>
+    </dgm:linClrLst>
+    <dgm:effectClrLst/>
+    <dgm:txLinClrLst/>
+    <dgm:txFillClrLst meth="repeat">
+      <a:schemeClr val="lt2"/>
+    </dgm:txFillClrLst>
+    <dgm:txEffectClrLst/>
+  </dgm:styleLbl>
+  <dgm:styleLbl name="asst0">
+    <dgm:fillClrLst meth="repeat">
+      <a:schemeClr val="dk2"/>
+    </dgm:fillClrLst>
+    <dgm:linClrLst meth="repeat">
+      <a:schemeClr val="lt2"/>
+    </dgm:linClrLst>
+    <dgm:effectClrLst/>
+    <dgm:txLinClrLst/>
+    <dgm:txFillClrLst/>
+    <dgm:txEffectClrLst/>
+  </dgm:styleLbl>
+  <dgm:styleLbl name="asst1">
+    <dgm:fillClrLst meth="repeat">
+      <a:schemeClr val="dk2"/>
+    </dgm:fillClrLst>
+    <dgm:linClrLst meth="repeat">
+      <a:schemeClr val="lt2"/>
+    </dgm:linClrLst>
+    <dgm:effectClrLst/>
+    <dgm:txLinClrLst/>
+    <dgm:txFillClrLst/>
+    <dgm:txEffectClrLst/>
+  </dgm:styleLbl>
+  <dgm:styleLbl name="asst2">
+    <dgm:fillClrLst meth="repeat">
+      <a:schemeClr val="dk2"/>
+    </dgm:fillClrLst>
+    <dgm:linClrLst meth="repeat">
+      <a:schemeClr val="lt2"/>
+    </dgm:linClrLst>
+    <dgm:effectClrLst/>
+    <dgm:txLinClrLst/>
+    <dgm:txFillClrLst/>
+    <dgm:txEffectClrLst/>
+  </dgm:styleLbl>
+  <dgm:styleLbl name="asst3">
+    <dgm:fillClrLst meth="repeat">
+      <a:schemeClr val="dk2"/>
+    </dgm:fillClrLst>
+    <dgm:linClrLst meth="repeat">
+      <a:schemeClr val="lt2"/>
+    </dgm:linClrLst>
+    <dgm:effectClrLst/>
+    <dgm:txLinClrLst/>
+    <dgm:txFillClrLst/>
+    <dgm:txEffectClrLst/>
+  </dgm:styleLbl>
+  <dgm:styleLbl name="asst4">
+    <dgm:fillClrLst meth="repeat">
+      <a:schemeClr val="dk2"/>
+    </dgm:fillClrLst>
+    <dgm:linClrLst meth="repeat">
+      <a:schemeClr val="lt2"/>
+    </dgm:linClrLst>
+    <dgm:effectClrLst/>
+    <dgm:txLinClrLst/>
+    <dgm:txFillClrLst/>
+    <dgm:txEffectClrLst/>
+  </dgm:styleLbl>
+  <dgm:styleLbl name="parChTrans2D1">
+    <dgm:fillClrLst meth="repeat">
+      <a:schemeClr val="dk2">
+        <a:tint val="60000"/>
+      </a:schemeClr>
+    </dgm:fillClrLst>
+    <dgm:linClrLst meth="repeat">
+      <a:schemeClr val="dk2">
+        <a:tint val="60000"/>
+      </a:schemeClr>
+    </dgm:linClrLst>
+    <dgm:effectClrLst/>
+    <dgm:txLinClrLst/>
+    <dgm:txFillClrLst meth="repeat">
+      <a:schemeClr val="lt2"/>
+    </dgm:txFillClrLst>
+    <dgm:txEffectClrLst/>
+  </dgm:styleLbl>
+  <dgm:styleLbl name="parChTrans2D2">
+    <dgm:fillClrLst meth="repeat">
+      <a:schemeClr val="dk2"/>
+    </dgm:fillClrLst>
+    <dgm:linClrLst meth="repeat">
+      <a:schemeClr val="dk2"/>
+    </dgm:linClrLst>
+    <dgm:effectClrLst/>
+    <dgm:txLinClrLst/>
+    <dgm:txFillClrLst meth="repeat">
+      <a:schemeClr val="lt2"/>
+    </dgm:txFillClrLst>
+    <dgm:txEffectClrLst/>
+  </dgm:styleLbl>
+  <dgm:styleLbl name="parChTrans2D3">
+    <dgm:fillClrLst meth="repeat">
+      <a:schemeClr val="dk2"/>
+    </dgm:fillClrLst>
+    <dgm:linClrLst meth="repeat">
+      <a:schemeClr val="dk2"/>
+    </dgm:linClrLst>
+    <dgm:effectClrLst/>
+    <dgm:txLinClrLst/>
+    <dgm:txFillClrLst meth="repeat">
+      <a:schemeClr val="lt2"/>
+    </dgm:txFillClrLst>
+    <dgm:txEffectClrLst/>
+  </dgm:styleLbl>
+  <dgm:styleLbl name="parChTrans2D4">
+    <dgm:fillClrLst meth="repeat">
+      <a:schemeClr val="dk2"/>
+    </dgm:fillClrLst>
+    <dgm:linClrLst meth="repeat">
+      <a:schemeClr val="dk2"/>
+    </dgm:linClrLst>
+    <dgm:effectClrLst/>
+    <dgm:txLinClrLst/>
+    <dgm:txFillClrLst meth="repeat">
+      <a:schemeClr val="lt2"/>
+    </dgm:txFillClrLst>
+    <dgm:txEffectClrLst/>
+  </dgm:styleLbl>
+  <dgm:styleLbl name="parChTrans1D1">
+    <dgm:fillClrLst meth="repeat">
+      <a:schemeClr val="dk2"/>
+    </dgm:fillClrLst>
+    <dgm:linClrLst meth="repeat">
+      <a:schemeClr val="dk2">
+        <a:shade val="60000"/>
+      </a:schemeClr>
+    </dgm:linClrLst>
+    <dgm:effectClrLst/>
+    <dgm:txLinClrLst/>
+    <dgm:txFillClrLst meth="repeat">
+      <a:schemeClr val="tx1"/>
+    </dgm:txFillClrLst>
+    <dgm:txEffectClrLst/>
+  </dgm:styleLbl>
+  <dgm:styleLbl name="parChTrans1D2">
+    <dgm:fillClrLst meth="repeat">
+      <a:schemeClr val="dk2"/>
+    </dgm:fillClrLst>
+    <dgm:linClrLst meth="repeat">
+      <a:schemeClr val="dk2">
+        <a:shade val="60000"/>
+      </a:schemeClr>
+    </dgm:linClrLst>
+    <dgm:effectClrLst/>
+    <dgm:txLinClrLst/>
+    <dgm:txFillClrLst meth="repeat">
+      <a:schemeClr val="tx1"/>
+    </dgm:txFillClrLst>
+    <dgm:txEffectClrLst/>
+  </dgm:styleLbl>
+  <dgm:styleLbl name="parChTrans1D3">
+    <dgm:fillClrLst meth="repeat">
+      <a:schemeClr val="dk2"/>
+    </dgm:fillClrLst>
+    <dgm:linClrLst meth="repeat">
+      <a:schemeClr val="dk2">
+        <a:shade val="80000"/>
+      </a:schemeClr>
+    </dgm:linClrLst>
+    <dgm:effectClrLst/>
+    <dgm:txLinClrLst/>
+    <dgm:txFillClrLst meth="repeat">
+      <a:schemeClr val="tx1"/>
+    </dgm:txFillClrLst>
+    <dgm:txEffectClrLst/>
+  </dgm:styleLbl>
+  <dgm:styleLbl name="parChTrans1D4">
+    <dgm:fillClrLst meth="repeat">
+      <a:schemeClr val="dk2"/>
+    </dgm:fillClrLst>
+    <dgm:linClrLst meth="repeat">
+      <a:schemeClr val="dk2">
+        <a:shade val="80000"/>
+      </a:schemeClr>
+    </dgm:linClrLst>
+    <dgm:effectClrLst/>
+    <dgm:txLinClrLst/>
+    <dgm:txFillClrLst meth="repeat">
+      <a:schemeClr val="tx1"/>
+    </dgm:txFillClrLst>
+    <dgm:txEffectClrLst/>
+  </dgm:styleLbl>
+  <dgm:styleLbl name="fgAcc1">
+    <dgm:fillClrLst meth="repeat">
+      <a:schemeClr val="lt2">
+        <a:alpha val="90000"/>
+      </a:schemeClr>
+    </dgm:fillClrLst>
+    <dgm:linClrLst meth="repeat">
+      <a:schemeClr val="dk2"/>
+    </dgm:linClrLst>
+    <dgm:effectClrLst/>
+    <dgm:txLinClrLst/>
+    <dgm:txFillClrLst meth="repeat">
+      <a:schemeClr val="dk1"/>
+    </dgm:txFillClrLst>
+    <dgm:txEffectClrLst/>
+  </dgm:styleLbl>
+  <dgm:styleLbl name="conFgAcc1">
+    <dgm:fillClrLst meth="repeat">
+      <a:schemeClr val="lt2">
+        <a:alpha val="90000"/>
+      </a:schemeClr>
+    </dgm:fillClrLst>
+    <dgm:linClrLst meth="repeat">
+      <a:schemeClr val="dk2"/>
+    </dgm:linClrLst>
+    <dgm:effectClrLst/>
+    <dgm:txLinClrLst/>
+    <dgm:txFillClrLst meth="repeat">
+      <a:schemeClr val="dk1"/>
+    </dgm:txFillClrLst>
+    <dgm:txEffectClrLst/>
+  </dgm:styleLbl>
+  <dgm:styleLbl name="alignAcc1">
+    <dgm:fillClrLst meth="repeat">
+      <a:schemeClr val="lt2">
+        <a:alpha val="90000"/>
+      </a:schemeClr>
+    </dgm:fillClrLst>
+    <dgm:linClrLst meth="repeat">
+      <a:schemeClr val="dk2"/>
+    </dgm:linClrLst>
+    <dgm:effectClrLst/>
+    <dgm:txLinClrLst/>
+    <dgm:txFillClrLst meth="repeat">
+      <a:schemeClr val="dk1"/>
+    </dgm:txFillClrLst>
+    <dgm:txEffectClrLst/>
+  </dgm:styleLbl>
+  <dgm:styleLbl name="trAlignAcc1">
+    <dgm:fillClrLst meth="repeat">
+      <a:schemeClr val="lt2">
+        <a:alpha val="40000"/>
+      </a:schemeClr>
+    </dgm:fillClrLst>
+    <dgm:linClrLst meth="repeat">
+      <a:schemeClr val="dk2"/>
+    </dgm:linClrLst>
+    <dgm:effectClrLst/>
+    <dgm:txLinClrLst/>
+    <dgm:txFillClrLst meth="repeat">
+      <a:schemeClr val="dk1"/>
+    </dgm:txFillClrLst>
+    <dgm:txEffectClrLst/>
+  </dgm:styleLbl>
+  <dgm:styleLbl name="bgAcc1">
+    <dgm:fillClrLst meth="repeat">
+      <a:schemeClr val="lt2">
+        <a:alpha val="90000"/>
+      </a:schemeClr>
+    </dgm:fillClrLst>
+    <dgm:linClrLst meth="repeat">
+      <a:schemeClr val="dk2"/>
+    </dgm:linClrLst>
+    <dgm:effectClrLst/>
+    <dgm:txLinClrLst/>
+    <dgm:txFillClrLst meth="repeat">
+      <a:schemeClr val="dk1"/>
+    </dgm:txFillClrLst>
+    <dgm:txEffectClrLst/>
+  </dgm:styleLbl>
+  <dgm:styleLbl name="solidFgAcc1">
+    <dgm:fillClrLst meth="repeat">
+      <a:schemeClr val="lt2"/>
+    </dgm:fillClrLst>
+    <dgm:linClrLst meth="repeat">
+      <a:schemeClr val="dk2"/>
+    </dgm:linClrLst>
+    <dgm:effectClrLst/>
+    <dgm:txLinClrLst/>
+    <dgm:txFillClrLst meth="repeat">
+      <a:schemeClr val="dk1"/>
+    </dgm:txFillClrLst>
+    <dgm:txEffectClrLst/>
+  </dgm:styleLbl>
+  <dgm:styleLbl name="solidAlignAcc1">
+    <dgm:fillClrLst meth="repeat">
+      <a:schemeClr val="lt2"/>
+    </dgm:fillClrLst>
+    <dgm:linClrLst meth="repeat">
+      <a:schemeClr val="dk2"/>
+    </dgm:linClrLst>
+    <dgm:effectClrLst/>
+    <dgm:txLinClrLst/>
+    <dgm:txFillClrLst meth="repeat">
+      <a:schemeClr val="dk1"/>
+    </dgm:txFillClrLst>
+    <dgm:txEffectClrLst/>
+  </dgm:styleLbl>
+  <dgm:styleLbl name="solidBgAcc1">
+    <dgm:fillClrLst meth="repeat">
+      <a:schemeClr val="lt2"/>
+    </dgm:fillClrLst>
+    <dgm:linClrLst meth="repeat">
+      <a:schemeClr val="dk2"/>
+    </dgm:linClrLst>
+    <dgm:effectClrLst/>
+    <dgm:txLinClrLst/>
+    <dgm:txFillClrLst meth="repeat">
+      <a:schemeClr val="dk1"/>
+    </dgm:txFillClrLst>
+    <dgm:txEffectClrLst/>
+  </dgm:styleLbl>
+  <dgm:styleLbl name="fgAccFollowNode1">
+    <dgm:fillClrLst meth="repeat">
+      <a:schemeClr val="dk2">
+        <a:alpha val="90000"/>
+        <a:tint val="40000"/>
+      </a:schemeClr>
+    </dgm:fillClrLst>
+    <dgm:linClrLst meth="repeat">
+      <a:schemeClr val="dk2">
+        <a:alpha val="90000"/>
+        <a:tint val="40000"/>
+      </a:schemeClr>
+    </dgm:linClrLst>
+    <dgm:effectClrLst/>
+    <dgm:txLinClrLst/>
+    <dgm:txFillClrLst meth="repeat">
+      <a:schemeClr val="dk1"/>
+    </dgm:txFillClrLst>
+    <dgm:txEffectClrLst/>
+  </dgm:styleLbl>
+  <dgm:styleLbl name="alignAccFollowNode1">
+    <dgm:fillClrLst meth="repeat">
+      <a:schemeClr val="dk2">
+        <a:alpha val="90000"/>
+        <a:tint val="40000"/>
+      </a:schemeClr>
+    </dgm:fillClrLst>
+    <dgm:linClrLst meth="repeat">
+      <a:schemeClr val="dk2">
+        <a:alpha val="90000"/>
+        <a:tint val="40000"/>
+      </a:schemeClr>
+    </dgm:linClrLst>
+    <dgm:effectClrLst/>
+    <dgm:txLinClrLst/>
+    <dgm:txFillClrLst meth="repeat">
+      <a:schemeClr val="dk1"/>
+    </dgm:txFillClrLst>
+    <dgm:txEffectClrLst/>
+  </dgm:styleLbl>
+  <dgm:styleLbl name="bgAccFollowNode1">
+    <dgm:fillClrLst meth="repeat">
+      <a:schemeClr val="dk2">
+        <a:alpha val="90000"/>
+        <a:tint val="40000"/>
+      </a:schemeClr>
+    </dgm:fillClrLst>
+    <dgm:linClrLst meth="repeat">
+      <a:schemeClr val="dk2">
+        <a:alpha val="90000"/>
+        <a:tint val="40000"/>
+      </a:schemeClr>
+    </dgm:linClrLst>
+    <dgm:effectClrLst/>
+    <dgm:txLinClrLst/>
+    <dgm:txFillClrLst meth="repeat">
+      <a:schemeClr val="dk1"/>
+    </dgm:txFillClrLst>
+    <dgm:txEffectClrLst/>
+  </dgm:styleLbl>
+  <dgm:styleLbl name="fgAcc0">
+    <dgm:fillClrLst meth="repeat">
+      <a:schemeClr val="lt2">
+        <a:alpha val="90000"/>
+      </a:schemeClr>
+    </dgm:fillClrLst>
+    <dgm:linClrLst meth="repeat">
+      <a:schemeClr val="dk2"/>
+    </dgm:linClrLst>
+    <dgm:effectClrLst/>
+    <dgm:txLinClrLst/>
+    <dgm:txFillClrLst meth="repeat">
+      <a:schemeClr val="dk1"/>
+    </dgm:txFillClrLst>
+    <dgm:txEffectClrLst/>
+  </dgm:styleLbl>
+  <dgm:styleLbl name="fgAcc2">
+    <dgm:fillClrLst meth="repeat">
+      <a:schemeClr val="lt2">
+        <a:alpha val="90000"/>
+      </a:schemeClr>
+    </dgm:fillClrLst>
+    <dgm:linClrLst meth="repeat">
+      <a:schemeClr val="dk2"/>
+    </dgm:linClrLst>
+    <dgm:effectClrLst/>
+    <dgm:txLinClrLst/>
+    <dgm:txFillClrLst meth="repeat">
+      <a:schemeClr val="dk1"/>
+    </dgm:txFillClrLst>
+    <dgm:txEffectClrLst/>
+  </dgm:styleLbl>
+  <dgm:styleLbl name="fgAcc3">
+    <dgm:fillClrLst meth="repeat">
+      <a:schemeClr val="lt2">
+        <a:alpha val="90000"/>
+      </a:schemeClr>
+    </dgm:fillClrLst>
+    <dgm:linClrLst meth="repeat">
+      <a:schemeClr val="dk2"/>
+    </dgm:linClrLst>
+    <dgm:effectClrLst/>
+    <dgm:txLinClrLst/>
+    <dgm:txFillClrLst meth="repeat">
+      <a:schemeClr val="dk1"/>
+    </dgm:txFillClrLst>
+    <dgm:txEffectClrLst/>
+  </dgm:styleLbl>
+  <dgm:styleLbl name="fgAcc4">
+    <dgm:fillClrLst meth="repeat">
+      <a:schemeClr val="lt2">
+        <a:alpha val="90000"/>
+      </a:schemeClr>
+    </dgm:fillClrLst>
+    <dgm:linClrLst meth="repeat">
+      <a:schemeClr val="dk2"/>
+    </dgm:linClrLst>
+    <dgm:effectClrLst/>
+    <dgm:txLinClrLst/>
+    <dgm:txFillClrLst meth="repeat">
+      <a:schemeClr val="dk1"/>
+    </dgm:txFillClrLst>
+    <dgm:txEffectClrLst/>
+  </dgm:styleLbl>
+  <dgm:styleLbl name="bgShp">
+    <dgm:fillClrLst meth="repeat">
+      <a:schemeClr val="dk2"/>
+    </dgm:fillClrLst>
+    <dgm:linClrLst meth="repeat">
+      <a:schemeClr val="lt2">
+        <a:alpha val="0"/>
+      </a:schemeClr>
+    </dgm:linClrLst>
+    <dgm:effectClrLst/>
+    <dgm:txLinClrLst/>
+    <dgm:txFillClrLst/>
+    <dgm:txEffectClrLst/>
+  </dgm:styleLbl>
+  <dgm:styleLbl name="dkBgShp">
+    <dgm:fillClrLst meth="repeat">
+      <a:schemeClr val="dk2">
+        <a:shade val="80000"/>
+      </a:schemeClr>
+    </dgm:fillClrLst>
+    <dgm:linClrLst meth="repeat">
+      <a:schemeClr val="dk2"/>
+    </dgm:linClrLst>
+    <dgm:effectClrLst/>
+    <dgm:txLinClrLst/>
+    <dgm:txFillClrLst meth="repeat">
+      <a:schemeClr val="lt1"/>
+    </dgm:txFillClrLst>
+    <dgm:txEffectClrLst/>
+  </dgm:styleLbl>
+  <dgm:styleLbl name="trBgShp">
+    <dgm:fillClrLst meth="repeat">
+      <a:schemeClr val="dk2">
+        <a:tint val="50000"/>
+        <a:alpha val="40000"/>
+      </a:schemeClr>
+    </dgm:fillClrLst>
+    <dgm:linClrLst meth="repeat">
+      <a:schemeClr val="dk2"/>
+    </dgm:linClrLst>
+    <dgm:effectClrLst/>
+    <dgm:txLinClrLst/>
+    <dgm:txFillClrLst meth="repeat">
+      <a:schemeClr val="lt1"/>
+    </dgm:txFillClrLst>
+    <dgm:txEffectClrLst/>
+  </dgm:styleLbl>
+  <dgm:styleLbl name="fgShp">
+    <dgm:fillClrLst meth="repeat">
+      <a:schemeClr val="dk2">
+        <a:tint val="60000"/>
+      </a:schemeClr>
+    </dgm:fillClrLst>
+    <dgm:linClrLst meth="repeat">
+      <a:schemeClr val="lt2"/>
+    </dgm:linClrLst>
+    <dgm:effectClrLst/>
+    <dgm:txLinClrLst/>
+    <dgm:txFillClrLst meth="repeat">
+      <a:schemeClr val="dk1"/>
+    </dgm:txFillClrLst>
+    <dgm:txEffectClrLst/>
+  </dgm:styleLbl>
+  <dgm:styleLbl name="revTx">
+    <dgm:fillClrLst meth="repeat">
+      <a:schemeClr val="lt2">
+        <a:alpha val="0"/>
+      </a:schemeClr>
+    </dgm:fillClrLst>
+    <dgm:linClrLst meth="repeat">
+      <a:schemeClr val="dk1">
+        <a:alpha val="0"/>
+      </a:schemeClr>
+    </dgm:linClrLst>
+    <dgm:effectClrLst/>
+    <dgm:txLinClrLst/>
+    <dgm:txFillClrLst meth="repeat">
+      <a:schemeClr val="bg1"/>
+    </dgm:txFillClrLst>
+    <dgm:txEffectClrLst/>
+  </dgm:styleLbl>
+</dgm:colorsDef>
+</file>
+
+<file path=ppt/diagrams/data1.xml><?xml version="1.0" encoding="utf-8"?>
+<dgm:dataModel xmlns:dgm="http://schemas.openxmlformats.org/drawingml/2006/diagram" xmlns:a="http://schemas.openxmlformats.org/drawingml/2006/main">
+  <dgm:ptLst>
+    <dgm:pt modelId="{F3E77A42-A6F7-4B09-B1A3-962BAEADC139}" type="doc">
+      <dgm:prSet loTypeId="urn:microsoft.com/office/officeart/2018/2/layout/IconVerticalSolidList" loCatId="icon" qsTypeId="urn:microsoft.com/office/officeart/2005/8/quickstyle/simple1" qsCatId="simple" csTypeId="urn:microsoft.com/office/officeart/2018/5/colors/Iconchunking_neutralicontext_accent0_3" csCatId="mainScheme" phldr="1"/>
+      <dgm:spPr/>
+      <dgm:t>
+        <a:bodyPr/>
+        <a:lstStyle/>
+        <a:p>
+          <a:endParaRPr lang="en-US"/>
+        </a:p>
+      </dgm:t>
+    </dgm:pt>
+    <dgm:pt modelId="{D6F3F610-C958-44FB-B6DE-E273975EA396}">
+      <dgm:prSet/>
+      <dgm:spPr/>
+      <dgm:t>
+        <a:bodyPr/>
+        <a:lstStyle/>
+        <a:p>
+          <a:r>
+            <a:rPr lang="en-US" dirty="0"/>
+            <a:t>Does more points equal more wins</a:t>
+          </a:r>
+        </a:p>
+      </dgm:t>
+    </dgm:pt>
+    <dgm:pt modelId="{0796A930-79A7-4632-8E51-C48B28A51128}" type="parTrans" cxnId="{E250B583-0728-48D0-9BD2-4265F5B7A041}">
+      <dgm:prSet/>
+      <dgm:spPr/>
+      <dgm:t>
+        <a:bodyPr/>
+        <a:lstStyle/>
+        <a:p>
+          <a:endParaRPr lang="en-US"/>
+        </a:p>
+      </dgm:t>
+    </dgm:pt>
+    <dgm:pt modelId="{2BE98AB2-0B30-4C0E-A22A-2B6E23F3FDAE}" type="sibTrans" cxnId="{E250B583-0728-48D0-9BD2-4265F5B7A041}">
+      <dgm:prSet/>
+      <dgm:spPr/>
+      <dgm:t>
+        <a:bodyPr/>
+        <a:lstStyle/>
+        <a:p>
+          <a:endParaRPr lang="en-US"/>
+        </a:p>
+      </dgm:t>
+    </dgm:pt>
+    <dgm:pt modelId="{01FFEF48-6A5E-4F86-A087-6BDBAC7FEB2E}">
+      <dgm:prSet/>
+      <dgm:spPr/>
+      <dgm:t>
+        <a:bodyPr/>
+        <a:lstStyle/>
+        <a:p>
+          <a:r>
+            <a:rPr lang="en-US" dirty="0"/>
+            <a:t>Obtain individual game data pool</a:t>
+          </a:r>
+        </a:p>
+      </dgm:t>
+    </dgm:pt>
+    <dgm:pt modelId="{0ED10914-BA22-4BA1-998F-14F319A3FA99}" type="parTrans" cxnId="{6EC92E20-67AA-4A19-B1BC-DE93062E26DE}">
+      <dgm:prSet/>
+      <dgm:spPr/>
+      <dgm:t>
+        <a:bodyPr/>
+        <a:lstStyle/>
+        <a:p>
+          <a:endParaRPr lang="en-US"/>
+        </a:p>
+      </dgm:t>
+    </dgm:pt>
+    <dgm:pt modelId="{FF3F0F89-9D0D-42F0-9683-F7647D344D70}" type="sibTrans" cxnId="{6EC92E20-67AA-4A19-B1BC-DE93062E26DE}">
+      <dgm:prSet/>
+      <dgm:spPr/>
+      <dgm:t>
+        <a:bodyPr/>
+        <a:lstStyle/>
+        <a:p>
+          <a:endParaRPr lang="en-US"/>
+        </a:p>
+      </dgm:t>
+    </dgm:pt>
+    <dgm:pt modelId="{C48A358C-08E9-4BF5-A134-924948F9BE0F}">
+      <dgm:prSet/>
+      <dgm:spPr/>
+      <dgm:t>
+        <a:bodyPr/>
+        <a:lstStyle/>
+        <a:p>
+          <a:r>
+            <a:rPr lang="en-US" dirty="0"/>
+            <a:t>Free throw attempts home vs away based on the point differential for the  game </a:t>
+          </a:r>
+        </a:p>
+      </dgm:t>
+    </dgm:pt>
+    <dgm:pt modelId="{DE2BB08A-B265-4079-A22B-F3E64815AF61}" type="parTrans" cxnId="{F5B2FEC0-A893-4019-AD56-F86DDEA6AFC0}">
+      <dgm:prSet/>
+      <dgm:spPr/>
+      <dgm:t>
+        <a:bodyPr/>
+        <a:lstStyle/>
+        <a:p>
+          <a:endParaRPr lang="en-US"/>
+        </a:p>
+      </dgm:t>
+    </dgm:pt>
+    <dgm:pt modelId="{B7DC88ED-0B8A-42B7-9DB2-1D4FCB539DA2}" type="sibTrans" cxnId="{F5B2FEC0-A893-4019-AD56-F86DDEA6AFC0}">
+      <dgm:prSet/>
+      <dgm:spPr/>
+      <dgm:t>
+        <a:bodyPr/>
+        <a:lstStyle/>
+        <a:p>
+          <a:endParaRPr lang="en-US"/>
+        </a:p>
+      </dgm:t>
+    </dgm:pt>
+    <dgm:pt modelId="{230DC283-5E52-4CA8-BA98-18C2D67038ED}" type="pres">
+      <dgm:prSet presAssocID="{F3E77A42-A6F7-4B09-B1A3-962BAEADC139}" presName="root" presStyleCnt="0">
+        <dgm:presLayoutVars>
+          <dgm:dir/>
+          <dgm:resizeHandles val="exact"/>
+        </dgm:presLayoutVars>
+      </dgm:prSet>
+      <dgm:spPr/>
+    </dgm:pt>
+    <dgm:pt modelId="{293F1A82-DA63-49E3-84F6-7760795D655C}" type="pres">
+      <dgm:prSet presAssocID="{D6F3F610-C958-44FB-B6DE-E273975EA396}" presName="compNode" presStyleCnt="0"/>
+      <dgm:spPr/>
+    </dgm:pt>
+    <dgm:pt modelId="{3087E9E4-9CE9-48CF-B962-0985F6579116}" type="pres">
+      <dgm:prSet presAssocID="{D6F3F610-C958-44FB-B6DE-E273975EA396}" presName="bgRect" presStyleLbl="bgShp" presStyleIdx="0" presStyleCnt="3"/>
+      <dgm:spPr/>
+    </dgm:pt>
+    <dgm:pt modelId="{96B94FA2-AA57-48E0-8AB6-4D500231CDB2}" type="pres">
+      <dgm:prSet presAssocID="{D6F3F610-C958-44FB-B6DE-E273975EA396}" presName="iconRect" presStyleLbl="node1" presStyleIdx="0" presStyleCnt="3"/>
+      <dgm:spPr>
+        <a:blipFill>
+          <a:blip xmlns:r="http://schemas.openxmlformats.org/officeDocument/2006/relationships" r:embed="rId1">
+            <a:extLst>
+              <a:ext uri="{28A0092B-C50C-407E-A947-70E740481C1C}">
+                <a14:useLocalDpi xmlns:a14="http://schemas.microsoft.com/office/drawing/2010/main" val="0"/>
+              </a:ext>
+              <a:ext uri="{96DAC541-7B7A-43D3-8B79-37D633B846F1}">
+                <asvg:svgBlip xmlns:asvg="http://schemas.microsoft.com/office/drawing/2016/SVG/main" r:embed="rId2"/>
+              </a:ext>
+            </a:extLst>
+          </a:blip>
+          <a:stretch>
+            <a:fillRect/>
+          </a:stretch>
+        </a:blipFill>
+        <a:ln>
+          <a:noFill/>
+        </a:ln>
+      </dgm:spPr>
+      <dgm:extLst>
+        <a:ext uri="{E40237B7-FDA0-4F09-8148-C483321AD2D9}">
+          <dgm14:cNvPr xmlns:dgm14="http://schemas.microsoft.com/office/drawing/2010/diagram" id="0" name="" descr="Group Success"/>
+        </a:ext>
+      </dgm:extLst>
+    </dgm:pt>
+    <dgm:pt modelId="{CAEA3E96-9BD3-488D-95D2-E5A60BEB6C56}" type="pres">
+      <dgm:prSet presAssocID="{D6F3F610-C958-44FB-B6DE-E273975EA396}" presName="spaceRect" presStyleCnt="0"/>
+      <dgm:spPr/>
+    </dgm:pt>
+    <dgm:pt modelId="{9FDF0A25-E159-4529-919A-ECBA758C08DD}" type="pres">
+      <dgm:prSet presAssocID="{D6F3F610-C958-44FB-B6DE-E273975EA396}" presName="parTx" presStyleLbl="revTx" presStyleIdx="0" presStyleCnt="3">
+        <dgm:presLayoutVars>
+          <dgm:chMax val="0"/>
+          <dgm:chPref val="0"/>
+        </dgm:presLayoutVars>
+      </dgm:prSet>
+      <dgm:spPr/>
+    </dgm:pt>
+    <dgm:pt modelId="{F18D2C4E-18AB-4111-92D2-89E61B0F93BB}" type="pres">
+      <dgm:prSet presAssocID="{2BE98AB2-0B30-4C0E-A22A-2B6E23F3FDAE}" presName="sibTrans" presStyleCnt="0"/>
+      <dgm:spPr/>
+    </dgm:pt>
+    <dgm:pt modelId="{A44D9DB8-4D63-48FE-BFF3-6392E2397E03}" type="pres">
+      <dgm:prSet presAssocID="{01FFEF48-6A5E-4F86-A087-6BDBAC7FEB2E}" presName="compNode" presStyleCnt="0"/>
+      <dgm:spPr/>
+    </dgm:pt>
+    <dgm:pt modelId="{D012307E-4CAB-4C4A-9522-F64F8D9447F8}" type="pres">
+      <dgm:prSet presAssocID="{01FFEF48-6A5E-4F86-A087-6BDBAC7FEB2E}" presName="bgRect" presStyleLbl="bgShp" presStyleIdx="1" presStyleCnt="3"/>
+      <dgm:spPr/>
+    </dgm:pt>
+    <dgm:pt modelId="{0B0F0649-E084-4458-A8D3-A3A684F97632}" type="pres">
+      <dgm:prSet presAssocID="{01FFEF48-6A5E-4F86-A087-6BDBAC7FEB2E}" presName="iconRect" presStyleLbl="node1" presStyleIdx="1" presStyleCnt="3"/>
+      <dgm:spPr>
+        <a:blipFill>
+          <a:blip xmlns:r="http://schemas.openxmlformats.org/officeDocument/2006/relationships" r:embed="rId3">
+            <a:extLst>
+              <a:ext uri="{28A0092B-C50C-407E-A947-70E740481C1C}">
+                <a14:useLocalDpi xmlns:a14="http://schemas.microsoft.com/office/drawing/2010/main" val="0"/>
+              </a:ext>
+              <a:ext uri="{96DAC541-7B7A-43D3-8B79-37D633B846F1}">
+                <asvg:svgBlip xmlns:asvg="http://schemas.microsoft.com/office/drawing/2016/SVG/main" r:embed="rId4"/>
+              </a:ext>
+            </a:extLst>
+          </a:blip>
+          <a:stretch>
+            <a:fillRect/>
+          </a:stretch>
+        </a:blipFill>
+        <a:ln>
+          <a:noFill/>
+        </a:ln>
+      </dgm:spPr>
+      <dgm:extLst>
+        <a:ext uri="{E40237B7-FDA0-4F09-8148-C483321AD2D9}">
+          <dgm14:cNvPr xmlns:dgm14="http://schemas.microsoft.com/office/drawing/2010/diagram" id="0" name="" descr="User"/>
+        </a:ext>
+      </dgm:extLst>
+    </dgm:pt>
+    <dgm:pt modelId="{615C0834-E38B-4A7B-9942-F9AEF64B3DAE}" type="pres">
+      <dgm:prSet presAssocID="{01FFEF48-6A5E-4F86-A087-6BDBAC7FEB2E}" presName="spaceRect" presStyleCnt="0"/>
+      <dgm:spPr/>
+    </dgm:pt>
+    <dgm:pt modelId="{25326C62-23B1-4AD0-8E86-EED66F560AC3}" type="pres">
+      <dgm:prSet presAssocID="{01FFEF48-6A5E-4F86-A087-6BDBAC7FEB2E}" presName="parTx" presStyleLbl="revTx" presStyleIdx="1" presStyleCnt="3">
+        <dgm:presLayoutVars>
+          <dgm:chMax val="0"/>
+          <dgm:chPref val="0"/>
+        </dgm:presLayoutVars>
+      </dgm:prSet>
+      <dgm:spPr/>
+    </dgm:pt>
+    <dgm:pt modelId="{81472846-4A78-40B6-9960-591B21D63FD3}" type="pres">
+      <dgm:prSet presAssocID="{FF3F0F89-9D0D-42F0-9683-F7647D344D70}" presName="sibTrans" presStyleCnt="0"/>
+      <dgm:spPr/>
+    </dgm:pt>
+    <dgm:pt modelId="{E8133A00-E9E3-4993-985E-A3D081288CAA}" type="pres">
+      <dgm:prSet presAssocID="{C48A358C-08E9-4BF5-A134-924948F9BE0F}" presName="compNode" presStyleCnt="0"/>
+      <dgm:spPr/>
+    </dgm:pt>
+    <dgm:pt modelId="{869598A4-99AB-4C0B-9A96-F3D7AEF3C630}" type="pres">
+      <dgm:prSet presAssocID="{C48A358C-08E9-4BF5-A134-924948F9BE0F}" presName="bgRect" presStyleLbl="bgShp" presStyleIdx="2" presStyleCnt="3"/>
+      <dgm:spPr/>
+    </dgm:pt>
+    <dgm:pt modelId="{73894AA2-041D-473A-B4B9-DEF7E1773661}" type="pres">
+      <dgm:prSet presAssocID="{C48A358C-08E9-4BF5-A134-924948F9BE0F}" presName="iconRect" presStyleLbl="node1" presStyleIdx="2" presStyleCnt="3"/>
+      <dgm:spPr>
+        <a:blipFill>
+          <a:blip xmlns:r="http://schemas.openxmlformats.org/officeDocument/2006/relationships" r:embed="rId5">
+            <a:extLst>
+              <a:ext uri="{28A0092B-C50C-407E-A947-70E740481C1C}">
+                <a14:useLocalDpi xmlns:a14="http://schemas.microsoft.com/office/drawing/2010/main" val="0"/>
+              </a:ext>
+              <a:ext uri="{96DAC541-7B7A-43D3-8B79-37D633B846F1}">
+                <asvg:svgBlip xmlns:asvg="http://schemas.microsoft.com/office/drawing/2016/SVG/main" r:embed="rId6"/>
+              </a:ext>
+            </a:extLst>
+          </a:blip>
+          <a:stretch>
+            <a:fillRect/>
+          </a:stretch>
+        </a:blipFill>
+        <a:ln>
+          <a:noFill/>
+        </a:ln>
+      </dgm:spPr>
+      <dgm:extLst>
+        <a:ext uri="{E40237B7-FDA0-4F09-8148-C483321AD2D9}">
+          <dgm14:cNvPr xmlns:dgm14="http://schemas.microsoft.com/office/drawing/2010/diagram" id="0" name="" descr="Home"/>
+        </a:ext>
+      </dgm:extLst>
+    </dgm:pt>
+    <dgm:pt modelId="{4C4F77D5-97E7-4F3F-9FC4-87ACFC38E5FD}" type="pres">
+      <dgm:prSet presAssocID="{C48A358C-08E9-4BF5-A134-924948F9BE0F}" presName="spaceRect" presStyleCnt="0"/>
+      <dgm:spPr/>
+    </dgm:pt>
+    <dgm:pt modelId="{CBFFBC55-B2F3-44EC-9449-ABE7F7730151}" type="pres">
+      <dgm:prSet presAssocID="{C48A358C-08E9-4BF5-A134-924948F9BE0F}" presName="parTx" presStyleLbl="revTx" presStyleIdx="2" presStyleCnt="3">
+        <dgm:presLayoutVars>
+          <dgm:chMax val="0"/>
+          <dgm:chPref val="0"/>
+        </dgm:presLayoutVars>
+      </dgm:prSet>
+      <dgm:spPr/>
+    </dgm:pt>
+  </dgm:ptLst>
+  <dgm:cxnLst>
+    <dgm:cxn modelId="{6EC92E20-67AA-4A19-B1BC-DE93062E26DE}" srcId="{F3E77A42-A6F7-4B09-B1A3-962BAEADC139}" destId="{01FFEF48-6A5E-4F86-A087-6BDBAC7FEB2E}" srcOrd="1" destOrd="0" parTransId="{0ED10914-BA22-4BA1-998F-14F319A3FA99}" sibTransId="{FF3F0F89-9D0D-42F0-9683-F7647D344D70}"/>
+    <dgm:cxn modelId="{E5C22E3B-2B5E-46F1-820E-E282063E56DF}" type="presOf" srcId="{F3E77A42-A6F7-4B09-B1A3-962BAEADC139}" destId="{230DC283-5E52-4CA8-BA98-18C2D67038ED}" srcOrd="0" destOrd="0" presId="urn:microsoft.com/office/officeart/2018/2/layout/IconVerticalSolidList"/>
+    <dgm:cxn modelId="{E250B583-0728-48D0-9BD2-4265F5B7A041}" srcId="{F3E77A42-A6F7-4B09-B1A3-962BAEADC139}" destId="{D6F3F610-C958-44FB-B6DE-E273975EA396}" srcOrd="0" destOrd="0" parTransId="{0796A930-79A7-4632-8E51-C48B28A51128}" sibTransId="{2BE98AB2-0B30-4C0E-A22A-2B6E23F3FDAE}"/>
+    <dgm:cxn modelId="{FEE24097-4807-420A-8835-DBB74B4BCCC5}" type="presOf" srcId="{C48A358C-08E9-4BF5-A134-924948F9BE0F}" destId="{CBFFBC55-B2F3-44EC-9449-ABE7F7730151}" srcOrd="0" destOrd="0" presId="urn:microsoft.com/office/officeart/2018/2/layout/IconVerticalSolidList"/>
+    <dgm:cxn modelId="{8F1217AA-ACF3-4FE3-B630-2FAF8F2D86B1}" type="presOf" srcId="{01FFEF48-6A5E-4F86-A087-6BDBAC7FEB2E}" destId="{25326C62-23B1-4AD0-8E86-EED66F560AC3}" srcOrd="0" destOrd="0" presId="urn:microsoft.com/office/officeart/2018/2/layout/IconVerticalSolidList"/>
+    <dgm:cxn modelId="{CEE5A4BF-68F8-4E3A-AEF4-DF3D0EE3AF29}" type="presOf" srcId="{D6F3F610-C958-44FB-B6DE-E273975EA396}" destId="{9FDF0A25-E159-4529-919A-ECBA758C08DD}" srcOrd="0" destOrd="0" presId="urn:microsoft.com/office/officeart/2018/2/layout/IconVerticalSolidList"/>
+    <dgm:cxn modelId="{F5B2FEC0-A893-4019-AD56-F86DDEA6AFC0}" srcId="{F3E77A42-A6F7-4B09-B1A3-962BAEADC139}" destId="{C48A358C-08E9-4BF5-A134-924948F9BE0F}" srcOrd="2" destOrd="0" parTransId="{DE2BB08A-B265-4079-A22B-F3E64815AF61}" sibTransId="{B7DC88ED-0B8A-42B7-9DB2-1D4FCB539DA2}"/>
+    <dgm:cxn modelId="{A903714F-4498-4763-A55B-9DF1A902E9AB}" type="presParOf" srcId="{230DC283-5E52-4CA8-BA98-18C2D67038ED}" destId="{293F1A82-DA63-49E3-84F6-7760795D655C}" srcOrd="0" destOrd="0" presId="urn:microsoft.com/office/officeart/2018/2/layout/IconVerticalSolidList"/>
+    <dgm:cxn modelId="{C1512A28-4F8C-4489-BC6A-8FC57D7B9F7E}" type="presParOf" srcId="{293F1A82-DA63-49E3-84F6-7760795D655C}" destId="{3087E9E4-9CE9-48CF-B962-0985F6579116}" srcOrd="0" destOrd="0" presId="urn:microsoft.com/office/officeart/2018/2/layout/IconVerticalSolidList"/>
+    <dgm:cxn modelId="{01DFB472-F7EC-45EB-9923-05BAC5842349}" type="presParOf" srcId="{293F1A82-DA63-49E3-84F6-7760795D655C}" destId="{96B94FA2-AA57-48E0-8AB6-4D500231CDB2}" srcOrd="1" destOrd="0" presId="urn:microsoft.com/office/officeart/2018/2/layout/IconVerticalSolidList"/>
+    <dgm:cxn modelId="{DAE2699B-CA91-47B7-ADBC-A21ECA92B26D}" type="presParOf" srcId="{293F1A82-DA63-49E3-84F6-7760795D655C}" destId="{CAEA3E96-9BD3-488D-95D2-E5A60BEB6C56}" srcOrd="2" destOrd="0" presId="urn:microsoft.com/office/officeart/2018/2/layout/IconVerticalSolidList"/>
+    <dgm:cxn modelId="{60E5464B-0FD0-4857-8263-3A347FAE5B09}" type="presParOf" srcId="{293F1A82-DA63-49E3-84F6-7760795D655C}" destId="{9FDF0A25-E159-4529-919A-ECBA758C08DD}" srcOrd="3" destOrd="0" presId="urn:microsoft.com/office/officeart/2018/2/layout/IconVerticalSolidList"/>
+    <dgm:cxn modelId="{305B7891-C14A-43D4-842A-B8F570A63E4B}" type="presParOf" srcId="{230DC283-5E52-4CA8-BA98-18C2D67038ED}" destId="{F18D2C4E-18AB-4111-92D2-89E61B0F93BB}" srcOrd="1" destOrd="0" presId="urn:microsoft.com/office/officeart/2018/2/layout/IconVerticalSolidList"/>
+    <dgm:cxn modelId="{D3BAA8B6-971A-46D8-87FB-EDCCA171942E}" type="presParOf" srcId="{230DC283-5E52-4CA8-BA98-18C2D67038ED}" destId="{A44D9DB8-4D63-48FE-BFF3-6392E2397E03}" srcOrd="2" destOrd="0" presId="urn:microsoft.com/office/officeart/2018/2/layout/IconVerticalSolidList"/>
+    <dgm:cxn modelId="{91B3F37F-122F-4C5C-B88C-26F80C786BA5}" type="presParOf" srcId="{A44D9DB8-4D63-48FE-BFF3-6392E2397E03}" destId="{D012307E-4CAB-4C4A-9522-F64F8D9447F8}" srcOrd="0" destOrd="0" presId="urn:microsoft.com/office/officeart/2018/2/layout/IconVerticalSolidList"/>
+    <dgm:cxn modelId="{78570AB6-CDCF-4E43-92C8-569B790FB491}" type="presParOf" srcId="{A44D9DB8-4D63-48FE-BFF3-6392E2397E03}" destId="{0B0F0649-E084-4458-A8D3-A3A684F97632}" srcOrd="1" destOrd="0" presId="urn:microsoft.com/office/officeart/2018/2/layout/IconVerticalSolidList"/>
+    <dgm:cxn modelId="{D70FCDA0-DD6B-46DE-8410-B9BEAFEACDAC}" type="presParOf" srcId="{A44D9DB8-4D63-48FE-BFF3-6392E2397E03}" destId="{615C0834-E38B-4A7B-9942-F9AEF64B3DAE}" srcOrd="2" destOrd="0" presId="urn:microsoft.com/office/officeart/2018/2/layout/IconVerticalSolidList"/>
+    <dgm:cxn modelId="{4FD661F5-F8E2-4241-BCB4-AAE0C4109596}" type="presParOf" srcId="{A44D9DB8-4D63-48FE-BFF3-6392E2397E03}" destId="{25326C62-23B1-4AD0-8E86-EED66F560AC3}" srcOrd="3" destOrd="0" presId="urn:microsoft.com/office/officeart/2018/2/layout/IconVerticalSolidList"/>
+    <dgm:cxn modelId="{2D8B189D-D2CA-4FAD-8B73-C23A549A5630}" type="presParOf" srcId="{230DC283-5E52-4CA8-BA98-18C2D67038ED}" destId="{81472846-4A78-40B6-9960-591B21D63FD3}" srcOrd="3" destOrd="0" presId="urn:microsoft.com/office/officeart/2018/2/layout/IconVerticalSolidList"/>
+    <dgm:cxn modelId="{AF565648-0E74-40CF-9C2E-A4947AA71741}" type="presParOf" srcId="{230DC283-5E52-4CA8-BA98-18C2D67038ED}" destId="{E8133A00-E9E3-4993-985E-A3D081288CAA}" srcOrd="4" destOrd="0" presId="urn:microsoft.com/office/officeart/2018/2/layout/IconVerticalSolidList"/>
+    <dgm:cxn modelId="{1814621C-1F4D-4D70-A9AC-DF07542194B8}" type="presParOf" srcId="{E8133A00-E9E3-4993-985E-A3D081288CAA}" destId="{869598A4-99AB-4C0B-9A96-F3D7AEF3C630}" srcOrd="0" destOrd="0" presId="urn:microsoft.com/office/officeart/2018/2/layout/IconVerticalSolidList"/>
+    <dgm:cxn modelId="{9901E780-8E39-4190-BD0B-6FCEB7475FFD}" type="presParOf" srcId="{E8133A00-E9E3-4993-985E-A3D081288CAA}" destId="{73894AA2-041D-473A-B4B9-DEF7E1773661}" srcOrd="1" destOrd="0" presId="urn:microsoft.com/office/officeart/2018/2/layout/IconVerticalSolidList"/>
+    <dgm:cxn modelId="{D4A20BC6-775A-41CF-B057-7FF044F33DF8}" type="presParOf" srcId="{E8133A00-E9E3-4993-985E-A3D081288CAA}" destId="{4C4F77D5-97E7-4F3F-9FC4-87ACFC38E5FD}" srcOrd="2" destOrd="0" presId="urn:microsoft.com/office/officeart/2018/2/layout/IconVerticalSolidList"/>
+    <dgm:cxn modelId="{9C65810D-FAFD-45B6-A17C-04134AA5A58E}" type="presParOf" srcId="{E8133A00-E9E3-4993-985E-A3D081288CAA}" destId="{CBFFBC55-B2F3-44EC-9449-ABE7F7730151}" srcOrd="3" destOrd="0" presId="urn:microsoft.com/office/officeart/2018/2/layout/IconVerticalSolidList"/>
+  </dgm:cxnLst>
+  <dgm:bg/>
+  <dgm:whole/>
+  <dgm:extLst>
+    <a:ext uri="http://schemas.microsoft.com/office/drawing/2008/diagram">
+      <dsp:dataModelExt xmlns:dsp="http://schemas.microsoft.com/office/drawing/2008/diagram" relId="rId7" minVer="http://schemas.openxmlformats.org/drawingml/2006/diagram"/>
+    </a:ext>
+  </dgm:extLst>
+</dgm:dataModel>
+</file>
+
+<file path=ppt/diagrams/drawing1.xml><?xml version="1.0" encoding="utf-8"?>
+<dsp:drawing xmlns:dgm="http://schemas.openxmlformats.org/drawingml/2006/diagram" xmlns:dsp="http://schemas.microsoft.com/office/drawing/2008/diagram" xmlns:a="http://schemas.openxmlformats.org/drawingml/2006/main">
+  <dsp:spTree>
+    <dsp:nvGrpSpPr>
+      <dsp:cNvPr id="0" name=""/>
+      <dsp:cNvGrpSpPr/>
+    </dsp:nvGrpSpPr>
+    <dsp:grpSpPr/>
+    <dsp:sp modelId="{3087E9E4-9CE9-48CF-B962-0985F6579116}">
+      <dsp:nvSpPr>
+        <dsp:cNvPr id="0" name=""/>
+        <dsp:cNvSpPr/>
+      </dsp:nvSpPr>
+      <dsp:spPr>
+        <a:xfrm>
+          <a:off x="0" y="454"/>
+          <a:ext cx="9604375" cy="1063519"/>
+        </a:xfrm>
+        <a:prstGeom prst="roundRect">
+          <a:avLst>
+            <a:gd name="adj" fmla="val 10000"/>
+          </a:avLst>
+        </a:prstGeom>
+        <a:solidFill>
+          <a:schemeClr val="dk2">
+            <a:hueOff val="0"/>
+            <a:satOff val="0"/>
+            <a:lumOff val="0"/>
+            <a:alphaOff val="0"/>
+          </a:schemeClr>
+        </a:solidFill>
+        <a:ln>
+          <a:noFill/>
+        </a:ln>
+        <a:effectLst/>
+      </dsp:spPr>
+      <dsp:style>
+        <a:lnRef idx="0">
+          <a:scrgbClr r="0" g="0" b="0"/>
+        </a:lnRef>
+        <a:fillRef idx="1">
+          <a:scrgbClr r="0" g="0" b="0"/>
+        </a:fillRef>
+        <a:effectRef idx="0">
+          <a:scrgbClr r="0" g="0" b="0"/>
+        </a:effectRef>
+        <a:fontRef idx="minor"/>
+      </dsp:style>
+    </dsp:sp>
+    <dsp:sp modelId="{96B94FA2-AA57-48E0-8AB6-4D500231CDB2}">
+      <dsp:nvSpPr>
+        <dsp:cNvPr id="0" name=""/>
+        <dsp:cNvSpPr/>
+      </dsp:nvSpPr>
+      <dsp:spPr>
+        <a:xfrm>
+          <a:off x="321714" y="239746"/>
+          <a:ext cx="584935" cy="584935"/>
+        </a:xfrm>
+        <a:prstGeom prst="rect">
+          <a:avLst/>
+        </a:prstGeom>
+        <a:blipFill>
+          <a:blip xmlns:r="http://schemas.openxmlformats.org/officeDocument/2006/relationships" r:embed="rId1">
+            <a:extLst>
+              <a:ext uri="{28A0092B-C50C-407E-A947-70E740481C1C}">
+                <a14:useLocalDpi xmlns:a14="http://schemas.microsoft.com/office/drawing/2010/main" val="0"/>
+              </a:ext>
+              <a:ext uri="{96DAC541-7B7A-43D3-8B79-37D633B846F1}">
+                <asvg:svgBlip xmlns:asvg="http://schemas.microsoft.com/office/drawing/2016/SVG/main" r:embed="rId2"/>
+              </a:ext>
+            </a:extLst>
+          </a:blip>
+          <a:stretch>
+            <a:fillRect/>
+          </a:stretch>
+        </a:blipFill>
+        <a:ln w="15875" cap="flat" cmpd="sng" algn="ctr">
+          <a:noFill/>
+          <a:prstDash val="solid"/>
+        </a:ln>
+        <a:effectLst/>
+      </dsp:spPr>
+      <dsp:style>
+        <a:lnRef idx="2">
+          <a:scrgbClr r="0" g="0" b="0"/>
+        </a:lnRef>
+        <a:fillRef idx="1">
+          <a:scrgbClr r="0" g="0" b="0"/>
+        </a:fillRef>
+        <a:effectRef idx="0">
+          <a:scrgbClr r="0" g="0" b="0"/>
+        </a:effectRef>
+        <a:fontRef idx="minor">
+          <a:schemeClr val="lt1"/>
+        </a:fontRef>
+      </dsp:style>
+    </dsp:sp>
+    <dsp:sp modelId="{9FDF0A25-E159-4529-919A-ECBA758C08DD}">
+      <dsp:nvSpPr>
+        <dsp:cNvPr id="0" name=""/>
+        <dsp:cNvSpPr/>
+      </dsp:nvSpPr>
+      <dsp:spPr>
+        <a:xfrm>
+          <a:off x="1228364" y="454"/>
+          <a:ext cx="8376010" cy="1063519"/>
+        </a:xfrm>
+        <a:prstGeom prst="rect">
+          <a:avLst/>
+        </a:prstGeom>
+        <a:noFill/>
+        <a:ln>
+          <a:noFill/>
+        </a:ln>
+        <a:effectLst/>
+      </dsp:spPr>
+      <dsp:style>
+        <a:lnRef idx="0">
+          <a:scrgbClr r="0" g="0" b="0"/>
+        </a:lnRef>
+        <a:fillRef idx="0">
+          <a:scrgbClr r="0" g="0" b="0"/>
+        </a:fillRef>
+        <a:effectRef idx="0">
+          <a:scrgbClr r="0" g="0" b="0"/>
+        </a:effectRef>
+        <a:fontRef idx="minor"/>
+      </dsp:style>
+      <dsp:txBody>
+        <a:bodyPr spcFirstLastPara="0" vert="horz" wrap="square" lIns="112556" tIns="112556" rIns="112556" bIns="112556" numCol="1" spcCol="1270" anchor="ctr" anchorCtr="0">
+          <a:noAutofit/>
+        </a:bodyPr>
+        <a:lstStyle/>
+        <a:p>
+          <a:pPr marL="0" lvl="0" indent="0" algn="l" defTabSz="1111250">
+            <a:lnSpc>
+              <a:spcPct val="90000"/>
+            </a:lnSpc>
+            <a:spcBef>
+              <a:spcPct val="0"/>
+            </a:spcBef>
+            <a:spcAft>
+              <a:spcPct val="35000"/>
+            </a:spcAft>
+            <a:buNone/>
+          </a:pPr>
+          <a:r>
+            <a:rPr lang="en-US" sz="2500" kern="1200" dirty="0"/>
+            <a:t>Does more points equal more wins</a:t>
+          </a:r>
+        </a:p>
+      </dsp:txBody>
+      <dsp:txXfrm>
+        <a:off x="1228364" y="454"/>
+        <a:ext cx="8376010" cy="1063519"/>
+      </dsp:txXfrm>
+    </dsp:sp>
+    <dsp:sp modelId="{D012307E-4CAB-4C4A-9522-F64F8D9447F8}">
+      <dsp:nvSpPr>
+        <dsp:cNvPr id="0" name=""/>
+        <dsp:cNvSpPr/>
+      </dsp:nvSpPr>
+      <dsp:spPr>
+        <a:xfrm>
+          <a:off x="0" y="1329853"/>
+          <a:ext cx="9604375" cy="1063519"/>
+        </a:xfrm>
+        <a:prstGeom prst="roundRect">
+          <a:avLst>
+            <a:gd name="adj" fmla="val 10000"/>
+          </a:avLst>
+        </a:prstGeom>
+        <a:solidFill>
+          <a:schemeClr val="dk2">
+            <a:hueOff val="0"/>
+            <a:satOff val="0"/>
+            <a:lumOff val="0"/>
+            <a:alphaOff val="0"/>
+          </a:schemeClr>
+        </a:solidFill>
+        <a:ln>
+          <a:noFill/>
+        </a:ln>
+        <a:effectLst/>
+      </dsp:spPr>
+      <dsp:style>
+        <a:lnRef idx="0">
+          <a:scrgbClr r="0" g="0" b="0"/>
+        </a:lnRef>
+        <a:fillRef idx="1">
+          <a:scrgbClr r="0" g="0" b="0"/>
+        </a:fillRef>
+        <a:effectRef idx="0">
+          <a:scrgbClr r="0" g="0" b="0"/>
+        </a:effectRef>
+        <a:fontRef idx="minor"/>
+      </dsp:style>
+    </dsp:sp>
+    <dsp:sp modelId="{0B0F0649-E084-4458-A8D3-A3A684F97632}">
+      <dsp:nvSpPr>
+        <dsp:cNvPr id="0" name=""/>
+        <dsp:cNvSpPr/>
+      </dsp:nvSpPr>
+      <dsp:spPr>
+        <a:xfrm>
+          <a:off x="321714" y="1569145"/>
+          <a:ext cx="584935" cy="584935"/>
+        </a:xfrm>
+        <a:prstGeom prst="rect">
+          <a:avLst/>
+        </a:prstGeom>
+        <a:blipFill>
+          <a:blip xmlns:r="http://schemas.openxmlformats.org/officeDocument/2006/relationships" r:embed="rId3">
+            <a:extLst>
+              <a:ext uri="{28A0092B-C50C-407E-A947-70E740481C1C}">
+                <a14:useLocalDpi xmlns:a14="http://schemas.microsoft.com/office/drawing/2010/main" val="0"/>
+              </a:ext>
+              <a:ext uri="{96DAC541-7B7A-43D3-8B79-37D633B846F1}">
+                <asvg:svgBlip xmlns:asvg="http://schemas.microsoft.com/office/drawing/2016/SVG/main" r:embed="rId4"/>
+              </a:ext>
+            </a:extLst>
+          </a:blip>
+          <a:stretch>
+            <a:fillRect/>
+          </a:stretch>
+        </a:blipFill>
+        <a:ln w="15875" cap="flat" cmpd="sng" algn="ctr">
+          <a:noFill/>
+          <a:prstDash val="solid"/>
+        </a:ln>
+        <a:effectLst/>
+      </dsp:spPr>
+      <dsp:style>
+        <a:lnRef idx="2">
+          <a:scrgbClr r="0" g="0" b="0"/>
+        </a:lnRef>
+        <a:fillRef idx="1">
+          <a:scrgbClr r="0" g="0" b="0"/>
+        </a:fillRef>
+        <a:effectRef idx="0">
+          <a:scrgbClr r="0" g="0" b="0"/>
+        </a:effectRef>
+        <a:fontRef idx="minor">
+          <a:schemeClr val="lt1"/>
+        </a:fontRef>
+      </dsp:style>
+    </dsp:sp>
+    <dsp:sp modelId="{25326C62-23B1-4AD0-8E86-EED66F560AC3}">
+      <dsp:nvSpPr>
+        <dsp:cNvPr id="0" name=""/>
+        <dsp:cNvSpPr/>
+      </dsp:nvSpPr>
+      <dsp:spPr>
+        <a:xfrm>
+          <a:off x="1228364" y="1329853"/>
+          <a:ext cx="8376010" cy="1063519"/>
+        </a:xfrm>
+        <a:prstGeom prst="rect">
+          <a:avLst/>
+        </a:prstGeom>
+        <a:noFill/>
+        <a:ln>
+          <a:noFill/>
+        </a:ln>
+        <a:effectLst/>
+      </dsp:spPr>
+      <dsp:style>
+        <a:lnRef idx="0">
+          <a:scrgbClr r="0" g="0" b="0"/>
+        </a:lnRef>
+        <a:fillRef idx="0">
+          <a:scrgbClr r="0" g="0" b="0"/>
+        </a:fillRef>
+        <a:effectRef idx="0">
+          <a:scrgbClr r="0" g="0" b="0"/>
+        </a:effectRef>
+        <a:fontRef idx="minor"/>
+      </dsp:style>
+      <dsp:txBody>
+        <a:bodyPr spcFirstLastPara="0" vert="horz" wrap="square" lIns="112556" tIns="112556" rIns="112556" bIns="112556" numCol="1" spcCol="1270" anchor="ctr" anchorCtr="0">
+          <a:noAutofit/>
+        </a:bodyPr>
+        <a:lstStyle/>
+        <a:p>
+          <a:pPr marL="0" lvl="0" indent="0" algn="l" defTabSz="1111250">
+            <a:lnSpc>
+              <a:spcPct val="90000"/>
+            </a:lnSpc>
+            <a:spcBef>
+              <a:spcPct val="0"/>
+            </a:spcBef>
+            <a:spcAft>
+              <a:spcPct val="35000"/>
+            </a:spcAft>
+            <a:buNone/>
+          </a:pPr>
+          <a:r>
+            <a:rPr lang="en-US" sz="2500" kern="1200" dirty="0"/>
+            <a:t>Obtain individual game data pool</a:t>
+          </a:r>
+        </a:p>
+      </dsp:txBody>
+      <dsp:txXfrm>
+        <a:off x="1228364" y="1329853"/>
+        <a:ext cx="8376010" cy="1063519"/>
+      </dsp:txXfrm>
+    </dsp:sp>
+    <dsp:sp modelId="{869598A4-99AB-4C0B-9A96-F3D7AEF3C630}">
+      <dsp:nvSpPr>
+        <dsp:cNvPr id="0" name=""/>
+        <dsp:cNvSpPr/>
+      </dsp:nvSpPr>
+      <dsp:spPr>
+        <a:xfrm>
+          <a:off x="0" y="2659253"/>
+          <a:ext cx="9604375" cy="1063519"/>
+        </a:xfrm>
+        <a:prstGeom prst="roundRect">
+          <a:avLst>
+            <a:gd name="adj" fmla="val 10000"/>
+          </a:avLst>
+        </a:prstGeom>
+        <a:solidFill>
+          <a:schemeClr val="dk2">
+            <a:hueOff val="0"/>
+            <a:satOff val="0"/>
+            <a:lumOff val="0"/>
+            <a:alphaOff val="0"/>
+          </a:schemeClr>
+        </a:solidFill>
+        <a:ln>
+          <a:noFill/>
+        </a:ln>
+        <a:effectLst/>
+      </dsp:spPr>
+      <dsp:style>
+        <a:lnRef idx="0">
+          <a:scrgbClr r="0" g="0" b="0"/>
+        </a:lnRef>
+        <a:fillRef idx="1">
+          <a:scrgbClr r="0" g="0" b="0"/>
+        </a:fillRef>
+        <a:effectRef idx="0">
+          <a:scrgbClr r="0" g="0" b="0"/>
+        </a:effectRef>
+        <a:fontRef idx="minor"/>
+      </dsp:style>
+    </dsp:sp>
+    <dsp:sp modelId="{73894AA2-041D-473A-B4B9-DEF7E1773661}">
+      <dsp:nvSpPr>
+        <dsp:cNvPr id="0" name=""/>
+        <dsp:cNvSpPr/>
+      </dsp:nvSpPr>
+      <dsp:spPr>
+        <a:xfrm>
+          <a:off x="321714" y="2898544"/>
+          <a:ext cx="584935" cy="584935"/>
+        </a:xfrm>
+        <a:prstGeom prst="rect">
+          <a:avLst/>
+        </a:prstGeom>
+        <a:blipFill>
+          <a:blip xmlns:r="http://schemas.openxmlformats.org/officeDocument/2006/relationships" r:embed="rId5">
+            <a:extLst>
+              <a:ext uri="{28A0092B-C50C-407E-A947-70E740481C1C}">
+                <a14:useLocalDpi xmlns:a14="http://schemas.microsoft.com/office/drawing/2010/main" val="0"/>
+              </a:ext>
+              <a:ext uri="{96DAC541-7B7A-43D3-8B79-37D633B846F1}">
+                <asvg:svgBlip xmlns:asvg="http://schemas.microsoft.com/office/drawing/2016/SVG/main" r:embed="rId6"/>
+              </a:ext>
+            </a:extLst>
+          </a:blip>
+          <a:stretch>
+            <a:fillRect/>
+          </a:stretch>
+        </a:blipFill>
+        <a:ln w="15875" cap="flat" cmpd="sng" algn="ctr">
+          <a:noFill/>
+          <a:prstDash val="solid"/>
+        </a:ln>
+        <a:effectLst/>
+      </dsp:spPr>
+      <dsp:style>
+        <a:lnRef idx="2">
+          <a:scrgbClr r="0" g="0" b="0"/>
+        </a:lnRef>
+        <a:fillRef idx="1">
+          <a:scrgbClr r="0" g="0" b="0"/>
+        </a:fillRef>
+        <a:effectRef idx="0">
+          <a:scrgbClr r="0" g="0" b="0"/>
+        </a:effectRef>
+        <a:fontRef idx="minor">
+          <a:schemeClr val="lt1"/>
+        </a:fontRef>
+      </dsp:style>
+    </dsp:sp>
+    <dsp:sp modelId="{CBFFBC55-B2F3-44EC-9449-ABE7F7730151}">
+      <dsp:nvSpPr>
+        <dsp:cNvPr id="0" name=""/>
+        <dsp:cNvSpPr/>
+      </dsp:nvSpPr>
+      <dsp:spPr>
+        <a:xfrm>
+          <a:off x="1228364" y="2659253"/>
+          <a:ext cx="8376010" cy="1063519"/>
+        </a:xfrm>
+        <a:prstGeom prst="rect">
+          <a:avLst/>
+        </a:prstGeom>
+        <a:noFill/>
+        <a:ln>
+          <a:noFill/>
+        </a:ln>
+        <a:effectLst/>
+      </dsp:spPr>
+      <dsp:style>
+        <a:lnRef idx="0">
+          <a:scrgbClr r="0" g="0" b="0"/>
+        </a:lnRef>
+        <a:fillRef idx="0">
+          <a:scrgbClr r="0" g="0" b="0"/>
+        </a:fillRef>
+        <a:effectRef idx="0">
+          <a:scrgbClr r="0" g="0" b="0"/>
+        </a:effectRef>
+        <a:fontRef idx="minor"/>
+      </dsp:style>
+      <dsp:txBody>
+        <a:bodyPr spcFirstLastPara="0" vert="horz" wrap="square" lIns="112556" tIns="112556" rIns="112556" bIns="112556" numCol="1" spcCol="1270" anchor="ctr" anchorCtr="0">
+          <a:noAutofit/>
+        </a:bodyPr>
+        <a:lstStyle/>
+        <a:p>
+          <a:pPr marL="0" lvl="0" indent="0" algn="l" defTabSz="1111250">
+            <a:lnSpc>
+              <a:spcPct val="90000"/>
+            </a:lnSpc>
+            <a:spcBef>
+              <a:spcPct val="0"/>
+            </a:spcBef>
+            <a:spcAft>
+              <a:spcPct val="35000"/>
+            </a:spcAft>
+            <a:buNone/>
+          </a:pPr>
+          <a:r>
+            <a:rPr lang="en-US" sz="2500" kern="1200" dirty="0"/>
+            <a:t>Free throw attempts home vs away based on the point differential for the  game </a:t>
+          </a:r>
+        </a:p>
+      </dsp:txBody>
+      <dsp:txXfrm>
+        <a:off x="1228364" y="2659253"/>
+        <a:ext cx="8376010" cy="1063519"/>
+      </dsp:txXfrm>
+    </dsp:sp>
+  </dsp:spTree>
+</dsp:drawing>
+</file>
+
+<file path=ppt/diagrams/layout1.xml><?xml version="1.0" encoding="utf-8"?>
+<dgm:layoutDef xmlns:dgm="http://schemas.openxmlformats.org/drawingml/2006/diagram" xmlns:a="http://schemas.openxmlformats.org/drawingml/2006/main" uniqueId="urn:microsoft.com/office/officeart/2018/2/layout/IconVerticalSolidList">
+  <dgm:title val="Icon Vertical Solid List"/>
+  <dgm:desc val="Use to show a series of visuals from top to bottom with Level 1 or Level 1 and Level 2 text grouped in a shape. Works best with icons or small pictures with lengthier descriptions."/>
+  <dgm:catLst>
+    <dgm:cat type="icon" pri="500"/>
+  </dgm:catLst>
+  <dgm:sampData useDef="1">
+    <dgm:dataModel>
+      <dgm:ptLst/>
+      <dgm:bg/>
+      <dgm:whole/>
+    </dgm:dataModel>
+  </dgm:sampData>
+  <dgm:styleData useDef="1">
+    <dgm:dataModel>
+      <dgm:ptLst/>
+      <dgm:bg/>
+      <dgm:whole/>
+    </dgm:dataModel>
+  </dgm:styleData>
+  <dgm:clrData useDef="1">
+    <dgm:dataModel>
+      <dgm:ptLst/>
+      <dgm:bg/>
+      <dgm:whole/>
+    </dgm:dataModel>
+  </dgm:clrData>
+  <dgm:layoutNode name="root">
+    <dgm:varLst>
+      <dgm:dir/>
+      <dgm:resizeHandles val="exact"/>
+    </dgm:varLst>
+    <dgm:choose name="Name0">
+      <dgm:if name="Name1" axis="self" func="var" arg="dir" op="equ" val="norm">
+        <dgm:alg type="lin">
+          <dgm:param type="linDir" val="fromT"/>
+          <dgm:param type="nodeHorzAlign" val="l"/>
+        </dgm:alg>
+      </dgm:if>
+      <dgm:else name="Name2">
+        <dgm:alg type="lin">
+          <dgm:param type="linDir" val="fromT"/>
+          <dgm:param type="nodeHorzAlign" val="r"/>
+        </dgm:alg>
+      </dgm:else>
+    </dgm:choose>
+    <dgm:shape xmlns:r="http://schemas.openxmlformats.org/officeDocument/2006/relationships" r:blip="">
+      <dgm:adjLst/>
+    </dgm:shape>
+    <dgm:presOf/>
+    <dgm:choose name="Name3">
+      <dgm:if name="Name4" axis="ch" ptType="node" func="cnt" op="lte" val="3">
+        <dgm:constrLst>
+          <dgm:constr type="h" for="ch" forName="compNode" refType="h" fact="0.3"/>
+          <dgm:constr type="w" for="ch" forName="compNode" refType="w"/>
+          <dgm:constr type="h" for="ch" forName="sibTrans" refType="h" refFor="ch" refForName="compNode" fact="0.25"/>
+          <dgm:constr type="primFontSz" for="des" forName="parTx" val="25"/>
+          <dgm:constr type="primFontSz" for="des" forName="desTx" refType="primFontSz" refFor="des" refForName="parTx" op="lte" fact="0.75"/>
+          <dgm:constr type="h" for="des" forName="compNode" op="equ"/>
+          <dgm:constr type="h" for="des" forName="bgRect" op="equ"/>
+          <dgm:constr type="h" for="des" forName="iconRect" op="equ"/>
+          <dgm:constr type="w" for="des" forName="iconRect" op="equ"/>
+          <dgm:constr type="h" for="des" forName="spaceRect" op="equ"/>
+          <dgm:constr type="h" for="des" forName="parTx" op="equ"/>
+          <dgm:constr type="h" for="des" forName="desTx" op="equ"/>
+        </dgm:constrLst>
+      </dgm:if>
+      <dgm:if name="Name5" axis="ch" ptType="node" func="cnt" op="lte" val="4">
+        <dgm:constrLst>
+          <dgm:constr type="h" for="ch" forName="compNode" refType="h" fact="0.3"/>
+          <dgm:constr type="w" for="ch" forName="compNode" refType="w"/>
+          <dgm:constr type="h" for="ch" forName="sibTrans" refType="h" refFor="ch" refForName="compNode" fact="0.25"/>
+          <dgm:constr type="primFontSz" for="des" forName="parTx" val="22"/>
+          <dgm:constr type="primFontSz" for="des" forName="desTx" refType="primFontSz" refFor="des" refForName="parTx" op="lte" fact="0.75"/>
+          <dgm:constr type="h" for="des" forName="compNode" op="equ"/>
+          <dgm:constr type="h" for="des" forName="bgRect" op="equ"/>
+          <dgm:constr type="h" for="des" forName="iconRect" op="equ"/>
+          <dgm:constr type="w" for="des" forName="iconRect" op="equ"/>
+          <dgm:constr type="h" for="des" forName="spaceRect" op="equ"/>
+          <dgm:constr type="h" for="des" forName="parTx" op="equ"/>
+          <dgm:constr type="h" for="des" forName="desTx" op="equ"/>
+        </dgm:constrLst>
+      </dgm:if>
+      <dgm:if name="Name6" axis="ch" ptType="node" func="cnt" op="lte" val="6">
+        <dgm:constrLst>
+          <dgm:constr type="h" for="ch" forName="compNode" refType="h" fact="0.3"/>
+          <dgm:constr type="w" for="ch" forName="compNode" refType="w"/>
+          <dgm:constr type="h" for="ch" forName="sibTrans" refType="h" refFor="ch" refForName="compNode" fact="0.25"/>
+          <dgm:constr type="primFontSz" for="des" forName="parTx" val="19"/>
+          <dgm:constr type="primFontSz" for="des" forName="desTx" refType="primFontSz" refFor="des" refForName="parTx" op="lte" fact="0.75"/>
+          <dgm:constr type="h" for="des" forName="compNode" op="equ"/>
+          <dgm:constr type="h" for="des" forName="bgRect" op="equ"/>
+          <dgm:constr type="h" for="des" forName="iconRect" op="equ"/>
+          <dgm:constr type="w" for="des" forName="iconRect" op="equ"/>
+          <dgm:constr type="h" for="des" forName="spaceRect" op="equ"/>
+          <dgm:constr type="h" for="des" forName="parTx" op="equ"/>
+          <dgm:constr type="h" for="des" forName="desTx" op="equ"/>
+        </dgm:constrLst>
+      </dgm:if>
+      <dgm:else name="Name7">
+        <dgm:constrLst>
+          <dgm:constr type="h" for="ch" forName="compNode" refType="h" fact="0.3"/>
+          <dgm:constr type="w" for="ch" forName="compNode" refType="w"/>
+          <dgm:constr type="h" for="ch" forName="sibTrans" refType="h" refFor="ch" refForName="compNode" fact="0.25"/>
+          <dgm:constr type="primFontSz" for="des" forName="parTx" val="16"/>
+          <dgm:constr type="primFontSz" for="des" forName="desTx" refType="primFontSz" refFor="des" refForName="parTx" op="lte" fact="0.75"/>
+          <dgm:constr type="h" for="des" forName="compNode" op="equ"/>
+          <dgm:constr type="h" for="des" forName="bgRect" op="equ"/>
+          <dgm:constr type="h" for="des" forName="iconRect" op="equ"/>
+          <dgm:constr type="w" for="des" forName="iconRect" op="equ"/>
+          <dgm:constr type="h" for="des" forName="spaceRect" op="equ"/>
+          <dgm:constr type="h" for="des" forName="parTx" op="equ"/>
+          <dgm:constr type="h" for="des" forName="desTx" op="equ"/>
+        </dgm:constrLst>
+      </dgm:else>
+    </dgm:choose>
+    <dgm:ruleLst>
+      <dgm:rule type="h" for="ch" forName="compNode" val="0" fact="NaN" max="NaN"/>
+    </dgm:ruleLst>
+    <dgm:forEach name="Name8" axis="ch" ptType="node">
+      <dgm:layoutNode name="compNode">
+        <dgm:alg type="composite"/>
+        <dgm:shape xmlns:r="http://schemas.openxmlformats.org/officeDocument/2006/relationships" r:blip="">
+          <dgm:adjLst/>
+        </dgm:shape>
+        <dgm:presOf axis="self"/>
+        <dgm:choose name="Name9">
+          <dgm:if name="Name10" axis="ch" ptType="node" func="cnt" op="gte" val="1">
+            <dgm:constrLst>
+              <dgm:constr type="w" for="ch" forName="bgRect" refType="w"/>
+              <dgm:constr type="h" for="ch" forName="bgRect" refType="h"/>
+              <dgm:constr type="l" for="ch" forName="bgRect"/>
+              <dgm:constr type="t" for="ch" forName="bgRect"/>
+              <dgm:constr type="h" for="ch" forName="iconRect" refType="h" fact="0.55"/>
+              <dgm:constr type="w" for="ch" forName="iconRect" refType="h" refFor="ch" refForName="iconRect"/>
+              <dgm:constr type="l" for="ch" forName="iconRect" refType="h" refFor="ch" refForName="iconRect" fact="0.55"/>
+              <dgm:constr type="ctrY" for="ch" forName="iconRect" refType="ctrY" refFor="ch" refForName="bgRect"/>
+              <dgm:constr type="w" for="ch" forName="spaceRect" refType="l" refFor="ch" refForName="iconRect"/>
+              <dgm:constr type="h" for="ch" forName="spaceRect" refType="h"/>
+              <dgm:constr type="l" for="ch" forName="spaceRect" refType="r" refFor="ch" refForName="iconRect"/>
+              <dgm:constr type="t" for="ch" forName="spaceRect"/>
+              <dgm:constr type="w" for="ch" forName="parTx" refType="w" fact="0.45"/>
+              <dgm:constr type="h" for="ch" forName="parTx" refType="h"/>
+              <dgm:constr type="l" for="ch" forName="parTx" refType="r" refFor="ch" refForName="spaceRect"/>
+              <dgm:constr type="t" for="ch" forName="parTx"/>
+              <dgm:constr type="h" for="ch" forName="desTx" refType="h"/>
+              <dgm:constr type="l" for="ch" forName="desTx" refType="r" refFor="ch" refForName="parTx"/>
+              <dgm:constr type="t" for="ch" forName="desTx"/>
+            </dgm:constrLst>
+          </dgm:if>
+          <dgm:else name="Name11">
+            <dgm:constrLst>
+              <dgm:constr type="w" for="ch" forName="bgRect" refType="w"/>
+              <dgm:constr type="h" for="ch" forName="bgRect" refType="h"/>
+              <dgm:constr type="l" for="ch" forName="bgRect"/>
+              <dgm:constr type="t" for="ch" forName="bgRect"/>
+              <dgm:constr type="h" for="ch" forName="iconRect" refType="h" fact="0.55"/>
+              <dgm:constr type="w" for="ch" forName="iconRect" refType="h" refFor="ch" refForName="iconRect"/>
+              <dgm:constr type="l" for="ch" forName="iconRect" refType="h" refFor="ch" refForName="iconRect" fact="0.55"/>
+              <dgm:constr type="ctrY" for="ch" forName="iconRect" refType="ctrY" refFor="ch" refForName="bgRect"/>
+              <dgm:constr type="w" for="ch" forName="spaceRect" refType="l" refFor="ch" refForName="iconRect"/>
+              <dgm:constr type="h" for="ch" forName="spaceRect" refType="h"/>
+              <dgm:constr type="l" for="ch" forName="spaceRect" refType="r" refFor="ch" refForName="iconRect"/>
+              <dgm:constr type="t" for="ch" forName="spaceRect"/>
+              <dgm:constr type="h" for="ch" forName="parTx" refType="h"/>
+              <dgm:constr type="l" for="ch" forName="parTx" refType="r" refFor="ch" refForName="spaceRect"/>
+              <dgm:constr type="t" for="ch" forName="parTx"/>
+            </dgm:constrLst>
+          </dgm:else>
+        </dgm:choose>
+        <dgm:ruleLst>
+          <dgm:rule type="h" val="INF" fact="NaN" max="NaN"/>
+        </dgm:ruleLst>
+        <dgm:layoutNode name="bgRect" styleLbl="bgShp">
+          <dgm:alg type="sp"/>
+          <dgm:shape xmlns:r="http://schemas.openxmlformats.org/officeDocument/2006/relationships" type="roundRect" r:blip="">
+            <dgm:adjLst>
+              <dgm:adj idx="1" val="0.1"/>
+            </dgm:adjLst>
+          </dgm:shape>
+          <dgm:presOf/>
+          <dgm:constrLst/>
+          <dgm:ruleLst/>
+        </dgm:layoutNode>
+        <dgm:layoutNode name="iconRect" styleLbl="node1">
+          <dgm:alg type="sp"/>
+          <dgm:shape xmlns:r="http://schemas.openxmlformats.org/officeDocument/2006/relationships" type="rect" r:blip="" blipPhldr="1">
+            <dgm:adjLst/>
+          </dgm:shape>
+          <dgm:presOf/>
+          <dgm:constrLst/>
+          <dgm:ruleLst/>
+        </dgm:layoutNode>
+        <dgm:layoutNode name="spaceRect">
+          <dgm:alg type="sp"/>
+          <dgm:shape xmlns:r="http://schemas.openxmlformats.org/officeDocument/2006/relationships" r:blip="">
+            <dgm:adjLst/>
+          </dgm:shape>
+          <dgm:presOf/>
+          <dgm:constrLst/>
+          <dgm:ruleLst/>
+        </dgm:layoutNode>
+        <dgm:layoutNode name="parTx" styleLbl="revTx">
+          <dgm:varLst>
+            <dgm:chMax val="0"/>
+            <dgm:chPref val="0"/>
+          </dgm:varLst>
+          <dgm:alg type="tx">
+            <dgm:param type="txAnchorVert" val="mid"/>
+            <dgm:param type="parTxLTRAlign" val="l"/>
+            <dgm:param type="shpTxLTRAlignCh" val="l"/>
+            <dgm:param type="parTxRTLAlign" val="r"/>
+            <dgm:param type="shpTxRTLAlignCh" val="r"/>
+          </dgm:alg>
+          <dgm:shape xmlns:r="http://schemas.openxmlformats.org/officeDocument/2006/relationships" type="rect" r:blip="">
+            <dgm:adjLst/>
+          </dgm:shape>
+          <dgm:presOf axis="self" ptType="node"/>
+          <dgm:constrLst>
+            <dgm:constr type="lMarg" refType="h" fact="0.3"/>
+            <dgm:constr type="rMarg" refType="h" fact="0.3"/>
+            <dgm:constr type="tMarg" refType="h" fact="0.3"/>
+            <dgm:constr type="bMarg" refType="h" fact="0.3"/>
+          </dgm:constrLst>
+          <dgm:ruleLst>
+            <dgm:rule type="primFontSz" val="14" fact="NaN" max="NaN"/>
+            <dgm:rule type="h" val="INF" fact="NaN" max="NaN"/>
+          </dgm:ruleLst>
+        </dgm:layoutNode>
+        <dgm:choose name="Name12">
+          <dgm:if name="Name13" axis="ch" ptType="node" func="cnt" op="gte" val="1">
+            <dgm:layoutNode name="desTx" styleLbl="revTx">
+              <dgm:varLst/>
+              <dgm:alg type="tx">
+                <dgm:param type="txAnchorVertCh" val="mid"/>
+                <dgm:param type="parTxLTRAlign" val="l"/>
+                <dgm:param type="shpTxLTRAlignCh" val="l"/>
+                <dgm:param type="parTxRTLAlign" val="r"/>
+                <dgm:param type="shpTxRTLAlignCh" val="r"/>
+                <dgm:param type="stBulletLvl" val="0"/>
+              </dgm:alg>
+              <dgm:shape xmlns:r="http://schemas.openxmlformats.org/officeDocument/2006/relationships" type="rect" r:blip="">
+                <dgm:adjLst/>
+              </dgm:shape>
+              <dgm:presOf axis="des" ptType="node"/>
+              <dgm:constrLst>
+                <dgm:constr type="primFontSz" val="18"/>
+                <dgm:constr type="secFontSz" refType="primFontSz"/>
+                <dgm:constr type="lMarg" refType="h" fact="0.3"/>
+                <dgm:constr type="rMarg" refType="h" fact="0.3"/>
+                <dgm:constr type="tMarg" refType="h" fact="0.3"/>
+                <dgm:constr type="bMarg" refType="h" fact="0.3"/>
+              </dgm:constrLst>
+              <dgm:ruleLst>
+                <dgm:rule type="primFontSz" val="11" fact="NaN" max="NaN"/>
+              </dgm:ruleLst>
+            </dgm:layoutNode>
+          </dgm:if>
+          <dgm:else name="Name14"/>
+        </dgm:choose>
+      </dgm:layoutNode>
+      <dgm:forEach name="Name15" axis="followSib" ptType="sibTrans" cnt="1">
+        <dgm:layoutNode name="sibTrans">
+          <dgm:alg type="sp"/>
+          <dgm:shape xmlns:r="http://schemas.openxmlformats.org/officeDocument/2006/relationships" r:blip="">
+            <dgm:adjLst/>
+          </dgm:shape>
+          <dgm:presOf axis="self"/>
+          <dgm:constrLst/>
+          <dgm:ruleLst/>
+        </dgm:layoutNode>
+      </dgm:forEach>
+    </dgm:forEach>
+  </dgm:layoutNode>
+  <dgm:extLst>
+    <a:ext uri="{68A01E43-0DF5-4B5B-8FA6-DAF915123BFB}">
+      <dgm1612:lstStyle xmlns:dgm1612="http://schemas.microsoft.com/office/drawing/2016/12/diagram">
+        <a:lvl1pPr>
+          <a:lnSpc>
+            <a:spcPct val="100000"/>
+          </a:lnSpc>
+        </a:lvl1pPr>
+        <a:lvl2pPr>
+          <a:lnSpc>
+            <a:spcPct val="100000"/>
+          </a:lnSpc>
+        </a:lvl2pPr>
+      </dgm1612:lstStyle>
+    </a:ext>
+  </dgm:extLst>
+</dgm:layoutDef>
+</file>
+
+<file path=ppt/diagrams/quickStyle1.xml><?xml version="1.0" encoding="utf-8"?>
+<dgm:styleDef xmlns:dgm="http://schemas.openxmlformats.org/drawingml/2006/diagram" xmlns:a="http://schemas.openxmlformats.org/drawingml/2006/main" uniqueId="urn:microsoft.com/office/officeart/2005/8/quickstyle/simple1">
+  <dgm:title val=""/>
+  <dgm:desc val=""/>
+  <dgm:catLst>
+    <dgm:cat type="simple" pri="10100"/>
+  </dgm:catLst>
+  <dgm:scene3d>
+    <a:camera prst="orthographicFront"/>
+    <a:lightRig rig="threePt" dir="t"/>
+  </dgm:scene3d>
+  <dgm:styleLbl name="node0">
+    <dgm:scene3d>
+      <a:camera prst="orthographicFront"/>
+      <a:lightRig rig="threePt" dir="t"/>
+    </dgm:scene3d>
+    <dgm:sp3d/>
+    <dgm:txPr/>
+    <dgm:style>
+      <a:lnRef idx="2">
+        <a:scrgbClr r="0" g="0" b="0"/>
+      </a:lnRef>
+      <a:fillRef idx="1">
+        <a:scrgbClr r="0" g="0" b="0"/>
+      </a:fillRef>
+      <a:effectRef idx="0">
+        <a:scrgbClr r="0" g="0" b="0"/>
+      </a:effectRef>
+      <a:fontRef idx="minor">
+        <a:schemeClr val="lt1"/>
+      </a:fontRef>
+    </dgm:style>
+  </dgm:styleLbl>
+  <dgm:styleLbl name="lnNode1">
+    <dgm:scene3d>
+      <a:camera prst="orthographicFront"/>
+      <a:lightRig rig="threePt" dir="t"/>
+    </dgm:scene3d>
+    <dgm:sp3d/>
+    <dgm:txPr/>
+    <dgm:style>
+      <a:lnRef idx="2">
+        <a:scrgbClr r="0" g="0" b="0"/>
+      </a:lnRef>
+      <a:fillRef idx="1">
+        <a:scrgbClr r="0" g="0" b="0"/>
+      </a:fillRef>
+      <a:effectRef idx="0">
+        <a:scrgbClr r="0" g="0" b="0"/>
+      </a:effectRef>
+      <a:fontRef idx="minor">
+        <a:schemeClr val="lt1"/>
+      </a:fontRef>
+    </dgm:style>
+  </dgm:styleLbl>
+  <dgm:styleLbl name="vennNode1">
+    <dgm:scene3d>
+      <a:camera prst="orthographicFront"/>
+      <a:lightRig rig="threePt" dir="t"/>
+    </dgm:scene3d>
+    <dgm:sp3d/>
+    <dgm:txPr/>
+    <dgm:style>
+      <a:lnRef idx="2">
+        <a:scrgbClr r="0" g="0" b="0"/>
+      </a:lnRef>
+      <a:fillRef idx="1">
+        <a:scrgbClr r="0" g="0" b="0"/>
+      </a:fillRef>
+      <a:effectRef idx="0">
+        <a:scrgbClr r="0" g="0" b="0"/>
+      </a:effectRef>
+      <a:fontRef idx="minor">
+        <a:schemeClr val="tx1"/>
+      </a:fontRef>
+    </dgm:style>
+  </dgm:styleLbl>
+  <dgm:styleLbl name="alignNode1">
+    <dgm:scene3d>
+      <a:camera prst="orthographicFront"/>
+      <a:lightRig rig="threePt" dir="t"/>
+    </dgm:scene3d>
+    <dgm:sp3d/>
+    <dgm:txPr/>
+    <dgm:style>
+      <a:lnRef idx="2">
+        <a:scrgbClr r="0" g="0" b="0"/>
+      </a:lnRef>
+      <a:fillRef idx="1">
+        <a:scrgbClr r="0" g="0" b="0"/>
+      </a:fillRef>
+      <a:effectRef idx="0">
+        <a:scrgbClr r="0" g="0" b="0"/>
+      </a:effectRef>
+      <a:fontRef idx="minor">
+        <a:schemeClr val="lt1"/>
+      </a:fontRef>
+    </dgm:style>
+  </dgm:styleLbl>
+  <dgm:styleLbl name="node1">
+    <dgm:scene3d>
+      <a:camera prst="orthographicFront"/>
+      <a:lightRig rig="threePt" dir="t"/>
+    </dgm:scene3d>
+    <dgm:sp3d/>
+    <dgm:txPr/>
+    <dgm:style>
+      <a:lnRef idx="2">
+        <a:scrgbClr r="0" g="0" b="0"/>
+      </a:lnRef>
+      <a:fillRef idx="1">
+        <a:scrgbClr r="0" g="0" b="0"/>
+      </a:fillRef>
+      <a:effectRef idx="0">
+        <a:scrgbClr r="0" g="0" b="0"/>
+      </a:effectRef>
+      <a:fontRef idx="minor">
+        <a:schemeClr val="lt1"/>
+      </a:fontRef>
+    </dgm:style>
+  </dgm:styleLbl>
+  <dgm:styleLbl name="node2">
+    <dgm:scene3d>
+      <a:camera prst="orthographicFront"/>
+      <a:lightRig rig="threePt" dir="t"/>
+    </dgm:scene3d>
+    <dgm:sp3d/>
+    <dgm:txPr/>
+    <dgm:style>
+      <a:lnRef idx="2">
+        <a:scrgbClr r="0" g="0" b="0"/>
+      </a:lnRef>
+      <a:fillRef idx="1">
+        <a:scrgbClr r="0" g="0" b="0"/>
+      </a:fillRef>
+      <a:effectRef idx="0">
+        <a:scrgbClr r="0" g="0" b="0"/>
+      </a:effectRef>
+      <a:fontRef idx="minor">
+        <a:schemeClr val="lt1"/>
+      </a:fontRef>
+    </dgm:style>
+  </dgm:styleLbl>
+  <dgm:styleLbl name="node3">
+    <dgm:scene3d>
+      <a:camera prst="orthographicFront"/>
+      <a:lightRig rig="threePt" dir="t"/>
+    </dgm:scene3d>
+    <dgm:sp3d/>
+    <dgm:txPr/>
+    <dgm:style>
+      <a:lnRef idx="2">
+        <a:scrgbClr r="0" g="0" b="0"/>
+      </a:lnRef>
+      <a:fillRef idx="1">
+        <a:scrgbClr r="0" g="0" b="0"/>
+      </a:fillRef>
+      <a:effectRef idx="0">
+        <a:scrgbClr r="0" g="0" b="0"/>
+      </a:effectRef>
+      <a:fontRef idx="minor">
+        <a:schemeClr val="lt1"/>
+      </a:fontRef>
+    </dgm:style>
+  </dgm:styleLbl>
+  <dgm:styleLbl name="node4">
+    <dgm:scene3d>
+      <a:camera prst="orthographicFront"/>
+      <a:lightRig rig="threePt" dir="t"/>
+    </dgm:scene3d>
+    <dgm:sp3d/>
+    <dgm:txPr/>
+    <dgm:style>
+      <a:lnRef idx="2">
+        <a:scrgbClr r="0" g="0" b="0"/>
+      </a:lnRef>
+      <a:fillRef idx="1">
+        <a:scrgbClr r="0" g="0" b="0"/>
+      </a:fillRef>
+      <a:effectRef idx="0">
+        <a:scrgbClr r="0" g="0" b="0"/>
+      </a:effectRef>
+      <a:fontRef idx="minor">
+        <a:schemeClr val="lt1"/>
+      </a:fontRef>
+    </dgm:style>
+  </dgm:styleLbl>
+  <dgm:styleLbl name="fgImgPlace1">
+    <dgm:scene3d>
+      <a:camera prst="orthographicFront"/>
+      <a:lightRig rig="threePt" dir="t"/>
+    </dgm:scene3d>
+    <dgm:sp3d/>
+    <dgm:txPr/>
+    <dgm:style>
+      <a:lnRef idx="2">
+        <a:scrgbClr r="0" g="0" b="0"/>
+      </a:lnRef>
+      <a:fillRef idx="1">
+        <a:scrgbClr r="0" g="0" b="0"/>
+      </a:fillRef>
+      <a:effectRef idx="0">
+        <a:scrgbClr r="0" g="0" b="0"/>
+      </a:effectRef>
+      <a:fontRef idx="minor"/>
+    </dgm:style>
+  </dgm:styleLbl>
+  <dgm:styleLbl name="alignImgPlace1">
+    <dgm:scene3d>
+      <a:camera prst="orthographicFront"/>
+      <a:lightRig rig="threePt" dir="t"/>
+    </dgm:scene3d>
+    <dgm:sp3d/>
+    <dgm:txPr/>
+    <dgm:style>
+      <a:lnRef idx="2">
+        <a:scrgbClr r="0" g="0" b="0"/>
+      </a:lnRef>
+      <a:fillRef idx="1">
+        <a:scrgbClr r="0" g="0" b="0"/>
+      </a:fillRef>
+      <a:effectRef idx="0">
+        <a:scrgbClr r="0" g="0" b="0"/>
+      </a:effectRef>
+      <a:fontRef idx="minor"/>
+    </dgm:style>
+  </dgm:styleLbl>
+  <dgm:styleLbl name="bgImgPlace1">
+    <dgm:scene3d>
+      <a:camera prst="orthographicFront"/>
+      <a:lightRig rig="threePt" dir="t"/>
+    </dgm:scene3d>
+    <dgm:sp3d/>
+    <dgm:txPr/>
+    <dgm:style>
+      <a:lnRef idx="2">
+        <a:scrgbClr r="0" g="0" b="0"/>
+      </a:lnRef>
+      <a:fillRef idx="1">
+        <a:scrgbClr r="0" g="0" b="0"/>
+      </a:fillRef>
+      <a:effectRef idx="0">
+        <a:scrgbClr r="0" g="0" b="0"/>
+      </a:effectRef>
+      <a:fontRef idx="minor"/>
+    </dgm:style>
+  </dgm:styleLbl>
+  <dgm:styleLbl name="sibTrans2D1">
+    <dgm:scene3d>
+      <a:camera prst="orthographicFront"/>
+      <a:lightRig rig="threePt" dir="t"/>
+    </dgm:scene3d>
+    <dgm:sp3d/>
+    <dgm:txPr/>
+    <dgm:style>
+      <a:lnRef idx="0">
+        <a:scrgbClr r="0" g="0" b="0"/>
+      </a:lnRef>
+      <a:fillRef idx="1">
+        <a:scrgbClr r="0" g="0" b="0"/>
+      </a:fillRef>
+      <a:effectRef idx="0">
+        <a:scrgbClr r="0" g="0" b="0"/>
+      </a:effectRef>
+      <a:fontRef idx="minor">
+        <a:schemeClr val="lt1"/>
+      </a:fontRef>
+    </dgm:style>
+  </dgm:styleLbl>
+  <dgm:styleLbl name="fgSibTrans2D1">
+    <dgm:scene3d>
+      <a:camera prst="orthographicFront"/>
+      <a:lightRig rig="threePt" dir="t"/>
+    </dgm:scene3d>
+    <dgm:sp3d/>
+    <dgm:txPr/>
+    <dgm:style>
+      <a:lnRef idx="0">
+        <a:scrgbClr r="0" g="0" b="0"/>
+      </a:lnRef>
+      <a:fillRef idx="1">
+        <a:scrgbClr r="0" g="0" b="0"/>
+      </a:fillRef>
+      <a:effectRef idx="0">
+        <a:scrgbClr r="0" g="0" b="0"/>
+      </a:effectRef>
+      <a:fontRef idx="minor">
+        <a:schemeClr val="lt1"/>
+      </a:fontRef>
+    </dgm:style>
+  </dgm:styleLbl>
+  <dgm:styleLbl name="bgSibTrans2D1">
+    <dgm:scene3d>
+      <a:camera prst="orthographicFront"/>
+      <a:lightRig rig="threePt" dir="t"/>
+    </dgm:scene3d>
+    <dgm:sp3d/>
+    <dgm:txPr/>
+    <dgm:style>
+      <a:lnRef idx="0">
+        <a:scrgbClr r="0" g="0" b="0"/>
+      </a:lnRef>
+      <a:fillRef idx="1">
+        <a:scrgbClr r="0" g="0" b="0"/>
+      </a:fillRef>
+      <a:effectRef idx="0">
+        <a:scrgbClr r="0" g="0" b="0"/>
+      </a:effectRef>
+      <a:fontRef idx="minor">
+        <a:schemeClr val="lt1"/>
+      </a:fontRef>
+    </dgm:style>
+  </dgm:styleLbl>
+  <dgm:styleLbl name="sibTrans1D1">
+    <dgm:scene3d>
+      <a:camera prst="orthographicFront"/>
+      <a:lightRig rig="threePt" dir="t"/>
+    </dgm:scene3d>
+    <dgm:sp3d/>
+    <dgm:txPr/>
+    <dgm:style>
+      <a:lnRef idx="1">
+        <a:scrgbClr r="0" g="0" b="0"/>
+      </a:lnRef>
+      <a:fillRef idx="0">
+        <a:scrgbClr r="0" g="0" b="0"/>
+      </a:fillRef>
+      <a:effectRef idx="0">
+        <a:scrgbClr r="0" g="0" b="0"/>
+      </a:effectRef>
+      <a:fontRef idx="minor"/>
+    </dgm:style>
+  </dgm:styleLbl>
+  <dgm:styleLbl name="callout">
+    <dgm:scene3d>
+      <a:camera prst="orthographicFront"/>
+      <a:lightRig rig="threePt" dir="t"/>
+    </dgm:scene3d>
+    <dgm:sp3d/>
+    <dgm:txPr/>
+    <dgm:style>
+      <a:lnRef idx="2">
+        <a:scrgbClr r="0" g="0" b="0"/>
+      </a:lnRef>
+      <a:fillRef idx="1">
+        <a:scrgbClr r="0" g="0" b="0"/>
+      </a:fillRef>
+      <a:effectRef idx="0">
+        <a:scrgbClr r="0" g="0" b="0"/>
+      </a:effectRef>
+      <a:fontRef idx="minor"/>
+    </dgm:style>
+  </dgm:styleLbl>
+  <dgm:styleLbl name="asst0">
+    <dgm:scene3d>
+      <a:camera prst="orthographicFront"/>
+      <a:lightRig rig="threePt" dir="t"/>
+    </dgm:scene3d>
+    <dgm:sp3d/>
+    <dgm:txPr/>
+    <dgm:style>
+      <a:lnRef idx="2">
+        <a:scrgbClr r="0" g="0" b="0"/>
+      </a:lnRef>
+      <a:fillRef idx="1">
+        <a:scrgbClr r="0" g="0" b="0"/>
+      </a:fillRef>
+      <a:effectRef idx="0">
+        <a:scrgbClr r="0" g="0" b="0"/>
+      </a:effectRef>
+      <a:fontRef idx="minor">
+        <a:schemeClr val="lt1"/>
+      </a:fontRef>
+    </dgm:style>
+  </dgm:styleLbl>
+  <dgm:styleLbl name="asst1">
+    <dgm:scene3d>
+      <a:camera prst="orthographicFront"/>
+      <a:lightRig rig="threePt" dir="t"/>
+    </dgm:scene3d>
+    <dgm:sp3d/>
+    <dgm:txPr/>
+    <dgm:style>
+      <a:lnRef idx="2">
+        <a:scrgbClr r="0" g="0" b="0"/>
+      </a:lnRef>
+      <a:fillRef idx="1">
+        <a:scrgbClr r="0" g="0" b="0"/>
+      </a:fillRef>
+      <a:effectRef idx="0">
+        <a:scrgbClr r="0" g="0" b="0"/>
+      </a:effectRef>
+      <a:fontRef idx="minor">
+        <a:schemeClr val="lt1"/>
+      </a:fontRef>
+    </dgm:style>
+  </dgm:styleLbl>
+  <dgm:styleLbl name="asst2">
+    <dgm:scene3d>
+      <a:camera prst="orthographicFront"/>
+      <a:lightRig rig="threePt" dir="t"/>
+    </dgm:scene3d>
+    <dgm:sp3d/>
+    <dgm:txPr/>
+    <dgm:style>
+      <a:lnRef idx="2">
+        <a:scrgbClr r="0" g="0" b="0"/>
+      </a:lnRef>
+      <a:fillRef idx="1">
+        <a:scrgbClr r="0" g="0" b="0"/>
+      </a:fillRef>
+      <a:effectRef idx="0">
+        <a:scrgbClr r="0" g="0" b="0"/>
+      </a:effectRef>
+      <a:fontRef idx="minor">
+        <a:schemeClr val="lt1"/>
+      </a:fontRef>
+    </dgm:style>
+  </dgm:styleLbl>
+  <dgm:styleLbl name="asst3">
+    <dgm:scene3d>
+      <a:camera prst="orthographicFront"/>
+      <a:lightRig rig="threePt" dir="t"/>
+    </dgm:scene3d>
+    <dgm:sp3d/>
+    <dgm:txPr/>
+    <dgm:style>
+      <a:lnRef idx="2">
+        <a:scrgbClr r="0" g="0" b="0"/>
+      </a:lnRef>
+      <a:fillRef idx="1">
+        <a:scrgbClr r="0" g="0" b="0"/>
+      </a:fillRef>
+      <a:effectRef idx="0">
+        <a:scrgbClr r="0" g="0" b="0"/>
+      </a:effectRef>
+      <a:fontRef idx="minor">
+        <a:schemeClr val="lt1"/>
+      </a:fontRef>
+    </dgm:style>
+  </dgm:styleLbl>
+  <dgm:styleLbl name="asst4">
+    <dgm:scene3d>
+      <a:camera prst="orthographicFront"/>
+      <a:lightRig rig="threePt" dir="t"/>
+    </dgm:scene3d>
+    <dgm:sp3d/>
+    <dgm:txPr/>
+    <dgm:style>
+      <a:lnRef idx="2">
+        <a:scrgbClr r="0" g="0" b="0"/>
+      </a:lnRef>
+      <a:fillRef idx="1">
+        <a:scrgbClr r="0" g="0" b="0"/>
+      </a:fillRef>
+      <a:effectRef idx="0">
+        <a:scrgbClr r="0" g="0" b="0"/>
+      </a:effectRef>
+      <a:fontRef idx="minor">
+        <a:schemeClr val="lt1"/>
+      </a:fontRef>
+    </dgm:style>
+  </dgm:styleLbl>
+  <dgm:styleLbl name="parChTrans2D1">
+    <dgm:scene3d>
+      <a:camera prst="orthographicFront"/>
+      <a:lightRig rig="threePt" dir="t"/>
+    </dgm:scene3d>
+    <dgm:sp3d/>
+    <dgm:txPr/>
+    <dgm:style>
+      <a:lnRef idx="2">
+        <a:scrgbClr r="0" g="0" b="0"/>
+      </a:lnRef>
+      <a:fillRef idx="1">
+        <a:scrgbClr r="0" g="0" b="0"/>
+      </a:fillRef>
+      <a:effectRef idx="0">
+        <a:scrgbClr r="0" g="0" b="0"/>
+      </a:effectRef>
+      <a:fontRef idx="minor">
+        <a:schemeClr val="lt1"/>
+      </a:fontRef>
+    </dgm:style>
+  </dgm:styleLbl>
+  <dgm:styleLbl name="parChTrans2D2">
+    <dgm:scene3d>
+      <a:camera prst="orthographicFront"/>
+      <a:lightRig rig="threePt" dir="t"/>
+    </dgm:scene3d>
+    <dgm:sp3d/>
+    <dgm:txPr/>
+    <dgm:style>
+      <a:lnRef idx="2">
+        <a:scrgbClr r="0" g="0" b="0"/>
+      </a:lnRef>
+      <a:fillRef idx="1">
+        <a:scrgbClr r="0" g="0" b="0"/>
+      </a:fillRef>
+      <a:effectRef idx="0">
+        <a:scrgbClr r="0" g="0" b="0"/>
+      </a:effectRef>
+      <a:fontRef idx="minor">
+        <a:schemeClr val="lt1"/>
+      </a:fontRef>
+    </dgm:style>
+  </dgm:styleLbl>
+  <dgm:styleLbl name="parChTrans2D3">
+    <dgm:scene3d>
+      <a:camera prst="orthographicFront"/>
+      <a:lightRig rig="threePt" dir="t"/>
+    </dgm:scene3d>
+    <dgm:sp3d/>
+    <dgm:txPr/>
+    <dgm:style>
+      <a:lnRef idx="2">
+        <a:scrgbClr r="0" g="0" b="0"/>
+      </a:lnRef>
+      <a:fillRef idx="1">
+        <a:scrgbClr r="0" g="0" b="0"/>
+      </a:fillRef>
+      <a:effectRef idx="0">
+        <a:scrgbClr r="0" g="0" b="0"/>
+      </a:effectRef>
+      <a:fontRef idx="minor">
+        <a:schemeClr val="lt1"/>
+      </a:fontRef>
+    </dgm:style>
+  </dgm:styleLbl>
+  <dgm:styleLbl name="parChTrans2D4">
+    <dgm:scene3d>
+      <a:camera prst="orthographicFront"/>
+      <a:lightRig rig="threePt" dir="t"/>
+    </dgm:scene3d>
+    <dgm:sp3d/>
+    <dgm:txPr/>
+    <dgm:style>
+      <a:lnRef idx="2">
+        <a:scrgbClr r="0" g="0" b="0"/>
+      </a:lnRef>
+      <a:fillRef idx="1">
+        <a:scrgbClr r="0" g="0" b="0"/>
+      </a:fillRef>
+      <a:effectRef idx="0">
+        <a:scrgbClr r="0" g="0" b="0"/>
+      </a:effectRef>
+      <a:fontRef idx="minor">
+        <a:schemeClr val="lt1"/>
+      </a:fontRef>
+    </dgm:style>
+  </dgm:styleLbl>
+  <dgm:styleLbl name="parChTrans1D1">
+    <dgm:scene3d>
+      <a:camera prst="orthographicFront"/>
+      <a:lightRig rig="threePt" dir="t"/>
+    </dgm:scene3d>
+    <dgm:sp3d/>
+    <dgm:txPr/>
+    <dgm:style>
+      <a:lnRef idx="2">
+        <a:scrgbClr r="0" g="0" b="0"/>
+      </a:lnRef>
+      <a:fillRef idx="0">
+        <a:scrgbClr r="0" g="0" b="0"/>
+      </a:fillRef>
+      <a:effectRef idx="0">
+        <a:scrgbClr r="0" g="0" b="0"/>
+      </a:effectRef>
+      <a:fontRef idx="minor"/>
+    </dgm:style>
+  </dgm:styleLbl>
+  <dgm:styleLbl name="parChTrans1D2">
+    <dgm:scene3d>
+      <a:camera prst="orthographicFront"/>
+      <a:lightRig rig="threePt" dir="t"/>
+    </dgm:scene3d>
+    <dgm:sp3d/>
+    <dgm:txPr/>
+    <dgm:style>
+      <a:lnRef idx="2">
+        <a:scrgbClr r="0" g="0" b="0"/>
+      </a:lnRef>
+      <a:fillRef idx="0">
+        <a:scrgbClr r="0" g="0" b="0"/>
+      </a:fillRef>
+      <a:effectRef idx="0">
+        <a:scrgbClr r="0" g="0" b="0"/>
+      </a:effectRef>
+      <a:fontRef idx="minor"/>
+    </dgm:style>
+  </dgm:styleLbl>
+  <dgm:styleLbl name="parChTrans1D3">
+    <dgm:scene3d>
+      <a:camera prst="orthographicFront"/>
+      <a:lightRig rig="threePt" dir="t"/>
+    </dgm:scene3d>
+    <dgm:sp3d/>
+    <dgm:txPr/>
+    <dgm:style>
+      <a:lnRef idx="2">
+        <a:scrgbClr r="0" g="0" b="0"/>
+      </a:lnRef>
+      <a:fillRef idx="0">
+        <a:scrgbClr r="0" g="0" b="0"/>
+      </a:fillRef>
+      <a:effectRef idx="0">
+        <a:scrgbClr r="0" g="0" b="0"/>
+      </a:effectRef>
+      <a:fontRef idx="minor"/>
+    </dgm:style>
+  </dgm:styleLbl>
+  <dgm:styleLbl name="parChTrans1D4">
+    <dgm:scene3d>
+      <a:camera prst="orthographicFront"/>
+      <a:lightRig rig="threePt" dir="t"/>
+    </dgm:scene3d>
+    <dgm:sp3d/>
+    <dgm:txPr/>
+    <dgm:style>
+      <a:lnRef idx="2">
+        <a:scrgbClr r="0" g="0" b="0"/>
+      </a:lnRef>
+      <a:fillRef idx="0">
+        <a:scrgbClr r="0" g="0" b="0"/>
+      </a:fillRef>
+      <a:effectRef idx="0">
+        <a:scrgbClr r="0" g="0" b="0"/>
+      </a:effectRef>
+      <a:fontRef idx="minor"/>
+    </dgm:style>
+  </dgm:styleLbl>
+  <dgm:styleLbl name="fgAcc1">
+    <dgm:scene3d>
+      <a:camera prst="orthographicFront"/>
+      <a:lightRig rig="threePt" dir="t"/>
+    </dgm:scene3d>
+    <dgm:sp3d/>
+    <dgm:txPr/>
+    <dgm:style>
+      <a:lnRef idx="2">
+        <a:scrgbClr r="0" g="0" b="0"/>
+      </a:lnRef>
+      <a:fillRef idx="1">
+        <a:scrgbClr r="0" g="0" b="0"/>
+      </a:fillRef>
+      <a:effectRef idx="0">
+        <a:scrgbClr r="0" g="0" b="0"/>
+      </a:effectRef>
+      <a:fontRef idx="minor"/>
+    </dgm:style>
+  </dgm:styleLbl>
+  <dgm:styleLbl name="conFgAcc1">
+    <dgm:scene3d>
+      <a:camera prst="orthographicFront"/>
+      <a:lightRig rig="threePt" dir="t"/>
+    </dgm:scene3d>
+    <dgm:sp3d/>
+    <dgm:txPr/>
+    <dgm:style>
+      <a:lnRef idx="2">
+        <a:scrgbClr r="0" g="0" b="0"/>
+      </a:lnRef>
+      <a:fillRef idx="1">
+        <a:scrgbClr r="0" g="0" b="0"/>
+      </a:fillRef>
+      <a:effectRef idx="0">
+        <a:scrgbClr r="0" g="0" b="0"/>
+      </a:effectRef>
+      <a:fontRef idx="minor"/>
+    </dgm:style>
+  </dgm:styleLbl>
+  <dgm:styleLbl name="alignAcc1">
+    <dgm:scene3d>
+      <a:camera prst="orthographicFront"/>
+      <a:lightRig rig="threePt" dir="t"/>
+    </dgm:scene3d>
+    <dgm:sp3d/>
+    <dgm:txPr/>
+    <dgm:style>
+      <a:lnRef idx="2">
+        <a:scrgbClr r="0" g="0" b="0"/>
+      </a:lnRef>
+      <a:fillRef idx="1">
+        <a:scrgbClr r="0" g="0" b="0"/>
+      </a:fillRef>
+      <a:effectRef idx="0">
+        <a:scrgbClr r="0" g="0" b="0"/>
+      </a:effectRef>
+      <a:fontRef idx="minor"/>
+    </dgm:style>
+  </dgm:styleLbl>
+  <dgm:styleLbl name="trAlignAcc1">
+    <dgm:scene3d>
+      <a:camera prst="orthographicFront"/>
+      <a:lightRig rig="threePt" dir="t"/>
+    </dgm:scene3d>
+    <dgm:sp3d/>
+    <dgm:txPr/>
+    <dgm:style>
+      <a:lnRef idx="1">
+        <a:scrgbClr r="0" g="0" b="0"/>
+      </a:lnRef>
+      <a:fillRef idx="1">
+        <a:scrgbClr r="0" g="0" b="0"/>
+      </a:fillRef>
+      <a:effectRef idx="0">
+        <a:scrgbClr r="0" g="0" b="0"/>
+      </a:effectRef>
+      <a:fontRef idx="minor"/>
+    </dgm:style>
+  </dgm:styleLbl>
+  <dgm:styleLbl name="bgAcc1">
+    <dgm:scene3d>
+      <a:camera prst="orthographicFront"/>
+      <a:lightRig rig="threePt" dir="t"/>
+    </dgm:scene3d>
+    <dgm:sp3d/>
+    <dgm:txPr/>
+    <dgm:style>
+      <a:lnRef idx="2">
+        <a:scrgbClr r="0" g="0" b="0"/>
+      </a:lnRef>
+      <a:fillRef idx="1">
+        <a:scrgbClr r="0" g="0" b="0"/>
+      </a:fillRef>
+      <a:effectRef idx="0">
+        <a:scrgbClr r="0" g="0" b="0"/>
+      </a:effectRef>
+      <a:fontRef idx="minor"/>
+    </dgm:style>
+  </dgm:styleLbl>
+  <dgm:styleLbl name="solidFgAcc1">
+    <dgm:scene3d>
+      <a:camera prst="orthographicFront"/>
+      <a:lightRig rig="threePt" dir="t"/>
+    </dgm:scene3d>
+    <dgm:sp3d/>
+    <dgm:txPr/>
+    <dgm:style>
+      <a:lnRef idx="2">
+        <a:scrgbClr r="0" g="0" b="0"/>
+      </a:lnRef>
+      <a:fillRef idx="1">
+        <a:scrgbClr r="0" g="0" b="0"/>
+      </a:fillRef>
+      <a:effectRef idx="0">
+        <a:scrgbClr r="0" g="0" b="0"/>
+      </a:effectRef>
+      <a:fontRef idx="minor"/>
+    </dgm:style>
+  </dgm:styleLbl>
+  <dgm:styleLbl name="solidAlignAcc1">
+    <dgm:scene3d>
+      <a:camera prst="orthographicFront"/>
+      <a:lightRig rig="threePt" dir="t"/>
+    </dgm:scene3d>
+    <dgm:sp3d/>
+    <dgm:txPr/>
+    <dgm:style>
+      <a:lnRef idx="2">
+        <a:scrgbClr r="0" g="0" b="0"/>
+      </a:lnRef>
+      <a:fillRef idx="1">
+        <a:scrgbClr r="0" g="0" b="0"/>
+      </a:fillRef>
+      <a:effectRef idx="0">
+        <a:scrgbClr r="0" g="0" b="0"/>
+      </a:effectRef>
+      <a:fontRef idx="minor"/>
+    </dgm:style>
+  </dgm:styleLbl>
+  <dgm:styleLbl name="solidBgAcc1">
+    <dgm:scene3d>
+      <a:camera prst="orthographicFront"/>
+      <a:lightRig rig="threePt" dir="t"/>
+    </dgm:scene3d>
+    <dgm:sp3d/>
+    <dgm:txPr/>
+    <dgm:style>
+      <a:lnRef idx="2">
+        <a:scrgbClr r="0" g="0" b="0"/>
+      </a:lnRef>
+      <a:fillRef idx="1">
+        <a:scrgbClr r="0" g="0" b="0"/>
+      </a:fillRef>
+      <a:effectRef idx="0">
+        <a:scrgbClr r="0" g="0" b="0"/>
+      </a:effectRef>
+      <a:fontRef idx="minor"/>
+    </dgm:style>
+  </dgm:styleLbl>
+  <dgm:styleLbl name="fgAccFollowNode1">
+    <dgm:scene3d>
+      <a:camera prst="orthographicFront"/>
+      <a:lightRig rig="threePt" dir="t"/>
+    </dgm:scene3d>
+    <dgm:sp3d/>
+    <dgm:txPr/>
+    <dgm:style>
+      <a:lnRef idx="2">
+        <a:scrgbClr r="0" g="0" b="0"/>
+      </a:lnRef>
+      <a:fillRef idx="1">
+        <a:scrgbClr r="0" g="0" b="0"/>
+      </a:fillRef>
+      <a:effectRef idx="0">
+        <a:scrgbClr r="0" g="0" b="0"/>
+      </a:effectRef>
+      <a:fontRef idx="minor"/>
+    </dgm:style>
+  </dgm:styleLbl>
+  <dgm:styleLbl name="alignAccFollowNode1">
+    <dgm:scene3d>
+      <a:camera prst="orthographicFront"/>
+      <a:lightRig rig="threePt" dir="t"/>
+    </dgm:scene3d>
+    <dgm:sp3d/>
+    <dgm:txPr/>
+    <dgm:style>
+      <a:lnRef idx="2">
+        <a:scrgbClr r="0" g="0" b="0"/>
+      </a:lnRef>
+      <a:fillRef idx="1">
+        <a:scrgbClr r="0" g="0" b="0"/>
+      </a:fillRef>
+      <a:effectRef idx="0">
+        <a:scrgbClr r="0" g="0" b="0"/>
+      </a:effectRef>
+      <a:fontRef idx="minor"/>
+    </dgm:style>
+  </dgm:styleLbl>
+  <dgm:styleLbl name="bgAccFollowNode1">
+    <dgm:scene3d>
+      <a:camera prst="orthographicFront"/>
+      <a:lightRig rig="threePt" dir="t"/>
+    </dgm:scene3d>
+    <dgm:sp3d/>
+    <dgm:txPr/>
+    <dgm:style>
+      <a:lnRef idx="2">
+        <a:scrgbClr r="0" g="0" b="0"/>
+      </a:lnRef>
+      <a:fillRef idx="1">
+        <a:scrgbClr r="0" g="0" b="0"/>
+      </a:fillRef>
+      <a:effectRef idx="0">
+        <a:scrgbClr r="0" g="0" b="0"/>
+      </a:effectRef>
+      <a:fontRef idx="minor"/>
+    </dgm:style>
+  </dgm:styleLbl>
+  <dgm:styleLbl name="fgAcc0">
+    <dgm:scene3d>
+      <a:camera prst="orthographicFront"/>
+      <a:lightRig rig="threePt" dir="t"/>
+    </dgm:scene3d>
+    <dgm:sp3d/>
+    <dgm:txPr/>
+    <dgm:style>
+      <a:lnRef idx="2">
+        <a:scrgbClr r="0" g="0" b="0"/>
+      </a:lnRef>
+      <a:fillRef idx="1">
+        <a:scrgbClr r="0" g="0" b="0"/>
+      </a:fillRef>
+      <a:effectRef idx="0">
+        <a:scrgbClr r="0" g="0" b="0"/>
+      </a:effectRef>
+      <a:fontRef idx="minor"/>
+    </dgm:style>
+  </dgm:styleLbl>
+  <dgm:styleLbl name="fgAcc2">
+    <dgm:scene3d>
+      <a:camera prst="orthographicFront"/>
+      <a:lightRig rig="threePt" dir="t"/>
+    </dgm:scene3d>
+    <dgm:sp3d/>
+    <dgm:txPr/>
+    <dgm:style>
+      <a:lnRef idx="2">
+        <a:scrgbClr r="0" g="0" b="0"/>
+      </a:lnRef>
+      <a:fillRef idx="1">
+        <a:scrgbClr r="0" g="0" b="0"/>
+      </a:fillRef>
+      <a:effectRef idx="0">
+        <a:scrgbClr r="0" g="0" b="0"/>
+      </a:effectRef>
+      <a:fontRef idx="minor"/>
+    </dgm:style>
+  </dgm:styleLbl>
+  <dgm:styleLbl name="fgAcc3">
+    <dgm:scene3d>
+      <a:camera prst="orthographicFront"/>
+      <a:lightRig rig="threePt" dir="t"/>
+    </dgm:scene3d>
+    <dgm:sp3d/>
+    <dgm:txPr/>
+    <dgm:style>
+      <a:lnRef idx="2">
+        <a:scrgbClr r="0" g="0" b="0"/>
+      </a:lnRef>
+      <a:fillRef idx="1">
+        <a:scrgbClr r="0" g="0" b="0"/>
+      </a:fillRef>
+      <a:effectRef idx="0">
+        <a:scrgbClr r="0" g="0" b="0"/>
+      </a:effectRef>
+      <a:fontRef idx="minor"/>
+    </dgm:style>
+  </dgm:styleLbl>
+  <dgm:styleLbl name="fgAcc4">
+    <dgm:scene3d>
+      <a:camera prst="orthographicFront"/>
+      <a:lightRig rig="threePt" dir="t"/>
+    </dgm:scene3d>
+    <dgm:sp3d/>
+    <dgm:txPr/>
+    <dgm:style>
+      <a:lnRef idx="2">
+        <a:scrgbClr r="0" g="0" b="0"/>
+      </a:lnRef>
+      <a:fillRef idx="1">
+        <a:scrgbClr r="0" g="0" b="0"/>
+      </a:fillRef>
+      <a:effectRef idx="0">
+        <a:scrgbClr r="0" g="0" b="0"/>
+      </a:effectRef>
+      <a:fontRef idx="minor"/>
+    </dgm:style>
+  </dgm:styleLbl>
+  <dgm:styleLbl name="bgShp">
+    <dgm:scene3d>
+      <a:camera prst="orthographicFront"/>
+      <a:lightRig rig="threePt" dir="t"/>
+    </dgm:scene3d>
+    <dgm:sp3d/>
+    <dgm:txPr/>
+    <dgm:style>
+      <a:lnRef idx="0">
+        <a:scrgbClr r="0" g="0" b="0"/>
+      </a:lnRef>
+      <a:fillRef idx="1">
+        <a:scrgbClr r="0" g="0" b="0"/>
+      </a:fillRef>
+      <a:effectRef idx="0">
+        <a:scrgbClr r="0" g="0" b="0"/>
+      </a:effectRef>
+      <a:fontRef idx="minor"/>
+    </dgm:style>
+  </dgm:styleLbl>
+  <dgm:styleLbl name="dkBgShp">
+    <dgm:scene3d>
+      <a:camera prst="orthographicFront"/>
+      <a:lightRig rig="threePt" dir="t"/>
+    </dgm:scene3d>
+    <dgm:sp3d/>
+    <dgm:txPr/>
+    <dgm:style>
+      <a:lnRef idx="0">
+        <a:scrgbClr r="0" g="0" b="0"/>
+      </a:lnRef>
+      <a:fillRef idx="1">
+        <a:scrgbClr r="0" g="0" b="0"/>
+      </a:fillRef>
+      <a:effectRef idx="0">
+        <a:scrgbClr r="0" g="0" b="0"/>
+      </a:effectRef>
+      <a:fontRef idx="minor"/>
+    </dgm:style>
+  </dgm:styleLbl>
+  <dgm:styleLbl name="trBgShp">
+    <dgm:scene3d>
+      <a:camera prst="orthographicFront"/>
+      <a:lightRig rig="threePt" dir="t"/>
+    </dgm:scene3d>
+    <dgm:sp3d/>
+    <dgm:txPr/>
+    <dgm:style>
+      <a:lnRef idx="0">
+        <a:scrgbClr r="0" g="0" b="0"/>
+      </a:lnRef>
+      <a:fillRef idx="1">
+        <a:scrgbClr r="0" g="0" b="0"/>
+      </a:fillRef>
+      <a:effectRef idx="0">
+        <a:scrgbClr r="0" g="0" b="0"/>
+      </a:effectRef>
+      <a:fontRef idx="minor"/>
+    </dgm:style>
+  </dgm:styleLbl>
+  <dgm:styleLbl name="fgShp">
+    <dgm:scene3d>
+      <a:camera prst="orthographicFront"/>
+      <a:lightRig rig="threePt" dir="t"/>
+    </dgm:scene3d>
+    <dgm:sp3d/>
+    <dgm:txPr/>
+    <dgm:style>
+      <a:lnRef idx="2">
+        <a:scrgbClr r="0" g="0" b="0"/>
+      </a:lnRef>
+      <a:fillRef idx="1">
+        <a:scrgbClr r="0" g="0" b="0"/>
+      </a:fillRef>
+      <a:effectRef idx="0">
+        <a:scrgbClr r="0" g="0" b="0"/>
+      </a:effectRef>
+      <a:fontRef idx="minor"/>
+    </dgm:style>
+  </dgm:styleLbl>
+  <dgm:styleLbl name="revTx">
+    <dgm:scene3d>
+      <a:camera prst="orthographicFront"/>
+      <a:lightRig rig="threePt" dir="t"/>
+    </dgm:scene3d>
+    <dgm:sp3d/>
+    <dgm:txPr/>
+    <dgm:style>
+      <a:lnRef idx="0">
+        <a:scrgbClr r="0" g="0" b="0"/>
+      </a:lnRef>
+      <a:fillRef idx="0">
+        <a:scrgbClr r="0" g="0" b="0"/>
+      </a:fillRef>
+      <a:effectRef idx="0">
+        <a:scrgbClr r="0" g="0" b="0"/>
+      </a:effectRef>
+      <a:fontRef idx="minor"/>
+    </dgm:style>
+  </dgm:styleLbl>
+</dgm:styleDef>
+</file>
+
 <file path=ppt/slideLayouts/slideLayout1.xml><?xml version="1.0" encoding="utf-8"?>
-<p:sldLayout xmlns:a="http://schemas.openxmlformats.org/drawingml/2006/main" xmlns:r="http://schemas.openxmlformats.org/officeDocument/2006/relationships" xmlns:p="http://schemas.openxmlformats.org/presentationml/2006/main" showMasterSp="0" type="title" preserve="1">
+<p:sldLayout xmlns:a="http://schemas.openxmlformats.org/drawingml/2006/main" xmlns:r="http://schemas.openxmlformats.org/officeDocument/2006/relationships" xmlns:p="http://schemas.openxmlformats.org/presentationml/2006/main" type="title" preserve="1">
   <p:cSld name="Title Slide">
-    <p:bg>
-      <p:bgPr>
-        <a:solidFill>
-          <a:schemeClr val="bg1"/>
-        </a:solidFill>
-        <a:effectLst/>
-      </p:bgPr>
-    </p:bg>
     <p:spTree>
       <p:nvGrpSpPr>
         <p:cNvPr id="1" name=""/>
@@ -151,51 +3012,6 @@
       </p:grpSpPr>
       <p:sp>
         <p:nvSpPr>
-          <p:cNvPr id="7" name="Rectangle 6"/>
-          <p:cNvSpPr/>
-          <p:nvPr/>
-        </p:nvSpPr>
-        <p:spPr>
-          <a:xfrm>
-            <a:off x="0" y="761999"/>
-            <a:ext cx="9141619" cy="5334001"/>
-          </a:xfrm>
-          <a:prstGeom prst="rect">
-            <a:avLst/>
-          </a:prstGeom>
-          <a:solidFill>
-            <a:srgbClr val="D81E00"/>
-          </a:solidFill>
-          <a:ln>
-            <a:noFill/>
-          </a:ln>
-        </p:spPr>
-        <p:style>
-          <a:lnRef idx="2">
-            <a:schemeClr val="accent1">
-              <a:shade val="50000"/>
-            </a:schemeClr>
-          </a:lnRef>
-          <a:fillRef idx="1">
-            <a:schemeClr val="accent1"/>
-          </a:fillRef>
-          <a:effectRef idx="0">
-            <a:schemeClr val="accent1"/>
-          </a:effectRef>
-          <a:fontRef idx="minor">
-            <a:schemeClr val="lt1"/>
-          </a:fontRef>
-        </p:style>
-        <p:txBody>
-          <a:bodyPr/>
-          <a:lstStyle/>
-          <a:p>
-            <a:endParaRPr lang="en-US" dirty="0"/>
-          </a:p>
-        </p:txBody>
-      </p:sp>
-      <p:sp>
-        <p:nvSpPr>
           <p:cNvPr id="2" name="Title 1"/>
           <p:cNvSpPr>
             <a:spLocks noGrp="1"/>
@@ -206,24 +3022,24 @@
         </p:nvSpPr>
         <p:spPr>
           <a:xfrm>
-            <a:off x="1069848" y="1298448"/>
-            <a:ext cx="7315200" cy="3255264"/>
+            <a:off x="2417779" y="802298"/>
+            <a:ext cx="8637073" cy="2541431"/>
           </a:xfrm>
         </p:spPr>
         <p:txBody>
-          <a:bodyPr anchor="b">
+          <a:bodyPr bIns="0" anchor="b">
             <a:normAutofit/>
           </a:bodyPr>
           <a:lstStyle>
             <a:lvl1pPr algn="l">
-              <a:defRPr sz="5900" spc="-100" baseline="0">
-                <a:solidFill>
-                  <a:srgbClr val="FFFFFF"/>
-                </a:solidFill>
-              </a:defRPr>
+              <a:defRPr sz="6600"/>
             </a:lvl1pPr>
           </a:lstStyle>
           <a:p>
+            <a:r>
+              <a:rPr lang="en-US"/>
+              <a:t>Click to edit Master title style</a:t>
+            </a:r>
             <a:endParaRPr lang="en-US" dirty="0"/>
           </a:p>
         </p:txBody>
@@ -240,57 +3056,54 @@
         </p:nvSpPr>
         <p:spPr>
           <a:xfrm>
-            <a:off x="1100015" y="4670246"/>
-            <a:ext cx="7315200" cy="914400"/>
+            <a:off x="2417780" y="3531204"/>
+            <a:ext cx="8637072" cy="977621"/>
           </a:xfrm>
         </p:spPr>
         <p:txBody>
-          <a:bodyPr anchor="t">
+          <a:bodyPr tIns="91440" bIns="91440">
             <a:normAutofit/>
           </a:bodyPr>
           <a:lstStyle>
             <a:lvl1pPr marL="0" indent="0" algn="l">
               <a:buNone/>
-              <a:defRPr sz="2200" cap="none" spc="0" baseline="0">
+              <a:defRPr sz="1800" b="0" cap="all" baseline="0">
                 <a:solidFill>
-                  <a:schemeClr val="accent1">
-                    <a:lumMod val="20000"/>
-                    <a:lumOff val="80000"/>
-                  </a:schemeClr>
+                  <a:schemeClr val="tx1"/>
                 </a:solidFill>
               </a:defRPr>
             </a:lvl1pPr>
             <a:lvl2pPr marL="457200" indent="0" algn="ctr">
               <a:buNone/>
-              <a:defRPr sz="2200"/>
+              <a:defRPr sz="1800"/>
             </a:lvl2pPr>
             <a:lvl3pPr marL="914400" indent="0" algn="ctr">
               <a:buNone/>
-              <a:defRPr sz="2200"/>
+              <a:defRPr sz="1800"/>
             </a:lvl3pPr>
             <a:lvl4pPr marL="1371600" indent="0" algn="ctr">
               <a:buNone/>
-              <a:defRPr sz="2000"/>
+              <a:defRPr sz="1600"/>
             </a:lvl4pPr>
             <a:lvl5pPr marL="1828800" indent="0" algn="ctr">
               <a:buNone/>
-              <a:defRPr sz="2000"/>
+              <a:defRPr sz="1600"/>
             </a:lvl5pPr>
             <a:lvl6pPr marL="2286000" indent="0" algn="ctr">
               <a:buNone/>
-              <a:defRPr sz="2000"/>
+              <a:defRPr sz="1600"/>
             </a:lvl6pPr>
             <a:lvl7pPr marL="2743200" indent="0" algn="ctr">
               <a:buNone/>
-              <a:defRPr sz="2000"/>
+              <a:defRPr sz="1600"/>
             </a:lvl7pPr>
             <a:lvl8pPr marL="3200400" indent="0" algn="ctr">
               <a:buNone/>
-              <a:defRPr sz="2000"/>
+              <a:defRPr sz="1600"/>
             </a:lvl8pPr>
             <a:lvl9pPr marL="3657600" indent="0" algn="ctr">
               <a:buNone/>
-              <a:defRPr sz="2000"/>
+              <a:defRPr sz="1600"/>
             </a:lvl9pPr>
           </a:lstStyle>
           <a:p>
@@ -318,7 +3131,7 @@
           <a:lstStyle/>
           <a:p>
             <a:fld id="{5586B75A-687E-405C-8A0B-8D00578BA2C3}" type="datetimeFigureOut">
-              <a:rPr lang="en-US" dirty="0"/>
+              <a:rPr lang="en-US" smtClean="0"/>
               <a:pPr/>
               <a:t>4/11/2019</a:t>
             </a:fld>
@@ -336,7 +3149,12 @@
             <p:ph type="ftr" sz="quarter" idx="11"/>
           </p:nvPr>
         </p:nvSpPr>
-        <p:spPr/>
+        <p:spPr>
+          <a:xfrm>
+            <a:off x="2416500" y="329307"/>
+            <a:ext cx="4973915" cy="309201"/>
+          </a:xfrm>
+        </p:spPr>
         <p:txBody>
           <a:bodyPr/>
           <a:lstStyle/>
@@ -355,13 +3173,18 @@
             <p:ph type="sldNum" sz="quarter" idx="12"/>
           </p:nvPr>
         </p:nvSpPr>
-        <p:spPr/>
+        <p:spPr>
+          <a:xfrm>
+            <a:off x="1437664" y="798973"/>
+            <a:ext cx="811019" cy="503578"/>
+          </a:xfrm>
+        </p:spPr>
         <p:txBody>
           <a:bodyPr/>
           <a:lstStyle/>
           <a:p>
             <a:fld id="{4FAB73BC-B049-4115-A692-8D63A059BFB8}" type="slidenum">
-              <a:rPr lang="en-US" dirty="0"/>
+              <a:rPr lang="en-US" smtClean="0"/>
               <a:pPr/>
               <a:t>‹#›</a:t>
             </a:fld>
@@ -369,7 +3192,43 @@
           </a:p>
         </p:txBody>
       </p:sp>
+      <p:cxnSp>
+        <p:nvCxnSpPr>
+          <p:cNvPr id="15" name="Straight Connector 14"/>
+          <p:cNvCxnSpPr/>
+          <p:nvPr/>
+        </p:nvCxnSpPr>
+        <p:spPr>
+          <a:xfrm>
+            <a:off x="2417780" y="3528542"/>
+            <a:ext cx="8637072" cy="0"/>
+          </a:xfrm>
+          <a:prstGeom prst="line">
+            <a:avLst/>
+          </a:prstGeom>
+          <a:ln w="31750"/>
+        </p:spPr>
+        <p:style>
+          <a:lnRef idx="3">
+            <a:schemeClr val="accent1"/>
+          </a:lnRef>
+          <a:fillRef idx="0">
+            <a:schemeClr val="accent1"/>
+          </a:fillRef>
+          <a:effectRef idx="2">
+            <a:schemeClr val="accent1"/>
+          </a:effectRef>
+          <a:fontRef idx="minor">
+            <a:schemeClr val="tx1"/>
+          </a:fontRef>
+        </p:style>
+      </p:cxnSp>
     </p:spTree>
+    <p:extLst>
+      <p:ext uri="{BB962C8B-B14F-4D97-AF65-F5344CB8AC3E}">
+        <p14:creationId xmlns:p14="http://schemas.microsoft.com/office/powerpoint/2010/main" val="3286016323"/>
+      </p:ext>
+    </p:extLst>
   </p:cSld>
   <p:clrMapOvr>
     <a:masterClrMapping/>
@@ -429,7 +3288,7 @@
         </p:nvSpPr>
         <p:spPr/>
         <p:txBody>
-          <a:bodyPr vert="eaVert" anchor="t"/>
+          <a:bodyPr vert="eaVert"/>
           <a:lstStyle/>
           <a:p>
             <a:pPr lvl="0"/>
@@ -471,7 +3330,7 @@
       </p:sp>
       <p:sp>
         <p:nvSpPr>
-          <p:cNvPr id="7" name="Date Placeholder 6"/>
+          <p:cNvPr id="4" name="Date Placeholder 3"/>
           <p:cNvSpPr>
             <a:spLocks noGrp="1"/>
           </p:cNvSpPr>
@@ -485,7 +3344,7 @@
           <a:lstStyle/>
           <a:p>
             <a:fld id="{5586B75A-687E-405C-8A0B-8D00578BA2C3}" type="datetimeFigureOut">
-              <a:rPr lang="en-US" dirty="0"/>
+              <a:rPr lang="en-US" smtClean="0"/>
               <a:pPr/>
               <a:t>4/11/2019</a:t>
             </a:fld>
@@ -495,7 +3354,7 @@
       </p:sp>
       <p:sp>
         <p:nvSpPr>
-          <p:cNvPr id="8" name="Footer Placeholder 7"/>
+          <p:cNvPr id="5" name="Footer Placeholder 4"/>
           <p:cNvSpPr>
             <a:spLocks noGrp="1"/>
           </p:cNvSpPr>
@@ -514,7 +3373,7 @@
       </p:sp>
       <p:sp>
         <p:nvSpPr>
-          <p:cNvPr id="9" name="Slide Number Placeholder 8"/>
+          <p:cNvPr id="6" name="Slide Number Placeholder 5"/>
           <p:cNvSpPr>
             <a:spLocks noGrp="1"/>
           </p:cNvSpPr>
@@ -528,7 +3387,7 @@
           <a:lstStyle/>
           <a:p>
             <a:fld id="{4FAB73BC-B049-4115-A692-8D63A059BFB8}" type="slidenum">
-              <a:rPr lang="en-US" dirty="0"/>
+              <a:rPr lang="en-US" smtClean="0"/>
               <a:pPr/>
               <a:t>‹#›</a:t>
             </a:fld>
@@ -536,7 +3395,43 @@
           </a:p>
         </p:txBody>
       </p:sp>
+      <p:cxnSp>
+        <p:nvCxnSpPr>
+          <p:cNvPr id="26" name="Straight Connector 25"/>
+          <p:cNvCxnSpPr/>
+          <p:nvPr/>
+        </p:nvCxnSpPr>
+        <p:spPr>
+          <a:xfrm>
+            <a:off x="1453896" y="1847088"/>
+            <a:ext cx="9607522" cy="0"/>
+          </a:xfrm>
+          <a:prstGeom prst="line">
+            <a:avLst/>
+          </a:prstGeom>
+          <a:ln w="31750"/>
+        </p:spPr>
+        <p:style>
+          <a:lnRef idx="3">
+            <a:schemeClr val="accent1"/>
+          </a:lnRef>
+          <a:fillRef idx="0">
+            <a:schemeClr val="accent1"/>
+          </a:fillRef>
+          <a:effectRef idx="2">
+            <a:schemeClr val="accent1"/>
+          </a:effectRef>
+          <a:fontRef idx="minor">
+            <a:schemeClr val="tx1"/>
+          </a:fontRef>
+        </p:style>
+      </p:cxnSp>
     </p:spTree>
+    <p:extLst>
+      <p:ext uri="{BB962C8B-B14F-4D97-AF65-F5344CB8AC3E}">
+        <p14:creationId xmlns:p14="http://schemas.microsoft.com/office/powerpoint/2010/main" val="4060464287"/>
+      </p:ext>
+    </p:extLst>
   </p:cSld>
   <p:clrMapOvr>
     <a:masterClrMapping/>
@@ -573,13 +3468,17 @@
         </p:nvSpPr>
         <p:spPr>
           <a:xfrm>
-            <a:off x="381000" y="990600"/>
-            <a:ext cx="2819400" cy="4953000"/>
+            <a:off x="9439111" y="798973"/>
+            <a:ext cx="1615742" cy="4659889"/>
           </a:xfrm>
         </p:spPr>
         <p:txBody>
           <a:bodyPr vert="eaVert"/>
-          <a:lstStyle/>
+          <a:lstStyle>
+            <a:lvl1pPr algn="l">
+              <a:defRPr/>
+            </a:lvl1pPr>
+          </a:lstStyle>
           <a:p>
             <a:r>
               <a:rPr lang="en-US"/>
@@ -601,12 +3500,12 @@
         </p:nvSpPr>
         <p:spPr>
           <a:xfrm>
-            <a:off x="3867912" y="868680"/>
-            <a:ext cx="7315200" cy="5120640"/>
+            <a:off x="1444672" y="798973"/>
+            <a:ext cx="7828830" cy="4659889"/>
           </a:xfrm>
         </p:spPr>
         <p:txBody>
-          <a:bodyPr vert="eaVert" anchor="t"/>
+          <a:bodyPr vert="eaVert"/>
           <a:lstStyle/>
           <a:p>
             <a:pPr lvl="0"/>
@@ -648,7 +3547,7 @@
       </p:sp>
       <p:sp>
         <p:nvSpPr>
-          <p:cNvPr id="7" name="Date Placeholder 6"/>
+          <p:cNvPr id="4" name="Date Placeholder 3"/>
           <p:cNvSpPr>
             <a:spLocks noGrp="1"/>
           </p:cNvSpPr>
@@ -662,7 +3561,7 @@
           <a:lstStyle/>
           <a:p>
             <a:fld id="{5586B75A-687E-405C-8A0B-8D00578BA2C3}" type="datetimeFigureOut">
-              <a:rPr lang="en-US" dirty="0"/>
+              <a:rPr lang="en-US" smtClean="0"/>
               <a:pPr/>
               <a:t>4/11/2019</a:t>
             </a:fld>
@@ -672,7 +3571,7 @@
       </p:sp>
       <p:sp>
         <p:nvSpPr>
-          <p:cNvPr id="8" name="Footer Placeholder 7"/>
+          <p:cNvPr id="5" name="Footer Placeholder 4"/>
           <p:cNvSpPr>
             <a:spLocks noGrp="1"/>
           </p:cNvSpPr>
@@ -691,7 +3590,7 @@
       </p:sp>
       <p:sp>
         <p:nvSpPr>
-          <p:cNvPr id="9" name="Slide Number Placeholder 8"/>
+          <p:cNvPr id="6" name="Slide Number Placeholder 5"/>
           <p:cNvSpPr>
             <a:spLocks noGrp="1"/>
           </p:cNvSpPr>
@@ -705,7 +3604,7 @@
           <a:lstStyle/>
           <a:p>
             <a:fld id="{4FAB73BC-B049-4115-A692-8D63A059BFB8}" type="slidenum">
-              <a:rPr lang="en-US" dirty="0"/>
+              <a:rPr lang="en-US" smtClean="0"/>
               <a:pPr/>
               <a:t>‹#›</a:t>
             </a:fld>
@@ -713,7 +3612,43 @@
           </a:p>
         </p:txBody>
       </p:sp>
+      <p:cxnSp>
+        <p:nvCxnSpPr>
+          <p:cNvPr id="15" name="Straight Connector 14"/>
+          <p:cNvCxnSpPr/>
+          <p:nvPr/>
+        </p:nvCxnSpPr>
+        <p:spPr>
+          <a:xfrm>
+            <a:off x="9439111" y="798973"/>
+            <a:ext cx="0" cy="4659889"/>
+          </a:xfrm>
+          <a:prstGeom prst="line">
+            <a:avLst/>
+          </a:prstGeom>
+          <a:ln w="31750"/>
+        </p:spPr>
+        <p:style>
+          <a:lnRef idx="3">
+            <a:schemeClr val="accent1"/>
+          </a:lnRef>
+          <a:fillRef idx="0">
+            <a:schemeClr val="accent1"/>
+          </a:fillRef>
+          <a:effectRef idx="2">
+            <a:schemeClr val="accent1"/>
+          </a:effectRef>
+          <a:fontRef idx="minor">
+            <a:schemeClr val="tx1"/>
+          </a:fontRef>
+        </p:style>
+      </p:cxnSp>
     </p:spTree>
+    <p:extLst>
+      <p:ext uri="{BB962C8B-B14F-4D97-AF65-F5344CB8AC3E}">
+        <p14:creationId xmlns:p14="http://schemas.microsoft.com/office/powerpoint/2010/main" val="1404448494"/>
+      </p:ext>
+    </p:extLst>
   </p:cSld>
   <p:clrMapOvr>
     <a:masterClrMapping/>
@@ -724,14 +3659,6 @@
 <file path=ppt/slideLayouts/slideLayout2.xml><?xml version="1.0" encoding="utf-8"?>
 <p:sldLayout xmlns:a="http://schemas.openxmlformats.org/drawingml/2006/main" xmlns:r="http://schemas.openxmlformats.org/officeDocument/2006/relationships" xmlns:p="http://schemas.openxmlformats.org/presentationml/2006/main" type="obj" preserve="1">
   <p:cSld name="Title and Content">
-    <p:bg>
-      <p:bgPr>
-        <a:solidFill>
-          <a:schemeClr val="bg1"/>
-        </a:solidFill>
-        <a:effectLst/>
-      </p:bgPr>
-    </p:bg>
     <p:spTree>
       <p:nvGrpSpPr>
         <p:cNvPr id="1" name=""/>
@@ -758,19 +3685,14 @@
         </p:nvSpPr>
         <p:spPr/>
         <p:txBody>
-          <a:bodyPr>
-            <a:normAutofit/>
-          </a:bodyPr>
-          <a:lstStyle>
-            <a:lvl1pPr>
-              <a:defRPr sz="4600"/>
-            </a:lvl1pPr>
-          </a:lstStyle>
-          <a:p>
-            <a:r>
-              <a:rPr lang="en-US" dirty="0"/>
+          <a:bodyPr/>
+          <a:lstStyle/>
+          <a:p>
+            <a:r>
+              <a:rPr lang="en-US"/>
               <a:t>Click to edit Master title style</a:t>
             </a:r>
+            <a:endParaRPr lang="en-US" dirty="0"/>
           </a:p>
         </p:txBody>
       </p:sp>
@@ -786,46 +3708,43 @@
         </p:nvSpPr>
         <p:spPr/>
         <p:txBody>
-          <a:bodyPr/>
-          <a:lstStyle>
-            <a:lvl1pPr>
-              <a:defRPr sz="3000"/>
-            </a:lvl1pPr>
-          </a:lstStyle>
+          <a:bodyPr anchor="t"/>
+          <a:lstStyle/>
           <a:p>
             <a:pPr lvl="0"/>
             <a:r>
-              <a:rPr lang="en-US" dirty="0"/>
+              <a:rPr lang="en-US"/>
               <a:t>Click to edit Master text styles</a:t>
             </a:r>
           </a:p>
           <a:p>
             <a:pPr lvl="1"/>
             <a:r>
-              <a:rPr lang="en-US" dirty="0"/>
+              <a:rPr lang="en-US"/>
               <a:t>Second level</a:t>
             </a:r>
           </a:p>
           <a:p>
             <a:pPr lvl="2"/>
             <a:r>
-              <a:rPr lang="en-US" dirty="0"/>
+              <a:rPr lang="en-US"/>
               <a:t>Third level</a:t>
             </a:r>
           </a:p>
           <a:p>
             <a:pPr lvl="3"/>
             <a:r>
-              <a:rPr lang="en-US" dirty="0"/>
+              <a:rPr lang="en-US"/>
               <a:t>Fourth level</a:t>
             </a:r>
           </a:p>
           <a:p>
             <a:pPr lvl="4"/>
             <a:r>
-              <a:rPr lang="en-US" dirty="0"/>
+              <a:rPr lang="en-US"/>
               <a:t>Fifth level</a:t>
             </a:r>
+            <a:endParaRPr lang="en-US" dirty="0"/>
           </a:p>
         </p:txBody>
       </p:sp>
@@ -845,7 +3764,7 @@
           <a:lstStyle/>
           <a:p>
             <a:fld id="{5586B75A-687E-405C-8A0B-8D00578BA2C3}" type="datetimeFigureOut">
-              <a:rPr lang="en-US" dirty="0"/>
+              <a:rPr lang="en-US" smtClean="0"/>
               <a:pPr/>
               <a:t>4/11/2019</a:t>
             </a:fld>
@@ -888,7 +3807,7 @@
           <a:lstStyle/>
           <a:p>
             <a:fld id="{4FAB73BC-B049-4115-A692-8D63A059BFB8}" type="slidenum">
-              <a:rPr lang="en-US" dirty="0"/>
+              <a:rPr lang="en-US" smtClean="0"/>
               <a:pPr/>
               <a:t>‹#›</a:t>
             </a:fld>
@@ -896,7 +3815,43 @@
           </a:p>
         </p:txBody>
       </p:sp>
+      <p:cxnSp>
+        <p:nvCxnSpPr>
+          <p:cNvPr id="33" name="Straight Connector 32"/>
+          <p:cNvCxnSpPr/>
+          <p:nvPr/>
+        </p:nvCxnSpPr>
+        <p:spPr>
+          <a:xfrm>
+            <a:off x="1453896" y="1847088"/>
+            <a:ext cx="9607522" cy="0"/>
+          </a:xfrm>
+          <a:prstGeom prst="line">
+            <a:avLst/>
+          </a:prstGeom>
+          <a:ln w="31750"/>
+        </p:spPr>
+        <p:style>
+          <a:lnRef idx="3">
+            <a:schemeClr val="accent1"/>
+          </a:lnRef>
+          <a:fillRef idx="0">
+            <a:schemeClr val="accent1"/>
+          </a:fillRef>
+          <a:effectRef idx="2">
+            <a:schemeClr val="accent1"/>
+          </a:effectRef>
+          <a:fontRef idx="minor">
+            <a:schemeClr val="tx1"/>
+          </a:fontRef>
+        </p:style>
+      </p:cxnSp>
     </p:spTree>
+    <p:extLst>
+      <p:ext uri="{BB962C8B-B14F-4D97-AF65-F5344CB8AC3E}">
+        <p14:creationId xmlns:p14="http://schemas.microsoft.com/office/powerpoint/2010/main" val="3896989277"/>
+      </p:ext>
+    </p:extLst>
   </p:cSld>
   <p:clrMapOvr>
     <a:masterClrMapping/>
@@ -933,8 +3888,8 @@
         </p:nvSpPr>
         <p:spPr>
           <a:xfrm>
-            <a:off x="3867912" y="1298448"/>
-            <a:ext cx="7315200" cy="3255264"/>
+            <a:off x="1454239" y="1756130"/>
+            <a:ext cx="8643154" cy="1887950"/>
           </a:xfrm>
         </p:spPr>
         <p:txBody>
@@ -942,19 +3897,16 @@
             <a:normAutofit/>
           </a:bodyPr>
           <a:lstStyle>
-            <a:lvl1pPr>
-              <a:defRPr sz="5900" b="0" spc="-100" baseline="0">
-                <a:solidFill>
-                  <a:schemeClr val="tx1"/>
-                </a:solidFill>
-              </a:defRPr>
+            <a:lvl1pPr algn="l">
+              <a:defRPr sz="3600"/>
             </a:lvl1pPr>
           </a:lstStyle>
           <a:p>
             <a:r>
-              <a:rPr lang="en-US" dirty="0"/>
+              <a:rPr lang="en-US"/>
               <a:t>Click to edit Master title style</a:t>
             </a:r>
+            <a:endParaRPr lang="en-US" dirty="0"/>
           </a:p>
         </p:txBody>
       </p:sp>
@@ -970,20 +3922,20 @@
         </p:nvSpPr>
         <p:spPr>
           <a:xfrm>
-            <a:off x="3886200" y="4672584"/>
-            <a:ext cx="7315200" cy="914400"/>
+            <a:off x="1454239" y="3806195"/>
+            <a:ext cx="8630446" cy="1012929"/>
           </a:xfrm>
         </p:spPr>
         <p:txBody>
-          <a:bodyPr anchor="t">
+          <a:bodyPr tIns="91440">
             <a:normAutofit/>
           </a:bodyPr>
           <a:lstStyle>
-            <a:lvl1pPr marL="0" indent="0">
+            <a:lvl1pPr marL="0" indent="0" algn="l">
               <a:buNone/>
-              <a:defRPr sz="2200" cap="none" spc="0" baseline="0">
+              <a:defRPr sz="1800">
                 <a:solidFill>
-                  <a:schemeClr val="bg1"/>
+                  <a:schemeClr val="tx1"/>
                 </a:solidFill>
               </a:defRPr>
             </a:lvl1pPr>
@@ -999,7 +3951,7 @@
             </a:lvl2pPr>
             <a:lvl3pPr marL="914400" indent="0">
               <a:buNone/>
-              <a:defRPr sz="1600">
+              <a:defRPr sz="1800">
                 <a:solidFill>
                   <a:schemeClr val="tx1">
                     <a:tint val="75000"/>
@@ -1009,7 +3961,7 @@
             </a:lvl3pPr>
             <a:lvl4pPr marL="1371600" indent="0">
               <a:buNone/>
-              <a:defRPr sz="1400">
+              <a:defRPr sz="1600">
                 <a:solidFill>
                   <a:schemeClr val="tx1">
                     <a:tint val="75000"/>
@@ -1019,7 +3971,7 @@
             </a:lvl4pPr>
             <a:lvl5pPr marL="1828800" indent="0">
               <a:buNone/>
-              <a:defRPr sz="1400">
+              <a:defRPr sz="1600">
                 <a:solidFill>
                   <a:schemeClr val="tx1">
                     <a:tint val="75000"/>
@@ -1029,7 +3981,7 @@
             </a:lvl5pPr>
             <a:lvl6pPr marL="2286000" indent="0">
               <a:buNone/>
-              <a:defRPr sz="1400">
+              <a:defRPr sz="1600">
                 <a:solidFill>
                   <a:schemeClr val="tx1">
                     <a:tint val="75000"/>
@@ -1039,7 +3991,7 @@
             </a:lvl6pPr>
             <a:lvl7pPr marL="2743200" indent="0">
               <a:buNone/>
-              <a:defRPr sz="1400">
+              <a:defRPr sz="1600">
                 <a:solidFill>
                   <a:schemeClr val="tx1">
                     <a:tint val="75000"/>
@@ -1049,7 +4001,7 @@
             </a:lvl7pPr>
             <a:lvl8pPr marL="3200400" indent="0">
               <a:buNone/>
-              <a:defRPr sz="1400">
+              <a:defRPr sz="1600">
                 <a:solidFill>
                   <a:schemeClr val="tx1">
                     <a:tint val="75000"/>
@@ -1059,7 +4011,7 @@
             </a:lvl8pPr>
             <a:lvl9pPr marL="3657600" indent="0">
               <a:buNone/>
-              <a:defRPr sz="1400">
+              <a:defRPr sz="1600">
                 <a:solidFill>
                   <a:schemeClr val="tx1">
                     <a:tint val="75000"/>
@@ -1071,7 +4023,7 @@
           <a:p>
             <a:pPr lvl="0"/>
             <a:r>
-              <a:rPr lang="en-US" dirty="0"/>
+              <a:rPr lang="en-US"/>
               <a:t>Click to edit Master text styles</a:t>
             </a:r>
           </a:p>
@@ -1093,7 +4045,7 @@
           <a:lstStyle/>
           <a:p>
             <a:fld id="{5586B75A-687E-405C-8A0B-8D00578BA2C3}" type="datetimeFigureOut">
-              <a:rPr lang="en-US" dirty="0"/>
+              <a:rPr lang="en-US" smtClean="0"/>
               <a:pPr/>
               <a:t>4/11/2019</a:t>
             </a:fld>
@@ -1136,7 +4088,7 @@
           <a:lstStyle/>
           <a:p>
             <a:fld id="{4FAB73BC-B049-4115-A692-8D63A059BFB8}" type="slidenum">
-              <a:rPr lang="en-US" dirty="0"/>
+              <a:rPr lang="en-US" smtClean="0"/>
               <a:pPr/>
               <a:t>‹#›</a:t>
             </a:fld>
@@ -1144,7 +4096,43 @@
           </a:p>
         </p:txBody>
       </p:sp>
+      <p:cxnSp>
+        <p:nvCxnSpPr>
+          <p:cNvPr id="15" name="Straight Connector 14"/>
+          <p:cNvCxnSpPr/>
+          <p:nvPr/>
+        </p:nvCxnSpPr>
+        <p:spPr>
+          <a:xfrm>
+            <a:off x="1454239" y="3804985"/>
+            <a:ext cx="8630446" cy="0"/>
+          </a:xfrm>
+          <a:prstGeom prst="line">
+            <a:avLst/>
+          </a:prstGeom>
+          <a:ln w="31750"/>
+        </p:spPr>
+        <p:style>
+          <a:lnRef idx="3">
+            <a:schemeClr val="accent1"/>
+          </a:lnRef>
+          <a:fillRef idx="0">
+            <a:schemeClr val="accent1"/>
+          </a:fillRef>
+          <a:effectRef idx="2">
+            <a:schemeClr val="accent1"/>
+          </a:effectRef>
+          <a:fontRef idx="minor">
+            <a:schemeClr val="tx1"/>
+          </a:fontRef>
+        </p:style>
+      </p:cxnSp>
     </p:spTree>
+    <p:extLst>
+      <p:ext uri="{BB962C8B-B14F-4D97-AF65-F5344CB8AC3E}">
+        <p14:creationId xmlns:p14="http://schemas.microsoft.com/office/powerpoint/2010/main" val="637237180"/>
+      </p:ext>
+    </p:extLst>
   </p:cSld>
   <p:clrMapOvr>
     <a:masterClrMapping/>
@@ -1179,7 +4167,12 @@
             <p:ph type="title"/>
           </p:nvPr>
         </p:nvSpPr>
-        <p:spPr/>
+        <p:spPr>
+          <a:xfrm>
+            <a:off x="1449217" y="804889"/>
+            <a:ext cx="9605635" cy="1059305"/>
+          </a:xfrm>
+        </p:spPr>
         <p:txBody>
           <a:bodyPr/>
           <a:lstStyle/>
@@ -1204,41 +4197,13 @@
         </p:nvSpPr>
         <p:spPr>
           <a:xfrm>
-            <a:off x="3867912" y="868680"/>
-            <a:ext cx="3474720" cy="5120640"/>
+            <a:off x="1447331" y="2010878"/>
+            <a:ext cx="4645152" cy="3448595"/>
           </a:xfrm>
         </p:spPr>
         <p:txBody>
           <a:bodyPr/>
-          <a:lstStyle>
-            <a:lvl1pPr>
-              <a:defRPr sz="2000"/>
-            </a:lvl1pPr>
-            <a:lvl2pPr>
-              <a:defRPr sz="1800"/>
-            </a:lvl2pPr>
-            <a:lvl3pPr>
-              <a:defRPr sz="1600"/>
-            </a:lvl3pPr>
-            <a:lvl4pPr>
-              <a:defRPr sz="1400"/>
-            </a:lvl4pPr>
-            <a:lvl5pPr>
-              <a:defRPr sz="1400"/>
-            </a:lvl5pPr>
-            <a:lvl6pPr>
-              <a:defRPr sz="1400"/>
-            </a:lvl6pPr>
-            <a:lvl7pPr>
-              <a:defRPr sz="1400"/>
-            </a:lvl7pPr>
-            <a:lvl8pPr>
-              <a:defRPr sz="1400"/>
-            </a:lvl8pPr>
-            <a:lvl9pPr>
-              <a:defRPr sz="1400"/>
-            </a:lvl9pPr>
-          </a:lstStyle>
+          <a:lstStyle/>
           <a:p>
             <a:pPr lvl="0"/>
             <a:r>
@@ -1289,41 +4254,13 @@
         </p:nvSpPr>
         <p:spPr>
           <a:xfrm>
-            <a:off x="7818120" y="868680"/>
-            <a:ext cx="3474720" cy="5120640"/>
+            <a:off x="6413771" y="2017343"/>
+            <a:ext cx="4645152" cy="3441520"/>
           </a:xfrm>
         </p:spPr>
         <p:txBody>
           <a:bodyPr/>
-          <a:lstStyle>
-            <a:lvl1pPr>
-              <a:defRPr sz="2000"/>
-            </a:lvl1pPr>
-            <a:lvl2pPr>
-              <a:defRPr sz="1800"/>
-            </a:lvl2pPr>
-            <a:lvl3pPr>
-              <a:defRPr sz="1600"/>
-            </a:lvl3pPr>
-            <a:lvl4pPr>
-              <a:defRPr sz="1400"/>
-            </a:lvl4pPr>
-            <a:lvl5pPr>
-              <a:defRPr sz="1400"/>
-            </a:lvl5pPr>
-            <a:lvl6pPr>
-              <a:defRPr sz="1400"/>
-            </a:lvl6pPr>
-            <a:lvl7pPr>
-              <a:defRPr sz="1400"/>
-            </a:lvl7pPr>
-            <a:lvl8pPr>
-              <a:defRPr sz="1400"/>
-            </a:lvl8pPr>
-            <a:lvl9pPr>
-              <a:defRPr sz="1400"/>
-            </a:lvl9pPr>
-          </a:lstStyle>
+          <a:lstStyle/>
           <a:p>
             <a:pPr lvl="0"/>
             <a:r>
@@ -1364,7 +4301,7 @@
       </p:sp>
       <p:sp>
         <p:nvSpPr>
-          <p:cNvPr id="8" name="Date Placeholder 7"/>
+          <p:cNvPr id="5" name="Date Placeholder 4"/>
           <p:cNvSpPr>
             <a:spLocks noGrp="1"/>
           </p:cNvSpPr>
@@ -1378,7 +4315,7 @@
           <a:lstStyle/>
           <a:p>
             <a:fld id="{5586B75A-687E-405C-8A0B-8D00578BA2C3}" type="datetimeFigureOut">
-              <a:rPr lang="en-US" dirty="0"/>
+              <a:rPr lang="en-US" smtClean="0"/>
               <a:pPr/>
               <a:t>4/11/2019</a:t>
             </a:fld>
@@ -1388,7 +4325,7 @@
       </p:sp>
       <p:sp>
         <p:nvSpPr>
-          <p:cNvPr id="9" name="Footer Placeholder 8"/>
+          <p:cNvPr id="6" name="Footer Placeholder 5"/>
           <p:cNvSpPr>
             <a:spLocks noGrp="1"/>
           </p:cNvSpPr>
@@ -1407,7 +4344,7 @@
       </p:sp>
       <p:sp>
         <p:nvSpPr>
-          <p:cNvPr id="10" name="Slide Number Placeholder 9"/>
+          <p:cNvPr id="7" name="Slide Number Placeholder 6"/>
           <p:cNvSpPr>
             <a:spLocks noGrp="1"/>
           </p:cNvSpPr>
@@ -1421,7 +4358,7 @@
           <a:lstStyle/>
           <a:p>
             <a:fld id="{4FAB73BC-B049-4115-A692-8D63A059BFB8}" type="slidenum">
-              <a:rPr lang="en-US" dirty="0"/>
+              <a:rPr lang="en-US" smtClean="0"/>
               <a:pPr/>
               <a:t>‹#›</a:t>
             </a:fld>
@@ -1429,7 +4366,43 @@
           </a:p>
         </p:txBody>
       </p:sp>
+      <p:cxnSp>
+        <p:nvCxnSpPr>
+          <p:cNvPr id="35" name="Straight Connector 34"/>
+          <p:cNvCxnSpPr/>
+          <p:nvPr/>
+        </p:nvCxnSpPr>
+        <p:spPr>
+          <a:xfrm>
+            <a:off x="1453896" y="1847088"/>
+            <a:ext cx="9607522" cy="0"/>
+          </a:xfrm>
+          <a:prstGeom prst="line">
+            <a:avLst/>
+          </a:prstGeom>
+          <a:ln w="31750"/>
+        </p:spPr>
+        <p:style>
+          <a:lnRef idx="3">
+            <a:schemeClr val="accent1"/>
+          </a:lnRef>
+          <a:fillRef idx="0">
+            <a:schemeClr val="accent1"/>
+          </a:fillRef>
+          <a:effectRef idx="2">
+            <a:schemeClr val="accent1"/>
+          </a:effectRef>
+          <a:fontRef idx="minor">
+            <a:schemeClr val="tx1"/>
+          </a:fontRef>
+        </p:style>
+      </p:cxnSp>
     </p:spTree>
+    <p:extLst>
+      <p:ext uri="{BB962C8B-B14F-4D97-AF65-F5344CB8AC3E}">
+        <p14:creationId xmlns:p14="http://schemas.microsoft.com/office/powerpoint/2010/main" val="1994213517"/>
+      </p:ext>
+    </p:extLst>
   </p:cSld>
   <p:clrMapOvr>
     <a:masterClrMapping/>
@@ -1456,7 +4429,7 @@
       </p:grpSpPr>
       <p:sp>
         <p:nvSpPr>
-          <p:cNvPr id="10" name="Title 9"/>
+          <p:cNvPr id="2" name="Title 1"/>
           <p:cNvSpPr>
             <a:spLocks noGrp="1"/>
           </p:cNvSpPr>
@@ -1464,7 +4437,12 @@
             <p:ph type="title"/>
           </p:nvPr>
         </p:nvSpPr>
-        <p:spPr/>
+        <p:spPr>
+          <a:xfrm>
+            <a:off x="1447191" y="804163"/>
+            <a:ext cx="9607661" cy="1056319"/>
+          </a:xfrm>
+        </p:spPr>
         <p:txBody>
           <a:bodyPr/>
           <a:lstStyle/>
@@ -1489,8 +4467,8 @@
         </p:nvSpPr>
         <p:spPr>
           <a:xfrm>
-            <a:off x="3867912" y="1023586"/>
-            <a:ext cx="3474720" cy="807720"/>
+            <a:off x="1447191" y="2019549"/>
+            <a:ext cx="4645152" cy="801943"/>
           </a:xfrm>
         </p:spPr>
         <p:txBody>
@@ -1499,16 +4477,13 @@
           </a:bodyPr>
           <a:lstStyle>
             <a:lvl1pPr marL="0" indent="0">
-              <a:spcBef>
-                <a:spcPts val="0"/>
-              </a:spcBef>
+              <a:lnSpc>
+                <a:spcPct val="100000"/>
+              </a:lnSpc>
               <a:buNone/>
-              <a:defRPr sz="2000" b="1">
+              <a:defRPr sz="2200" b="0" cap="all" baseline="0">
                 <a:solidFill>
-                  <a:schemeClr val="tx1">
-                    <a:lumMod val="65000"/>
-                    <a:lumOff val="35000"/>
-                  </a:schemeClr>
+                  <a:schemeClr val="accent1"/>
                 </a:solidFill>
               </a:defRPr>
             </a:lvl1pPr>
@@ -1566,41 +4541,13 @@
         </p:nvSpPr>
         <p:spPr>
           <a:xfrm>
-            <a:off x="3867912" y="1930936"/>
-            <a:ext cx="3474720" cy="4023360"/>
+            <a:off x="1447191" y="2824269"/>
+            <a:ext cx="4645152" cy="2644457"/>
           </a:xfrm>
         </p:spPr>
         <p:txBody>
           <a:bodyPr/>
-          <a:lstStyle>
-            <a:lvl1pPr>
-              <a:defRPr sz="2000"/>
-            </a:lvl1pPr>
-            <a:lvl2pPr>
-              <a:defRPr sz="1800"/>
-            </a:lvl2pPr>
-            <a:lvl3pPr>
-              <a:defRPr sz="1600"/>
-            </a:lvl3pPr>
-            <a:lvl4pPr>
-              <a:defRPr sz="1400"/>
-            </a:lvl4pPr>
-            <a:lvl5pPr>
-              <a:defRPr sz="1400"/>
-            </a:lvl5pPr>
-            <a:lvl6pPr>
-              <a:defRPr sz="1400"/>
-            </a:lvl6pPr>
-            <a:lvl7pPr>
-              <a:defRPr sz="1400"/>
-            </a:lvl7pPr>
-            <a:lvl8pPr>
-              <a:defRPr sz="1400"/>
-            </a:lvl8pPr>
-            <a:lvl9pPr>
-              <a:defRPr sz="1400"/>
-            </a:lvl9pPr>
-          </a:lstStyle>
+          <a:lstStyle/>
           <a:p>
             <a:pPr lvl="0"/>
             <a:r>
@@ -1651,8 +4598,8 @@
         </p:nvSpPr>
         <p:spPr>
           <a:xfrm>
-            <a:off x="7818463" y="1023586"/>
-            <a:ext cx="3474720" cy="813171"/>
+            <a:off x="6412362" y="2023003"/>
+            <a:ext cx="4645152" cy="802237"/>
           </a:xfrm>
         </p:spPr>
         <p:txBody>
@@ -1661,16 +4608,13 @@
           </a:bodyPr>
           <a:lstStyle>
             <a:lvl1pPr marL="0" indent="0">
-              <a:spcBef>
-                <a:spcPts val="0"/>
-              </a:spcBef>
+              <a:lnSpc>
+                <a:spcPct val="100000"/>
+              </a:lnSpc>
               <a:buNone/>
-              <a:defRPr sz="2000" b="1">
+              <a:defRPr sz="2200" b="0" cap="all" baseline="0">
                 <a:solidFill>
-                  <a:schemeClr val="tx1">
-                    <a:lumMod val="65000"/>
-                    <a:lumOff val="35000"/>
-                  </a:schemeClr>
+                  <a:schemeClr val="accent1"/>
                 </a:solidFill>
               </a:defRPr>
             </a:lvl1pPr>
@@ -1728,41 +4672,13 @@
         </p:nvSpPr>
         <p:spPr>
           <a:xfrm>
-            <a:off x="7818463" y="1930936"/>
-            <a:ext cx="3474720" cy="4023360"/>
+            <a:off x="6412362" y="2821491"/>
+            <a:ext cx="4645152" cy="2637371"/>
           </a:xfrm>
         </p:spPr>
         <p:txBody>
           <a:bodyPr/>
-          <a:lstStyle>
-            <a:lvl1pPr>
-              <a:defRPr sz="2000"/>
-            </a:lvl1pPr>
-            <a:lvl2pPr>
-              <a:defRPr sz="1800"/>
-            </a:lvl2pPr>
-            <a:lvl3pPr>
-              <a:defRPr sz="1600"/>
-            </a:lvl3pPr>
-            <a:lvl4pPr>
-              <a:defRPr sz="1400"/>
-            </a:lvl4pPr>
-            <a:lvl5pPr>
-              <a:defRPr sz="1400"/>
-            </a:lvl5pPr>
-            <a:lvl6pPr>
-              <a:defRPr sz="1400"/>
-            </a:lvl6pPr>
-            <a:lvl7pPr>
-              <a:defRPr sz="1400"/>
-            </a:lvl7pPr>
-            <a:lvl8pPr>
-              <a:defRPr sz="1400"/>
-            </a:lvl8pPr>
-            <a:lvl9pPr>
-              <a:defRPr sz="1400"/>
-            </a:lvl9pPr>
-          </a:lstStyle>
+          <a:lstStyle/>
           <a:p>
             <a:pPr lvl="0"/>
             <a:r>
@@ -1803,7 +4719,7 @@
       </p:sp>
       <p:sp>
         <p:nvSpPr>
-          <p:cNvPr id="2" name="Date Placeholder 1"/>
+          <p:cNvPr id="7" name="Date Placeholder 6"/>
           <p:cNvSpPr>
             <a:spLocks noGrp="1"/>
           </p:cNvSpPr>
@@ -1817,7 +4733,7 @@
           <a:lstStyle/>
           <a:p>
             <a:fld id="{5586B75A-687E-405C-8A0B-8D00578BA2C3}" type="datetimeFigureOut">
-              <a:rPr lang="en-US" dirty="0"/>
+              <a:rPr lang="en-US" smtClean="0"/>
               <a:pPr/>
               <a:t>4/11/2019</a:t>
             </a:fld>
@@ -1827,7 +4743,7 @@
       </p:sp>
       <p:sp>
         <p:nvSpPr>
-          <p:cNvPr id="11" name="Footer Placeholder 10"/>
+          <p:cNvPr id="8" name="Footer Placeholder 7"/>
           <p:cNvSpPr>
             <a:spLocks noGrp="1"/>
           </p:cNvSpPr>
@@ -1846,7 +4762,7 @@
       </p:sp>
       <p:sp>
         <p:nvSpPr>
-          <p:cNvPr id="12" name="Slide Number Placeholder 11"/>
+          <p:cNvPr id="9" name="Slide Number Placeholder 8"/>
           <p:cNvSpPr>
             <a:spLocks noGrp="1"/>
           </p:cNvSpPr>
@@ -1860,7 +4776,7 @@
           <a:lstStyle/>
           <a:p>
             <a:fld id="{4FAB73BC-B049-4115-A692-8D63A059BFB8}" type="slidenum">
-              <a:rPr lang="en-US" dirty="0"/>
+              <a:rPr lang="en-US" smtClean="0"/>
               <a:pPr/>
               <a:t>‹#›</a:t>
             </a:fld>
@@ -1868,7 +4784,43 @@
           </a:p>
         </p:txBody>
       </p:sp>
+      <p:cxnSp>
+        <p:nvCxnSpPr>
+          <p:cNvPr id="29" name="Straight Connector 28"/>
+          <p:cNvCxnSpPr/>
+          <p:nvPr/>
+        </p:nvCxnSpPr>
+        <p:spPr>
+          <a:xfrm>
+            <a:off x="1453896" y="1847088"/>
+            <a:ext cx="9607522" cy="0"/>
+          </a:xfrm>
+          <a:prstGeom prst="line">
+            <a:avLst/>
+          </a:prstGeom>
+          <a:ln w="31750"/>
+        </p:spPr>
+        <p:style>
+          <a:lnRef idx="3">
+            <a:schemeClr val="accent1"/>
+          </a:lnRef>
+          <a:fillRef idx="0">
+            <a:schemeClr val="accent1"/>
+          </a:fillRef>
+          <a:effectRef idx="2">
+            <a:schemeClr val="accent1"/>
+          </a:effectRef>
+          <a:fontRef idx="minor">
+            <a:schemeClr val="tx1"/>
+          </a:fontRef>
+        </p:style>
+      </p:cxnSp>
     </p:spTree>
+    <p:extLst>
+      <p:ext uri="{BB962C8B-B14F-4D97-AF65-F5344CB8AC3E}">
+        <p14:creationId xmlns:p14="http://schemas.microsoft.com/office/powerpoint/2010/main" val="1690224406"/>
+      </p:ext>
+    </p:extLst>
   </p:cSld>
   <p:clrMapOvr>
     <a:masterClrMapping/>
@@ -1895,7 +4847,7 @@
       </p:grpSpPr>
       <p:sp>
         <p:nvSpPr>
-          <p:cNvPr id="6" name="Title 5"/>
+          <p:cNvPr id="2" name="Title 1"/>
           <p:cNvSpPr>
             <a:spLocks noGrp="1"/>
           </p:cNvSpPr>
@@ -1918,7 +4870,7 @@
       </p:sp>
       <p:sp>
         <p:nvSpPr>
-          <p:cNvPr id="2" name="Date Placeholder 1"/>
+          <p:cNvPr id="3" name="Date Placeholder 2"/>
           <p:cNvSpPr>
             <a:spLocks noGrp="1"/>
           </p:cNvSpPr>
@@ -1932,7 +4884,7 @@
           <a:lstStyle/>
           <a:p>
             <a:fld id="{5586B75A-687E-405C-8A0B-8D00578BA2C3}" type="datetimeFigureOut">
-              <a:rPr lang="en-US" dirty="0"/>
+              <a:rPr lang="en-US" smtClean="0"/>
               <a:pPr/>
               <a:t>4/11/2019</a:t>
             </a:fld>
@@ -1942,7 +4894,7 @@
       </p:sp>
       <p:sp>
         <p:nvSpPr>
-          <p:cNvPr id="7" name="Footer Placeholder 6"/>
+          <p:cNvPr id="4" name="Footer Placeholder 3"/>
           <p:cNvSpPr>
             <a:spLocks noGrp="1"/>
           </p:cNvSpPr>
@@ -1961,7 +4913,7 @@
       </p:sp>
       <p:sp>
         <p:nvSpPr>
-          <p:cNvPr id="8" name="Slide Number Placeholder 7"/>
+          <p:cNvPr id="5" name="Slide Number Placeholder 4"/>
           <p:cNvSpPr>
             <a:spLocks noGrp="1"/>
           </p:cNvSpPr>
@@ -1975,7 +4927,7 @@
           <a:lstStyle/>
           <a:p>
             <a:fld id="{4FAB73BC-B049-4115-A692-8D63A059BFB8}" type="slidenum">
-              <a:rPr lang="en-US" dirty="0"/>
+              <a:rPr lang="en-US" smtClean="0"/>
               <a:pPr/>
               <a:t>‹#›</a:t>
             </a:fld>
@@ -1983,7 +4935,43 @@
           </a:p>
         </p:txBody>
       </p:sp>
+      <p:cxnSp>
+        <p:nvCxnSpPr>
+          <p:cNvPr id="25" name="Straight Connector 24"/>
+          <p:cNvCxnSpPr/>
+          <p:nvPr/>
+        </p:nvCxnSpPr>
+        <p:spPr>
+          <a:xfrm>
+            <a:off x="1453896" y="1847088"/>
+            <a:ext cx="9607522" cy="0"/>
+          </a:xfrm>
+          <a:prstGeom prst="line">
+            <a:avLst/>
+          </a:prstGeom>
+          <a:ln w="31750"/>
+        </p:spPr>
+        <p:style>
+          <a:lnRef idx="3">
+            <a:schemeClr val="accent1"/>
+          </a:lnRef>
+          <a:fillRef idx="0">
+            <a:schemeClr val="accent1"/>
+          </a:fillRef>
+          <a:effectRef idx="2">
+            <a:schemeClr val="accent1"/>
+          </a:effectRef>
+          <a:fontRef idx="minor">
+            <a:schemeClr val="tx1"/>
+          </a:fontRef>
+        </p:style>
+      </p:cxnSp>
     </p:spTree>
+    <p:extLst>
+      <p:ext uri="{BB962C8B-B14F-4D97-AF65-F5344CB8AC3E}">
+        <p14:creationId xmlns:p14="http://schemas.microsoft.com/office/powerpoint/2010/main" val="3610081208"/>
+      </p:ext>
+    </p:extLst>
   </p:cSld>
   <p:clrMapOvr>
     <a:masterClrMapping/>
@@ -1992,7 +4980,7 @@
 </file>
 
 <file path=ppt/slideLayouts/slideLayout7.xml><?xml version="1.0" encoding="utf-8"?>
-<p:sldLayout xmlns:a="http://schemas.openxmlformats.org/drawingml/2006/main" xmlns:r="http://schemas.openxmlformats.org/officeDocument/2006/relationships" xmlns:p="http://schemas.openxmlformats.org/presentationml/2006/main" showMasterSp="0" type="blank" preserve="1">
+<p:sldLayout xmlns:a="http://schemas.openxmlformats.org/drawingml/2006/main" xmlns:r="http://schemas.openxmlformats.org/officeDocument/2006/relationships" xmlns:p="http://schemas.openxmlformats.org/presentationml/2006/main" type="blank" preserve="1">
   <p:cSld name="Blank">
     <p:spTree>
       <p:nvGrpSpPr>
@@ -2010,7 +4998,7 @@
       </p:grpSpPr>
       <p:sp>
         <p:nvSpPr>
-          <p:cNvPr id="5" name="Date Placeholder 4"/>
+          <p:cNvPr id="2" name="Date Placeholder 1"/>
           <p:cNvSpPr>
             <a:spLocks noGrp="1"/>
           </p:cNvSpPr>
@@ -2024,7 +5012,7 @@
           <a:lstStyle/>
           <a:p>
             <a:fld id="{5586B75A-687E-405C-8A0B-8D00578BA2C3}" type="datetimeFigureOut">
-              <a:rPr lang="en-US" dirty="0"/>
+              <a:rPr lang="en-US" smtClean="0"/>
               <a:pPr/>
               <a:t>4/11/2019</a:t>
             </a:fld>
@@ -2034,7 +5022,7 @@
       </p:sp>
       <p:sp>
         <p:nvSpPr>
-          <p:cNvPr id="6" name="Footer Placeholder 5"/>
+          <p:cNvPr id="3" name="Footer Placeholder 2"/>
           <p:cNvSpPr>
             <a:spLocks noGrp="1"/>
           </p:cNvSpPr>
@@ -2053,7 +5041,7 @@
       </p:sp>
       <p:sp>
         <p:nvSpPr>
-          <p:cNvPr id="7" name="Slide Number Placeholder 6"/>
+          <p:cNvPr id="4" name="Slide Number Placeholder 3"/>
           <p:cNvSpPr>
             <a:spLocks noGrp="1"/>
           </p:cNvSpPr>
@@ -2067,7 +5055,7 @@
           <a:lstStyle/>
           <a:p>
             <a:fld id="{4FAB73BC-B049-4115-A692-8D63A059BFB8}" type="slidenum">
-              <a:rPr lang="en-US" dirty="0"/>
+              <a:rPr lang="en-US" smtClean="0"/>
               <a:pPr/>
               <a:t>‹#›</a:t>
             </a:fld>
@@ -2076,6 +5064,11 @@
         </p:txBody>
       </p:sp>
     </p:spTree>
+    <p:extLst>
+      <p:ext uri="{BB962C8B-B14F-4D97-AF65-F5344CB8AC3E}">
+        <p14:creationId xmlns:p14="http://schemas.microsoft.com/office/powerpoint/2010/main" val="1409612461"/>
+      </p:ext>
+    </p:extLst>
   </p:cSld>
   <p:clrMapOvr>
     <a:masterClrMapping/>
@@ -2112,8 +5105,8 @@
         </p:nvSpPr>
         <p:spPr>
           <a:xfrm>
-            <a:off x="256032" y="1143000"/>
-            <a:ext cx="2834640" cy="2377440"/>
+            <a:off x="1444671" y="798973"/>
+            <a:ext cx="3273099" cy="2247117"/>
           </a:xfrm>
         </p:spPr>
         <p:txBody>
@@ -2121,8 +5114,8 @@
             <a:normAutofit/>
           </a:bodyPr>
           <a:lstStyle>
-            <a:lvl1pPr>
-              <a:defRPr sz="3200" b="0" baseline="0"/>
+            <a:lvl1pPr algn="l">
+              <a:defRPr sz="2400"/>
             </a:lvl1pPr>
           </a:lstStyle>
           <a:p>
@@ -2146,41 +5139,13 @@
         </p:nvSpPr>
         <p:spPr>
           <a:xfrm>
-            <a:off x="3867912" y="868680"/>
-            <a:ext cx="7315200" cy="5120640"/>
+            <a:off x="5043714" y="798974"/>
+            <a:ext cx="6012470" cy="4658826"/>
           </a:xfrm>
         </p:spPr>
         <p:txBody>
-          <a:bodyPr/>
-          <a:lstStyle>
-            <a:lvl1pPr>
-              <a:defRPr sz="2000"/>
-            </a:lvl1pPr>
-            <a:lvl2pPr>
-              <a:defRPr sz="1800"/>
-            </a:lvl2pPr>
-            <a:lvl3pPr>
-              <a:defRPr sz="1600"/>
-            </a:lvl3pPr>
-            <a:lvl4pPr>
-              <a:defRPr sz="1400"/>
-            </a:lvl4pPr>
-            <a:lvl5pPr>
-              <a:defRPr sz="1400"/>
-            </a:lvl5pPr>
-            <a:lvl6pPr>
-              <a:defRPr sz="1400"/>
-            </a:lvl6pPr>
-            <a:lvl7pPr>
-              <a:defRPr sz="1400"/>
-            </a:lvl7pPr>
-            <a:lvl8pPr>
-              <a:defRPr sz="1400"/>
-            </a:lvl8pPr>
-            <a:lvl9pPr>
-              <a:defRPr sz="1400"/>
-            </a:lvl9pPr>
-          </a:lstStyle>
+          <a:bodyPr anchor="ctr"/>
+          <a:lstStyle/>
           <a:p>
             <a:pPr lvl="0"/>
             <a:r>
@@ -2231,57 +5196,48 @@
         </p:nvSpPr>
         <p:spPr>
           <a:xfrm>
-            <a:off x="256032" y="3494176"/>
-            <a:ext cx="2834640" cy="2321990"/>
+            <a:off x="1444671" y="3205491"/>
+            <a:ext cx="3275013" cy="2248181"/>
           </a:xfrm>
         </p:spPr>
         <p:txBody>
-          <a:bodyPr anchor="t">
-            <a:normAutofit/>
-          </a:bodyPr>
+          <a:bodyPr/>
           <a:lstStyle>
-            <a:lvl1pPr marL="0" indent="0">
-              <a:lnSpc>
-                <a:spcPct val="100000"/>
-              </a:lnSpc>
+            <a:lvl1pPr marL="0" indent="0" algn="l">
               <a:buNone/>
-              <a:defRPr sz="1400">
-                <a:solidFill>
-                  <a:srgbClr val="FFFFFF"/>
-                </a:solidFill>
-              </a:defRPr>
+              <a:defRPr sz="1600"/>
             </a:lvl1pPr>
             <a:lvl2pPr marL="457200" indent="0">
               <a:buNone/>
-              <a:defRPr sz="1200"/>
+              <a:defRPr sz="1400"/>
             </a:lvl2pPr>
             <a:lvl3pPr marL="914400" indent="0">
               <a:buNone/>
-              <a:defRPr sz="1000"/>
+              <a:defRPr sz="1200"/>
             </a:lvl3pPr>
             <a:lvl4pPr marL="1371600" indent="0">
               <a:buNone/>
-              <a:defRPr sz="900"/>
+              <a:defRPr sz="1000"/>
             </a:lvl4pPr>
             <a:lvl5pPr marL="1828800" indent="0">
               <a:buNone/>
-              <a:defRPr sz="900"/>
+              <a:defRPr sz="1000"/>
             </a:lvl5pPr>
             <a:lvl6pPr marL="2286000" indent="0">
               <a:buNone/>
-              <a:defRPr sz="900"/>
+              <a:defRPr sz="1000"/>
             </a:lvl6pPr>
             <a:lvl7pPr marL="2743200" indent="0">
               <a:buNone/>
-              <a:defRPr sz="900"/>
+              <a:defRPr sz="1000"/>
             </a:lvl7pPr>
             <a:lvl8pPr marL="3200400" indent="0">
               <a:buNone/>
-              <a:defRPr sz="900"/>
+              <a:defRPr sz="1000"/>
             </a:lvl8pPr>
             <a:lvl9pPr marL="3657600" indent="0">
               <a:buNone/>
-              <a:defRPr sz="900"/>
+              <a:defRPr sz="1000"/>
             </a:lvl9pPr>
           </a:lstStyle>
           <a:p>
@@ -2295,7 +5251,7 @@
       </p:sp>
       <p:sp>
         <p:nvSpPr>
-          <p:cNvPr id="8" name="Date Placeholder 7"/>
+          <p:cNvPr id="5" name="Date Placeholder 4"/>
           <p:cNvSpPr>
             <a:spLocks noGrp="1"/>
           </p:cNvSpPr>
@@ -2309,7 +5265,7 @@
           <a:lstStyle/>
           <a:p>
             <a:fld id="{5586B75A-687E-405C-8A0B-8D00578BA2C3}" type="datetimeFigureOut">
-              <a:rPr lang="en-US" dirty="0"/>
+              <a:rPr lang="en-US" smtClean="0"/>
               <a:pPr/>
               <a:t>4/11/2019</a:t>
             </a:fld>
@@ -2319,7 +5275,7 @@
       </p:sp>
       <p:sp>
         <p:nvSpPr>
-          <p:cNvPr id="9" name="Footer Placeholder 8"/>
+          <p:cNvPr id="6" name="Footer Placeholder 5"/>
           <p:cNvSpPr>
             <a:spLocks noGrp="1"/>
           </p:cNvSpPr>
@@ -2338,7 +5294,7 @@
       </p:sp>
       <p:sp>
         <p:nvSpPr>
-          <p:cNvPr id="10" name="Slide Number Placeholder 9"/>
+          <p:cNvPr id="7" name="Slide Number Placeholder 6"/>
           <p:cNvSpPr>
             <a:spLocks noGrp="1"/>
           </p:cNvSpPr>
@@ -2352,7 +5308,7 @@
           <a:lstStyle/>
           <a:p>
             <a:fld id="{4FAB73BC-B049-4115-A692-8D63A059BFB8}" type="slidenum">
-              <a:rPr lang="en-US" dirty="0"/>
+              <a:rPr lang="en-US" smtClean="0"/>
               <a:pPr/>
               <a:t>‹#›</a:t>
             </a:fld>
@@ -2360,7 +5316,43 @@
           </a:p>
         </p:txBody>
       </p:sp>
+      <p:cxnSp>
+        <p:nvCxnSpPr>
+          <p:cNvPr id="17" name="Straight Connector 16"/>
+          <p:cNvCxnSpPr/>
+          <p:nvPr/>
+        </p:nvCxnSpPr>
+        <p:spPr>
+          <a:xfrm>
+            <a:off x="1448280" y="3205491"/>
+            <a:ext cx="3269490" cy="0"/>
+          </a:xfrm>
+          <a:prstGeom prst="line">
+            <a:avLst/>
+          </a:prstGeom>
+          <a:ln w="31750"/>
+        </p:spPr>
+        <p:style>
+          <a:lnRef idx="3">
+            <a:schemeClr val="accent1"/>
+          </a:lnRef>
+          <a:fillRef idx="0">
+            <a:schemeClr val="accent1"/>
+          </a:fillRef>
+          <a:effectRef idx="2">
+            <a:schemeClr val="accent1"/>
+          </a:effectRef>
+          <a:fontRef idx="minor">
+            <a:schemeClr val="tx1"/>
+          </a:fontRef>
+        </p:style>
+      </p:cxnSp>
     </p:spTree>
+    <p:extLst>
+      <p:ext uri="{BB962C8B-B14F-4D97-AF65-F5344CB8AC3E}">
+        <p14:creationId xmlns:p14="http://schemas.microsoft.com/office/powerpoint/2010/main" val="524366262"/>
+      </p:ext>
+    </p:extLst>
   </p:cSld>
   <p:clrMapOvr>
     <a:masterClrMapping/>
@@ -2385,6 +5377,140 @@
           <a:chExt cx="0" cy="0"/>
         </a:xfrm>
       </p:grpSpPr>
+      <p:grpSp>
+        <p:nvGrpSpPr>
+          <p:cNvPr id="8" name="Group 7"/>
+          <p:cNvGrpSpPr/>
+          <p:nvPr/>
+        </p:nvGrpSpPr>
+        <p:grpSpPr>
+          <a:xfrm>
+            <a:off x="7477387" y="482170"/>
+            <a:ext cx="4074533" cy="5149101"/>
+            <a:chOff x="7477387" y="482170"/>
+            <a:chExt cx="4074533" cy="5149101"/>
+          </a:xfrm>
+        </p:grpSpPr>
+        <p:sp>
+          <p:nvSpPr>
+            <p:cNvPr id="18" name="Rectangle 17"/>
+            <p:cNvSpPr/>
+            <p:nvPr/>
+          </p:nvSpPr>
+          <p:spPr bwMode="black">
+            <a:xfrm>
+              <a:off x="7477387" y="482170"/>
+              <a:ext cx="4074533" cy="5149101"/>
+            </a:xfrm>
+            <a:prstGeom prst="rect">
+              <a:avLst/>
+            </a:prstGeom>
+            <a:gradFill>
+              <a:gsLst>
+                <a:gs pos="0">
+                  <a:srgbClr val="000001"/>
+                </a:gs>
+                <a:gs pos="100000">
+                  <a:srgbClr val="191919"/>
+                </a:gs>
+              </a:gsLst>
+            </a:gradFill>
+            <a:ln w="76200" cmpd="sng">
+              <a:noFill/>
+              <a:miter lim="800000"/>
+            </a:ln>
+            <a:effectLst>
+              <a:outerShdw blurRad="127000" dist="228600" dir="4740000" sx="98000" sy="98000" algn="tl" rotWithShape="0">
+                <a:srgbClr val="000000">
+                  <a:alpha val="34000"/>
+                </a:srgbClr>
+              </a:outerShdw>
+            </a:effectLst>
+            <a:scene3d>
+              <a:camera prst="orthographicFront"/>
+              <a:lightRig rig="threePt" dir="t"/>
+            </a:scene3d>
+            <a:sp3d>
+              <a:bevelT w="152400" h="50800" prst="softRound"/>
+            </a:sp3d>
+          </p:spPr>
+          <p:style>
+            <a:lnRef idx="1">
+              <a:schemeClr val="accent1"/>
+            </a:lnRef>
+            <a:fillRef idx="3">
+              <a:schemeClr val="accent1"/>
+            </a:fillRef>
+            <a:effectRef idx="2">
+              <a:schemeClr val="accent1"/>
+            </a:effectRef>
+            <a:fontRef idx="minor">
+              <a:schemeClr val="lt1"/>
+            </a:fontRef>
+          </p:style>
+        </p:sp>
+        <p:sp>
+          <p:nvSpPr>
+            <p:cNvPr id="19" name="Rectangle 18"/>
+            <p:cNvSpPr/>
+            <p:nvPr/>
+          </p:nvSpPr>
+          <p:spPr bwMode="blackWhite">
+            <a:xfrm>
+              <a:off x="7790446" y="812506"/>
+              <a:ext cx="3450289" cy="4466452"/>
+            </a:xfrm>
+            <a:prstGeom prst="rect">
+              <a:avLst/>
+            </a:prstGeom>
+            <a:gradFill>
+              <a:gsLst>
+                <a:gs pos="0">
+                  <a:srgbClr val="DADADA"/>
+                </a:gs>
+                <a:gs pos="100000">
+                  <a:srgbClr val="FFFFFE"/>
+                </a:gs>
+              </a:gsLst>
+              <a:lin ang="16200000" scaled="0"/>
+            </a:gradFill>
+            <a:ln w="50800" cmpd="sng">
+              <a:solidFill>
+                <a:srgbClr val="191919"/>
+              </a:solidFill>
+              <a:miter lim="800000"/>
+            </a:ln>
+            <a:effectLst>
+              <a:innerShdw blurRad="63500" dist="88900" dir="14100000">
+                <a:srgbClr val="000000">
+                  <a:alpha val="30000"/>
+                </a:srgbClr>
+              </a:innerShdw>
+            </a:effectLst>
+            <a:scene3d>
+              <a:camera prst="orthographicFront"/>
+              <a:lightRig rig="threePt" dir="t"/>
+            </a:scene3d>
+            <a:sp3d>
+              <a:bevelT prst="relaxedInset"/>
+            </a:sp3d>
+          </p:spPr>
+          <p:style>
+            <a:lnRef idx="1">
+              <a:schemeClr val="accent1"/>
+            </a:lnRef>
+            <a:fillRef idx="3">
+              <a:schemeClr val="accent1"/>
+            </a:fillRef>
+            <a:effectRef idx="2">
+              <a:schemeClr val="accent1"/>
+            </a:effectRef>
+            <a:fontRef idx="minor">
+              <a:schemeClr val="lt1"/>
+            </a:fontRef>
+          </p:style>
+        </p:sp>
+      </p:grpSp>
       <p:sp>
         <p:nvSpPr>
           <p:cNvPr id="2" name="Title 1"/>
@@ -2397,8 +5523,8 @@
         </p:nvSpPr>
         <p:spPr>
           <a:xfrm>
-            <a:off x="256032" y="1143000"/>
-            <a:ext cx="2834640" cy="2377440"/>
+            <a:off x="1451206" y="1129513"/>
+            <a:ext cx="5532328" cy="1830584"/>
           </a:xfrm>
         </p:spPr>
         <p:txBody>
@@ -2407,7 +5533,7 @@
           </a:bodyPr>
           <a:lstStyle>
             <a:lvl1pPr>
-              <a:defRPr sz="3200" b="0"/>
+              <a:defRPr sz="3200"/>
             </a:lvl1pPr>
           </a:lstStyle>
           <a:p>
@@ -2431,19 +5557,24 @@
         </p:nvSpPr>
         <p:spPr>
           <a:xfrm>
-            <a:off x="3570644" y="767419"/>
-            <a:ext cx="8115230" cy="5330952"/>
+            <a:off x="8124389" y="1122542"/>
+            <a:ext cx="2791171" cy="3866327"/>
           </a:xfrm>
           <a:solidFill>
             <a:schemeClr val="bg1">
-              <a:lumMod val="75000"/>
+              <a:lumMod val="85000"/>
             </a:schemeClr>
           </a:solidFill>
+          <a:ln w="9525" cap="sq">
+            <a:noFill/>
+            <a:miter lim="800000"/>
+          </a:ln>
+          <a:effectLst/>
         </p:spPr>
         <p:txBody>
           <a:bodyPr anchor="t"/>
           <a:lstStyle>
-            <a:lvl1pPr marL="0" indent="0">
+            <a:lvl1pPr marL="0" indent="0" algn="ctr">
               <a:buNone/>
               <a:defRPr sz="3200"/>
             </a:lvl1pPr>
@@ -2501,57 +5632,50 @@
         </p:nvSpPr>
         <p:spPr>
           <a:xfrm>
-            <a:off x="256032" y="3493008"/>
-            <a:ext cx="2834640" cy="2322576"/>
+            <a:off x="1450329" y="3145992"/>
+            <a:ext cx="5524404" cy="2003742"/>
           </a:xfrm>
         </p:spPr>
         <p:txBody>
-          <a:bodyPr anchor="t">
+          <a:bodyPr>
             <a:normAutofit/>
           </a:bodyPr>
           <a:lstStyle>
-            <a:lvl1pPr marL="0" indent="0">
-              <a:lnSpc>
-                <a:spcPct val="100000"/>
-              </a:lnSpc>
+            <a:lvl1pPr marL="0" indent="0" algn="l">
               <a:buNone/>
-              <a:defRPr sz="1400">
-                <a:solidFill>
-                  <a:srgbClr val="FFFFFF"/>
-                </a:solidFill>
-              </a:defRPr>
+              <a:defRPr sz="1800"/>
             </a:lvl1pPr>
             <a:lvl2pPr marL="457200" indent="0">
               <a:buNone/>
-              <a:defRPr sz="1200"/>
+              <a:defRPr sz="1400"/>
             </a:lvl2pPr>
             <a:lvl3pPr marL="914400" indent="0">
               <a:buNone/>
-              <a:defRPr sz="1000"/>
+              <a:defRPr sz="1200"/>
             </a:lvl3pPr>
             <a:lvl4pPr marL="1371600" indent="0">
               <a:buNone/>
-              <a:defRPr sz="900"/>
+              <a:defRPr sz="1000"/>
             </a:lvl4pPr>
             <a:lvl5pPr marL="1828800" indent="0">
               <a:buNone/>
-              <a:defRPr sz="900"/>
+              <a:defRPr sz="1000"/>
             </a:lvl5pPr>
             <a:lvl6pPr marL="2286000" indent="0">
               <a:buNone/>
-              <a:defRPr sz="900"/>
+              <a:defRPr sz="1000"/>
             </a:lvl6pPr>
             <a:lvl7pPr marL="2743200" indent="0">
               <a:buNone/>
-              <a:defRPr sz="900"/>
+              <a:defRPr sz="1000"/>
             </a:lvl7pPr>
             <a:lvl8pPr marL="3200400" indent="0">
               <a:buNone/>
-              <a:defRPr sz="900"/>
+              <a:defRPr sz="1000"/>
             </a:lvl8pPr>
             <a:lvl9pPr marL="3657600" indent="0">
               <a:buNone/>
-              <a:defRPr sz="900"/>
+              <a:defRPr sz="1000"/>
             </a:lvl9pPr>
           </a:lstStyle>
           <a:p>
@@ -2565,12 +5689,69 @@
       </p:sp>
       <p:sp>
         <p:nvSpPr>
-          <p:cNvPr id="8" name="Date Placeholder 7"/>
+          <p:cNvPr id="5" name="Date Placeholder 4"/>
           <p:cNvSpPr>
             <a:spLocks noGrp="1"/>
           </p:cNvSpPr>
           <p:nvPr>
             <p:ph type="dt" sz="half" idx="10"/>
+          </p:nvPr>
+        </p:nvSpPr>
+        <p:spPr>
+          <a:xfrm>
+            <a:off x="1447382" y="5469856"/>
+            <a:ext cx="5527351" cy="320123"/>
+          </a:xfrm>
+        </p:spPr>
+        <p:txBody>
+          <a:bodyPr/>
+          <a:lstStyle>
+            <a:lvl1pPr algn="l">
+              <a:defRPr/>
+            </a:lvl1pPr>
+          </a:lstStyle>
+          <a:p>
+            <a:fld id="{5586B75A-687E-405C-8A0B-8D00578BA2C3}" type="datetimeFigureOut">
+              <a:rPr lang="en-US" smtClean="0"/>
+              <a:pPr/>
+              <a:t>4/11/2019</a:t>
+            </a:fld>
+            <a:endParaRPr lang="en-US" dirty="0"/>
+          </a:p>
+        </p:txBody>
+      </p:sp>
+      <p:sp>
+        <p:nvSpPr>
+          <p:cNvPr id="6" name="Footer Placeholder 5"/>
+          <p:cNvSpPr>
+            <a:spLocks noGrp="1"/>
+          </p:cNvSpPr>
+          <p:nvPr>
+            <p:ph type="ftr" sz="quarter" idx="11"/>
+          </p:nvPr>
+        </p:nvSpPr>
+        <p:spPr>
+          <a:xfrm>
+            <a:off x="1447382" y="318640"/>
+            <a:ext cx="5541004" cy="320931"/>
+          </a:xfrm>
+        </p:spPr>
+        <p:txBody>
+          <a:bodyPr/>
+          <a:lstStyle/>
+          <a:p>
+            <a:endParaRPr lang="en-US" dirty="0"/>
+          </a:p>
+        </p:txBody>
+      </p:sp>
+      <p:sp>
+        <p:nvSpPr>
+          <p:cNvPr id="7" name="Slide Number Placeholder 6"/>
+          <p:cNvSpPr>
+            <a:spLocks noGrp="1"/>
+          </p:cNvSpPr>
+          <p:nvPr>
+            <p:ph type="sldNum" sz="quarter" idx="12"/>
           </p:nvPr>
         </p:nvSpPr>
         <p:spPr/>
@@ -2578,56 +5759,8 @@
           <a:bodyPr/>
           <a:lstStyle/>
           <a:p>
-            <a:fld id="{5586B75A-687E-405C-8A0B-8D00578BA2C3}" type="datetimeFigureOut">
-              <a:rPr lang="en-US" dirty="0"/>
-              <a:pPr/>
-              <a:t>4/11/2019</a:t>
-            </a:fld>
-            <a:endParaRPr lang="en-US" dirty="0"/>
-          </a:p>
-        </p:txBody>
-      </p:sp>
-      <p:sp>
-        <p:nvSpPr>
-          <p:cNvPr id="9" name="Footer Placeholder 8"/>
-          <p:cNvSpPr>
-            <a:spLocks noGrp="1"/>
-          </p:cNvSpPr>
-          <p:nvPr>
-            <p:ph type="ftr" sz="quarter" idx="11"/>
-          </p:nvPr>
-        </p:nvSpPr>
-        <p:spPr>
-          <a:xfrm>
-            <a:off x="3499101" y="6356350"/>
-            <a:ext cx="5911517" cy="365125"/>
-          </a:xfrm>
-        </p:spPr>
-        <p:txBody>
-          <a:bodyPr/>
-          <a:lstStyle/>
-          <a:p>
-            <a:endParaRPr lang="en-US" dirty="0"/>
-          </a:p>
-        </p:txBody>
-      </p:sp>
-      <p:sp>
-        <p:nvSpPr>
-          <p:cNvPr id="10" name="Slide Number Placeholder 9"/>
-          <p:cNvSpPr>
-            <a:spLocks noGrp="1"/>
-          </p:cNvSpPr>
-          <p:nvPr>
-            <p:ph type="sldNum" sz="quarter" idx="12"/>
-          </p:nvPr>
-        </p:nvSpPr>
-        <p:spPr/>
-        <p:txBody>
-          <a:bodyPr/>
-          <a:lstStyle/>
-          <a:p>
             <a:fld id="{4FAB73BC-B049-4115-A692-8D63A059BFB8}" type="slidenum">
-              <a:rPr lang="en-US" dirty="0"/>
+              <a:rPr lang="en-US" smtClean="0"/>
               <a:pPr/>
               <a:t>‹#›</a:t>
             </a:fld>
@@ -2635,7 +5768,43 @@
           </a:p>
         </p:txBody>
       </p:sp>
+      <p:cxnSp>
+        <p:nvCxnSpPr>
+          <p:cNvPr id="31" name="Straight Connector 30"/>
+          <p:cNvCxnSpPr/>
+          <p:nvPr/>
+        </p:nvCxnSpPr>
+        <p:spPr>
+          <a:xfrm>
+            <a:off x="1447382" y="3143605"/>
+            <a:ext cx="5527351" cy="0"/>
+          </a:xfrm>
+          <a:prstGeom prst="line">
+            <a:avLst/>
+          </a:prstGeom>
+          <a:ln w="31750"/>
+        </p:spPr>
+        <p:style>
+          <a:lnRef idx="3">
+            <a:schemeClr val="accent1"/>
+          </a:lnRef>
+          <a:fillRef idx="0">
+            <a:schemeClr val="accent1"/>
+          </a:fillRef>
+          <a:effectRef idx="2">
+            <a:schemeClr val="accent1"/>
+          </a:effectRef>
+          <a:fontRef idx="minor">
+            <a:schemeClr val="tx1"/>
+          </a:fontRef>
+        </p:style>
+      </p:cxnSp>
     </p:spTree>
+    <p:extLst>
+      <p:ext uri="{BB962C8B-B14F-4D97-AF65-F5344CB8AC3E}">
+        <p14:creationId xmlns:p14="http://schemas.microsoft.com/office/powerpoint/2010/main" val="711895535"/>
+      </p:ext>
+    </p:extLst>
   </p:cSld>
   <p:clrMapOvr>
     <a:masterClrMapping/>
@@ -2647,8 +5816,8 @@
 <p:sldMaster xmlns:a="http://schemas.openxmlformats.org/drawingml/2006/main" xmlns:r="http://schemas.openxmlformats.org/officeDocument/2006/relationships" xmlns:p="http://schemas.openxmlformats.org/presentationml/2006/main">
   <p:cSld>
     <p:bg>
-      <p:bgRef idx="1001">
-        <a:schemeClr val="bg1"/>
+      <p:bgRef idx="1003">
+        <a:schemeClr val="bg2"/>
       </p:bgRef>
     </p:bg>
     <p:spTree>
@@ -2667,21 +5836,32 @@
       </p:grpSpPr>
       <p:sp>
         <p:nvSpPr>
-          <p:cNvPr id="7" name="Rectangle 6"/>
+          <p:cNvPr id="8" name="Rectangle 7"/>
           <p:cNvSpPr/>
           <p:nvPr/>
         </p:nvSpPr>
         <p:spPr>
           <a:xfrm>
-            <a:off x="166947" y="758952"/>
-            <a:ext cx="3443590" cy="5330952"/>
+            <a:off x="0" y="2019476"/>
+            <a:ext cx="12192000" cy="4105941"/>
           </a:xfrm>
           <a:prstGeom prst="rect">
             <a:avLst/>
           </a:prstGeom>
-          <a:solidFill>
-            <a:srgbClr val="D81E00"/>
-          </a:solidFill>
+          <a:gradFill flip="none" rotWithShape="1">
+            <a:gsLst>
+              <a:gs pos="0">
+                <a:schemeClr val="bg2">
+                  <a:alpha val="0"/>
+                </a:schemeClr>
+              </a:gs>
+              <a:gs pos="100000">
+                <a:schemeClr val="bg2"/>
+              </a:gs>
+            </a:gsLst>
+            <a:lin ang="5400000" scaled="0"/>
+            <a:tileRect/>
+          </a:gradFill>
           <a:ln>
             <a:noFill/>
           </a:ln>
@@ -2703,6 +5883,35 @@
           </a:fontRef>
         </p:style>
       </p:sp>
+      <p:pic>
+        <p:nvPicPr>
+          <p:cNvPr id="7" name="Picture 6"/>
+          <p:cNvPicPr>
+            <a:picLocks noChangeAspect="1"/>
+          </p:cNvPicPr>
+          <p:nvPr/>
+        </p:nvPicPr>
+        <p:blipFill rotWithShape="1">
+          <a:blip r:embed="rId13">
+            <a:extLst>
+              <a:ext uri="{28A0092B-C50C-407E-A947-70E740481C1C}">
+                <a14:useLocalDpi xmlns:a14="http://schemas.microsoft.com/office/drawing/2010/main" val="0"/>
+              </a:ext>
+            </a:extLst>
+          </a:blip>
+          <a:srcRect t="1538" b="-1538"/>
+          <a:stretch/>
+        </p:blipFill>
+        <p:spPr bwMode="black">
+          <a:xfrm>
+            <a:off x="0" y="6126480"/>
+            <a:ext cx="12192000" cy="742950"/>
+          </a:xfrm>
+          <a:prstGeom prst="rect">
+            <a:avLst/>
+          </a:prstGeom>
+        </p:spPr>
+      </p:pic>
       <p:sp>
         <p:nvSpPr>
           <p:cNvPr id="2" name="Title Placeholder 1"/>
@@ -2715,15 +5924,15 @@
         </p:nvSpPr>
         <p:spPr>
           <a:xfrm>
-            <a:off x="415001" y="956411"/>
-            <a:ext cx="2947482" cy="4601183"/>
+            <a:off x="1451579" y="804519"/>
+            <a:ext cx="9603275" cy="1049235"/>
           </a:xfrm>
           <a:prstGeom prst="rect">
             <a:avLst/>
           </a:prstGeom>
         </p:spPr>
         <p:txBody>
-          <a:bodyPr vert="horz" lIns="91440" tIns="45720" rIns="91440" bIns="45720" rtlCol="0" anchor="ctr">
+          <a:bodyPr vert="horz" lIns="91440" tIns="45720" rIns="91440" bIns="45720" rtlCol="0" anchor="t">
             <a:normAutofit/>
           </a:bodyPr>
           <a:lstStyle/>
@@ -2735,46 +5944,6 @@
             <a:endParaRPr lang="en-US" dirty="0"/>
           </a:p>
         </p:txBody>
-      </p:sp>
-      <p:sp>
-        <p:nvSpPr>
-          <p:cNvPr id="38" name="Rectangle 37"/>
-          <p:cNvSpPr/>
-          <p:nvPr/>
-        </p:nvSpPr>
-        <p:spPr>
-          <a:xfrm>
-            <a:off x="11815864" y="758952"/>
-            <a:ext cx="384048" cy="5330952"/>
-          </a:xfrm>
-          <a:prstGeom prst="rect">
-            <a:avLst/>
-          </a:prstGeom>
-          <a:solidFill>
-            <a:srgbClr val="C8C8C8">
-              <a:alpha val="49804"/>
-            </a:srgbClr>
-          </a:solidFill>
-          <a:ln>
-            <a:noFill/>
-          </a:ln>
-        </p:spPr>
-        <p:style>
-          <a:lnRef idx="2">
-            <a:schemeClr val="accent1">
-              <a:shade val="50000"/>
-            </a:schemeClr>
-          </a:lnRef>
-          <a:fillRef idx="1">
-            <a:schemeClr val="accent1"/>
-          </a:fillRef>
-          <a:effectRef idx="0">
-            <a:schemeClr val="accent1"/>
-          </a:effectRef>
-          <a:fontRef idx="minor">
-            <a:schemeClr val="lt1"/>
-          </a:fontRef>
-        </p:style>
       </p:sp>
       <p:sp>
         <p:nvSpPr>
@@ -2788,55 +5957,53 @@
         </p:nvSpPr>
         <p:spPr>
           <a:xfrm>
-            <a:off x="4084398" y="758952"/>
-            <a:ext cx="8080664" cy="5330952"/>
+            <a:off x="1451579" y="2015732"/>
+            <a:ext cx="9603275" cy="3450613"/>
           </a:xfrm>
           <a:prstGeom prst="rect">
             <a:avLst/>
           </a:prstGeom>
-          <a:solidFill>
-            <a:srgbClr val="0070C0"/>
-          </a:solidFill>
         </p:spPr>
         <p:txBody>
-          <a:bodyPr vert="horz" lIns="91440" tIns="45720" rIns="91440" bIns="45720" rtlCol="0" anchor="ctr">
+          <a:bodyPr vert="horz" lIns="91440" tIns="45720" rIns="91440" bIns="45720" rtlCol="0">
             <a:normAutofit/>
           </a:bodyPr>
           <a:lstStyle/>
           <a:p>
             <a:pPr lvl="0"/>
             <a:r>
-              <a:rPr lang="en-US" dirty="0"/>
+              <a:rPr lang="en-US"/>
               <a:t>Click to edit Master text styles</a:t>
             </a:r>
           </a:p>
           <a:p>
             <a:pPr lvl="1"/>
             <a:r>
-              <a:rPr lang="en-US" dirty="0"/>
+              <a:rPr lang="en-US"/>
               <a:t>Second level</a:t>
             </a:r>
           </a:p>
           <a:p>
             <a:pPr lvl="2"/>
             <a:r>
-              <a:rPr lang="en-US" dirty="0"/>
+              <a:rPr lang="en-US"/>
               <a:t>Third level</a:t>
             </a:r>
           </a:p>
           <a:p>
             <a:pPr lvl="3"/>
             <a:r>
-              <a:rPr lang="en-US" dirty="0"/>
+              <a:rPr lang="en-US"/>
               <a:t>Fourth level</a:t>
             </a:r>
           </a:p>
           <a:p>
             <a:pPr lvl="4"/>
             <a:r>
-              <a:rPr lang="en-US" dirty="0"/>
+              <a:rPr lang="en-US"/>
               <a:t>Fifth level</a:t>
             </a:r>
+            <a:endParaRPr lang="en-US" dirty="0"/>
           </a:p>
         </p:txBody>
       </p:sp>
@@ -2852,8 +6019,50 @@
         </p:nvSpPr>
         <p:spPr>
           <a:xfrm>
-            <a:off x="262465" y="6356350"/>
-            <a:ext cx="2743200" cy="365125"/>
+            <a:off x="7554138" y="330370"/>
+            <a:ext cx="3500715" cy="309201"/>
+          </a:xfrm>
+          <a:prstGeom prst="rect">
+            <a:avLst/>
+          </a:prstGeom>
+        </p:spPr>
+        <p:txBody>
+          <a:bodyPr vert="horz" lIns="91440" tIns="45720" rIns="91440" bIns="45720" rtlCol="0" anchor="ctr"/>
+          <a:lstStyle>
+            <a:lvl1pPr algn="r">
+              <a:defRPr sz="1000">
+                <a:solidFill>
+                  <a:schemeClr val="tx1">
+                    <a:tint val="75000"/>
+                  </a:schemeClr>
+                </a:solidFill>
+              </a:defRPr>
+            </a:lvl1pPr>
+          </a:lstStyle>
+          <a:p>
+            <a:fld id="{5586B75A-687E-405C-8A0B-8D00578BA2C3}" type="datetimeFigureOut">
+              <a:rPr lang="en-US" smtClean="0"/>
+              <a:pPr/>
+              <a:t>4/11/2019</a:t>
+            </a:fld>
+            <a:endParaRPr lang="en-US" dirty="0"/>
+          </a:p>
+        </p:txBody>
+      </p:sp>
+      <p:sp>
+        <p:nvSpPr>
+          <p:cNvPr id="5" name="Footer Placeholder 4"/>
+          <p:cNvSpPr>
+            <a:spLocks noGrp="1"/>
+          </p:cNvSpPr>
+          <p:nvPr>
+            <p:ph type="ftr" sz="quarter" idx="3"/>
+          </p:nvPr>
+        </p:nvSpPr>
+        <p:spPr>
+          <a:xfrm>
+            <a:off x="1451579" y="329307"/>
+            <a:ext cx="5938836" cy="309201"/>
           </a:xfrm>
           <a:prstGeom prst="rect">
             <a:avLst/>
@@ -2863,54 +6072,10 @@
           <a:bodyPr vert="horz" lIns="91440" tIns="45720" rIns="91440" bIns="45720" rtlCol="0" anchor="ctr"/>
           <a:lstStyle>
             <a:lvl1pPr algn="l">
-              <a:defRPr sz="1100">
+              <a:defRPr sz="1000">
                 <a:solidFill>
                   <a:schemeClr val="tx1">
-                    <a:lumMod val="50000"/>
-                    <a:lumOff val="50000"/>
-                  </a:schemeClr>
-                </a:solidFill>
-              </a:defRPr>
-            </a:lvl1pPr>
-          </a:lstStyle>
-          <a:p>
-            <a:fld id="{5586B75A-687E-405C-8A0B-8D00578BA2C3}" type="datetimeFigureOut">
-              <a:rPr lang="en-US" dirty="0"/>
-              <a:pPr/>
-              <a:t>4/11/2019</a:t>
-            </a:fld>
-            <a:endParaRPr lang="en-US" dirty="0"/>
-          </a:p>
-        </p:txBody>
-      </p:sp>
-      <p:sp>
-        <p:nvSpPr>
-          <p:cNvPr id="5" name="Footer Placeholder 4"/>
-          <p:cNvSpPr>
-            <a:spLocks noGrp="1"/>
-          </p:cNvSpPr>
-          <p:nvPr>
-            <p:ph type="ftr" sz="quarter" idx="3"/>
-          </p:nvPr>
-        </p:nvSpPr>
-        <p:spPr>
-          <a:xfrm>
-            <a:off x="3869268" y="6356350"/>
-            <a:ext cx="5911517" cy="365125"/>
-          </a:xfrm>
-          <a:prstGeom prst="rect">
-            <a:avLst/>
-          </a:prstGeom>
-        </p:spPr>
-        <p:txBody>
-          <a:bodyPr vert="horz" lIns="91440" tIns="45720" rIns="91440" bIns="45720" rtlCol="0" anchor="ctr"/>
-          <a:lstStyle>
-            <a:lvl1pPr algn="l">
-              <a:defRPr sz="1100">
-                <a:solidFill>
-                  <a:schemeClr val="tx1">
-                    <a:lumMod val="50000"/>
-                    <a:lumOff val="50000"/>
+                    <a:tint val="75000"/>
                   </a:schemeClr>
                 </a:solidFill>
               </a:defRPr>
@@ -2933,18 +6098,18 @@
         </p:nvSpPr>
         <p:spPr>
           <a:xfrm>
-            <a:off x="10634135" y="6356350"/>
-            <a:ext cx="1530927" cy="365125"/>
+            <a:off x="480060" y="798973"/>
+            <a:ext cx="811019" cy="503578"/>
           </a:xfrm>
           <a:prstGeom prst="rect">
             <a:avLst/>
           </a:prstGeom>
         </p:spPr>
         <p:txBody>
-          <a:bodyPr vert="horz" lIns="91440" tIns="45720" rIns="91440" bIns="45720" rtlCol="0" anchor="ctr"/>
+          <a:bodyPr vert="horz" lIns="91440" tIns="45720" rIns="91440" bIns="45720" rtlCol="0" anchor="t"/>
           <a:lstStyle>
             <a:lvl1pPr algn="r">
-              <a:defRPr sz="1200" b="1">
+              <a:defRPr sz="2800">
                 <a:solidFill>
                   <a:schemeClr val="accent1"/>
                 </a:solidFill>
@@ -2953,7 +6118,7 @@
           </a:lstStyle>
           <a:p>
             <a:fld id="{4FAB73BC-B049-4115-A692-8D63A059BFB8}" type="slidenum">
-              <a:rPr lang="en-US" dirty="0"/>
+              <a:rPr lang="en-US" smtClean="0"/>
               <a:pPr/>
               <a:t>‹#›</a:t>
             </a:fld>
@@ -2961,21 +6126,63 @@
           </a:p>
         </p:txBody>
       </p:sp>
+      <p:cxnSp>
+        <p:nvCxnSpPr>
+          <p:cNvPr id="10" name="Straight Connector 9"/>
+          <p:cNvCxnSpPr/>
+          <p:nvPr/>
+        </p:nvCxnSpPr>
+        <p:spPr>
+          <a:xfrm>
+            <a:off x="0" y="6128413"/>
+            <a:ext cx="12192000" cy="0"/>
+          </a:xfrm>
+          <a:prstGeom prst="line">
+            <a:avLst/>
+          </a:prstGeom>
+          <a:ln w="12700">
+            <a:solidFill>
+              <a:srgbClr val="000001">
+                <a:alpha val="20000"/>
+              </a:srgbClr>
+            </a:solidFill>
+          </a:ln>
+        </p:spPr>
+        <p:style>
+          <a:lnRef idx="1">
+            <a:schemeClr val="accent1"/>
+          </a:lnRef>
+          <a:fillRef idx="0">
+            <a:schemeClr val="accent1"/>
+          </a:fillRef>
+          <a:effectRef idx="0">
+            <a:schemeClr val="accent1"/>
+          </a:effectRef>
+          <a:fontRef idx="minor">
+            <a:schemeClr val="tx1"/>
+          </a:fontRef>
+        </p:style>
+      </p:cxnSp>
     </p:spTree>
+    <p:extLst>
+      <p:ext uri="{BB962C8B-B14F-4D97-AF65-F5344CB8AC3E}">
+        <p14:creationId xmlns:p14="http://schemas.microsoft.com/office/powerpoint/2010/main" val="358887604"/>
+      </p:ext>
+    </p:extLst>
   </p:cSld>
   <p:clrMap bg1="lt1" tx1="dk1" bg2="lt2" tx2="dk2" accent1="accent1" accent2="accent2" accent3="accent3" accent4="accent4" accent5="accent5" accent6="accent6" hlink="hlink" folHlink="folHlink"/>
   <p:sldLayoutIdLst>
-    <p:sldLayoutId id="2147483841" r:id="rId1"/>
-    <p:sldLayoutId id="2147483842" r:id="rId2"/>
-    <p:sldLayoutId id="2147483843" r:id="rId3"/>
-    <p:sldLayoutId id="2147483844" r:id="rId4"/>
-    <p:sldLayoutId id="2147483845" r:id="rId5"/>
-    <p:sldLayoutId id="2147483846" r:id="rId6"/>
-    <p:sldLayoutId id="2147483847" r:id="rId7"/>
-    <p:sldLayoutId id="2147483848" r:id="rId8"/>
-    <p:sldLayoutId id="2147483849" r:id="rId9"/>
-    <p:sldLayoutId id="2147483850" r:id="rId10"/>
-    <p:sldLayoutId id="2147483851" r:id="rId11"/>
+    <p:sldLayoutId id="2147483883" r:id="rId1"/>
+    <p:sldLayoutId id="2147483884" r:id="rId2"/>
+    <p:sldLayoutId id="2147483885" r:id="rId3"/>
+    <p:sldLayoutId id="2147483886" r:id="rId4"/>
+    <p:sldLayoutId id="2147483887" r:id="rId5"/>
+    <p:sldLayoutId id="2147483888" r:id="rId6"/>
+    <p:sldLayoutId id="2147483889" r:id="rId7"/>
+    <p:sldLayoutId id="2147483890" r:id="rId8"/>
+    <p:sldLayoutId id="2147483891" r:id="rId9"/>
+    <p:sldLayoutId id="2147483892" r:id="rId10"/>
+    <p:sldLayoutId id="2147483893" r:id="rId11"/>
   </p:sldLayoutIdLst>
   <p:hf sldNum="0" hdr="0" ftr="0" dt="0"/>
   <p:txStyles>
@@ -2988,10 +6195,11 @@
           <a:spcPct val="0"/>
         </a:spcBef>
         <a:buNone/>
-        <a:defRPr sz="3600" kern="1200" spc="-60" baseline="0">
+        <a:defRPr sz="3200" b="0" i="0" kern="1200" cap="all">
           <a:solidFill>
-            <a:srgbClr val="FFFFFF"/>
+            <a:schemeClr val="tx1"/>
           </a:solidFill>
+          <a:effectLst/>
           <a:latin typeface="+mj-lt"/>
           <a:ea typeface="+mj-ea"/>
           <a:cs typeface="+mj-cs"/>
@@ -2999,118 +6207,116 @@
       </a:lvl1pPr>
     </p:titleStyle>
     <p:bodyStyle>
-      <a:lvl1pPr marL="182880" indent="-182880" algn="l" defTabSz="914400" rtl="0" eaLnBrk="1" latinLnBrk="0" hangingPunct="1">
+      <a:lvl1pPr marL="228600" indent="-228600" algn="l" defTabSz="914400" rtl="0" eaLnBrk="1" latinLnBrk="0" hangingPunct="1">
         <a:lnSpc>
-          <a:spcPct val="90000"/>
+          <a:spcPct val="120000"/>
         </a:lnSpc>
         <a:spcBef>
-          <a:spcPts val="1200"/>
+          <a:spcPts val="1000"/>
         </a:spcBef>
         <a:buClr>
           <a:schemeClr val="accent1"/>
         </a:buClr>
-        <a:buFont typeface="Wingdings 2" pitchFamily="18" charset="2"/>
-        <a:buChar char=""/>
+        <a:buSzPct val="100000"/>
+        <a:buFont typeface="Arial" panose="020B0604020202020204" pitchFamily="34" charset="0"/>
+        <a:buChar char="•"/>
         <a:defRPr sz="2000" kern="1200">
           <a:solidFill>
-            <a:schemeClr val="bg1"/>
+            <a:schemeClr val="tx1"/>
           </a:solidFill>
+          <a:effectLst/>
           <a:latin typeface="+mn-lt"/>
           <a:ea typeface="+mn-ea"/>
           <a:cs typeface="+mn-cs"/>
         </a:defRPr>
       </a:lvl1pPr>
-      <a:lvl2pPr marL="685800" indent="-182880" algn="l" defTabSz="914400" rtl="0" eaLnBrk="1" latinLnBrk="0" hangingPunct="1">
+      <a:lvl2pPr marL="685800" indent="-228600" algn="l" defTabSz="914400" rtl="0" eaLnBrk="1" latinLnBrk="0" hangingPunct="1">
         <a:lnSpc>
-          <a:spcPct val="90000"/>
+          <a:spcPct val="120000"/>
         </a:lnSpc>
         <a:spcBef>
-          <a:spcPts val="250"/>
+          <a:spcPts val="500"/>
         </a:spcBef>
-        <a:spcAft>
-          <a:spcPts val="250"/>
-        </a:spcAft>
         <a:buClr>
           <a:schemeClr val="accent1"/>
         </a:buClr>
-        <a:buFont typeface="Wingdings 2" pitchFamily="18" charset="2"/>
-        <a:buChar char=""/>
-        <a:defRPr sz="1800" kern="1200">
+        <a:buSzPct val="100000"/>
+        <a:buFont typeface="Arial" panose="020B0604020202020204" pitchFamily="34" charset="0"/>
+        <a:buChar char="•"/>
+        <a:defRPr sz="1800" kern="1200" cap="none" baseline="0">
           <a:solidFill>
-            <a:schemeClr val="bg1"/>
+            <a:schemeClr val="tx1"/>
           </a:solidFill>
+          <a:effectLst/>
           <a:latin typeface="+mn-lt"/>
           <a:ea typeface="+mn-ea"/>
           <a:cs typeface="+mn-cs"/>
         </a:defRPr>
       </a:lvl2pPr>
-      <a:lvl3pPr marL="1143000" indent="-182880" algn="l" defTabSz="914400" rtl="0" eaLnBrk="1" latinLnBrk="0" hangingPunct="1">
+      <a:lvl3pPr marL="1143000" indent="-228600" algn="l" defTabSz="914400" rtl="0" eaLnBrk="1" latinLnBrk="0" hangingPunct="1">
         <a:lnSpc>
-          <a:spcPct val="90000"/>
+          <a:spcPct val="120000"/>
         </a:lnSpc>
         <a:spcBef>
-          <a:spcPts val="250"/>
+          <a:spcPts val="500"/>
         </a:spcBef>
-        <a:spcAft>
-          <a:spcPts val="250"/>
-        </a:spcAft>
         <a:buClr>
           <a:schemeClr val="accent1"/>
         </a:buClr>
-        <a:buFont typeface="Wingdings 2" pitchFamily="18" charset="2"/>
-        <a:buChar char=""/>
+        <a:buSzPct val="100000"/>
+        <a:buFont typeface="Arial" panose="020B0604020202020204" pitchFamily="34" charset="0"/>
+        <a:buChar char="•"/>
         <a:defRPr sz="1600" kern="1200">
           <a:solidFill>
-            <a:schemeClr val="bg1"/>
+            <a:schemeClr val="tx1"/>
           </a:solidFill>
+          <a:effectLst/>
           <a:latin typeface="+mn-lt"/>
           <a:ea typeface="+mn-ea"/>
           <a:cs typeface="+mn-cs"/>
         </a:defRPr>
       </a:lvl3pPr>
-      <a:lvl4pPr marL="1600200" indent="-182880" algn="l" defTabSz="914400" rtl="0" eaLnBrk="1" latinLnBrk="0" hangingPunct="1">
+      <a:lvl4pPr marL="1600200" indent="-228600" algn="l" defTabSz="914400" rtl="0" eaLnBrk="1" latinLnBrk="0" hangingPunct="1">
         <a:lnSpc>
-          <a:spcPct val="90000"/>
+          <a:spcPct val="120000"/>
         </a:lnSpc>
         <a:spcBef>
-          <a:spcPts val="250"/>
+          <a:spcPts val="500"/>
         </a:spcBef>
-        <a:spcAft>
-          <a:spcPts val="250"/>
-        </a:spcAft>
         <a:buClr>
           <a:schemeClr val="accent1"/>
         </a:buClr>
-        <a:buFont typeface="Wingdings 2" pitchFamily="18" charset="2"/>
-        <a:buChar char=""/>
-        <a:defRPr sz="1400" kern="1200">
+        <a:buSzPct val="100000"/>
+        <a:buFont typeface="Arial" panose="020B0604020202020204" pitchFamily="34" charset="0"/>
+        <a:buChar char="•"/>
+        <a:defRPr sz="1400" kern="1200" cap="none" baseline="0">
           <a:solidFill>
-            <a:schemeClr val="bg1"/>
+            <a:schemeClr val="tx1"/>
           </a:solidFill>
+          <a:effectLst/>
           <a:latin typeface="+mn-lt"/>
           <a:ea typeface="+mn-ea"/>
           <a:cs typeface="+mn-cs"/>
         </a:defRPr>
       </a:lvl4pPr>
-      <a:lvl5pPr marL="2057400" indent="-182880" algn="l" defTabSz="914400" rtl="0" eaLnBrk="1" latinLnBrk="0" hangingPunct="1">
+      <a:lvl5pPr marL="2057400" indent="-228600" algn="l" defTabSz="914400" rtl="0" eaLnBrk="1" latinLnBrk="0" hangingPunct="1">
         <a:lnSpc>
-          <a:spcPct val="90000"/>
+          <a:spcPct val="120000"/>
         </a:lnSpc>
         <a:spcBef>
-          <a:spcPts val="250"/>
+          <a:spcPts val="500"/>
         </a:spcBef>
-        <a:spcAft>
-          <a:spcPts val="250"/>
-        </a:spcAft>
         <a:buClr>
           <a:schemeClr val="accent1"/>
         </a:buClr>
-        <a:buFont typeface="Wingdings 2" pitchFamily="18" charset="2"/>
-        <a:buChar char=""/>
-        <a:defRPr sz="1400" kern="1200">
+        <a:buSzPct val="100000"/>
+        <a:buFont typeface="Arial" panose="020B0604020202020204" pitchFamily="34" charset="0"/>
+        <a:buChar char="•"/>
+        <a:defRPr sz="1200" kern="1200">
           <a:solidFill>
-            <a:schemeClr val="bg1"/>
+            <a:schemeClr val="tx1"/>
           </a:solidFill>
+          <a:effectLst/>
           <a:latin typeface="+mn-lt"/>
           <a:ea typeface="+mn-ea"/>
           <a:cs typeface="+mn-cs"/>
@@ -3118,26 +6324,22 @@
       </a:lvl5pPr>
       <a:lvl6pPr marL="2514600" indent="-228600" algn="l" defTabSz="914400" rtl="0" eaLnBrk="1" latinLnBrk="0" hangingPunct="1">
         <a:lnSpc>
-          <a:spcPct val="90000"/>
+          <a:spcPct val="120000"/>
         </a:lnSpc>
         <a:spcBef>
-          <a:spcPts val="250"/>
+          <a:spcPts val="500"/>
         </a:spcBef>
-        <a:spcAft>
-          <a:spcPts val="250"/>
-        </a:spcAft>
         <a:buClr>
           <a:schemeClr val="accent1"/>
         </a:buClr>
-        <a:buFont typeface="Wingdings 2" pitchFamily="18" charset="2"/>
-        <a:buChar char=""/>
-        <a:defRPr sz="1400" kern="1200">
+        <a:buSzPct val="100000"/>
+        <a:buFont typeface="Arial" panose="020B0604020202020204" pitchFamily="34" charset="0"/>
+        <a:buChar char="•"/>
+        <a:defRPr sz="1200" kern="1200">
           <a:solidFill>
-            <a:schemeClr val="tx1">
-              <a:lumMod val="65000"/>
-              <a:lumOff val="35000"/>
-            </a:schemeClr>
+            <a:schemeClr val="tx1"/>
           </a:solidFill>
+          <a:effectLst/>
           <a:latin typeface="+mn-lt"/>
           <a:ea typeface="+mn-ea"/>
           <a:cs typeface="+mn-cs"/>
@@ -3145,26 +6347,22 @@
       </a:lvl6pPr>
       <a:lvl7pPr marL="2971800" indent="-228600" algn="l" defTabSz="914400" rtl="0" eaLnBrk="1" latinLnBrk="0" hangingPunct="1">
         <a:lnSpc>
-          <a:spcPct val="90000"/>
+          <a:spcPct val="120000"/>
         </a:lnSpc>
         <a:spcBef>
-          <a:spcPts val="250"/>
+          <a:spcPts val="500"/>
         </a:spcBef>
-        <a:spcAft>
-          <a:spcPts val="250"/>
-        </a:spcAft>
         <a:buClr>
           <a:schemeClr val="accent1"/>
         </a:buClr>
-        <a:buFont typeface="Wingdings 2" pitchFamily="18" charset="2"/>
-        <a:buChar char=""/>
-        <a:defRPr sz="1400" kern="1200">
+        <a:buSzPct val="100000"/>
+        <a:buFont typeface="Arial" panose="020B0604020202020204" pitchFamily="34" charset="0"/>
+        <a:buChar char="•"/>
+        <a:defRPr sz="1200" kern="1200">
           <a:solidFill>
-            <a:schemeClr val="tx1">
-              <a:lumMod val="65000"/>
-              <a:lumOff val="35000"/>
-            </a:schemeClr>
+            <a:schemeClr val="tx1"/>
           </a:solidFill>
+          <a:effectLst/>
           <a:latin typeface="+mn-lt"/>
           <a:ea typeface="+mn-ea"/>
           <a:cs typeface="+mn-cs"/>
@@ -3172,26 +6370,22 @@
       </a:lvl7pPr>
       <a:lvl8pPr marL="3429000" indent="-228600" algn="l" defTabSz="914400" rtl="0" eaLnBrk="1" latinLnBrk="0" hangingPunct="1">
         <a:lnSpc>
-          <a:spcPct val="90000"/>
+          <a:spcPct val="120000"/>
         </a:lnSpc>
         <a:spcBef>
-          <a:spcPts val="250"/>
+          <a:spcPts val="500"/>
         </a:spcBef>
-        <a:spcAft>
-          <a:spcPts val="250"/>
-        </a:spcAft>
         <a:buClr>
           <a:schemeClr val="accent1"/>
         </a:buClr>
-        <a:buFont typeface="Wingdings 2" pitchFamily="18" charset="2"/>
-        <a:buChar char=""/>
-        <a:defRPr sz="1400" kern="1200">
+        <a:buSzPct val="100000"/>
+        <a:buFont typeface="Arial" panose="020B0604020202020204" pitchFamily="34" charset="0"/>
+        <a:buChar char="•"/>
+        <a:defRPr sz="1200" kern="1200" baseline="0">
           <a:solidFill>
-            <a:schemeClr val="tx1">
-              <a:lumMod val="65000"/>
-              <a:lumOff val="35000"/>
-            </a:schemeClr>
+            <a:schemeClr val="tx1"/>
           </a:solidFill>
+          <a:effectLst/>
           <a:latin typeface="+mn-lt"/>
           <a:ea typeface="+mn-ea"/>
           <a:cs typeface="+mn-cs"/>
@@ -3199,26 +6393,22 @@
       </a:lvl8pPr>
       <a:lvl9pPr marL="3886200" indent="-228600" algn="l" defTabSz="914400" rtl="0" eaLnBrk="1" latinLnBrk="0" hangingPunct="1">
         <a:lnSpc>
-          <a:spcPct val="90000"/>
+          <a:spcPct val="120000"/>
         </a:lnSpc>
         <a:spcBef>
-          <a:spcPts val="250"/>
+          <a:spcPts val="500"/>
         </a:spcBef>
-        <a:spcAft>
-          <a:spcPts val="250"/>
-        </a:spcAft>
         <a:buClr>
           <a:schemeClr val="accent1"/>
         </a:buClr>
-        <a:buFont typeface="Wingdings 2" pitchFamily="18" charset="2"/>
-        <a:buChar char=""/>
-        <a:defRPr sz="1400" kern="1200">
+        <a:buSzPct val="100000"/>
+        <a:buFont typeface="Arial" panose="020B0604020202020204" pitchFamily="34" charset="0"/>
+        <a:buChar char="•"/>
+        <a:defRPr sz="1200" kern="1200" baseline="0">
           <a:solidFill>
-            <a:schemeClr val="tx1">
-              <a:lumMod val="65000"/>
-              <a:lumOff val="35000"/>
-            </a:schemeClr>
+            <a:schemeClr val="tx1"/>
           </a:solidFill>
+          <a:effectLst/>
           <a:latin typeface="+mn-lt"/>
           <a:ea typeface="+mn-ea"/>
           <a:cs typeface="+mn-cs"/>
@@ -3364,118 +6554,33 @@
           </a:xfrm>
         </p:spPr>
         <p:txBody>
-          <a:bodyPr/>
+          <a:bodyPr anchor="ctr"/>
           <a:lstStyle/>
           <a:p>
+            <a:pPr algn="ctr"/>
+            <a:r>
+              <a:rPr lang="en-US" b="1"/>
+              <a:t> Taking </a:t>
+            </a:r>
             <a:r>
               <a:rPr lang="en-US" b="1" dirty="0"/>
-              <a:t>NBA Dilemma: Free Throws</a:t>
-            </a:r>
-          </a:p>
-        </p:txBody>
-      </p:sp>
-      <p:sp>
-        <p:nvSpPr>
-          <p:cNvPr id="3" name="Subtitle 2">
-            <a:extLst>
-              <a:ext uri="{FF2B5EF4-FFF2-40B4-BE49-F238E27FC236}">
-                <a16:creationId xmlns:a16="http://schemas.microsoft.com/office/drawing/2014/main" id="{37BCC526-37FF-ED4A-BB89-8AA514245FD2}"/>
-              </a:ext>
-            </a:extLst>
-          </p:cNvPr>
-          <p:cNvSpPr>
-            <a:spLocks noGrp="1"/>
-          </p:cNvSpPr>
-          <p:nvPr>
-            <p:ph type="subTitle" idx="1"/>
-          </p:nvPr>
-        </p:nvSpPr>
-        <p:spPr>
-          <a:xfrm>
-            <a:off x="0" y="4303059"/>
-            <a:ext cx="9155151" cy="1796659"/>
-          </a:xfrm>
-          <a:solidFill>
-            <a:srgbClr val="0070C0"/>
-          </a:solidFill>
-        </p:spPr>
-        <p:txBody>
-          <a:bodyPr anchor="t" anchorCtr="1">
-            <a:normAutofit fontScale="85000" lnSpcReduction="20000"/>
-          </a:bodyPr>
-          <a:lstStyle/>
-          <a:p>
-            <a:r>
-              <a:rPr lang="en-US" sz="2400" b="1" dirty="0">
-                <a:solidFill>
-                  <a:schemeClr val="bg1"/>
-                </a:solidFill>
-              </a:rPr>
-              <a:t>Analytics Team: </a:t>
-            </a:r>
-          </a:p>
-          <a:p>
-            <a:r>
-              <a:rPr lang="en-US" sz="2400" b="1" dirty="0">
-                <a:solidFill>
-                  <a:schemeClr val="bg1"/>
-                </a:solidFill>
-              </a:rPr>
-              <a:t>		</a:t>
-            </a:r>
-            <a:r>
-              <a:rPr lang="en-US" sz="2100" b="1" dirty="0">
-                <a:solidFill>
-                  <a:schemeClr val="bg1"/>
-                </a:solidFill>
-              </a:rPr>
-              <a:t>Dipika Kumar </a:t>
-            </a:r>
-          </a:p>
-          <a:p>
-            <a:r>
-              <a:rPr lang="en-US" sz="2100" b="1" dirty="0">
-                <a:solidFill>
-                  <a:schemeClr val="bg1"/>
-                </a:solidFill>
-              </a:rPr>
-              <a:t>		Robert Schroer </a:t>
-            </a:r>
-          </a:p>
-          <a:p>
-            <a:r>
-              <a:rPr lang="en-US" sz="2100" b="1" dirty="0">
-                <a:solidFill>
-                  <a:schemeClr val="bg1"/>
-                </a:solidFill>
-              </a:rPr>
-              <a:t>		Isaac Winters</a:t>
-            </a:r>
-          </a:p>
-          <a:p>
-            <a:r>
-              <a:rPr lang="en-US" sz="2100" b="1" dirty="0">
-                <a:solidFill>
-                  <a:schemeClr val="bg1"/>
-                </a:solidFill>
-              </a:rPr>
-              <a:t>		Chidera Nwaubi</a:t>
-            </a:r>
-            <a:r>
-              <a:rPr lang="en-US" sz="2100" b="1" dirty="0">
-                <a:solidFill>
-                  <a:schemeClr val="tx1"/>
-                </a:solidFill>
-              </a:rPr>
-              <a:t>	</a:t>
-            </a:r>
-          </a:p>
-          <a:p>
-            <a:endParaRPr lang="en-US" b="1" dirty="0">
-              <a:solidFill>
-                <a:schemeClr val="tx1"/>
-              </a:solidFill>
-            </a:endParaRPr>
+              <a:t>a shot </a:t>
+            </a:r>
+            <a:br>
+              <a:rPr lang="en-US" b="1" dirty="0"/>
+            </a:br>
+            <a:r>
+              <a:rPr lang="en-US" b="1"/>
+              <a:t>	at</a:t>
+            </a:r>
+            <a:br>
+              <a:rPr lang="en-US" b="1" dirty="0"/>
+            </a:br>
+            <a:r>
+              <a:rPr lang="en-US" b="1"/>
+              <a:t>free throws</a:t>
+            </a:r>
+            <a:endParaRPr lang="en-US" b="1" dirty="0"/>
           </a:p>
         </p:txBody>
       </p:sp>
@@ -3509,6 +6614,68 @@
           </a:prstGeom>
         </p:spPr>
       </p:pic>
+      <p:sp>
+        <p:nvSpPr>
+          <p:cNvPr id="5" name="Subtitle 4">
+            <a:extLst>
+              <a:ext uri="{FF2B5EF4-FFF2-40B4-BE49-F238E27FC236}">
+                <a16:creationId xmlns:a16="http://schemas.microsoft.com/office/drawing/2014/main" id="{D947FF0F-59EC-48AF-8643-EA63AD65A42D}"/>
+              </a:ext>
+            </a:extLst>
+          </p:cNvPr>
+          <p:cNvSpPr>
+            <a:spLocks noGrp="1"/>
+          </p:cNvSpPr>
+          <p:nvPr>
+            <p:ph type="subTitle" idx="1"/>
+          </p:nvPr>
+        </p:nvSpPr>
+        <p:spPr/>
+        <p:txBody>
+          <a:bodyPr>
+            <a:noAutofit/>
+          </a:bodyPr>
+          <a:lstStyle/>
+          <a:p>
+            <a:r>
+              <a:rPr lang="en-US" sz="2000" dirty="0"/>
+              <a:t>Analytics Team: </a:t>
+            </a:r>
+          </a:p>
+          <a:p>
+            <a:r>
+              <a:rPr lang="en-US" sz="2000" dirty="0"/>
+              <a:t>		Dipika Kumar </a:t>
+            </a:r>
+          </a:p>
+          <a:p>
+            <a:r>
+              <a:rPr lang="en-US" sz="2000" dirty="0"/>
+              <a:t>		Robert </a:t>
+            </a:r>
+            <a:r>
+              <a:rPr lang="en-US" sz="2000" dirty="0" err="1"/>
+              <a:t>Schroer</a:t>
+            </a:r>
+            <a:r>
+              <a:rPr lang="en-US" sz="2000" dirty="0"/>
+              <a:t> </a:t>
+            </a:r>
+          </a:p>
+          <a:p>
+            <a:r>
+              <a:rPr lang="en-US" sz="2000" dirty="0"/>
+              <a:t>		Isaac Winters</a:t>
+            </a:r>
+          </a:p>
+          <a:p>
+            <a:r>
+              <a:rPr lang="en-US" sz="2000" dirty="0"/>
+              <a:t>		Chidera Nwaubi</a:t>
+            </a:r>
+          </a:p>
+        </p:txBody>
+      </p:sp>
     </p:spTree>
     <p:extLst>
       <p:ext uri="{BB962C8B-B14F-4D97-AF65-F5344CB8AC3E}">
@@ -3544,6 +6711,622 @@
           <p:cNvPr id="2" name="Title 1">
             <a:extLst>
               <a:ext uri="{FF2B5EF4-FFF2-40B4-BE49-F238E27FC236}">
+                <a16:creationId xmlns:a16="http://schemas.microsoft.com/office/drawing/2014/main" id="{3E1BBF25-7904-424B-8FE9-A38DCDBFD323}"/>
+              </a:ext>
+            </a:extLst>
+          </p:cNvPr>
+          <p:cNvSpPr>
+            <a:spLocks noGrp="1"/>
+          </p:cNvSpPr>
+          <p:nvPr>
+            <p:ph type="title"/>
+          </p:nvPr>
+        </p:nvSpPr>
+        <p:spPr>
+          <a:xfrm>
+            <a:off x="1451579" y="555945"/>
+            <a:ext cx="9603275" cy="1049235"/>
+          </a:xfrm>
+        </p:spPr>
+        <p:txBody>
+          <a:bodyPr>
+            <a:normAutofit fontScale="90000"/>
+          </a:bodyPr>
+          <a:lstStyle/>
+          <a:p>
+            <a:r>
+              <a:rPr lang="en-US" dirty="0"/>
+              <a:t>Data</a:t>
+            </a:r>
+            <a:br>
+              <a:rPr lang="en-US" dirty="0"/>
+            </a:br>
+            <a:r>
+              <a:rPr lang="en-US" dirty="0"/>
+              <a:t>Analysis </a:t>
+            </a:r>
+            <a:br>
+              <a:rPr lang="en-US" dirty="0"/>
+            </a:br>
+            <a:r>
+              <a:rPr lang="en-US" dirty="0"/>
+              <a:t>(Cont.)</a:t>
+            </a:r>
+          </a:p>
+        </p:txBody>
+      </p:sp>
+      <p:sp>
+        <p:nvSpPr>
+          <p:cNvPr id="3" name="Content Placeholder 2">
+            <a:extLst>
+              <a:ext uri="{FF2B5EF4-FFF2-40B4-BE49-F238E27FC236}">
+                <a16:creationId xmlns:a16="http://schemas.microsoft.com/office/drawing/2014/main" id="{572AF83B-6506-E84B-983A-869AB4FCC7AE}"/>
+              </a:ext>
+            </a:extLst>
+          </p:cNvPr>
+          <p:cNvSpPr>
+            <a:spLocks noGrp="1"/>
+          </p:cNvSpPr>
+          <p:nvPr>
+            <p:ph idx="1"/>
+          </p:nvPr>
+        </p:nvSpPr>
+        <p:spPr/>
+        <p:txBody>
+          <a:bodyPr/>
+          <a:lstStyle/>
+          <a:p>
+            <a:endParaRPr lang="en-US"/>
+          </a:p>
+        </p:txBody>
+      </p:sp>
+      <p:pic>
+        <p:nvPicPr>
+          <p:cNvPr id="4" name="Picture 3">
+            <a:extLst>
+              <a:ext uri="{FF2B5EF4-FFF2-40B4-BE49-F238E27FC236}">
+                <a16:creationId xmlns:a16="http://schemas.microsoft.com/office/drawing/2014/main" id="{D2C98F3F-6E18-4B0F-B118-651C8CFB7C38}"/>
+              </a:ext>
+            </a:extLst>
+          </p:cNvPr>
+          <p:cNvPicPr>
+            <a:picLocks noChangeAspect="1"/>
+          </p:cNvPicPr>
+          <p:nvPr/>
+        </p:nvPicPr>
+        <p:blipFill>
+          <a:blip r:embed="rId2"/>
+          <a:stretch>
+            <a:fillRect/>
+          </a:stretch>
+        </p:blipFill>
+        <p:spPr>
+          <a:xfrm>
+            <a:off x="11802043" y="6037518"/>
+            <a:ext cx="363019" cy="820482"/>
+          </a:xfrm>
+          <a:prstGeom prst="rect">
+            <a:avLst/>
+          </a:prstGeom>
+        </p:spPr>
+      </p:pic>
+    </p:spTree>
+    <p:extLst>
+      <p:ext uri="{BB962C8B-B14F-4D97-AF65-F5344CB8AC3E}">
+        <p14:creationId xmlns:p14="http://schemas.microsoft.com/office/powerpoint/2010/main" val="2338500769"/>
+      </p:ext>
+    </p:extLst>
+  </p:cSld>
+  <p:clrMapOvr>
+    <a:masterClrMapping/>
+  </p:clrMapOvr>
+</p:sld>
+</file>
+
+<file path=ppt/slides/slide11.xml><?xml version="1.0" encoding="utf-8"?>
+<p:sld xmlns:a="http://schemas.openxmlformats.org/drawingml/2006/main" xmlns:r="http://schemas.openxmlformats.org/officeDocument/2006/relationships" xmlns:p="http://schemas.openxmlformats.org/presentationml/2006/main">
+  <p:cSld>
+    <p:spTree>
+      <p:nvGrpSpPr>
+        <p:cNvPr id="1" name=""/>
+        <p:cNvGrpSpPr/>
+        <p:nvPr/>
+      </p:nvGrpSpPr>
+      <p:grpSpPr>
+        <a:xfrm>
+          <a:off x="0" y="0"/>
+          <a:ext cx="0" cy="0"/>
+          <a:chOff x="0" y="0"/>
+          <a:chExt cx="0" cy="0"/>
+        </a:xfrm>
+      </p:grpSpPr>
+      <p:sp>
+        <p:nvSpPr>
+          <p:cNvPr id="2" name="Title 1">
+            <a:extLst>
+              <a:ext uri="{FF2B5EF4-FFF2-40B4-BE49-F238E27FC236}">
+                <a16:creationId xmlns:a16="http://schemas.microsoft.com/office/drawing/2014/main" id="{3E1BBF25-7904-424B-8FE9-A38DCDBFD323}"/>
+              </a:ext>
+            </a:extLst>
+          </p:cNvPr>
+          <p:cNvSpPr>
+            <a:spLocks noGrp="1"/>
+          </p:cNvSpPr>
+          <p:nvPr>
+            <p:ph type="title"/>
+          </p:nvPr>
+        </p:nvSpPr>
+        <p:spPr>
+          <a:xfrm>
+            <a:off x="1451579" y="555945"/>
+            <a:ext cx="9603275" cy="1049235"/>
+          </a:xfrm>
+        </p:spPr>
+        <p:txBody>
+          <a:bodyPr>
+            <a:normAutofit fontScale="90000"/>
+          </a:bodyPr>
+          <a:lstStyle/>
+          <a:p>
+            <a:r>
+              <a:rPr lang="en-US" dirty="0"/>
+              <a:t>Data</a:t>
+            </a:r>
+            <a:br>
+              <a:rPr lang="en-US" dirty="0"/>
+            </a:br>
+            <a:r>
+              <a:rPr lang="en-US" dirty="0"/>
+              <a:t>Analysis </a:t>
+            </a:r>
+            <a:br>
+              <a:rPr lang="en-US" dirty="0"/>
+            </a:br>
+            <a:r>
+              <a:rPr lang="en-US" dirty="0"/>
+              <a:t>(Cont.)</a:t>
+            </a:r>
+          </a:p>
+        </p:txBody>
+      </p:sp>
+      <p:sp>
+        <p:nvSpPr>
+          <p:cNvPr id="3" name="Content Placeholder 2">
+            <a:extLst>
+              <a:ext uri="{FF2B5EF4-FFF2-40B4-BE49-F238E27FC236}">
+                <a16:creationId xmlns:a16="http://schemas.microsoft.com/office/drawing/2014/main" id="{572AF83B-6506-E84B-983A-869AB4FCC7AE}"/>
+              </a:ext>
+            </a:extLst>
+          </p:cNvPr>
+          <p:cNvSpPr>
+            <a:spLocks noGrp="1"/>
+          </p:cNvSpPr>
+          <p:nvPr>
+            <p:ph idx="1"/>
+          </p:nvPr>
+        </p:nvSpPr>
+        <p:spPr/>
+        <p:txBody>
+          <a:bodyPr/>
+          <a:lstStyle/>
+          <a:p>
+            <a:endParaRPr lang="en-US"/>
+          </a:p>
+        </p:txBody>
+      </p:sp>
+      <p:pic>
+        <p:nvPicPr>
+          <p:cNvPr id="4" name="Picture 3">
+            <a:extLst>
+              <a:ext uri="{FF2B5EF4-FFF2-40B4-BE49-F238E27FC236}">
+                <a16:creationId xmlns:a16="http://schemas.microsoft.com/office/drawing/2014/main" id="{D2C98F3F-6E18-4B0F-B118-651C8CFB7C38}"/>
+              </a:ext>
+            </a:extLst>
+          </p:cNvPr>
+          <p:cNvPicPr>
+            <a:picLocks noChangeAspect="1"/>
+          </p:cNvPicPr>
+          <p:nvPr/>
+        </p:nvPicPr>
+        <p:blipFill>
+          <a:blip r:embed="rId2"/>
+          <a:stretch>
+            <a:fillRect/>
+          </a:stretch>
+        </p:blipFill>
+        <p:spPr>
+          <a:xfrm>
+            <a:off x="11802043" y="6037518"/>
+            <a:ext cx="363019" cy="820482"/>
+          </a:xfrm>
+          <a:prstGeom prst="rect">
+            <a:avLst/>
+          </a:prstGeom>
+        </p:spPr>
+      </p:pic>
+    </p:spTree>
+    <p:extLst>
+      <p:ext uri="{BB962C8B-B14F-4D97-AF65-F5344CB8AC3E}">
+        <p14:creationId xmlns:p14="http://schemas.microsoft.com/office/powerpoint/2010/main" val="3769646333"/>
+      </p:ext>
+    </p:extLst>
+  </p:cSld>
+  <p:clrMapOvr>
+    <a:masterClrMapping/>
+  </p:clrMapOvr>
+</p:sld>
+</file>
+
+<file path=ppt/slides/slide12.xml><?xml version="1.0" encoding="utf-8"?>
+<p:sld xmlns:a="http://schemas.openxmlformats.org/drawingml/2006/main" xmlns:r="http://schemas.openxmlformats.org/officeDocument/2006/relationships" xmlns:p="http://schemas.openxmlformats.org/presentationml/2006/main">
+  <p:cSld>
+    <p:spTree>
+      <p:nvGrpSpPr>
+        <p:cNvPr id="1" name=""/>
+        <p:cNvGrpSpPr/>
+        <p:nvPr/>
+      </p:nvGrpSpPr>
+      <p:grpSpPr>
+        <a:xfrm>
+          <a:off x="0" y="0"/>
+          <a:ext cx="0" cy="0"/>
+          <a:chOff x="0" y="0"/>
+          <a:chExt cx="0" cy="0"/>
+        </a:xfrm>
+      </p:grpSpPr>
+      <p:sp>
+        <p:nvSpPr>
+          <p:cNvPr id="2" name="Title 1">
+            <a:extLst>
+              <a:ext uri="{FF2B5EF4-FFF2-40B4-BE49-F238E27FC236}">
+                <a16:creationId xmlns:a16="http://schemas.microsoft.com/office/drawing/2014/main" id="{3E1BBF25-7904-424B-8FE9-A38DCDBFD323}"/>
+              </a:ext>
+            </a:extLst>
+          </p:cNvPr>
+          <p:cNvSpPr>
+            <a:spLocks noGrp="1"/>
+          </p:cNvSpPr>
+          <p:nvPr>
+            <p:ph type="title"/>
+          </p:nvPr>
+        </p:nvSpPr>
+        <p:spPr>
+          <a:xfrm>
+            <a:off x="1451579" y="555945"/>
+            <a:ext cx="9603275" cy="1049235"/>
+          </a:xfrm>
+        </p:spPr>
+        <p:txBody>
+          <a:bodyPr>
+            <a:normAutofit fontScale="90000"/>
+          </a:bodyPr>
+          <a:lstStyle/>
+          <a:p>
+            <a:r>
+              <a:rPr lang="en-US" dirty="0"/>
+              <a:t>Data</a:t>
+            </a:r>
+            <a:br>
+              <a:rPr lang="en-US" dirty="0"/>
+            </a:br>
+            <a:r>
+              <a:rPr lang="en-US" dirty="0"/>
+              <a:t>Analysis </a:t>
+            </a:r>
+            <a:br>
+              <a:rPr lang="en-US" dirty="0"/>
+            </a:br>
+            <a:r>
+              <a:rPr lang="en-US" dirty="0"/>
+              <a:t>(Cont.)</a:t>
+            </a:r>
+          </a:p>
+        </p:txBody>
+      </p:sp>
+      <p:sp>
+        <p:nvSpPr>
+          <p:cNvPr id="3" name="Content Placeholder 2">
+            <a:extLst>
+              <a:ext uri="{FF2B5EF4-FFF2-40B4-BE49-F238E27FC236}">
+                <a16:creationId xmlns:a16="http://schemas.microsoft.com/office/drawing/2014/main" id="{572AF83B-6506-E84B-983A-869AB4FCC7AE}"/>
+              </a:ext>
+            </a:extLst>
+          </p:cNvPr>
+          <p:cNvSpPr>
+            <a:spLocks noGrp="1"/>
+          </p:cNvSpPr>
+          <p:nvPr>
+            <p:ph idx="1"/>
+          </p:nvPr>
+        </p:nvSpPr>
+        <p:spPr/>
+        <p:txBody>
+          <a:bodyPr/>
+          <a:lstStyle/>
+          <a:p>
+            <a:endParaRPr lang="en-US"/>
+          </a:p>
+        </p:txBody>
+      </p:sp>
+      <p:pic>
+        <p:nvPicPr>
+          <p:cNvPr id="4" name="Picture 3">
+            <a:extLst>
+              <a:ext uri="{FF2B5EF4-FFF2-40B4-BE49-F238E27FC236}">
+                <a16:creationId xmlns:a16="http://schemas.microsoft.com/office/drawing/2014/main" id="{D2C98F3F-6E18-4B0F-B118-651C8CFB7C38}"/>
+              </a:ext>
+            </a:extLst>
+          </p:cNvPr>
+          <p:cNvPicPr>
+            <a:picLocks noChangeAspect="1"/>
+          </p:cNvPicPr>
+          <p:nvPr/>
+        </p:nvPicPr>
+        <p:blipFill>
+          <a:blip r:embed="rId2"/>
+          <a:stretch>
+            <a:fillRect/>
+          </a:stretch>
+        </p:blipFill>
+        <p:spPr>
+          <a:xfrm>
+            <a:off x="11802043" y="6037518"/>
+            <a:ext cx="363019" cy="820482"/>
+          </a:xfrm>
+          <a:prstGeom prst="rect">
+            <a:avLst/>
+          </a:prstGeom>
+        </p:spPr>
+      </p:pic>
+    </p:spTree>
+    <p:extLst>
+      <p:ext uri="{BB962C8B-B14F-4D97-AF65-F5344CB8AC3E}">
+        <p14:creationId xmlns:p14="http://schemas.microsoft.com/office/powerpoint/2010/main" val="4034354311"/>
+      </p:ext>
+    </p:extLst>
+  </p:cSld>
+  <p:clrMapOvr>
+    <a:masterClrMapping/>
+  </p:clrMapOvr>
+</p:sld>
+</file>
+
+<file path=ppt/slides/slide13.xml><?xml version="1.0" encoding="utf-8"?>
+<p:sld xmlns:a="http://schemas.openxmlformats.org/drawingml/2006/main" xmlns:r="http://schemas.openxmlformats.org/officeDocument/2006/relationships" xmlns:p="http://schemas.openxmlformats.org/presentationml/2006/main">
+  <p:cSld>
+    <p:spTree>
+      <p:nvGrpSpPr>
+        <p:cNvPr id="1" name=""/>
+        <p:cNvGrpSpPr/>
+        <p:nvPr/>
+      </p:nvGrpSpPr>
+      <p:grpSpPr>
+        <a:xfrm>
+          <a:off x="0" y="0"/>
+          <a:ext cx="0" cy="0"/>
+          <a:chOff x="0" y="0"/>
+          <a:chExt cx="0" cy="0"/>
+        </a:xfrm>
+      </p:grpSpPr>
+      <p:sp>
+        <p:nvSpPr>
+          <p:cNvPr id="2" name="Title 1">
+            <a:extLst>
+              <a:ext uri="{FF2B5EF4-FFF2-40B4-BE49-F238E27FC236}">
+                <a16:creationId xmlns:a16="http://schemas.microsoft.com/office/drawing/2014/main" id="{3E1BBF25-7904-424B-8FE9-A38DCDBFD323}"/>
+              </a:ext>
+            </a:extLst>
+          </p:cNvPr>
+          <p:cNvSpPr>
+            <a:spLocks noGrp="1"/>
+          </p:cNvSpPr>
+          <p:nvPr>
+            <p:ph type="title"/>
+          </p:nvPr>
+        </p:nvSpPr>
+        <p:spPr>
+          <a:xfrm>
+            <a:off x="1451579" y="555945"/>
+            <a:ext cx="9603275" cy="1049235"/>
+          </a:xfrm>
+        </p:spPr>
+        <p:txBody>
+          <a:bodyPr>
+            <a:normAutofit/>
+          </a:bodyPr>
+          <a:lstStyle/>
+          <a:p>
+            <a:pPr algn="ctr"/>
+            <a:r>
+              <a:rPr lang="en-US" dirty="0"/>
+              <a:t>Findings</a:t>
+            </a:r>
+          </a:p>
+        </p:txBody>
+      </p:sp>
+      <p:sp>
+        <p:nvSpPr>
+          <p:cNvPr id="3" name="Content Placeholder 2">
+            <a:extLst>
+              <a:ext uri="{FF2B5EF4-FFF2-40B4-BE49-F238E27FC236}">
+                <a16:creationId xmlns:a16="http://schemas.microsoft.com/office/drawing/2014/main" id="{572AF83B-6506-E84B-983A-869AB4FCC7AE}"/>
+              </a:ext>
+            </a:extLst>
+          </p:cNvPr>
+          <p:cNvSpPr>
+            <a:spLocks noGrp="1"/>
+          </p:cNvSpPr>
+          <p:nvPr>
+            <p:ph idx="1"/>
+          </p:nvPr>
+        </p:nvSpPr>
+        <p:spPr/>
+        <p:txBody>
+          <a:bodyPr/>
+          <a:lstStyle/>
+          <a:p>
+            <a:r>
+              <a:rPr lang="en-US" dirty="0"/>
+              <a:t>Better free throw shooting teams tend to have more wins</a:t>
+            </a:r>
+          </a:p>
+          <a:p>
+            <a:r>
+              <a:rPr lang="en-US" dirty="0"/>
+              <a:t>Yes there is a home court bias but it is not a large one</a:t>
+            </a:r>
+          </a:p>
+        </p:txBody>
+      </p:sp>
+      <p:pic>
+        <p:nvPicPr>
+          <p:cNvPr id="4" name="Picture 3">
+            <a:extLst>
+              <a:ext uri="{FF2B5EF4-FFF2-40B4-BE49-F238E27FC236}">
+                <a16:creationId xmlns:a16="http://schemas.microsoft.com/office/drawing/2014/main" id="{D2C98F3F-6E18-4B0F-B118-651C8CFB7C38}"/>
+              </a:ext>
+            </a:extLst>
+          </p:cNvPr>
+          <p:cNvPicPr>
+            <a:picLocks noChangeAspect="1"/>
+          </p:cNvPicPr>
+          <p:nvPr/>
+        </p:nvPicPr>
+        <p:blipFill>
+          <a:blip r:embed="rId2"/>
+          <a:stretch>
+            <a:fillRect/>
+          </a:stretch>
+        </p:blipFill>
+        <p:spPr>
+          <a:xfrm>
+            <a:off x="11802043" y="6037518"/>
+            <a:ext cx="363019" cy="820482"/>
+          </a:xfrm>
+          <a:prstGeom prst="rect">
+            <a:avLst/>
+          </a:prstGeom>
+        </p:spPr>
+      </p:pic>
+    </p:spTree>
+    <p:extLst>
+      <p:ext uri="{BB962C8B-B14F-4D97-AF65-F5344CB8AC3E}">
+        <p14:creationId xmlns:p14="http://schemas.microsoft.com/office/powerpoint/2010/main" val="680202898"/>
+      </p:ext>
+    </p:extLst>
+  </p:cSld>
+  <p:clrMapOvr>
+    <a:masterClrMapping/>
+  </p:clrMapOvr>
+</p:sld>
+</file>
+
+<file path=ppt/slides/slide14.xml><?xml version="1.0" encoding="utf-8"?>
+<p:sld xmlns:a="http://schemas.openxmlformats.org/drawingml/2006/main" xmlns:r="http://schemas.openxmlformats.org/officeDocument/2006/relationships" xmlns:p="http://schemas.openxmlformats.org/presentationml/2006/main">
+  <p:cSld>
+    <p:bg>
+      <p:bgPr>
+        <a:gradFill rotWithShape="1">
+          <a:gsLst>
+            <a:gs pos="0">
+              <a:schemeClr val="bg2">
+                <a:tint val="94000"/>
+                <a:satMod val="80000"/>
+                <a:lumMod val="106000"/>
+              </a:schemeClr>
+            </a:gs>
+            <a:gs pos="100000">
+              <a:schemeClr val="bg2">
+                <a:shade val="80000"/>
+              </a:schemeClr>
+            </a:gs>
+          </a:gsLst>
+          <a:path path="circle">
+            <a:fillToRect l="43000" r="43000" b="100000"/>
+          </a:path>
+        </a:gradFill>
+        <a:effectLst/>
+      </p:bgPr>
+    </p:bg>
+    <p:spTree>
+      <p:nvGrpSpPr>
+        <p:cNvPr id="1" name=""/>
+        <p:cNvGrpSpPr/>
+        <p:nvPr/>
+      </p:nvGrpSpPr>
+      <p:grpSpPr>
+        <a:xfrm>
+          <a:off x="0" y="0"/>
+          <a:ext cx="0" cy="0"/>
+          <a:chOff x="0" y="0"/>
+          <a:chExt cx="0" cy="0"/>
+        </a:xfrm>
+      </p:grpSpPr>
+      <p:sp useBgFill="1">
+        <p:nvSpPr>
+          <p:cNvPr id="26" name="Rectangle 25">
+            <a:extLst>
+              <a:ext uri="{FF2B5EF4-FFF2-40B4-BE49-F238E27FC236}">
+                <a16:creationId xmlns:a16="http://schemas.microsoft.com/office/drawing/2014/main" id="{482E7304-2AC2-4A5C-924D-A6AC3FFC5EAC}"/>
+              </a:ext>
+              <a:ext uri="{C183D7F6-B498-43B3-948B-1728B52AA6E4}">
+                <adec:decorative xmlns:adec="http://schemas.microsoft.com/office/drawing/2017/decorative" val="1"/>
+              </a:ext>
+            </a:extLst>
+          </p:cNvPr>
+          <p:cNvSpPr>
+            <a:spLocks noGrp="1" noRot="1" noChangeAspect="1" noMove="1" noResize="1" noEditPoints="1" noAdjustHandles="1" noChangeArrowheads="1" noChangeShapeType="1" noTextEdit="1"/>
+          </p:cNvSpPr>
+          <p:nvPr>
+            <p:extLst>
+              <p:ext uri="{386F3935-93C4-4BCD-93E2-E3B085C9AB24}">
+                <p16:designElem xmlns:p16="http://schemas.microsoft.com/office/powerpoint/2015/main" val="1"/>
+              </p:ext>
+            </p:extLst>
+          </p:nvPr>
+        </p:nvSpPr>
+        <p:spPr>
+          <a:xfrm>
+            <a:off x="2" y="0"/>
+            <a:ext cx="12191695" cy="6858000"/>
+          </a:xfrm>
+          <a:prstGeom prst="rect">
+            <a:avLst/>
+          </a:prstGeom>
+          <a:ln>
+            <a:noFill/>
+          </a:ln>
+        </p:spPr>
+        <p:style>
+          <a:lnRef idx="2">
+            <a:schemeClr val="accent1">
+              <a:shade val="50000"/>
+            </a:schemeClr>
+          </a:lnRef>
+          <a:fillRef idx="1">
+            <a:schemeClr val="accent1"/>
+          </a:fillRef>
+          <a:effectRef idx="0">
+            <a:schemeClr val="accent1"/>
+          </a:effectRef>
+          <a:fontRef idx="minor">
+            <a:schemeClr val="lt1"/>
+          </a:fontRef>
+        </p:style>
+        <p:txBody>
+          <a:bodyPr rtlCol="0" anchor="ctr"/>
+          <a:lstStyle/>
+          <a:p>
+            <a:pPr algn="ctr"/>
+            <a:endParaRPr lang="en-US"/>
+          </a:p>
+        </p:txBody>
+      </p:sp>
+      <p:sp>
+        <p:nvSpPr>
+          <p:cNvPr id="2" name="Title 1">
+            <a:extLst>
+              <a:ext uri="{FF2B5EF4-FFF2-40B4-BE49-F238E27FC236}">
                 <a16:creationId xmlns:a16="http://schemas.microsoft.com/office/drawing/2014/main" id="{EA637E85-D367-3F4A-B3C8-38699F9B7802}"/>
               </a:ext>
             </a:extLst>
@@ -3555,9 +7338,16 @@
             <p:ph type="title"/>
           </p:nvPr>
         </p:nvSpPr>
-        <p:spPr/>
+        <p:spPr>
+          <a:xfrm>
+            <a:off x="1451579" y="804519"/>
+            <a:ext cx="9603275" cy="1049235"/>
+          </a:xfrm>
+        </p:spPr>
         <p:txBody>
-          <a:bodyPr/>
+          <a:bodyPr>
+            <a:normAutofit/>
+          </a:bodyPr>
           <a:lstStyle/>
           <a:p>
             <a:r>
@@ -3574,34 +7364,131 @@
           </a:p>
         </p:txBody>
       </p:sp>
+      <p:cxnSp>
+        <p:nvCxnSpPr>
+          <p:cNvPr id="28" name="Straight Connector 27">
+            <a:extLst>
+              <a:ext uri="{FF2B5EF4-FFF2-40B4-BE49-F238E27FC236}">
+                <a16:creationId xmlns:a16="http://schemas.microsoft.com/office/drawing/2014/main" id="{D259FEF2-F6A5-442F-BA10-4E39EECD0ABE}"/>
+              </a:ext>
+              <a:ext uri="{C183D7F6-B498-43B3-948B-1728B52AA6E4}">
+                <adec:decorative xmlns:adec="http://schemas.microsoft.com/office/drawing/2017/decorative" val="1"/>
+              </a:ext>
+            </a:extLst>
+          </p:cNvPr>
+          <p:cNvCxnSpPr>
+            <a:cxnSpLocks noGrp="1" noRot="1" noChangeAspect="1" noMove="1" noResize="1" noEditPoints="1" noAdjustHandles="1" noChangeArrowheads="1" noChangeShapeType="1"/>
+          </p:cNvCxnSpPr>
+          <p:nvPr>
+            <p:extLst>
+              <p:ext uri="{386F3935-93C4-4BCD-93E2-E3B085C9AB24}">
+                <p16:designElem xmlns:p16="http://schemas.microsoft.com/office/powerpoint/2015/main" val="1"/>
+              </p:ext>
+            </p:extLst>
+          </p:nvPr>
+        </p:nvCxnSpPr>
+        <p:spPr>
+          <a:xfrm>
+            <a:off x="1451579" y="1853754"/>
+            <a:ext cx="9603274" cy="0"/>
+          </a:xfrm>
+          <a:prstGeom prst="line">
+            <a:avLst/>
+          </a:prstGeom>
+          <a:ln w="31750"/>
+        </p:spPr>
+        <p:style>
+          <a:lnRef idx="3">
+            <a:schemeClr val="accent1"/>
+          </a:lnRef>
+          <a:fillRef idx="0">
+            <a:schemeClr val="accent1"/>
+          </a:fillRef>
+          <a:effectRef idx="2">
+            <a:schemeClr val="accent1"/>
+          </a:effectRef>
+          <a:fontRef idx="minor">
+            <a:schemeClr val="tx1"/>
+          </a:fontRef>
+        </p:style>
+      </p:cxnSp>
       <p:sp>
         <p:nvSpPr>
-          <p:cNvPr id="3" name="Content Placeholder 2">
+          <p:cNvPr id="30" name="Rectangle 29">
             <a:extLst>
               <a:ext uri="{FF2B5EF4-FFF2-40B4-BE49-F238E27FC236}">
-                <a16:creationId xmlns:a16="http://schemas.microsoft.com/office/drawing/2014/main" id="{BCEFE50D-8AF1-1046-8D66-9C2E9FBF73A9}"/>
+                <a16:creationId xmlns:a16="http://schemas.microsoft.com/office/drawing/2014/main" id="{A3C183B1-1D4B-4E3D-A02E-A426E3BFA016}"/>
+              </a:ext>
+              <a:ext uri="{C183D7F6-B498-43B3-948B-1728B52AA6E4}">
+                <adec:decorative xmlns:adec="http://schemas.microsoft.com/office/drawing/2017/decorative" val="1"/>
               </a:ext>
             </a:extLst>
           </p:cNvPr>
           <p:cNvSpPr>
-            <a:spLocks noGrp="1"/>
+            <a:spLocks noGrp="1" noRot="1" noChangeAspect="1" noMove="1" noResize="1" noEditPoints="1" noAdjustHandles="1" noChangeArrowheads="1" noChangeShapeType="1" noTextEdit="1"/>
           </p:cNvSpPr>
           <p:nvPr>
-            <p:ph idx="1"/>
+            <p:extLst>
+              <p:ext uri="{386F3935-93C4-4BCD-93E2-E3B085C9AB24}">
+                <p16:designElem xmlns:p16="http://schemas.microsoft.com/office/powerpoint/2015/main" val="1"/>
+              </p:ext>
+            </p:extLst>
           </p:nvPr>
         </p:nvSpPr>
-        <p:spPr/>
+        <p:spPr>
+          <a:xfrm>
+            <a:off x="0" y="2019476"/>
+            <a:ext cx="12192000" cy="4838524"/>
+          </a:xfrm>
+          <a:prstGeom prst="rect">
+            <a:avLst/>
+          </a:prstGeom>
+          <a:gradFill flip="none" rotWithShape="1">
+            <a:gsLst>
+              <a:gs pos="0">
+                <a:schemeClr val="bg2">
+                  <a:alpha val="0"/>
+                </a:schemeClr>
+              </a:gs>
+              <a:gs pos="100000">
+                <a:schemeClr val="bg2"/>
+              </a:gs>
+            </a:gsLst>
+            <a:lin ang="5400000" scaled="0"/>
+            <a:tileRect/>
+          </a:gradFill>
+          <a:ln>
+            <a:noFill/>
+          </a:ln>
+        </p:spPr>
+        <p:style>
+          <a:lnRef idx="2">
+            <a:schemeClr val="accent1">
+              <a:shade val="50000"/>
+            </a:schemeClr>
+          </a:lnRef>
+          <a:fillRef idx="1">
+            <a:schemeClr val="accent1"/>
+          </a:fillRef>
+          <a:effectRef idx="0">
+            <a:schemeClr val="accent1"/>
+          </a:effectRef>
+          <a:fontRef idx="minor">
+            <a:schemeClr val="lt1"/>
+          </a:fontRef>
+        </p:style>
         <p:txBody>
-          <a:bodyPr/>
+          <a:bodyPr rtlCol="0" anchor="ctr"/>
           <a:lstStyle/>
           <a:p>
+            <a:pPr lvl="0" algn="ctr"/>
             <a:endParaRPr lang="en-US"/>
           </a:p>
         </p:txBody>
       </p:sp>
       <p:pic>
         <p:nvPicPr>
-          <p:cNvPr id="4" name="Picture 3">
+          <p:cNvPr id="4" name="Picture 3" descr="A picture containing clipart&#10;&#10;Description automatically generated">
             <a:extLst>
               <a:ext uri="{FF2B5EF4-FFF2-40B4-BE49-F238E27FC236}">
                 <a16:creationId xmlns:a16="http://schemas.microsoft.com/office/drawing/2014/main" id="{E305C4CB-F3F5-4D54-9ACF-05B1875F1C2B}"/>
@@ -3629,6 +7516,37 @@
           </a:prstGeom>
         </p:spPr>
       </p:pic>
+      <p:graphicFrame>
+        <p:nvGraphicFramePr>
+          <p:cNvPr id="6" name="Content Placeholder 2">
+            <a:extLst>
+              <a:ext uri="{FF2B5EF4-FFF2-40B4-BE49-F238E27FC236}">
+                <a16:creationId xmlns:a16="http://schemas.microsoft.com/office/drawing/2014/main" id="{D1415EC6-79F1-4421-AF10-D6507AFD31B9}"/>
+              </a:ext>
+            </a:extLst>
+          </p:cNvPr>
+          <p:cNvGraphicFramePr>
+            <a:graphicFrameLocks noGrp="1"/>
+          </p:cNvGraphicFramePr>
+          <p:nvPr>
+            <p:ph idx="1"/>
+            <p:extLst>
+              <p:ext uri="{D42A27DB-BD31-4B8C-83A1-F6EECF244321}">
+                <p14:modId xmlns:p14="http://schemas.microsoft.com/office/powerpoint/2010/main" val="1365645166"/>
+              </p:ext>
+            </p:extLst>
+          </p:nvPr>
+        </p:nvGraphicFramePr>
+        <p:xfrm>
+          <a:off x="1450975" y="2331497"/>
+          <a:ext cx="9604375" cy="3723227"/>
+        </p:xfrm>
+        <a:graphic>
+          <a:graphicData uri="http://schemas.openxmlformats.org/drawingml/2006/diagram">
+            <dgm:relIds xmlns:dgm="http://schemas.openxmlformats.org/drawingml/2006/diagram" xmlns:r="http://schemas.openxmlformats.org/officeDocument/2006/relationships" r:dm="rId3" r:lo="rId4" r:qs="rId5" r:cs="rId6"/>
+          </a:graphicData>
+        </a:graphic>
+      </p:graphicFrame>
     </p:spTree>
     <p:extLst>
       <p:ext uri="{BB962C8B-B14F-4D97-AF65-F5344CB8AC3E}">
@@ -3642,7 +7560,130 @@
 </p:sld>
 </file>
 
-<file path=ppt/slides/slide11.xml><?xml version="1.0" encoding="utf-8"?>
+<file path=ppt/slides/slide15.xml><?xml version="1.0" encoding="utf-8"?>
+<p:sld xmlns:a="http://schemas.openxmlformats.org/drawingml/2006/main" xmlns:r="http://schemas.openxmlformats.org/officeDocument/2006/relationships" xmlns:p="http://schemas.openxmlformats.org/presentationml/2006/main">
+  <p:cSld>
+    <p:spTree>
+      <p:nvGrpSpPr>
+        <p:cNvPr id="1" name=""/>
+        <p:cNvGrpSpPr/>
+        <p:nvPr/>
+      </p:nvGrpSpPr>
+      <p:grpSpPr>
+        <a:xfrm>
+          <a:off x="0" y="0"/>
+          <a:ext cx="0" cy="0"/>
+          <a:chOff x="0" y="0"/>
+          <a:chExt cx="0" cy="0"/>
+        </a:xfrm>
+      </p:grpSpPr>
+      <p:sp>
+        <p:nvSpPr>
+          <p:cNvPr id="2" name="Title 1">
+            <a:extLst>
+              <a:ext uri="{FF2B5EF4-FFF2-40B4-BE49-F238E27FC236}">
+                <a16:creationId xmlns:a16="http://schemas.microsoft.com/office/drawing/2014/main" id="{6561A496-DD26-4844-90CF-756E9831B88B}"/>
+              </a:ext>
+            </a:extLst>
+          </p:cNvPr>
+          <p:cNvSpPr>
+            <a:spLocks noGrp="1"/>
+          </p:cNvSpPr>
+          <p:nvPr>
+            <p:ph type="ctrTitle"/>
+          </p:nvPr>
+        </p:nvSpPr>
+        <p:spPr>
+          <a:xfrm>
+            <a:off x="350080" y="295564"/>
+            <a:ext cx="9245460" cy="3255264"/>
+          </a:xfrm>
+        </p:spPr>
+        <p:txBody>
+          <a:bodyPr/>
+          <a:lstStyle/>
+          <a:p>
+            <a:r>
+              <a:rPr lang="en-US" b="1" dirty="0"/>
+              <a:t>Audience </a:t>
+            </a:r>
+            <a:r>
+              <a:rPr lang="en-US" b="1" dirty="0" err="1"/>
+              <a:t>q&amp;A</a:t>
+            </a:r>
+            <a:endParaRPr lang="en-US" b="1" dirty="0"/>
+          </a:p>
+        </p:txBody>
+      </p:sp>
+      <p:pic>
+        <p:nvPicPr>
+          <p:cNvPr id="8" name="Picture 7">
+            <a:extLst>
+              <a:ext uri="{FF2B5EF4-FFF2-40B4-BE49-F238E27FC236}">
+                <a16:creationId xmlns:a16="http://schemas.microsoft.com/office/drawing/2014/main" id="{D56E2E72-240F-CD49-8250-B1CEE2D589DE}"/>
+              </a:ext>
+            </a:extLst>
+          </p:cNvPr>
+          <p:cNvPicPr>
+            <a:picLocks noChangeAspect="1"/>
+          </p:cNvPicPr>
+          <p:nvPr/>
+        </p:nvPicPr>
+        <p:blipFill>
+          <a:blip r:embed="rId2"/>
+          <a:stretch>
+            <a:fillRect/>
+          </a:stretch>
+        </p:blipFill>
+        <p:spPr>
+          <a:xfrm>
+            <a:off x="9401577" y="758282"/>
+            <a:ext cx="2363298" cy="5341436"/>
+          </a:xfrm>
+          <a:prstGeom prst="rect">
+            <a:avLst/>
+          </a:prstGeom>
+        </p:spPr>
+      </p:pic>
+      <p:sp>
+        <p:nvSpPr>
+          <p:cNvPr id="5" name="Subtitle 4">
+            <a:extLst>
+              <a:ext uri="{FF2B5EF4-FFF2-40B4-BE49-F238E27FC236}">
+                <a16:creationId xmlns:a16="http://schemas.microsoft.com/office/drawing/2014/main" id="{F36DB4CC-7D6B-43AF-A498-A56EADAD192D}"/>
+              </a:ext>
+            </a:extLst>
+          </p:cNvPr>
+          <p:cNvSpPr>
+            <a:spLocks noGrp="1"/>
+          </p:cNvSpPr>
+          <p:nvPr>
+            <p:ph type="subTitle" idx="1"/>
+          </p:nvPr>
+        </p:nvSpPr>
+        <p:spPr/>
+        <p:txBody>
+          <a:bodyPr/>
+          <a:lstStyle/>
+          <a:p>
+            <a:endParaRPr lang="en-US"/>
+          </a:p>
+        </p:txBody>
+      </p:sp>
+    </p:spTree>
+    <p:extLst>
+      <p:ext uri="{BB962C8B-B14F-4D97-AF65-F5344CB8AC3E}">
+        <p14:creationId xmlns:p14="http://schemas.microsoft.com/office/powerpoint/2010/main" val="1943720908"/>
+      </p:ext>
+    </p:extLst>
+  </p:cSld>
+  <p:clrMapOvr>
+    <a:masterClrMapping/>
+  </p:clrMapOvr>
+</p:sld>
+</file>
+
+<file path=ppt/slides/slide16.xml><?xml version="1.0" encoding="utf-8"?>
 <p:sld xmlns:a="http://schemas.openxmlformats.org/drawingml/2006/main" xmlns:r="http://schemas.openxmlformats.org/officeDocument/2006/relationships" xmlns:p="http://schemas.openxmlformats.org/presentationml/2006/main">
   <p:cSld>
     <p:spTree>
@@ -3752,239 +7793,33 @@
 </p:sld>
 </file>
 
-<file path=ppt/slides/slide12.xml><?xml version="1.0" encoding="utf-8"?>
-<p:sld xmlns:a="http://schemas.openxmlformats.org/drawingml/2006/main" xmlns:r="http://schemas.openxmlformats.org/officeDocument/2006/relationships" xmlns:p="http://schemas.openxmlformats.org/presentationml/2006/main">
-  <p:cSld>
-    <p:spTree>
-      <p:nvGrpSpPr>
-        <p:cNvPr id="1" name=""/>
-        <p:cNvGrpSpPr/>
-        <p:nvPr/>
-      </p:nvGrpSpPr>
-      <p:grpSpPr>
-        <a:xfrm>
-          <a:off x="0" y="0"/>
-          <a:ext cx="0" cy="0"/>
-          <a:chOff x="0" y="0"/>
-          <a:chExt cx="0" cy="0"/>
-        </a:xfrm>
-      </p:grpSpPr>
-      <p:sp>
-        <p:nvSpPr>
-          <p:cNvPr id="2" name="Title 1">
-            <a:extLst>
-              <a:ext uri="{FF2B5EF4-FFF2-40B4-BE49-F238E27FC236}">
-                <a16:creationId xmlns:a16="http://schemas.microsoft.com/office/drawing/2014/main" id="{F0EC7778-C3B4-7C47-8810-7F6B9EF3AAB1}"/>
-              </a:ext>
-            </a:extLst>
-          </p:cNvPr>
-          <p:cNvSpPr>
-            <a:spLocks noGrp="1"/>
-          </p:cNvSpPr>
-          <p:nvPr>
-            <p:ph type="title"/>
-          </p:nvPr>
-        </p:nvSpPr>
-        <p:spPr>
-          <a:xfrm>
-            <a:off x="415001" y="956411"/>
-            <a:ext cx="3108784" cy="4601183"/>
-          </a:xfrm>
-        </p:spPr>
-        <p:txBody>
-          <a:bodyPr>
-            <a:normAutofit/>
-          </a:bodyPr>
-          <a:lstStyle/>
-          <a:p>
-            <a:r>
-              <a:rPr lang="en-US" dirty="0"/>
-              <a:t>Optimal Strategy…</a:t>
-            </a:r>
-          </a:p>
-        </p:txBody>
-      </p:sp>
-      <p:sp>
-        <p:nvSpPr>
-          <p:cNvPr id="3" name="Content Placeholder 2">
-            <a:extLst>
-              <a:ext uri="{FF2B5EF4-FFF2-40B4-BE49-F238E27FC236}">
-                <a16:creationId xmlns:a16="http://schemas.microsoft.com/office/drawing/2014/main" id="{4D0AA046-4A97-7143-92ED-6474CADC10C1}"/>
-              </a:ext>
-            </a:extLst>
-          </p:cNvPr>
-          <p:cNvSpPr>
-            <a:spLocks noGrp="1"/>
-          </p:cNvSpPr>
-          <p:nvPr>
-            <p:ph idx="1"/>
-          </p:nvPr>
-        </p:nvSpPr>
-        <p:spPr/>
-        <p:txBody>
-          <a:bodyPr/>
-          <a:lstStyle/>
-          <a:p>
-            <a:r>
-              <a:rPr lang="en-US" dirty="0"/>
-              <a:t>(at end of presentation, insert the strategy we recommend)</a:t>
-            </a:r>
-          </a:p>
-        </p:txBody>
-      </p:sp>
-      <p:pic>
-        <p:nvPicPr>
-          <p:cNvPr id="4" name="Picture 3">
-            <a:extLst>
-              <a:ext uri="{FF2B5EF4-FFF2-40B4-BE49-F238E27FC236}">
-                <a16:creationId xmlns:a16="http://schemas.microsoft.com/office/drawing/2014/main" id="{86509FF5-0249-4777-8B99-A5DEABF90851}"/>
-              </a:ext>
-            </a:extLst>
-          </p:cNvPr>
-          <p:cNvPicPr>
-            <a:picLocks noChangeAspect="1"/>
-          </p:cNvPicPr>
-          <p:nvPr/>
-        </p:nvPicPr>
-        <p:blipFill>
-          <a:blip r:embed="rId2"/>
-          <a:stretch>
-            <a:fillRect/>
-          </a:stretch>
-        </p:blipFill>
-        <p:spPr>
-          <a:xfrm>
-            <a:off x="11802043" y="6037518"/>
-            <a:ext cx="363019" cy="820482"/>
-          </a:xfrm>
-          <a:prstGeom prst="rect">
-            <a:avLst/>
-          </a:prstGeom>
-        </p:spPr>
-      </p:pic>
-    </p:spTree>
-    <p:extLst>
-      <p:ext uri="{BB962C8B-B14F-4D97-AF65-F5344CB8AC3E}">
-        <p14:creationId xmlns:p14="http://schemas.microsoft.com/office/powerpoint/2010/main" val="3061932847"/>
-      </p:ext>
-    </p:extLst>
-  </p:cSld>
-  <p:clrMapOvr>
-    <a:masterClrMapping/>
-  </p:clrMapOvr>
-</p:sld>
-</file>
-
-<file path=ppt/slides/slide13.xml><?xml version="1.0" encoding="utf-8"?>
-<p:sld xmlns:a="http://schemas.openxmlformats.org/drawingml/2006/main" xmlns:r="http://schemas.openxmlformats.org/officeDocument/2006/relationships" xmlns:p="http://schemas.openxmlformats.org/presentationml/2006/main">
-  <p:cSld>
-    <p:spTree>
-      <p:nvGrpSpPr>
-        <p:cNvPr id="1" name=""/>
-        <p:cNvGrpSpPr/>
-        <p:nvPr/>
-      </p:nvGrpSpPr>
-      <p:grpSpPr>
-        <a:xfrm>
-          <a:off x="0" y="0"/>
-          <a:ext cx="0" cy="0"/>
-          <a:chOff x="0" y="0"/>
-          <a:chExt cx="0" cy="0"/>
-        </a:xfrm>
-      </p:grpSpPr>
-      <p:sp>
-        <p:nvSpPr>
-          <p:cNvPr id="2" name="Title 1">
-            <a:extLst>
-              <a:ext uri="{FF2B5EF4-FFF2-40B4-BE49-F238E27FC236}">
-                <a16:creationId xmlns:a16="http://schemas.microsoft.com/office/drawing/2014/main" id="{73A3347C-D2F7-0C4C-9F5B-5F88F5BB9464}"/>
-              </a:ext>
-            </a:extLst>
-          </p:cNvPr>
-          <p:cNvSpPr>
-            <a:spLocks noGrp="1"/>
-          </p:cNvSpPr>
-          <p:nvPr>
-            <p:ph type="title"/>
-          </p:nvPr>
-        </p:nvSpPr>
-        <p:spPr/>
-        <p:txBody>
-          <a:bodyPr>
-            <a:normAutofit fontScale="90000"/>
-          </a:bodyPr>
-          <a:lstStyle/>
-          <a:p>
-            <a:r>
-              <a:rPr lang="en-US" dirty="0"/>
-              <a:t>Audience Q&amp;A</a:t>
-            </a:r>
-            <a:br>
-              <a:rPr lang="en-US" dirty="0"/>
-            </a:br>
-            <a:br>
-              <a:rPr lang="en-US" dirty="0"/>
-            </a:br>
-            <a:br>
-              <a:rPr lang="en-US" dirty="0"/>
-            </a:br>
-            <a:r>
-              <a:rPr lang="en-US" dirty="0"/>
-              <a:t>Any Questions?...</a:t>
-            </a:r>
-            <a:br>
-              <a:rPr lang="en-US" dirty="0"/>
-            </a:br>
-            <a:endParaRPr lang="en-US" dirty="0"/>
-          </a:p>
-        </p:txBody>
-      </p:sp>
-      <p:pic>
-        <p:nvPicPr>
-          <p:cNvPr id="3" name="Picture 2">
-            <a:extLst>
-              <a:ext uri="{FF2B5EF4-FFF2-40B4-BE49-F238E27FC236}">
-                <a16:creationId xmlns:a16="http://schemas.microsoft.com/office/drawing/2014/main" id="{C067EA03-ADB4-450D-B682-F12A90AA0FA8}"/>
-              </a:ext>
-            </a:extLst>
-          </p:cNvPr>
-          <p:cNvPicPr>
-            <a:picLocks noChangeAspect="1"/>
-          </p:cNvPicPr>
-          <p:nvPr/>
-        </p:nvPicPr>
-        <p:blipFill>
-          <a:blip r:embed="rId2"/>
-          <a:stretch>
-            <a:fillRect/>
-          </a:stretch>
-        </p:blipFill>
-        <p:spPr>
-          <a:xfrm>
-            <a:off x="11802043" y="6037518"/>
-            <a:ext cx="363019" cy="820482"/>
-          </a:xfrm>
-          <a:prstGeom prst="rect">
-            <a:avLst/>
-          </a:prstGeom>
-        </p:spPr>
-      </p:pic>
-    </p:spTree>
-    <p:extLst>
-      <p:ext uri="{BB962C8B-B14F-4D97-AF65-F5344CB8AC3E}">
-        <p14:creationId xmlns:p14="http://schemas.microsoft.com/office/powerpoint/2010/main" val="3914106210"/>
-      </p:ext>
-    </p:extLst>
-  </p:cSld>
-  <p:clrMapOvr>
-    <a:masterClrMapping/>
-  </p:clrMapOvr>
-</p:sld>
-</file>
-
 <file path=ppt/slides/slide2.xml><?xml version="1.0" encoding="utf-8"?>
 <p:sld xmlns:a="http://schemas.openxmlformats.org/drawingml/2006/main" xmlns:r="http://schemas.openxmlformats.org/officeDocument/2006/relationships" xmlns:p="http://schemas.openxmlformats.org/presentationml/2006/main">
   <p:cSld>
+    <p:bg>
+      <p:bgPr>
+        <a:gradFill rotWithShape="1">
+          <a:gsLst>
+            <a:gs pos="0">
+              <a:schemeClr val="bg2">
+                <a:tint val="94000"/>
+                <a:satMod val="80000"/>
+                <a:lumMod val="106000"/>
+              </a:schemeClr>
+            </a:gs>
+            <a:gs pos="100000">
+              <a:schemeClr val="bg2">
+                <a:shade val="80000"/>
+              </a:schemeClr>
+            </a:gs>
+          </a:gsLst>
+          <a:path path="circle">
+            <a:fillToRect l="43000" r="43000" b="100000"/>
+          </a:path>
+        </a:gradFill>
+        <a:effectLst/>
+      </p:bgPr>
+    </p:bg>
     <p:spTree>
       <p:nvGrpSpPr>
         <p:cNvPr id="1" name=""/>
@@ -4015,84 +7850,44 @@
             <p:ph type="title"/>
           </p:nvPr>
         </p:nvSpPr>
-        <p:spPr/>
-        <p:txBody>
-          <a:bodyPr>
-            <a:normAutofit/>
-          </a:bodyPr>
-          <a:lstStyle/>
-          <a:p>
-            <a:r>
-              <a:rPr lang="en-US" sz="4500" dirty="0"/>
-              <a:t>Motivation</a:t>
-            </a:r>
-            <a:br>
-              <a:rPr lang="en-US" sz="4500" dirty="0"/>
-            </a:br>
-            <a:r>
-              <a:rPr lang="en-US" sz="4500" dirty="0"/>
-              <a:t>	&amp;</a:t>
-            </a:r>
-            <a:br>
-              <a:rPr lang="en-US" sz="4500" dirty="0"/>
-            </a:br>
-            <a:r>
-              <a:rPr lang="en-US" sz="4500" dirty="0"/>
-              <a:t>Summary</a:t>
-            </a:r>
-          </a:p>
-        </p:txBody>
-      </p:sp>
-      <p:sp>
-        <p:nvSpPr>
-          <p:cNvPr id="3" name="Content Placeholder 2">
-            <a:extLst>
-              <a:ext uri="{FF2B5EF4-FFF2-40B4-BE49-F238E27FC236}">
-                <a16:creationId xmlns:a16="http://schemas.microsoft.com/office/drawing/2014/main" id="{4D67836D-701E-104A-B0E9-49ADF8B66DFA}"/>
-              </a:ext>
-            </a:extLst>
-          </p:cNvPr>
-          <p:cNvSpPr>
-            <a:spLocks noGrp="1"/>
-          </p:cNvSpPr>
-          <p:nvPr>
-            <p:ph idx="1"/>
-          </p:nvPr>
-        </p:nvSpPr>
         <p:spPr>
           <a:xfrm>
-            <a:off x="4084398" y="758952"/>
-            <a:ext cx="8080664" cy="5330952"/>
+            <a:off x="1451579" y="804519"/>
+            <a:ext cx="9603275" cy="1049235"/>
           </a:xfrm>
         </p:spPr>
         <p:txBody>
           <a:bodyPr>
-            <a:normAutofit/>
+            <a:normAutofit fontScale="90000"/>
           </a:bodyPr>
           <a:lstStyle/>
           <a:p>
-            <a:r>
-              <a:rPr lang="en-US" dirty="0"/>
-              <a:t>If then</a:t>
-            </a:r>
-          </a:p>
-          <a:p>
-            <a:endParaRPr lang="en-US" dirty="0"/>
-          </a:p>
-          <a:p>
-            <a:endParaRPr lang="en-US" dirty="0"/>
-          </a:p>
-          <a:p>
-            <a:endParaRPr lang="en-US" dirty="0"/>
-          </a:p>
-          <a:p>
-            <a:endParaRPr lang="en-US" dirty="0"/>
-          </a:p>
-          <a:p>
-            <a:endParaRPr lang="en-US" dirty="0"/>
-          </a:p>
-          <a:p>
-            <a:endParaRPr lang="en-US" dirty="0"/>
+            <a:pPr algn="ctr"/>
+            <a:r>
+              <a:rPr lang="en-US" sz="5300" dirty="0"/>
+              <a:t>Motivation &amp; Summary</a:t>
+            </a:r>
+            <a:br>
+              <a:rPr lang="en-US" sz="2700" dirty="0"/>
+            </a:br>
+            <a:br>
+              <a:rPr lang="en-US" sz="2700" dirty="0"/>
+            </a:br>
+            <a:r>
+              <a:rPr lang="en-US" sz="2700" dirty="0"/>
+              <a:t>  </a:t>
+            </a:r>
+            <a:br>
+              <a:rPr lang="en-US" sz="1300" dirty="0"/>
+            </a:br>
+            <a:r>
+              <a:rPr lang="en-US" sz="1300" dirty="0"/>
+              <a:t>	</a:t>
+            </a:r>
+            <a:br>
+              <a:rPr lang="en-US" sz="1300" dirty="0"/>
+            </a:br>
+            <a:endParaRPr lang="en-US" sz="1300" dirty="0"/>
           </a:p>
         </p:txBody>
       </p:sp>
@@ -4128,42 +7923,51 @@
       </p:pic>
       <p:sp>
         <p:nvSpPr>
-          <p:cNvPr id="4" name="TextBox 3">
+          <p:cNvPr id="6" name="Content Placeholder 5">
             <a:extLst>
               <a:ext uri="{FF2B5EF4-FFF2-40B4-BE49-F238E27FC236}">
-                <a16:creationId xmlns:a16="http://schemas.microsoft.com/office/drawing/2014/main" id="{A2B131BE-0364-4278-B328-B8502AB6AF00}"/>
+                <a16:creationId xmlns:a16="http://schemas.microsoft.com/office/drawing/2014/main" id="{8CBEB9CF-E096-43D5-9450-D2F990614CBF}"/>
               </a:ext>
             </a:extLst>
           </p:cNvPr>
-          <p:cNvSpPr txBox="1"/>
-          <p:nvPr/>
+          <p:cNvSpPr>
+            <a:spLocks noGrp="1"/>
+          </p:cNvSpPr>
+          <p:nvPr>
+            <p:ph idx="1"/>
+          </p:nvPr>
         </p:nvSpPr>
-        <p:spPr>
-          <a:xfrm>
-            <a:off x="5831175" y="768096"/>
-            <a:ext cx="4317166" cy="707886"/>
-          </a:xfrm>
-          <a:prstGeom prst="rect">
-            <a:avLst/>
-          </a:prstGeom>
-          <a:noFill/>
-        </p:spPr>
+        <p:spPr/>
         <p:txBody>
-          <a:bodyPr wrap="square" rtlCol="0">
-            <a:spAutoFit/>
-          </a:bodyPr>
+          <a:bodyPr/>
           <a:lstStyle/>
           <a:p>
-            <a:pPr algn="ctr"/>
-            <a:r>
-              <a:rPr lang="en-US" sz="4000" b="1" u="sng" dirty="0">
-                <a:solidFill>
-                  <a:schemeClr val="bg1"/>
-                </a:solidFill>
-                <a:latin typeface="+mj-lt"/>
-              </a:rPr>
-              <a:t>   Hypothesis </a:t>
-            </a:r>
+            <a:pPr marL="0" indent="0">
+              <a:buNone/>
+            </a:pPr>
+            <a:r>
+              <a:rPr lang="en-US" sz="2200" dirty="0"/>
+              <a:t>If a team has higher free throw percentage then they will have more wins</a:t>
+            </a:r>
+          </a:p>
+          <a:p>
+            <a:pPr marL="0" indent="0">
+              <a:buNone/>
+            </a:pPr>
+            <a:r>
+              <a:rPr lang="en-US" sz="2200" dirty="0"/>
+              <a:t>Free throws can impact a team’s ability to win</a:t>
+            </a:r>
+          </a:p>
+          <a:p>
+            <a:pPr lvl="1"/>
+            <a:endParaRPr lang="en-US" sz="2000" dirty="0"/>
+          </a:p>
+          <a:p>
+            <a:pPr marL="0" indent="0">
+              <a:buNone/>
+            </a:pPr>
+            <a:endParaRPr lang="en-US" sz="2200" dirty="0"/>
           </a:p>
         </p:txBody>
       </p:sp>
@@ -4202,162 +8006,6 @@
           <p:cNvPr id="2" name="Title 1">
             <a:extLst>
               <a:ext uri="{FF2B5EF4-FFF2-40B4-BE49-F238E27FC236}">
-                <a16:creationId xmlns:a16="http://schemas.microsoft.com/office/drawing/2014/main" id="{BBABA5E6-DB50-CD47-8729-DA59F1AF025E}"/>
-              </a:ext>
-            </a:extLst>
-          </p:cNvPr>
-          <p:cNvSpPr>
-            <a:spLocks noGrp="1"/>
-          </p:cNvSpPr>
-          <p:nvPr>
-            <p:ph type="title"/>
-          </p:nvPr>
-        </p:nvSpPr>
-        <p:spPr/>
-        <p:txBody>
-          <a:bodyPr/>
-          <a:lstStyle/>
-          <a:p>
-            <a:r>
-              <a:rPr lang="en-US" dirty="0"/>
-              <a:t>The Data… </a:t>
-            </a:r>
-          </a:p>
-        </p:txBody>
-      </p:sp>
-      <p:sp>
-        <p:nvSpPr>
-          <p:cNvPr id="3" name="Content Placeholder 2">
-            <a:extLst>
-              <a:ext uri="{FF2B5EF4-FFF2-40B4-BE49-F238E27FC236}">
-                <a16:creationId xmlns:a16="http://schemas.microsoft.com/office/drawing/2014/main" id="{3981BBE6-41B6-3B42-8ADA-9BFB3AAADBD0}"/>
-              </a:ext>
-            </a:extLst>
-          </p:cNvPr>
-          <p:cNvSpPr>
-            <a:spLocks noGrp="1"/>
-          </p:cNvSpPr>
-          <p:nvPr>
-            <p:ph idx="1"/>
-          </p:nvPr>
-        </p:nvSpPr>
-        <p:spPr/>
-        <p:txBody>
-          <a:bodyPr/>
-          <a:lstStyle/>
-          <a:p>
-            <a:r>
-              <a:rPr lang="en-US" dirty="0"/>
-              <a:t>Primary source: </a:t>
-            </a:r>
-            <a:r>
-              <a:rPr lang="en-US" dirty="0">
-                <a:hlinkClick r:id="rId2"/>
-              </a:rPr>
-              <a:t>nba.com</a:t>
-            </a:r>
-            <a:endParaRPr lang="en-US" dirty="0"/>
-          </a:p>
-          <a:p>
-            <a:endParaRPr lang="en-US" dirty="0"/>
-          </a:p>
-          <a:p>
-            <a:r>
-              <a:rPr lang="en-US" dirty="0"/>
-              <a:t>Consolidated stats on team by team basis over seven seasons starting in 2012</a:t>
-            </a:r>
-          </a:p>
-          <a:p>
-            <a:endParaRPr lang="en-US" dirty="0"/>
-          </a:p>
-          <a:p>
-            <a:r>
-              <a:rPr lang="en-US" dirty="0"/>
-              <a:t>Data used for analysis</a:t>
-            </a:r>
-          </a:p>
-          <a:p>
-            <a:pPr lvl="1"/>
-            <a:r>
-              <a:rPr lang="en-US" dirty="0"/>
-              <a:t>Home/</a:t>
-            </a:r>
-            <a:r>
-              <a:rPr lang="en-US"/>
-              <a:t>Away, Wins</a:t>
-            </a:r>
-            <a:r>
-              <a:rPr lang="en-US" dirty="0"/>
-              <a:t>, Loss,  Win%, FT Made, FT Attempted, FT%, Win Rank, Loss Rank,  Win % Rank, FT Made Rank, FT Attempted Rank,  FT % Rank, Total Points</a:t>
-            </a:r>
-          </a:p>
-        </p:txBody>
-      </p:sp>
-      <p:pic>
-        <p:nvPicPr>
-          <p:cNvPr id="4" name="Picture 3">
-            <a:extLst>
-              <a:ext uri="{FF2B5EF4-FFF2-40B4-BE49-F238E27FC236}">
-                <a16:creationId xmlns:a16="http://schemas.microsoft.com/office/drawing/2014/main" id="{B4025A72-5DB8-4975-9D13-82E70F77AD5C}"/>
-              </a:ext>
-            </a:extLst>
-          </p:cNvPr>
-          <p:cNvPicPr>
-            <a:picLocks noChangeAspect="1"/>
-          </p:cNvPicPr>
-          <p:nvPr/>
-        </p:nvPicPr>
-        <p:blipFill>
-          <a:blip r:embed="rId3"/>
-          <a:stretch>
-            <a:fillRect/>
-          </a:stretch>
-        </p:blipFill>
-        <p:spPr>
-          <a:xfrm>
-            <a:off x="11802043" y="6037518"/>
-            <a:ext cx="363019" cy="820482"/>
-          </a:xfrm>
-          <a:prstGeom prst="rect">
-            <a:avLst/>
-          </a:prstGeom>
-        </p:spPr>
-      </p:pic>
-    </p:spTree>
-    <p:extLst>
-      <p:ext uri="{BB962C8B-B14F-4D97-AF65-F5344CB8AC3E}">
-        <p14:creationId xmlns:p14="http://schemas.microsoft.com/office/powerpoint/2010/main" val="3049008599"/>
-      </p:ext>
-    </p:extLst>
-  </p:cSld>
-  <p:clrMapOvr>
-    <a:masterClrMapping/>
-  </p:clrMapOvr>
-</p:sld>
-</file>
-
-<file path=ppt/slides/slide4.xml><?xml version="1.0" encoding="utf-8"?>
-<p:sld xmlns:a="http://schemas.openxmlformats.org/drawingml/2006/main" xmlns:r="http://schemas.openxmlformats.org/officeDocument/2006/relationships" xmlns:p="http://schemas.openxmlformats.org/presentationml/2006/main">
-  <p:cSld>
-    <p:spTree>
-      <p:nvGrpSpPr>
-        <p:cNvPr id="1" name=""/>
-        <p:cNvGrpSpPr/>
-        <p:nvPr/>
-      </p:nvGrpSpPr>
-      <p:grpSpPr>
-        <a:xfrm>
-          <a:off x="0" y="0"/>
-          <a:ext cx="0" cy="0"/>
-          <a:chOff x="0" y="0"/>
-          <a:chExt cx="0" cy="0"/>
-        </a:xfrm>
-      </p:grpSpPr>
-      <p:sp>
-        <p:nvSpPr>
-          <p:cNvPr id="2" name="Title 1">
-            <a:extLst>
-              <a:ext uri="{FF2B5EF4-FFF2-40B4-BE49-F238E27FC236}">
                 <a16:creationId xmlns:a16="http://schemas.microsoft.com/office/drawing/2014/main" id="{5F957B45-5647-6247-B187-C1506778E6B8}"/>
               </a:ext>
             </a:extLst>
@@ -4371,7 +8019,9 @@
         </p:nvSpPr>
         <p:spPr/>
         <p:txBody>
-          <a:bodyPr/>
+          <a:bodyPr>
+            <a:normAutofit/>
+          </a:bodyPr>
           <a:lstStyle/>
           <a:p>
             <a:br>
@@ -4411,8 +8061,44 @@
             </a:pPr>
             <a:r>
               <a:rPr lang="en-US" dirty="0"/>
-              <a:t>???</a:t>
-            </a:r>
+              <a:t>Do teams that win more games have a higher free throw percentage?</a:t>
+            </a:r>
+          </a:p>
+          <a:p>
+            <a:pPr>
+              <a:buFont typeface="Arial" panose="020B0604020202020204" pitchFamily="34" charset="0"/>
+              <a:buChar char="•"/>
+            </a:pPr>
+            <a:r>
+              <a:rPr lang="en-US" dirty="0"/>
+              <a:t>Do teams that win more games have more free throw attempts?</a:t>
+            </a:r>
+          </a:p>
+          <a:p>
+            <a:pPr>
+              <a:buFont typeface="Arial" panose="020B0604020202020204" pitchFamily="34" charset="0"/>
+              <a:buChar char="•"/>
+            </a:pPr>
+            <a:r>
+              <a:rPr lang="en-US" dirty="0"/>
+              <a:t>Do teams that win more games make more free throws?</a:t>
+            </a:r>
+          </a:p>
+          <a:p>
+            <a:pPr>
+              <a:buFont typeface="Arial" panose="020B0604020202020204" pitchFamily="34" charset="0"/>
+              <a:buChar char="•"/>
+            </a:pPr>
+            <a:r>
+              <a:rPr lang="en-US" dirty="0"/>
+              <a:t>Is there a bias in free throw attempts toward home teams?</a:t>
+            </a:r>
+          </a:p>
+          <a:p>
+            <a:pPr>
+              <a:buFont typeface="Arial" panose="020B0604020202020204" pitchFamily="34" charset="0"/>
+              <a:buChar char="•"/>
+            </a:pPr>
             <a:br>
               <a:rPr lang="en-US" dirty="0"/>
             </a:br>
@@ -4512,6 +8198,680 @@
 </p:sld>
 </file>
 
+<file path=ppt/slides/slide4.xml><?xml version="1.0" encoding="utf-8"?>
+<p:sld xmlns:a="http://schemas.openxmlformats.org/drawingml/2006/main" xmlns:r="http://schemas.openxmlformats.org/officeDocument/2006/relationships" xmlns:p="http://schemas.openxmlformats.org/presentationml/2006/main">
+  <p:cSld>
+    <p:bg>
+      <p:bgPr>
+        <a:gradFill rotWithShape="1">
+          <a:gsLst>
+            <a:gs pos="0">
+              <a:schemeClr val="bg2">
+                <a:tint val="94000"/>
+                <a:satMod val="80000"/>
+                <a:lumMod val="106000"/>
+              </a:schemeClr>
+            </a:gs>
+            <a:gs pos="100000">
+              <a:schemeClr val="bg2">
+                <a:shade val="80000"/>
+              </a:schemeClr>
+            </a:gs>
+          </a:gsLst>
+          <a:path path="circle">
+            <a:fillToRect l="43000" r="43000" b="100000"/>
+          </a:path>
+        </a:gradFill>
+        <a:effectLst/>
+      </p:bgPr>
+    </p:bg>
+    <p:spTree>
+      <p:nvGrpSpPr>
+        <p:cNvPr id="1" name=""/>
+        <p:cNvGrpSpPr/>
+        <p:nvPr/>
+      </p:nvGrpSpPr>
+      <p:grpSpPr>
+        <a:xfrm>
+          <a:off x="0" y="0"/>
+          <a:ext cx="0" cy="0"/>
+          <a:chOff x="0" y="0"/>
+          <a:chExt cx="0" cy="0"/>
+        </a:xfrm>
+      </p:grpSpPr>
+      <p:sp>
+        <p:nvSpPr>
+          <p:cNvPr id="54" name="Rectangle 53">
+            <a:extLst>
+              <a:ext uri="{FF2B5EF4-FFF2-40B4-BE49-F238E27FC236}">
+                <a16:creationId xmlns:a16="http://schemas.microsoft.com/office/drawing/2014/main" id="{EEA869E1-F851-4A52-92F5-77E592B76A5B}"/>
+              </a:ext>
+              <a:ext uri="{C183D7F6-B498-43B3-948B-1728B52AA6E4}">
+                <adec:decorative xmlns:adec="http://schemas.microsoft.com/office/drawing/2017/decorative" val="1"/>
+              </a:ext>
+            </a:extLst>
+          </p:cNvPr>
+          <p:cNvSpPr>
+            <a:spLocks noGrp="1" noRot="1" noChangeAspect="1" noMove="1" noResize="1" noEditPoints="1" noAdjustHandles="1" noChangeArrowheads="1" noChangeShapeType="1" noTextEdit="1"/>
+          </p:cNvSpPr>
+          <p:nvPr>
+            <p:extLst>
+              <p:ext uri="{386F3935-93C4-4BCD-93E2-E3B085C9AB24}">
+                <p16:designElem xmlns:p16="http://schemas.microsoft.com/office/powerpoint/2015/main" val="1"/>
+              </p:ext>
+            </p:extLst>
+          </p:nvPr>
+        </p:nvSpPr>
+        <p:spPr>
+          <a:xfrm>
+            <a:off x="0" y="2019476"/>
+            <a:ext cx="12192000" cy="4105941"/>
+          </a:xfrm>
+          <a:prstGeom prst="rect">
+            <a:avLst/>
+          </a:prstGeom>
+          <a:gradFill flip="none" rotWithShape="1">
+            <a:gsLst>
+              <a:gs pos="0">
+                <a:schemeClr val="bg2">
+                  <a:alpha val="0"/>
+                </a:schemeClr>
+              </a:gs>
+              <a:gs pos="100000">
+                <a:schemeClr val="bg2"/>
+              </a:gs>
+            </a:gsLst>
+            <a:lin ang="5400000" scaled="0"/>
+            <a:tileRect/>
+          </a:gradFill>
+          <a:ln>
+            <a:noFill/>
+          </a:ln>
+        </p:spPr>
+        <p:style>
+          <a:lnRef idx="2">
+            <a:schemeClr val="accent1">
+              <a:shade val="50000"/>
+            </a:schemeClr>
+          </a:lnRef>
+          <a:fillRef idx="1">
+            <a:schemeClr val="accent1"/>
+          </a:fillRef>
+          <a:effectRef idx="0">
+            <a:schemeClr val="accent1"/>
+          </a:effectRef>
+          <a:fontRef idx="minor">
+            <a:schemeClr val="lt1"/>
+          </a:fontRef>
+        </p:style>
+      </p:sp>
+      <p:pic>
+        <p:nvPicPr>
+          <p:cNvPr id="56" name="Picture 55">
+            <a:extLst>
+              <a:ext uri="{FF2B5EF4-FFF2-40B4-BE49-F238E27FC236}">
+                <a16:creationId xmlns:a16="http://schemas.microsoft.com/office/drawing/2014/main" id="{B083AD55-8296-44BD-8E14-DD2DDBC351B0}"/>
+              </a:ext>
+              <a:ext uri="{C183D7F6-B498-43B3-948B-1728B52AA6E4}">
+                <adec:decorative xmlns:adec="http://schemas.microsoft.com/office/drawing/2017/decorative" val="1"/>
+              </a:ext>
+            </a:extLst>
+          </p:cNvPr>
+          <p:cNvPicPr>
+            <a:picLocks noGrp="1" noRot="1" noChangeAspect="1" noMove="1" noResize="1" noEditPoints="1" noAdjustHandles="1" noChangeArrowheads="1" noChangeShapeType="1" noCrop="1"/>
+          </p:cNvPicPr>
+          <p:nvPr>
+            <p:extLst>
+              <p:ext uri="{386F3935-93C4-4BCD-93E2-E3B085C9AB24}">
+                <p16:designElem xmlns:p16="http://schemas.microsoft.com/office/powerpoint/2015/main" val="1"/>
+              </p:ext>
+            </p:extLst>
+          </p:nvPr>
+        </p:nvPicPr>
+        <p:blipFill rotWithShape="1">
+          <a:blip r:embed="rId2">
+            <a:extLst>
+              <a:ext uri="{28A0092B-C50C-407E-A947-70E740481C1C}">
+                <a14:useLocalDpi xmlns:a14="http://schemas.microsoft.com/office/drawing/2010/main" val="0"/>
+              </a:ext>
+            </a:extLst>
+          </a:blip>
+          <a:srcRect t="1538" b="-1538"/>
+          <a:stretch/>
+        </p:blipFill>
+        <p:spPr bwMode="black">
+          <a:xfrm>
+            <a:off x="0" y="6126480"/>
+            <a:ext cx="12192000" cy="742950"/>
+          </a:xfrm>
+          <a:prstGeom prst="rect">
+            <a:avLst/>
+          </a:prstGeom>
+        </p:spPr>
+      </p:pic>
+      <p:cxnSp>
+        <p:nvCxnSpPr>
+          <p:cNvPr id="58" name="Straight Connector 57">
+            <a:extLst>
+              <a:ext uri="{FF2B5EF4-FFF2-40B4-BE49-F238E27FC236}">
+                <a16:creationId xmlns:a16="http://schemas.microsoft.com/office/drawing/2014/main" id="{2BF46B26-15FC-4C5A-94FA-AE9ED64B5C20}"/>
+              </a:ext>
+              <a:ext uri="{C183D7F6-B498-43B3-948B-1728B52AA6E4}">
+                <adec:decorative xmlns:adec="http://schemas.microsoft.com/office/drawing/2017/decorative" val="1"/>
+              </a:ext>
+            </a:extLst>
+          </p:cNvPr>
+          <p:cNvCxnSpPr>
+            <a:cxnSpLocks noGrp="1" noRot="1" noChangeAspect="1" noMove="1" noResize="1" noEditPoints="1" noAdjustHandles="1" noChangeArrowheads="1" noChangeShapeType="1"/>
+          </p:cNvCxnSpPr>
+          <p:nvPr>
+            <p:extLst>
+              <p:ext uri="{386F3935-93C4-4BCD-93E2-E3B085C9AB24}">
+                <p16:designElem xmlns:p16="http://schemas.microsoft.com/office/powerpoint/2015/main" val="1"/>
+              </p:ext>
+            </p:extLst>
+          </p:nvPr>
+        </p:nvCxnSpPr>
+        <p:spPr>
+          <a:xfrm>
+            <a:off x="0" y="6128413"/>
+            <a:ext cx="12192000" cy="0"/>
+          </a:xfrm>
+          <a:prstGeom prst="line">
+            <a:avLst/>
+          </a:prstGeom>
+          <a:ln w="12700">
+            <a:solidFill>
+              <a:srgbClr val="000001">
+                <a:alpha val="20000"/>
+              </a:srgbClr>
+            </a:solidFill>
+          </a:ln>
+        </p:spPr>
+        <p:style>
+          <a:lnRef idx="1">
+            <a:schemeClr val="accent1"/>
+          </a:lnRef>
+          <a:fillRef idx="0">
+            <a:schemeClr val="accent1"/>
+          </a:fillRef>
+          <a:effectRef idx="0">
+            <a:schemeClr val="accent1"/>
+          </a:effectRef>
+          <a:fontRef idx="minor">
+            <a:schemeClr val="tx1"/>
+          </a:fontRef>
+        </p:style>
+      </p:cxnSp>
+      <p:cxnSp>
+        <p:nvCxnSpPr>
+          <p:cNvPr id="60" name="Straight Connector 59">
+            <a:extLst>
+              <a:ext uri="{FF2B5EF4-FFF2-40B4-BE49-F238E27FC236}">
+                <a16:creationId xmlns:a16="http://schemas.microsoft.com/office/drawing/2014/main" id="{912F6065-5345-44BD-B66E-5487CCD7A9B9}"/>
+              </a:ext>
+              <a:ext uri="{C183D7F6-B498-43B3-948B-1728B52AA6E4}">
+                <adec:decorative xmlns:adec="http://schemas.microsoft.com/office/drawing/2017/decorative" val="1"/>
+              </a:ext>
+            </a:extLst>
+          </p:cNvPr>
+          <p:cNvCxnSpPr>
+            <a:cxnSpLocks noGrp="1" noRot="1" noChangeAspect="1" noMove="1" noResize="1" noEditPoints="1" noAdjustHandles="1" noChangeArrowheads="1" noChangeShapeType="1"/>
+          </p:cNvCxnSpPr>
+          <p:nvPr>
+            <p:extLst>
+              <p:ext uri="{386F3935-93C4-4BCD-93E2-E3B085C9AB24}">
+                <p16:designElem xmlns:p16="http://schemas.microsoft.com/office/powerpoint/2015/main" val="1"/>
+              </p:ext>
+            </p:extLst>
+          </p:nvPr>
+        </p:nvCxnSpPr>
+        <p:spPr>
+          <a:xfrm>
+            <a:off x="2417780" y="3528542"/>
+            <a:ext cx="8637072" cy="0"/>
+          </a:xfrm>
+          <a:prstGeom prst="line">
+            <a:avLst/>
+          </a:prstGeom>
+          <a:ln w="31750"/>
+        </p:spPr>
+        <p:style>
+          <a:lnRef idx="3">
+            <a:schemeClr val="accent1"/>
+          </a:lnRef>
+          <a:fillRef idx="0">
+            <a:schemeClr val="accent1"/>
+          </a:fillRef>
+          <a:effectRef idx="2">
+            <a:schemeClr val="accent1"/>
+          </a:effectRef>
+          <a:fontRef idx="minor">
+            <a:schemeClr val="tx1"/>
+          </a:fontRef>
+        </p:style>
+      </p:cxnSp>
+      <p:sp useBgFill="1">
+        <p:nvSpPr>
+          <p:cNvPr id="62" name="Rectangle 61">
+            <a:extLst>
+              <a:ext uri="{FF2B5EF4-FFF2-40B4-BE49-F238E27FC236}">
+                <a16:creationId xmlns:a16="http://schemas.microsoft.com/office/drawing/2014/main" id="{0EF77632-1A0C-4B9F-829B-226E68A78E9F}"/>
+              </a:ext>
+              <a:ext uri="{C183D7F6-B498-43B3-948B-1728B52AA6E4}">
+                <adec:decorative xmlns:adec="http://schemas.microsoft.com/office/drawing/2017/decorative" val="1"/>
+              </a:ext>
+            </a:extLst>
+          </p:cNvPr>
+          <p:cNvSpPr>
+            <a:spLocks noGrp="1" noRot="1" noChangeAspect="1" noMove="1" noResize="1" noEditPoints="1" noAdjustHandles="1" noChangeArrowheads="1" noChangeShapeType="1" noTextEdit="1"/>
+          </p:cNvSpPr>
+          <p:nvPr>
+            <p:extLst>
+              <p:ext uri="{386F3935-93C4-4BCD-93E2-E3B085C9AB24}">
+                <p16:designElem xmlns:p16="http://schemas.microsoft.com/office/powerpoint/2015/main" val="1"/>
+              </p:ext>
+            </p:extLst>
+          </p:nvPr>
+        </p:nvSpPr>
+        <p:spPr>
+          <a:xfrm>
+            <a:off x="2" y="0"/>
+            <a:ext cx="12191695" cy="6858000"/>
+          </a:xfrm>
+          <a:prstGeom prst="rect">
+            <a:avLst/>
+          </a:prstGeom>
+          <a:ln>
+            <a:noFill/>
+          </a:ln>
+        </p:spPr>
+        <p:style>
+          <a:lnRef idx="2">
+            <a:schemeClr val="accent1">
+              <a:shade val="50000"/>
+            </a:schemeClr>
+          </a:lnRef>
+          <a:fillRef idx="1">
+            <a:schemeClr val="accent1"/>
+          </a:fillRef>
+          <a:effectRef idx="0">
+            <a:schemeClr val="accent1"/>
+          </a:effectRef>
+          <a:fontRef idx="minor">
+            <a:schemeClr val="lt1"/>
+          </a:fontRef>
+        </p:style>
+        <p:txBody>
+          <a:bodyPr rtlCol="0" anchor="ctr"/>
+          <a:lstStyle/>
+          <a:p>
+            <a:pPr algn="ctr"/>
+            <a:endParaRPr lang="en-US"/>
+          </a:p>
+        </p:txBody>
+      </p:sp>
+      <p:sp>
+        <p:nvSpPr>
+          <p:cNvPr id="64" name="Rectangle 63">
+            <a:extLst>
+              <a:ext uri="{FF2B5EF4-FFF2-40B4-BE49-F238E27FC236}">
+                <a16:creationId xmlns:a16="http://schemas.microsoft.com/office/drawing/2014/main" id="{F3DCFC27-6BCE-42B6-8372-070EA07685D7}"/>
+              </a:ext>
+              <a:ext uri="{C183D7F6-B498-43B3-948B-1728B52AA6E4}">
+                <adec:decorative xmlns:adec="http://schemas.microsoft.com/office/drawing/2017/decorative" val="1"/>
+              </a:ext>
+            </a:extLst>
+          </p:cNvPr>
+          <p:cNvSpPr>
+            <a:spLocks noGrp="1" noRot="1" noChangeAspect="1" noMove="1" noResize="1" noEditPoints="1" noAdjustHandles="1" noChangeArrowheads="1" noChangeShapeType="1" noTextEdit="1"/>
+          </p:cNvSpPr>
+          <p:nvPr>
+            <p:extLst>
+              <p:ext uri="{386F3935-93C4-4BCD-93E2-E3B085C9AB24}">
+                <p16:designElem xmlns:p16="http://schemas.microsoft.com/office/powerpoint/2015/main" val="1"/>
+              </p:ext>
+            </p:extLst>
+          </p:nvPr>
+        </p:nvSpPr>
+        <p:spPr>
+          <a:xfrm>
+            <a:off x="0" y="2019476"/>
+            <a:ext cx="12192000" cy="4105941"/>
+          </a:xfrm>
+          <a:prstGeom prst="rect">
+            <a:avLst/>
+          </a:prstGeom>
+          <a:gradFill flip="none" rotWithShape="1">
+            <a:gsLst>
+              <a:gs pos="0">
+                <a:schemeClr val="bg2">
+                  <a:alpha val="0"/>
+                </a:schemeClr>
+              </a:gs>
+              <a:gs pos="100000">
+                <a:schemeClr val="bg2"/>
+              </a:gs>
+            </a:gsLst>
+            <a:lin ang="5400000" scaled="0"/>
+            <a:tileRect/>
+          </a:gradFill>
+          <a:ln>
+            <a:noFill/>
+          </a:ln>
+        </p:spPr>
+        <p:style>
+          <a:lnRef idx="2">
+            <a:schemeClr val="accent1">
+              <a:shade val="50000"/>
+            </a:schemeClr>
+          </a:lnRef>
+          <a:fillRef idx="1">
+            <a:schemeClr val="accent1"/>
+          </a:fillRef>
+          <a:effectRef idx="0">
+            <a:schemeClr val="accent1"/>
+          </a:effectRef>
+          <a:fontRef idx="minor">
+            <a:schemeClr val="lt1"/>
+          </a:fontRef>
+        </p:style>
+        <p:txBody>
+          <a:bodyPr rtlCol="0" anchor="ctr"/>
+          <a:lstStyle/>
+          <a:p>
+            <a:pPr lvl="0" algn="ctr"/>
+            <a:endParaRPr lang="en-US"/>
+          </a:p>
+        </p:txBody>
+      </p:sp>
+      <p:sp>
+        <p:nvSpPr>
+          <p:cNvPr id="2" name="Title 1">
+            <a:extLst>
+              <a:ext uri="{FF2B5EF4-FFF2-40B4-BE49-F238E27FC236}">
+                <a16:creationId xmlns:a16="http://schemas.microsoft.com/office/drawing/2014/main" id="{BBABA5E6-DB50-CD47-8729-DA59F1AF025E}"/>
+              </a:ext>
+            </a:extLst>
+          </p:cNvPr>
+          <p:cNvSpPr>
+            <a:spLocks noGrp="1"/>
+          </p:cNvSpPr>
+          <p:nvPr>
+            <p:ph type="title"/>
+          </p:nvPr>
+        </p:nvSpPr>
+        <p:spPr>
+          <a:xfrm>
+            <a:off x="1737635" y="5098194"/>
+            <a:ext cx="8637073" cy="558063"/>
+          </a:xfrm>
+        </p:spPr>
+        <p:txBody>
+          <a:bodyPr vert="horz" lIns="91440" tIns="45720" rIns="91440" bIns="0" rtlCol="0" anchor="b">
+            <a:normAutofit/>
+          </a:bodyPr>
+          <a:lstStyle/>
+          <a:p>
+            <a:r>
+              <a:rPr lang="en-US" sz="3600"/>
+              <a:t>Our Data Source</a:t>
+            </a:r>
+            <a:endParaRPr lang="en-US" sz="3600" dirty="0"/>
+          </a:p>
+        </p:txBody>
+      </p:sp>
+      <p:pic>
+        <p:nvPicPr>
+          <p:cNvPr id="6" name="Picture 5">
+            <a:extLst>
+              <a:ext uri="{FF2B5EF4-FFF2-40B4-BE49-F238E27FC236}">
+                <a16:creationId xmlns:a16="http://schemas.microsoft.com/office/drawing/2014/main" id="{9FA96B2D-16E6-49F0-B890-73C764E31398}"/>
+              </a:ext>
+            </a:extLst>
+          </p:cNvPr>
+          <p:cNvPicPr>
+            <a:picLocks noChangeAspect="1"/>
+          </p:cNvPicPr>
+          <p:nvPr/>
+        </p:nvPicPr>
+        <p:blipFill>
+          <a:blip r:embed="rId3"/>
+          <a:stretch>
+            <a:fillRect/>
+          </a:stretch>
+        </p:blipFill>
+        <p:spPr>
+          <a:xfrm>
+            <a:off x="1" y="60588"/>
+            <a:ext cx="5347853" cy="4887914"/>
+          </a:xfrm>
+          <a:prstGeom prst="rect">
+            <a:avLst/>
+          </a:prstGeom>
+        </p:spPr>
+      </p:pic>
+      <p:pic>
+        <p:nvPicPr>
+          <p:cNvPr id="24" name="Content Placeholder 4">
+            <a:extLst>
+              <a:ext uri="{FF2B5EF4-FFF2-40B4-BE49-F238E27FC236}">
+                <a16:creationId xmlns:a16="http://schemas.microsoft.com/office/drawing/2014/main" id="{7A7FC0E7-04C2-49EA-85A1-21621F27D001}"/>
+              </a:ext>
+            </a:extLst>
+          </p:cNvPr>
+          <p:cNvPicPr>
+            <a:picLocks noGrp="1" noChangeAspect="1"/>
+          </p:cNvPicPr>
+          <p:nvPr>
+            <p:ph idx="1"/>
+          </p:nvPr>
+        </p:nvPicPr>
+        <p:blipFill>
+          <a:blip r:embed="rId4"/>
+          <a:stretch>
+            <a:fillRect/>
+          </a:stretch>
+        </p:blipFill>
+        <p:spPr>
+          <a:xfrm>
+            <a:off x="6239545" y="60588"/>
+            <a:ext cx="5952152" cy="4955167"/>
+          </a:xfrm>
+          <a:prstGeom prst="rect">
+            <a:avLst/>
+          </a:prstGeom>
+        </p:spPr>
+      </p:pic>
+      <p:cxnSp>
+        <p:nvCxnSpPr>
+          <p:cNvPr id="66" name="Straight Connector 65">
+            <a:extLst>
+              <a:ext uri="{FF2B5EF4-FFF2-40B4-BE49-F238E27FC236}">
+                <a16:creationId xmlns:a16="http://schemas.microsoft.com/office/drawing/2014/main" id="{96A4B1E0-284C-4A01-8141-A24D2B8EE093}"/>
+              </a:ext>
+              <a:ext uri="{C183D7F6-B498-43B3-948B-1728B52AA6E4}">
+                <adec:decorative xmlns:adec="http://schemas.microsoft.com/office/drawing/2017/decorative" val="1"/>
+              </a:ext>
+            </a:extLst>
+          </p:cNvPr>
+          <p:cNvCxnSpPr>
+            <a:cxnSpLocks noGrp="1" noRot="1" noChangeAspect="1" noMove="1" noResize="1" noEditPoints="1" noAdjustHandles="1" noChangeArrowheads="1" noChangeShapeType="1"/>
+          </p:cNvCxnSpPr>
+          <p:nvPr>
+            <p:extLst>
+              <p:ext uri="{386F3935-93C4-4BCD-93E2-E3B085C9AB24}">
+                <p16:designElem xmlns:p16="http://schemas.microsoft.com/office/powerpoint/2015/main" val="1"/>
+              </p:ext>
+            </p:extLst>
+          </p:nvPr>
+        </p:nvCxnSpPr>
+        <p:spPr>
+          <a:xfrm>
+            <a:off x="1776728" y="5027185"/>
+            <a:ext cx="8643010" cy="0"/>
+          </a:xfrm>
+          <a:prstGeom prst="line">
+            <a:avLst/>
+          </a:prstGeom>
+          <a:ln w="31750"/>
+        </p:spPr>
+        <p:style>
+          <a:lnRef idx="3">
+            <a:schemeClr val="accent1"/>
+          </a:lnRef>
+          <a:fillRef idx="0">
+            <a:schemeClr val="accent1"/>
+          </a:fillRef>
+          <a:effectRef idx="2">
+            <a:schemeClr val="accent1"/>
+          </a:effectRef>
+          <a:fontRef idx="minor">
+            <a:schemeClr val="tx1"/>
+          </a:fontRef>
+        </p:style>
+      </p:cxnSp>
+      <p:pic>
+        <p:nvPicPr>
+          <p:cNvPr id="68" name="Picture 67">
+            <a:extLst>
+              <a:ext uri="{FF2B5EF4-FFF2-40B4-BE49-F238E27FC236}">
+                <a16:creationId xmlns:a16="http://schemas.microsoft.com/office/drawing/2014/main" id="{F82046CE-87C5-4670-A404-6AB453F5A928}"/>
+              </a:ext>
+              <a:ext uri="{C183D7F6-B498-43B3-948B-1728B52AA6E4}">
+                <adec:decorative xmlns:adec="http://schemas.microsoft.com/office/drawing/2017/decorative" val="1"/>
+              </a:ext>
+            </a:extLst>
+          </p:cNvPr>
+          <p:cNvPicPr>
+            <a:picLocks noGrp="1" noRot="1" noChangeAspect="1" noMove="1" noResize="1" noEditPoints="1" noAdjustHandles="1" noChangeArrowheads="1" noChangeShapeType="1" noCrop="1"/>
+          </p:cNvPicPr>
+          <p:nvPr>
+            <p:extLst>
+              <p:ext uri="{386F3935-93C4-4BCD-93E2-E3B085C9AB24}">
+                <p16:designElem xmlns:p16="http://schemas.microsoft.com/office/powerpoint/2015/main" val="1"/>
+              </p:ext>
+            </p:extLst>
+          </p:nvPr>
+        </p:nvPicPr>
+        <p:blipFill rotWithShape="1">
+          <a:blip r:embed="rId2">
+            <a:extLst>
+              <a:ext uri="{28A0092B-C50C-407E-A947-70E740481C1C}">
+                <a14:useLocalDpi xmlns:a14="http://schemas.microsoft.com/office/drawing/2010/main" val="0"/>
+              </a:ext>
+            </a:extLst>
+          </a:blip>
+          <a:srcRect t="1538" b="-1538"/>
+          <a:stretch/>
+        </p:blipFill>
+        <p:spPr bwMode="black">
+          <a:xfrm>
+            <a:off x="0" y="6126480"/>
+            <a:ext cx="12192000" cy="742950"/>
+          </a:xfrm>
+          <a:prstGeom prst="rect">
+            <a:avLst/>
+          </a:prstGeom>
+        </p:spPr>
+      </p:pic>
+      <p:cxnSp>
+        <p:nvCxnSpPr>
+          <p:cNvPr id="70" name="Straight Connector 69">
+            <a:extLst>
+              <a:ext uri="{FF2B5EF4-FFF2-40B4-BE49-F238E27FC236}">
+                <a16:creationId xmlns:a16="http://schemas.microsoft.com/office/drawing/2014/main" id="{A224BAD7-5931-4CA6-BB58-0CBCFCFA65A5}"/>
+              </a:ext>
+              <a:ext uri="{C183D7F6-B498-43B3-948B-1728B52AA6E4}">
+                <adec:decorative xmlns:adec="http://schemas.microsoft.com/office/drawing/2017/decorative" val="1"/>
+              </a:ext>
+            </a:extLst>
+          </p:cNvPr>
+          <p:cNvCxnSpPr>
+            <a:cxnSpLocks noGrp="1" noRot="1" noChangeAspect="1" noMove="1" noResize="1" noEditPoints="1" noAdjustHandles="1" noChangeArrowheads="1" noChangeShapeType="1"/>
+          </p:cNvCxnSpPr>
+          <p:nvPr>
+            <p:extLst>
+              <p:ext uri="{386F3935-93C4-4BCD-93E2-E3B085C9AB24}">
+                <p16:designElem xmlns:p16="http://schemas.microsoft.com/office/powerpoint/2015/main" val="1"/>
+              </p:ext>
+            </p:extLst>
+          </p:nvPr>
+        </p:nvCxnSpPr>
+        <p:spPr>
+          <a:xfrm>
+            <a:off x="0" y="6128413"/>
+            <a:ext cx="12192000" cy="0"/>
+          </a:xfrm>
+          <a:prstGeom prst="line">
+            <a:avLst/>
+          </a:prstGeom>
+          <a:ln w="12700">
+            <a:solidFill>
+              <a:srgbClr val="000001">
+                <a:alpha val="20000"/>
+              </a:srgbClr>
+            </a:solidFill>
+          </a:ln>
+        </p:spPr>
+        <p:style>
+          <a:lnRef idx="1">
+            <a:schemeClr val="accent1"/>
+          </a:lnRef>
+          <a:fillRef idx="0">
+            <a:schemeClr val="accent1"/>
+          </a:fillRef>
+          <a:effectRef idx="0">
+            <a:schemeClr val="accent1"/>
+          </a:effectRef>
+          <a:fontRef idx="minor">
+            <a:schemeClr val="tx1"/>
+          </a:fontRef>
+        </p:style>
+      </p:cxnSp>
+      <p:pic>
+        <p:nvPicPr>
+          <p:cNvPr id="4" name="Picture 3">
+            <a:extLst>
+              <a:ext uri="{FF2B5EF4-FFF2-40B4-BE49-F238E27FC236}">
+                <a16:creationId xmlns:a16="http://schemas.microsoft.com/office/drawing/2014/main" id="{B4025A72-5DB8-4975-9D13-82E70F77AD5C}"/>
+              </a:ext>
+            </a:extLst>
+          </p:cNvPr>
+          <p:cNvPicPr>
+            <a:picLocks noChangeAspect="1"/>
+          </p:cNvPicPr>
+          <p:nvPr/>
+        </p:nvPicPr>
+        <p:blipFill>
+          <a:blip r:embed="rId5"/>
+          <a:stretch>
+            <a:fillRect/>
+          </a:stretch>
+        </p:blipFill>
+        <p:spPr>
+          <a:xfrm>
+            <a:off x="11802043" y="6037518"/>
+            <a:ext cx="363019" cy="820482"/>
+          </a:xfrm>
+          <a:prstGeom prst="rect">
+            <a:avLst/>
+          </a:prstGeom>
+        </p:spPr>
+      </p:pic>
+    </p:spTree>
+    <p:extLst>
+      <p:ext uri="{BB962C8B-B14F-4D97-AF65-F5344CB8AC3E}">
+        <p14:creationId xmlns:p14="http://schemas.microsoft.com/office/powerpoint/2010/main" val="3049008599"/>
+      </p:ext>
+    </p:extLst>
+  </p:cSld>
+  <p:clrMapOvr>
+    <a:masterClrMapping/>
+  </p:clrMapOvr>
+</p:sld>
+</file>
+
 <file path=ppt/slides/slide5.xml><?xml version="1.0" encoding="utf-8"?>
 <p:sld xmlns:a="http://schemas.openxmlformats.org/drawingml/2006/main" xmlns:r="http://schemas.openxmlformats.org/officeDocument/2006/relationships" xmlns:p="http://schemas.openxmlformats.org/presentationml/2006/main">
   <p:cSld>
@@ -4547,19 +8907,15 @@
         </p:nvSpPr>
         <p:spPr/>
         <p:txBody>
-          <a:bodyPr/>
+          <a:bodyPr>
+            <a:normAutofit/>
+          </a:bodyPr>
           <a:lstStyle/>
           <a:p>
+            <a:pPr algn="ctr"/>
             <a:r>
               <a:rPr lang="en-US" dirty="0"/>
-              <a:t>Data</a:t>
-            </a:r>
-            <a:br>
-              <a:rPr lang="en-US" dirty="0"/>
-            </a:br>
-            <a:r>
-              <a:rPr lang="en-US" dirty="0"/>
-              <a:t> Clean-Up &amp; Exploration</a:t>
+              <a:t>Data Clean-Up &amp; Exploration</a:t>
             </a:r>
           </a:p>
         </p:txBody>
@@ -4587,8 +8943,34 @@
           <a:p>
             <a:r>
               <a:rPr lang="en-US" dirty="0"/>
-              <a:t>Due to franchise name </a:t>
-            </a:r>
+              <a:t>Game venue data</a:t>
+            </a:r>
+          </a:p>
+          <a:p>
+            <a:pPr lvl="1"/>
+            <a:r>
+              <a:rPr lang="en-US" dirty="0"/>
+              <a:t>Problem discovery due to rank</a:t>
+            </a:r>
+          </a:p>
+          <a:p>
+            <a:r>
+              <a:rPr lang="en-US" dirty="0"/>
+              <a:t>Franchise name changes</a:t>
+            </a:r>
+          </a:p>
+          <a:p>
+            <a:pPr lvl="1"/>
+            <a:r>
+              <a:rPr lang="en-US" dirty="0"/>
+              <a:t>More than 30 teams</a:t>
+            </a:r>
+          </a:p>
+          <a:p>
+            <a:pPr marL="457200" lvl="1" indent="0">
+              <a:buNone/>
+            </a:pPr>
+            <a:endParaRPr lang="en-US" dirty="0"/>
           </a:p>
         </p:txBody>
       </p:sp>
@@ -4668,9 +9050,16 @@
             <p:ph type="title"/>
           </p:nvPr>
         </p:nvSpPr>
-        <p:spPr/>
+        <p:spPr>
+          <a:xfrm>
+            <a:off x="1451579" y="751253"/>
+            <a:ext cx="9603275" cy="1049235"/>
+          </a:xfrm>
+        </p:spPr>
         <p:txBody>
-          <a:bodyPr/>
+          <a:bodyPr>
+            <a:normAutofit fontScale="90000"/>
+          </a:bodyPr>
           <a:lstStyle/>
           <a:p>
             <a:r>
@@ -4684,6 +9073,10 @@
               <a:rPr lang="en-US" dirty="0"/>
               <a:t>Analysis </a:t>
             </a:r>
+            <a:br>
+              <a:rPr lang="en-US" dirty="0"/>
+            </a:br>
+            <a:endParaRPr lang="en-US" dirty="0"/>
           </a:p>
         </p:txBody>
       </p:sp>
@@ -4708,134 +9101,7 @@
           <a:bodyPr/>
           <a:lstStyle/>
           <a:p>
-            <a:endParaRPr lang="en-US"/>
-          </a:p>
-        </p:txBody>
-      </p:sp>
-      <p:pic>
-        <p:nvPicPr>
-          <p:cNvPr id="4" name="Picture 3">
-            <a:extLst>
-              <a:ext uri="{FF2B5EF4-FFF2-40B4-BE49-F238E27FC236}">
-                <a16:creationId xmlns:a16="http://schemas.microsoft.com/office/drawing/2014/main" id="{D2C98F3F-6E18-4B0F-B118-651C8CFB7C38}"/>
-              </a:ext>
-            </a:extLst>
-          </p:cNvPr>
-          <p:cNvPicPr>
-            <a:picLocks noChangeAspect="1"/>
-          </p:cNvPicPr>
-          <p:nvPr/>
-        </p:nvPicPr>
-        <p:blipFill>
-          <a:blip r:embed="rId2"/>
-          <a:stretch>
-            <a:fillRect/>
-          </a:stretch>
-        </p:blipFill>
-        <p:spPr>
-          <a:xfrm>
-            <a:off x="11802043" y="6037518"/>
-            <a:ext cx="363019" cy="820482"/>
-          </a:xfrm>
-          <a:prstGeom prst="rect">
-            <a:avLst/>
-          </a:prstGeom>
-        </p:spPr>
-      </p:pic>
-    </p:spTree>
-    <p:extLst>
-      <p:ext uri="{BB962C8B-B14F-4D97-AF65-F5344CB8AC3E}">
-        <p14:creationId xmlns:p14="http://schemas.microsoft.com/office/powerpoint/2010/main" val="3397641344"/>
-      </p:ext>
-    </p:extLst>
-  </p:cSld>
-  <p:clrMapOvr>
-    <a:masterClrMapping/>
-  </p:clrMapOvr>
-</p:sld>
-</file>
-
-<file path=ppt/slides/slide7.xml><?xml version="1.0" encoding="utf-8"?>
-<p:sld xmlns:a="http://schemas.openxmlformats.org/drawingml/2006/main" xmlns:r="http://schemas.openxmlformats.org/officeDocument/2006/relationships" xmlns:p="http://schemas.openxmlformats.org/presentationml/2006/main">
-  <p:cSld>
-    <p:spTree>
-      <p:nvGrpSpPr>
-        <p:cNvPr id="1" name=""/>
-        <p:cNvGrpSpPr/>
-        <p:nvPr/>
-      </p:nvGrpSpPr>
-      <p:grpSpPr>
-        <a:xfrm>
-          <a:off x="0" y="0"/>
-          <a:ext cx="0" cy="0"/>
-          <a:chOff x="0" y="0"/>
-          <a:chExt cx="0" cy="0"/>
-        </a:xfrm>
-      </p:grpSpPr>
-      <p:sp>
-        <p:nvSpPr>
-          <p:cNvPr id="2" name="Title 1">
-            <a:extLst>
-              <a:ext uri="{FF2B5EF4-FFF2-40B4-BE49-F238E27FC236}">
-                <a16:creationId xmlns:a16="http://schemas.microsoft.com/office/drawing/2014/main" id="{3E1BBF25-7904-424B-8FE9-A38DCDBFD323}"/>
-              </a:ext>
-            </a:extLst>
-          </p:cNvPr>
-          <p:cNvSpPr>
-            <a:spLocks noGrp="1"/>
-          </p:cNvSpPr>
-          <p:nvPr>
-            <p:ph type="title"/>
-          </p:nvPr>
-        </p:nvSpPr>
-        <p:spPr/>
-        <p:txBody>
-          <a:bodyPr/>
-          <a:lstStyle/>
-          <a:p>
-            <a:r>
-              <a:rPr lang="en-US" dirty="0"/>
-              <a:t>Data</a:t>
-            </a:r>
-            <a:br>
-              <a:rPr lang="en-US" dirty="0"/>
-            </a:br>
-            <a:r>
-              <a:rPr lang="en-US" dirty="0"/>
-              <a:t>Analysis </a:t>
-            </a:r>
-            <a:br>
-              <a:rPr lang="en-US" dirty="0"/>
-            </a:br>
-            <a:r>
-              <a:rPr lang="en-US" dirty="0"/>
-              <a:t>(Cont.)</a:t>
-            </a:r>
-          </a:p>
-        </p:txBody>
-      </p:sp>
-      <p:sp>
-        <p:nvSpPr>
-          <p:cNvPr id="3" name="Content Placeholder 2">
-            <a:extLst>
-              <a:ext uri="{FF2B5EF4-FFF2-40B4-BE49-F238E27FC236}">
-                <a16:creationId xmlns:a16="http://schemas.microsoft.com/office/drawing/2014/main" id="{572AF83B-6506-E84B-983A-869AB4FCC7AE}"/>
-              </a:ext>
-            </a:extLst>
-          </p:cNvPr>
-          <p:cNvSpPr>
-            <a:spLocks noGrp="1"/>
-          </p:cNvSpPr>
-          <p:nvPr>
-            <p:ph idx="1"/>
-          </p:nvPr>
-        </p:nvSpPr>
-        <p:spPr/>
-        <p:txBody>
-          <a:bodyPr/>
-          <a:lstStyle/>
-          <a:p>
-            <a:endParaRPr lang="en-US"/>
+            <a:endParaRPr lang="en-US" dirty="0"/>
           </a:p>
         </p:txBody>
       </p:sp>
@@ -4882,7 +9148,7 @@
 </p:sld>
 </file>
 
-<file path=ppt/slides/slide8.xml><?xml version="1.0" encoding="utf-8"?>
+<file path=ppt/slides/slide7.xml><?xml version="1.0" encoding="utf-8"?>
 <p:sld xmlns:a="http://schemas.openxmlformats.org/drawingml/2006/main" xmlns:r="http://schemas.openxmlformats.org/officeDocument/2006/relationships" xmlns:p="http://schemas.openxmlformats.org/presentationml/2006/main">
   <p:cSld>
     <p:spTree>
@@ -4915,9 +9181,16 @@
             <p:ph type="title"/>
           </p:nvPr>
         </p:nvSpPr>
-        <p:spPr/>
+        <p:spPr>
+          <a:xfrm>
+            <a:off x="1451579" y="555945"/>
+            <a:ext cx="9603275" cy="1049235"/>
+          </a:xfrm>
+        </p:spPr>
         <p:txBody>
-          <a:bodyPr/>
+          <a:bodyPr>
+            <a:normAutofit fontScale="90000"/>
+          </a:bodyPr>
           <a:lstStyle/>
           <a:p>
             <a:r>
@@ -5009,7 +9282,7 @@
 </p:sld>
 </file>
 
-<file path=ppt/slides/slide9.xml><?xml version="1.0" encoding="utf-8"?>
+<file path=ppt/slides/slide8.xml><?xml version="1.0" encoding="utf-8"?>
 <p:sld xmlns:a="http://schemas.openxmlformats.org/drawingml/2006/main" xmlns:r="http://schemas.openxmlformats.org/officeDocument/2006/relationships" xmlns:p="http://schemas.openxmlformats.org/presentationml/2006/main">
   <p:cSld>
     <p:spTree>
@@ -5031,7 +9304,7 @@
           <p:cNvPr id="2" name="Title 1">
             <a:extLst>
               <a:ext uri="{FF2B5EF4-FFF2-40B4-BE49-F238E27FC236}">
-                <a16:creationId xmlns:a16="http://schemas.microsoft.com/office/drawing/2014/main" id="{EA637E85-D367-3F4A-B3C8-38699F9B7802}"/>
+                <a16:creationId xmlns:a16="http://schemas.microsoft.com/office/drawing/2014/main" id="{3E1BBF25-7904-424B-8FE9-A38DCDBFD323}"/>
               </a:ext>
             </a:extLst>
           </p:cNvPr>
@@ -5042,14 +9315,35 @@
             <p:ph type="title"/>
           </p:nvPr>
         </p:nvSpPr>
-        <p:spPr/>
+        <p:spPr>
+          <a:xfrm>
+            <a:off x="1451579" y="555945"/>
+            <a:ext cx="9603275" cy="1049235"/>
+          </a:xfrm>
+        </p:spPr>
         <p:txBody>
-          <a:bodyPr/>
+          <a:bodyPr>
+            <a:normAutofit fontScale="90000"/>
+          </a:bodyPr>
           <a:lstStyle/>
           <a:p>
             <a:r>
               <a:rPr lang="en-US" dirty="0"/>
-              <a:t>Findings</a:t>
+              <a:t>Data</a:t>
+            </a:r>
+            <a:br>
+              <a:rPr lang="en-US" dirty="0"/>
+            </a:br>
+            <a:r>
+              <a:rPr lang="en-US" dirty="0"/>
+              <a:t>Analysis </a:t>
+            </a:r>
+            <a:br>
+              <a:rPr lang="en-US" dirty="0"/>
+            </a:br>
+            <a:r>
+              <a:rPr lang="en-US" dirty="0"/>
+              <a:t>(Cont.)</a:t>
             </a:r>
           </a:p>
         </p:txBody>
@@ -5059,7 +9353,7 @@
           <p:cNvPr id="3" name="Content Placeholder 2">
             <a:extLst>
               <a:ext uri="{FF2B5EF4-FFF2-40B4-BE49-F238E27FC236}">
-                <a16:creationId xmlns:a16="http://schemas.microsoft.com/office/drawing/2014/main" id="{BCEFE50D-8AF1-1046-8D66-9C2E9FBF73A9}"/>
+                <a16:creationId xmlns:a16="http://schemas.microsoft.com/office/drawing/2014/main" id="{572AF83B-6506-E84B-983A-869AB4FCC7AE}"/>
               </a:ext>
             </a:extLst>
           </p:cNvPr>
@@ -5084,7 +9378,7 @@
           <p:cNvPr id="4" name="Picture 3">
             <a:extLst>
               <a:ext uri="{FF2B5EF4-FFF2-40B4-BE49-F238E27FC236}">
-                <a16:creationId xmlns:a16="http://schemas.microsoft.com/office/drawing/2014/main" id="{E305C4CB-F3F5-4D54-9ACF-05B1875F1C2B}"/>
+                <a16:creationId xmlns:a16="http://schemas.microsoft.com/office/drawing/2014/main" id="{D2C98F3F-6E18-4B0F-B118-651C8CFB7C38}"/>
               </a:ext>
             </a:extLst>
           </p:cNvPr>
@@ -5112,7 +9406,141 @@
     </p:spTree>
     <p:extLst>
       <p:ext uri="{BB962C8B-B14F-4D97-AF65-F5344CB8AC3E}">
-        <p14:creationId xmlns:p14="http://schemas.microsoft.com/office/powerpoint/2010/main" val="3194318131"/>
+        <p14:creationId xmlns:p14="http://schemas.microsoft.com/office/powerpoint/2010/main" val="1185872797"/>
+      </p:ext>
+    </p:extLst>
+  </p:cSld>
+  <p:clrMapOvr>
+    <a:masterClrMapping/>
+  </p:clrMapOvr>
+</p:sld>
+</file>
+
+<file path=ppt/slides/slide9.xml><?xml version="1.0" encoding="utf-8"?>
+<p:sld xmlns:a="http://schemas.openxmlformats.org/drawingml/2006/main" xmlns:r="http://schemas.openxmlformats.org/officeDocument/2006/relationships" xmlns:p="http://schemas.openxmlformats.org/presentationml/2006/main">
+  <p:cSld>
+    <p:spTree>
+      <p:nvGrpSpPr>
+        <p:cNvPr id="1" name=""/>
+        <p:cNvGrpSpPr/>
+        <p:nvPr/>
+      </p:nvGrpSpPr>
+      <p:grpSpPr>
+        <a:xfrm>
+          <a:off x="0" y="0"/>
+          <a:ext cx="0" cy="0"/>
+          <a:chOff x="0" y="0"/>
+          <a:chExt cx="0" cy="0"/>
+        </a:xfrm>
+      </p:grpSpPr>
+      <p:sp>
+        <p:nvSpPr>
+          <p:cNvPr id="2" name="Title 1">
+            <a:extLst>
+              <a:ext uri="{FF2B5EF4-FFF2-40B4-BE49-F238E27FC236}">
+                <a16:creationId xmlns:a16="http://schemas.microsoft.com/office/drawing/2014/main" id="{3E1BBF25-7904-424B-8FE9-A38DCDBFD323}"/>
+              </a:ext>
+            </a:extLst>
+          </p:cNvPr>
+          <p:cNvSpPr>
+            <a:spLocks noGrp="1"/>
+          </p:cNvSpPr>
+          <p:nvPr>
+            <p:ph type="title"/>
+          </p:nvPr>
+        </p:nvSpPr>
+        <p:spPr>
+          <a:xfrm>
+            <a:off x="1451579" y="555945"/>
+            <a:ext cx="9603275" cy="1049235"/>
+          </a:xfrm>
+        </p:spPr>
+        <p:txBody>
+          <a:bodyPr>
+            <a:normAutofit fontScale="90000"/>
+          </a:bodyPr>
+          <a:lstStyle/>
+          <a:p>
+            <a:r>
+              <a:rPr lang="en-US" dirty="0"/>
+              <a:t>Data</a:t>
+            </a:r>
+            <a:br>
+              <a:rPr lang="en-US" dirty="0"/>
+            </a:br>
+            <a:r>
+              <a:rPr lang="en-US" dirty="0"/>
+              <a:t>Analysis </a:t>
+            </a:r>
+            <a:br>
+              <a:rPr lang="en-US" dirty="0"/>
+            </a:br>
+            <a:r>
+              <a:rPr lang="en-US" dirty="0"/>
+              <a:t>(Cont.)</a:t>
+            </a:r>
+          </a:p>
+        </p:txBody>
+      </p:sp>
+      <p:sp>
+        <p:nvSpPr>
+          <p:cNvPr id="3" name="Content Placeholder 2">
+            <a:extLst>
+              <a:ext uri="{FF2B5EF4-FFF2-40B4-BE49-F238E27FC236}">
+                <a16:creationId xmlns:a16="http://schemas.microsoft.com/office/drawing/2014/main" id="{572AF83B-6506-E84B-983A-869AB4FCC7AE}"/>
+              </a:ext>
+            </a:extLst>
+          </p:cNvPr>
+          <p:cNvSpPr>
+            <a:spLocks noGrp="1"/>
+          </p:cNvSpPr>
+          <p:nvPr>
+            <p:ph idx="1"/>
+          </p:nvPr>
+        </p:nvSpPr>
+        <p:spPr/>
+        <p:txBody>
+          <a:bodyPr/>
+          <a:lstStyle/>
+          <a:p>
+            <a:endParaRPr lang="en-US"/>
+          </a:p>
+        </p:txBody>
+      </p:sp>
+      <p:pic>
+        <p:nvPicPr>
+          <p:cNvPr id="4" name="Picture 3">
+            <a:extLst>
+              <a:ext uri="{FF2B5EF4-FFF2-40B4-BE49-F238E27FC236}">
+                <a16:creationId xmlns:a16="http://schemas.microsoft.com/office/drawing/2014/main" id="{D2C98F3F-6E18-4B0F-B118-651C8CFB7C38}"/>
+              </a:ext>
+            </a:extLst>
+          </p:cNvPr>
+          <p:cNvPicPr>
+            <a:picLocks noChangeAspect="1"/>
+          </p:cNvPicPr>
+          <p:nvPr/>
+        </p:nvPicPr>
+        <p:blipFill>
+          <a:blip r:embed="rId2"/>
+          <a:stretch>
+            <a:fillRect/>
+          </a:stretch>
+        </p:blipFill>
+        <p:spPr>
+          <a:xfrm>
+            <a:off x="11802043" y="6037518"/>
+            <a:ext cx="363019" cy="820482"/>
+          </a:xfrm>
+          <a:prstGeom prst="rect">
+            <a:avLst/>
+          </a:prstGeom>
+        </p:spPr>
+      </p:pic>
+    </p:spTree>
+    <p:extLst>
+      <p:ext uri="{BB962C8B-B14F-4D97-AF65-F5344CB8AC3E}">
+        <p14:creationId xmlns:p14="http://schemas.microsoft.com/office/powerpoint/2010/main" val="1767756597"/>
       </p:ext>
     </p:extLst>
   </p:cSld>
@@ -5123,58 +9551,93 @@
 </file>
 
 <file path=ppt/theme/theme1.xml><?xml version="1.0" encoding="utf-8"?>
-<a:theme xmlns:a="http://schemas.openxmlformats.org/drawingml/2006/main" name="Frame">
+<a:theme xmlns:a="http://schemas.openxmlformats.org/drawingml/2006/main" name="Gallery">
   <a:themeElements>
-    <a:clrScheme name="Frame">
+    <a:clrScheme name="Gallery">
       <a:dk1>
-        <a:srgbClr val="000000"/>
+        <a:sysClr val="windowText" lastClr="000000"/>
       </a:dk1>
       <a:lt1>
-        <a:srgbClr val="FFFFFF"/>
+        <a:sysClr val="window" lastClr="FFFFFF"/>
       </a:lt1>
       <a:dk2>
-        <a:srgbClr val="545454"/>
+        <a:srgbClr val="454545"/>
       </a:dk2>
       <a:lt2>
-        <a:srgbClr val="BFBFBF"/>
+        <a:srgbClr val="DFDBD5"/>
       </a:lt2>
       <a:accent1>
-        <a:srgbClr val="40BAD2"/>
+        <a:srgbClr val="B71E42"/>
       </a:accent1>
       <a:accent2>
-        <a:srgbClr val="FAB900"/>
+        <a:srgbClr val="DE478E"/>
       </a:accent2>
       <a:accent3>
-        <a:srgbClr val="90BB23"/>
+        <a:srgbClr val="BC72F0"/>
       </a:accent3>
       <a:accent4>
-        <a:srgbClr val="EE7008"/>
+        <a:srgbClr val="795FAF"/>
       </a:accent4>
       <a:accent5>
-        <a:srgbClr val="1AB39F"/>
+        <a:srgbClr val="586EA6"/>
       </a:accent5>
       <a:accent6>
-        <a:srgbClr val="D5393D"/>
+        <a:srgbClr val="6892A0"/>
       </a:accent6>
       <a:hlink>
-        <a:srgbClr val="90BB23"/>
+        <a:srgbClr val="FA2B5C"/>
       </a:hlink>
       <a:folHlink>
-        <a:srgbClr val="EE7008"/>
+        <a:srgbClr val="BC658E"/>
       </a:folHlink>
     </a:clrScheme>
-    <a:fontScheme name="Frame">
+    <a:fontScheme name="Gallery">
       <a:majorFont>
-        <a:latin typeface="Corbel" panose="020B0503020204020204"/>
+        <a:latin typeface="Gill Sans MT" panose="020B0502020104020203"/>
         <a:ea typeface=""/>
         <a:cs typeface=""/>
-        <a:font script="Jpan" typeface="ＭＳ ゴシック"/>
-        <a:font script="Hang" typeface="HY중고딕"/>
-        <a:font script="Hans" typeface="幼圆"/>
-        <a:font script="Hant" typeface="微軟正黑體"/>
-        <a:font script="Arab" typeface="Tahoma"/>
-        <a:font script="Hebr" typeface="Gisha"/>
-        <a:font script="Thai" typeface="DilleniaUPC"/>
+        <a:font script="Jpan" typeface="游ゴシック Light"/>
+        <a:font script="Hang" typeface="맑은 고딕"/>
+        <a:font script="Hans" typeface="等线 Light"/>
+        <a:font script="Hant" typeface="新細明體"/>
+        <a:font script="Arab" typeface="Times New Roman"/>
+        <a:font script="Hebr" typeface="Times New Roman"/>
+        <a:font script="Thai" typeface="Angsana New"/>
+        <a:font script="Ethi" typeface="Nyala"/>
+        <a:font script="Beng" typeface="Vrinda"/>
+        <a:font script="Gujr" typeface="Shruti"/>
+        <a:font script="Khmr" typeface="MoolBoran"/>
+        <a:font script="Knda" typeface="Tunga"/>
+        <a:font script="Guru" typeface="Raavi"/>
+        <a:font script="Cans" typeface="Euphemia"/>
+        <a:font script="Cher" typeface="Plantagenet Cherokee"/>
+        <a:font script="Yiii" typeface="Microsoft Yi Baiti"/>
+        <a:font script="Tibt" typeface="Microsoft Himalaya"/>
+        <a:font script="Thaa" typeface="MV Boli"/>
+        <a:font script="Deva" typeface="Mangal"/>
+        <a:font script="Telu" typeface="Gautami"/>
+        <a:font script="Taml" typeface="Latha"/>
+        <a:font script="Syrc" typeface="Estrangelo Edessa"/>
+        <a:font script="Orya" typeface="Kalinga"/>
+        <a:font script="Mlym" typeface="Kartika"/>
+        <a:font script="Laoo" typeface="DokChampa"/>
+        <a:font script="Sinh" typeface="Iskoola Pota"/>
+        <a:font script="Mong" typeface="Mongolian Baiti"/>
+        <a:font script="Viet" typeface="Times New Roman"/>
+        <a:font script="Uigh" typeface="Microsoft Uighur"/>
+        <a:font script="Geor" typeface="Sylfaen"/>
+      </a:majorFont>
+      <a:minorFont>
+        <a:latin typeface="Gill Sans MT" panose="020B0502020104020203"/>
+        <a:ea typeface=""/>
+        <a:cs typeface=""/>
+        <a:font script="Jpan" typeface="游ゴシック"/>
+        <a:font script="Hang" typeface="맑은 고딕"/>
+        <a:font script="Hans" typeface="等线"/>
+        <a:font script="Hant" typeface="新細明體"/>
+        <a:font script="Arab" typeface="Arial"/>
+        <a:font script="Hebr" typeface="Arial"/>
+        <a:font script="Thai" typeface="Cordia New"/>
         <a:font script="Ethi" typeface="Nyala"/>
         <a:font script="Beng" typeface="Vrinda"/>
         <a:font script="Gujr" typeface="Shruti"/>
@@ -5195,62 +9658,63 @@
         <a:font script="Laoo" typeface="DokChampa"/>
         <a:font script="Sinh" typeface="Iskoola Pota"/>
         <a:font script="Mong" typeface="Mongolian Baiti"/>
-        <a:font script="Viet" typeface="Tahoma"/>
-        <a:font script="Uigh" typeface="Microsoft Uighur"/>
-        <a:font script="Geor" typeface="Sylfaen"/>
-      </a:majorFont>
-      <a:minorFont>
-        <a:latin typeface="Corbel" panose="020B0503020204020204"/>
-        <a:ea typeface=""/>
-        <a:cs typeface=""/>
-        <a:font script="Jpan" typeface="ＭＳ ゴシック"/>
-        <a:font script="Hang" typeface="HY중고딕"/>
-        <a:font script="Hans" typeface="幼圆"/>
-        <a:font script="Hant" typeface="微軟正黑體"/>
-        <a:font script="Arab" typeface="Tahoma"/>
-        <a:font script="Hebr" typeface="Gisha"/>
-        <a:font script="Thai" typeface="DilleniaUPC"/>
-        <a:font script="Ethi" typeface="Nyala"/>
-        <a:font script="Beng" typeface="Vrinda"/>
-        <a:font script="Gujr" typeface="Shruti"/>
-        <a:font script="Khmr" typeface="DaunPenh"/>
-        <a:font script="Knda" typeface="Tunga"/>
-        <a:font script="Guru" typeface="Raavi"/>
-        <a:font script="Cans" typeface="Euphemia"/>
-        <a:font script="Cher" typeface="Plantagenet Cherokee"/>
-        <a:font script="Yiii" typeface="Microsoft Yi Baiti"/>
-        <a:font script="Tibt" typeface="Microsoft Himalaya"/>
-        <a:font script="Thaa" typeface="MV Boli"/>
-        <a:font script="Deva" typeface="Mangal"/>
-        <a:font script="Telu" typeface="Gautami"/>
-        <a:font script="Taml" typeface="Latha"/>
-        <a:font script="Syrc" typeface="Estrangelo Edessa"/>
-        <a:font script="Orya" typeface="Kalinga"/>
-        <a:font script="Mlym" typeface="Kartika"/>
-        <a:font script="Laoo" typeface="DokChampa"/>
-        <a:font script="Sinh" typeface="Iskoola Pota"/>
-        <a:font script="Mong" typeface="Mongolian Baiti"/>
-        <a:font script="Viet" typeface="Verdana"/>
+        <a:font script="Viet" typeface="Arial"/>
         <a:font script="Uigh" typeface="Microsoft Uighur"/>
         <a:font script="Geor" typeface="Sylfaen"/>
       </a:minorFont>
     </a:fontScheme>
-    <a:fmtScheme name="Frame">
+    <a:fmtScheme name="Gallery">
       <a:fillStyleLst>
         <a:solidFill>
           <a:schemeClr val="phClr"/>
         </a:solidFill>
-        <a:solidFill>
-          <a:schemeClr val="phClr">
-            <a:tint val="65000"/>
-          </a:schemeClr>
-        </a:solidFill>
-        <a:solidFill>
-          <a:schemeClr val="phClr">
-            <a:shade val="80000"/>
-            <a:satMod val="150000"/>
-          </a:schemeClr>
-        </a:solidFill>
+        <a:gradFill rotWithShape="1">
+          <a:gsLst>
+            <a:gs pos="0">
+              <a:schemeClr val="phClr">
+                <a:tint val="54000"/>
+                <a:alpha val="100000"/>
+                <a:satMod val="105000"/>
+                <a:lumMod val="110000"/>
+              </a:schemeClr>
+            </a:gs>
+            <a:gs pos="100000">
+              <a:schemeClr val="phClr">
+                <a:tint val="78000"/>
+                <a:alpha val="92000"/>
+                <a:satMod val="109000"/>
+                <a:lumMod val="100000"/>
+              </a:schemeClr>
+            </a:gs>
+          </a:gsLst>
+          <a:lin ang="5400000" scaled="0"/>
+        </a:gradFill>
+        <a:gradFill rotWithShape="1">
+          <a:gsLst>
+            <a:gs pos="0">
+              <a:schemeClr val="phClr">
+                <a:tint val="98000"/>
+                <a:satMod val="110000"/>
+                <a:lumMod val="104000"/>
+              </a:schemeClr>
+            </a:gs>
+            <a:gs pos="69000">
+              <a:schemeClr val="phClr">
+                <a:shade val="88000"/>
+                <a:satMod val="130000"/>
+                <a:lumMod val="92000"/>
+              </a:schemeClr>
+            </a:gs>
+            <a:gs pos="100000">
+              <a:schemeClr val="phClr">
+                <a:shade val="78000"/>
+                <a:satMod val="130000"/>
+                <a:lumMod val="92000"/>
+              </a:schemeClr>
+            </a:gs>
+          </a:gsLst>
+          <a:lin ang="5400000" scaled="0"/>
+        </a:gradFill>
       </a:fillStyleLst>
       <a:lnStyleLst>
         <a:ln w="9525" cap="flat" cmpd="sng" algn="ctr">
@@ -5259,19 +9723,15 @@
           </a:solidFill>
           <a:prstDash val="solid"/>
         </a:ln>
-        <a:ln w="10795" cap="flat" cmpd="sng" algn="ctr">
+        <a:ln w="15875" cap="flat" cmpd="sng" algn="ctr">
           <a:solidFill>
             <a:schemeClr val="phClr"/>
           </a:solidFill>
           <a:prstDash val="solid"/>
         </a:ln>
-        <a:ln w="17145" cap="flat" cmpd="sng" algn="ctr">
+        <a:ln w="22225" cap="flat" cmpd="sng" algn="ctr">
           <a:solidFill>
-            <a:schemeClr val="phClr">
-              <a:shade val="95000"/>
-              <a:alpha val="50000"/>
-              <a:satMod val="150000"/>
-            </a:schemeClr>
+            <a:schemeClr val="phClr"/>
           </a:solidFill>
           <a:prstDash val="solid"/>
         </a:ln>
@@ -5285,9 +9745,9 @@
         </a:effectStyle>
         <a:effectStyle>
           <a:effectLst>
-            <a:outerShdw blurRad="44450" dist="13970" dir="5400000" algn="ctr" rotWithShape="0">
+            <a:outerShdw blurRad="50800" dist="50800" dir="5400000" sx="96000" sy="96000" rotWithShape="0">
               <a:srgbClr val="000000">
-                <a:alpha val="45000"/>
+                <a:alpha val="48000"/>
               </a:srgbClr>
             </a:outerShdw>
           </a:effectLst>
@@ -5295,10 +9755,12 @@
             <a:camera prst="orthographicFront">
               <a:rot lat="0" lon="0" rev="0"/>
             </a:camera>
-            <a:lightRig rig="twoPt" dir="tl"/>
+            <a:lightRig rig="balanced" dir="t">
+              <a:rot lat="0" lon="0" rev="1080000"/>
+            </a:lightRig>
           </a:scene3d>
-          <a:sp3d prstMaterial="flat">
-            <a:bevelT w="12700" h="25400" prst="coolSlant"/>
+          <a:sp3d>
+            <a:bevelT w="38100" h="12700" prst="softRound"/>
           </a:sp3d>
         </a:effectStyle>
       </a:effectStyleLst>
@@ -5307,38 +9769,26 @@
           <a:schemeClr val="phClr"/>
         </a:solidFill>
         <a:solidFill>
-          <a:schemeClr val="phClr">
-            <a:tint val="95000"/>
-            <a:satMod val="170000"/>
-          </a:schemeClr>
+          <a:schemeClr val="phClr"/>
         </a:solidFill>
         <a:gradFill rotWithShape="1">
           <a:gsLst>
             <a:gs pos="0">
               <a:schemeClr val="phClr">
-                <a:tint val="93000"/>
-                <a:shade val="98000"/>
-                <a:satMod val="120000"/>
-                <a:lumMod val="102000"/>
-              </a:schemeClr>
-            </a:gs>
-            <a:gs pos="48000">
-              <a:schemeClr val="phClr">
-                <a:tint val="98000"/>
-                <a:shade val="90000"/>
-                <a:satMod val="110000"/>
-                <a:lumMod val="103000"/>
+                <a:tint val="94000"/>
+                <a:satMod val="80000"/>
+                <a:lumMod val="106000"/>
               </a:schemeClr>
             </a:gs>
             <a:gs pos="100000">
               <a:schemeClr val="phClr">
-                <a:tint val="98000"/>
                 <a:shade val="80000"/>
-                <a:satMod val="100000"/>
               </a:schemeClr>
             </a:gs>
           </a:gsLst>
-          <a:lin ang="5400000" scaled="0"/>
+          <a:path path="circle">
+            <a:fillToRect l="43000" r="43000" b="100000"/>
+          </a:path>
         </a:gradFill>
       </a:bgFillStyleLst>
     </a:fmtScheme>
@@ -5347,7 +9797,7 @@
   <a:extraClrSchemeLst/>
   <a:extLst>
     <a:ext uri="{05A4C25C-085E-4340-85A3-A5531E510DB2}">
-      <thm15:themeFamily xmlns:thm15="http://schemas.microsoft.com/office/thememl/2012/main" name="Frame" id="{F226E7A2-7162-461C-9490-D27D9DC04E43}" vid="{629A0216-3BBD-45C0-B63F-2683BEA18F60}"/>
+      <thm15:themeFamily xmlns:thm15="http://schemas.microsoft.com/office/thememl/2012/main" name="Gallery" id="{BBFCD31E-59A1-489D-B089-A3EAD7CAE12E}" vid="{F5E91637-A7B6-4E27-B710-77DA7014EE1E}"/>
     </a:ext>
   </a:extLst>
 </a:theme>
